--- a/doc/阿里云函数计算.pptx
+++ b/doc/阿里云函数计算.pptx
@@ -28,8 +28,18 @@
     <p:sldId id="280" r:id="rId22"/>
     <p:sldId id="283" r:id="rId23"/>
     <p:sldId id="282" r:id="rId24"/>
-    <p:sldId id="278" r:id="rId25"/>
-    <p:sldId id="279" r:id="rId26"/>
+    <p:sldId id="285" r:id="rId25"/>
+    <p:sldId id="290" r:id="rId26"/>
+    <p:sldId id="287" r:id="rId27"/>
+    <p:sldId id="278" r:id="rId28"/>
+    <p:sldId id="286" r:id="rId29"/>
+    <p:sldId id="288" r:id="rId30"/>
+    <p:sldId id="289" r:id="rId31"/>
+    <p:sldId id="279" r:id="rId32"/>
+    <p:sldId id="291" r:id="rId33"/>
+    <p:sldId id="292" r:id="rId34"/>
+    <p:sldId id="293" r:id="rId35"/>
+    <p:sldId id="294" r:id="rId36"/>
   </p:sldIdLst>
   <p:sldSz cx="12192000" cy="6858000"/>
   <p:notesSz cx="6858000" cy="9144000"/>
@@ -295,7 +305,7 @@
           <a:p>
             <a:fld id="{59D8F9BF-EF54-4203-80D2-381E3616E431}" type="datetimeFigureOut">
               <a:rPr lang="zh-CN" altLang="en-US" smtClean="0"/>
-              <a:t>2020/8/3</a:t>
+              <a:t>2020/8/4</a:t>
             </a:fld>
             <a:endParaRPr lang="zh-CN" altLang="en-US"/>
           </a:p>
@@ -493,7 +503,7 @@
           <a:p>
             <a:fld id="{59D8F9BF-EF54-4203-80D2-381E3616E431}" type="datetimeFigureOut">
               <a:rPr lang="zh-CN" altLang="en-US" smtClean="0"/>
-              <a:t>2020/8/3</a:t>
+              <a:t>2020/8/4</a:t>
             </a:fld>
             <a:endParaRPr lang="zh-CN" altLang="en-US"/>
           </a:p>
@@ -701,7 +711,7 @@
           <a:p>
             <a:fld id="{59D8F9BF-EF54-4203-80D2-381E3616E431}" type="datetimeFigureOut">
               <a:rPr lang="zh-CN" altLang="en-US" smtClean="0"/>
-              <a:t>2020/8/3</a:t>
+              <a:t>2020/8/4</a:t>
             </a:fld>
             <a:endParaRPr lang="zh-CN" altLang="en-US"/>
           </a:p>
@@ -899,7 +909,7 @@
           <a:p>
             <a:fld id="{59D8F9BF-EF54-4203-80D2-381E3616E431}" type="datetimeFigureOut">
               <a:rPr lang="zh-CN" altLang="en-US" smtClean="0"/>
-              <a:t>2020/8/3</a:t>
+              <a:t>2020/8/4</a:t>
             </a:fld>
             <a:endParaRPr lang="zh-CN" altLang="en-US"/>
           </a:p>
@@ -1174,7 +1184,7 @@
           <a:p>
             <a:fld id="{59D8F9BF-EF54-4203-80D2-381E3616E431}" type="datetimeFigureOut">
               <a:rPr lang="zh-CN" altLang="en-US" smtClean="0"/>
-              <a:t>2020/8/3</a:t>
+              <a:t>2020/8/4</a:t>
             </a:fld>
             <a:endParaRPr lang="zh-CN" altLang="en-US"/>
           </a:p>
@@ -1439,7 +1449,7 @@
           <a:p>
             <a:fld id="{59D8F9BF-EF54-4203-80D2-381E3616E431}" type="datetimeFigureOut">
               <a:rPr lang="zh-CN" altLang="en-US" smtClean="0"/>
-              <a:t>2020/8/3</a:t>
+              <a:t>2020/8/4</a:t>
             </a:fld>
             <a:endParaRPr lang="zh-CN" altLang="en-US"/>
           </a:p>
@@ -1851,7 +1861,7 @@
           <a:p>
             <a:fld id="{59D8F9BF-EF54-4203-80D2-381E3616E431}" type="datetimeFigureOut">
               <a:rPr lang="zh-CN" altLang="en-US" smtClean="0"/>
-              <a:t>2020/8/3</a:t>
+              <a:t>2020/8/4</a:t>
             </a:fld>
             <a:endParaRPr lang="zh-CN" altLang="en-US"/>
           </a:p>
@@ -1992,7 +2002,7 @@
           <a:p>
             <a:fld id="{59D8F9BF-EF54-4203-80D2-381E3616E431}" type="datetimeFigureOut">
               <a:rPr lang="zh-CN" altLang="en-US" smtClean="0"/>
-              <a:t>2020/8/3</a:t>
+              <a:t>2020/8/4</a:t>
             </a:fld>
             <a:endParaRPr lang="zh-CN" altLang="en-US"/>
           </a:p>
@@ -2105,7 +2115,7 @@
           <a:p>
             <a:fld id="{59D8F9BF-EF54-4203-80D2-381E3616E431}" type="datetimeFigureOut">
               <a:rPr lang="zh-CN" altLang="en-US" smtClean="0"/>
-              <a:t>2020/8/3</a:t>
+              <a:t>2020/8/4</a:t>
             </a:fld>
             <a:endParaRPr lang="zh-CN" altLang="en-US"/>
           </a:p>
@@ -2416,7 +2426,7 @@
           <a:p>
             <a:fld id="{59D8F9BF-EF54-4203-80D2-381E3616E431}" type="datetimeFigureOut">
               <a:rPr lang="zh-CN" altLang="en-US" smtClean="0"/>
-              <a:t>2020/8/3</a:t>
+              <a:t>2020/8/4</a:t>
             </a:fld>
             <a:endParaRPr lang="zh-CN" altLang="en-US"/>
           </a:p>
@@ -2704,7 +2714,7 @@
           <a:p>
             <a:fld id="{59D8F9BF-EF54-4203-80D2-381E3616E431}" type="datetimeFigureOut">
               <a:rPr lang="zh-CN" altLang="en-US" smtClean="0"/>
-              <a:t>2020/8/3</a:t>
+              <a:t>2020/8/4</a:t>
             </a:fld>
             <a:endParaRPr lang="zh-CN" altLang="en-US"/>
           </a:p>
@@ -2945,7 +2955,7 @@
           <a:p>
             <a:fld id="{59D8F9BF-EF54-4203-80D2-381E3616E431}" type="datetimeFigureOut">
               <a:rPr lang="zh-CN" altLang="en-US" smtClean="0"/>
-              <a:t>2020/8/3</a:t>
+              <a:t>2020/8/4</a:t>
             </a:fld>
             <a:endParaRPr lang="zh-CN" altLang="en-US"/>
           </a:p>
@@ -9063,10 +9073,10 @@
       </p:sp>
       <p:pic>
         <p:nvPicPr>
-          <p:cNvPr id="5" name="图片 4">
-            <a:extLst>
-              <a:ext uri="{FF2B5EF4-FFF2-40B4-BE49-F238E27FC236}">
-                <a16:creationId xmlns:a16="http://schemas.microsoft.com/office/drawing/2014/main" id="{3FD89254-0232-4E67-9603-ADDAAC73F93F}"/>
+          <p:cNvPr id="2" name="图片 1">
+            <a:extLst>
+              <a:ext uri="{FF2B5EF4-FFF2-40B4-BE49-F238E27FC236}">
+                <a16:creationId xmlns:a16="http://schemas.microsoft.com/office/drawing/2014/main" id="{197B3DAA-9627-4222-9559-C6F071E5EADF}"/>
               </a:ext>
             </a:extLst>
           </p:cNvPr>
@@ -9083,8 +9093,8 @@
         </p:blipFill>
         <p:spPr>
           <a:xfrm>
-            <a:off x="1446276" y="2402760"/>
-            <a:ext cx="9296400" cy="3819525"/>
+            <a:off x="1119322" y="2178961"/>
+            <a:ext cx="10093684" cy="4679040"/>
           </a:xfrm>
           <a:prstGeom prst="rect">
             <a:avLst/>
@@ -10020,10 +10030,10 @@
       </p:sp>
       <p:pic>
         <p:nvPicPr>
-          <p:cNvPr id="2" name="图片 1">
-            <a:extLst>
-              <a:ext uri="{FF2B5EF4-FFF2-40B4-BE49-F238E27FC236}">
-                <a16:creationId xmlns:a16="http://schemas.microsoft.com/office/drawing/2014/main" id="{1DF9FEE4-3686-484B-B7D3-DDFCD8A5649C}"/>
+          <p:cNvPr id="4" name="图片 3">
+            <a:extLst>
+              <a:ext uri="{FF2B5EF4-FFF2-40B4-BE49-F238E27FC236}">
+                <a16:creationId xmlns:a16="http://schemas.microsoft.com/office/drawing/2014/main" id="{32A27717-91DB-4E6A-8F29-04CA504A5974}"/>
               </a:ext>
             </a:extLst>
           </p:cNvPr>
@@ -10040,8 +10050,8 @@
         </p:blipFill>
         <p:spPr>
           <a:xfrm>
-            <a:off x="1189296" y="3074335"/>
-            <a:ext cx="10198213" cy="3714946"/>
+            <a:off x="1119322" y="2995748"/>
+            <a:ext cx="10103881" cy="3769036"/>
           </a:xfrm>
           <a:prstGeom prst="rect">
             <a:avLst/>
@@ -10709,7 +10719,7 @@
           <a:p>
             <a:r>
               <a:rPr lang="zh-CN" altLang="en-US" dirty="0"/>
-              <a:t>给函数计算服务分配访问其他服务的权限</a:t>
+              <a:t>给函数计算服务分配访问其他服务的权限（函数计算概览页面查看云监控相关数据）</a:t>
             </a:r>
             <a:endParaRPr lang="en-US" altLang="zh-CN" dirty="0"/>
           </a:p>
@@ -12168,8 +12178,8 @@
         </p:blipFill>
         <p:spPr>
           <a:xfrm>
-            <a:off x="1621951" y="4928414"/>
-            <a:ext cx="8948098" cy="1932977"/>
+            <a:off x="1142247" y="4778531"/>
+            <a:ext cx="10080955" cy="2079470"/>
           </a:xfrm>
           <a:prstGeom prst="rect">
             <a:avLst/>
@@ -12198,8 +12208,8 @@
         </p:blipFill>
         <p:spPr>
           <a:xfrm>
-            <a:off x="1621951" y="2544450"/>
-            <a:ext cx="8948098" cy="2166568"/>
+            <a:off x="1142248" y="2177170"/>
+            <a:ext cx="10070758" cy="2601360"/>
           </a:xfrm>
           <a:prstGeom prst="rect">
             <a:avLst/>
@@ -13599,8 +13609,8 @@
         </p:blipFill>
         <p:spPr>
           <a:xfrm>
-            <a:off x="2086864" y="2464515"/>
-            <a:ext cx="8018272" cy="4061811"/>
+            <a:off x="1119322" y="2177170"/>
+            <a:ext cx="10103778" cy="4680830"/>
           </a:xfrm>
           <a:prstGeom prst="rect">
             <a:avLst/>
@@ -14940,20 +14950,12 @@
           <a:lstStyle/>
           <a:p>
             <a:r>
-              <a:rPr lang="zh-CN" altLang="en-US" sz="4000" dirty="0">
-                <a:solidFill>
-                  <a:srgbClr val="FFFFFF"/>
-                </a:solidFill>
-              </a:rPr>
-              <a:t>云</a:t>
-            </a:r>
-            <a:r>
               <a:rPr lang="en-US" altLang="zh-CN" sz="4000" dirty="0">
                 <a:solidFill>
                   <a:srgbClr val="FFFFFF"/>
                 </a:solidFill>
               </a:rPr>
-              <a:t>RDS MYSQL</a:t>
+              <a:t>VPC</a:t>
             </a:r>
             <a:r>
               <a:rPr lang="zh-CN" altLang="en-US" sz="4000" dirty="0">
@@ -14963,61 +14965,6 @@
               </a:rPr>
               <a:t>介绍</a:t>
             </a:r>
-          </a:p>
-        </p:txBody>
-      </p:sp>
-      <p:sp>
-        <p:nvSpPr>
-          <p:cNvPr id="3" name="内容占位符 2">
-            <a:extLst>
-              <a:ext uri="{FF2B5EF4-FFF2-40B4-BE49-F238E27FC236}">
-                <a16:creationId xmlns:a16="http://schemas.microsoft.com/office/drawing/2014/main" id="{433CF23D-0379-4893-8E7E-93958F51AEAC}"/>
-              </a:ext>
-            </a:extLst>
-          </p:cNvPr>
-          <p:cNvSpPr>
-            <a:spLocks noGrp="1"/>
-          </p:cNvSpPr>
-          <p:nvPr>
-            <p:ph idx="1"/>
-          </p:nvPr>
-        </p:nvSpPr>
-        <p:spPr>
-          <a:xfrm>
-            <a:off x="1189296" y="2341848"/>
-            <a:ext cx="9803116" cy="3111623"/>
-          </a:xfrm>
-        </p:spPr>
-        <p:txBody>
-          <a:bodyPr anchor="ctr">
-            <a:normAutofit/>
-          </a:bodyPr>
-          <a:lstStyle/>
-          <a:p>
-            <a:r>
-              <a:rPr lang="zh-CN" altLang="en-US" sz="2400" b="1" dirty="0"/>
-              <a:t>官网文档地址</a:t>
-            </a:r>
-            <a:endParaRPr lang="en-US" altLang="zh-CN" sz="2400" b="1" dirty="0"/>
-          </a:p>
-          <a:p>
-            <a:pPr marL="0" indent="0">
-              <a:buNone/>
-            </a:pPr>
-            <a:r>
-              <a:rPr lang="en-US" altLang="zh-CN" sz="2400" dirty="0">
-                <a:hlinkClick r:id="rId2"/>
-              </a:rPr>
-              <a:t>https://help.aliyun.com/document_detail/96047.html?spm=a2c4g.11186623.6.616.6e8a75ecVwCDBq</a:t>
-            </a:r>
-            <a:endParaRPr lang="en-US" altLang="zh-CN" sz="2400" dirty="0"/>
-          </a:p>
-          <a:p>
-            <a:r>
-              <a:rPr lang="zh-CN" altLang="en-US" sz="2400" b="1" dirty="0"/>
-              <a:t>需收费</a:t>
-            </a:r>
-            <a:endParaRPr lang="en-US" altLang="zh-CN" sz="2400" b="1" dirty="0"/>
           </a:p>
         </p:txBody>
       </p:sp>
@@ -15068,10 +15015,40 @@
           </a:p>
         </p:txBody>
       </p:sp>
+      <p:pic>
+        <p:nvPicPr>
+          <p:cNvPr id="9" name="图片 8">
+            <a:extLst>
+              <a:ext uri="{FF2B5EF4-FFF2-40B4-BE49-F238E27FC236}">
+                <a16:creationId xmlns:a16="http://schemas.microsoft.com/office/drawing/2014/main" id="{9A8907D9-12AA-431B-84DE-9016BD36F24A}"/>
+              </a:ext>
+            </a:extLst>
+          </p:cNvPr>
+          <p:cNvPicPr>
+            <a:picLocks noChangeAspect="1"/>
+          </p:cNvPicPr>
+          <p:nvPr/>
+        </p:nvPicPr>
+        <p:blipFill>
+          <a:blip r:embed="rId2"/>
+          <a:stretch>
+            <a:fillRect/>
+          </a:stretch>
+        </p:blipFill>
+        <p:spPr>
+          <a:xfrm>
+            <a:off x="1119322" y="2177170"/>
+            <a:ext cx="10093684" cy="4547688"/>
+          </a:xfrm>
+          <a:prstGeom prst="rect">
+            <a:avLst/>
+          </a:prstGeom>
+        </p:spPr>
+      </p:pic>
     </p:spTree>
     <p:extLst>
       <p:ext uri="{BB962C8B-B14F-4D97-AF65-F5344CB8AC3E}">
-        <p14:creationId xmlns:p14="http://schemas.microsoft.com/office/powerpoint/2010/main" val="2800797396"/>
+        <p14:creationId xmlns:p14="http://schemas.microsoft.com/office/powerpoint/2010/main" val="2885321843"/>
       </p:ext>
     </p:extLst>
   </p:cSld>
@@ -15657,20 +15634,12 @@
           <a:lstStyle/>
           <a:p>
             <a:r>
-              <a:rPr lang="zh-CN" altLang="en-US" sz="4000" dirty="0">
-                <a:solidFill>
-                  <a:srgbClr val="FFFFFF"/>
-                </a:solidFill>
-              </a:rPr>
-              <a:t>云</a:t>
-            </a:r>
-            <a:r>
               <a:rPr lang="en-US" altLang="zh-CN" sz="4000" dirty="0">
                 <a:solidFill>
                   <a:srgbClr val="FFFFFF"/>
                 </a:solidFill>
               </a:rPr>
-              <a:t>RDS MYSQL</a:t>
+              <a:t>VPC</a:t>
             </a:r>
             <a:r>
               <a:rPr lang="zh-CN" altLang="en-US" sz="4000" dirty="0">
@@ -15683,38 +15652,6 @@
           </a:p>
         </p:txBody>
       </p:sp>
-      <p:pic>
-        <p:nvPicPr>
-          <p:cNvPr id="4" name="内容占位符 3">
-            <a:extLst>
-              <a:ext uri="{FF2B5EF4-FFF2-40B4-BE49-F238E27FC236}">
-                <a16:creationId xmlns:a16="http://schemas.microsoft.com/office/drawing/2014/main" id="{12D6C6E7-A094-45D7-B487-3B048AAF892D}"/>
-              </a:ext>
-            </a:extLst>
-          </p:cNvPr>
-          <p:cNvPicPr>
-            <a:picLocks noGrp="1" noChangeAspect="1"/>
-          </p:cNvPicPr>
-          <p:nvPr>
-            <p:ph idx="1"/>
-          </p:nvPr>
-        </p:nvPicPr>
-        <p:blipFill>
-          <a:blip r:embed="rId2"/>
-          <a:stretch>
-            <a:fillRect/>
-          </a:stretch>
-        </p:blipFill>
-        <p:spPr>
-          <a:xfrm>
-            <a:off x="2112421" y="2323663"/>
-            <a:ext cx="7956866" cy="4320947"/>
-          </a:xfrm>
-          <a:prstGeom prst="rect">
-            <a:avLst/>
-          </a:prstGeom>
-        </p:spPr>
-      </p:pic>
       <p:sp>
         <p:nvSpPr>
           <p:cNvPr id="11" name="椭圆 10">
@@ -15762,10 +15699,2825 @@
           </a:p>
         </p:txBody>
       </p:sp>
+      <p:pic>
+        <p:nvPicPr>
+          <p:cNvPr id="3" name="图片 2">
+            <a:extLst>
+              <a:ext uri="{FF2B5EF4-FFF2-40B4-BE49-F238E27FC236}">
+                <a16:creationId xmlns:a16="http://schemas.microsoft.com/office/drawing/2014/main" id="{62E94BC1-7AB9-4774-9054-10041D73CE3B}"/>
+              </a:ext>
+            </a:extLst>
+          </p:cNvPr>
+          <p:cNvPicPr>
+            <a:picLocks noChangeAspect="1"/>
+          </p:cNvPicPr>
+          <p:nvPr/>
+        </p:nvPicPr>
+        <p:blipFill>
+          <a:blip r:embed="rId2"/>
+          <a:stretch>
+            <a:fillRect/>
+          </a:stretch>
+        </p:blipFill>
+        <p:spPr>
+          <a:xfrm>
+            <a:off x="1116363" y="2177170"/>
+            <a:ext cx="10106737" cy="4567527"/>
+          </a:xfrm>
+          <a:prstGeom prst="rect">
+            <a:avLst/>
+          </a:prstGeom>
+        </p:spPr>
+      </p:pic>
     </p:spTree>
     <p:extLst>
       <p:ext uri="{BB962C8B-B14F-4D97-AF65-F5344CB8AC3E}">
-        <p14:creationId xmlns:p14="http://schemas.microsoft.com/office/powerpoint/2010/main" val="38244114"/>
+        <p14:creationId xmlns:p14="http://schemas.microsoft.com/office/powerpoint/2010/main" val="1929728237"/>
+      </p:ext>
+    </p:extLst>
+  </p:cSld>
+  <p:clrMapOvr>
+    <a:masterClrMapping/>
+  </p:clrMapOvr>
+</p:sld>
+</file>
+
+<file path=ppt/slides/slide26.xml><?xml version="1.0" encoding="utf-8"?>
+<p:sld xmlns:a="http://schemas.openxmlformats.org/drawingml/2006/main" xmlns:r="http://schemas.openxmlformats.org/officeDocument/2006/relationships" xmlns:p="http://schemas.openxmlformats.org/presentationml/2006/main">
+  <p:cSld>
+    <p:bg>
+      <p:bgPr>
+        <a:solidFill>
+          <a:schemeClr val="bg1"/>
+        </a:solidFill>
+        <a:effectLst/>
+      </p:bgPr>
+    </p:bg>
+    <p:spTree>
+      <p:nvGrpSpPr>
+        <p:cNvPr id="1" name=""/>
+        <p:cNvGrpSpPr/>
+        <p:nvPr/>
+      </p:nvGrpSpPr>
+      <p:grpSpPr>
+        <a:xfrm>
+          <a:off x="0" y="0"/>
+          <a:ext cx="0" cy="0"/>
+          <a:chOff x="0" y="0"/>
+          <a:chExt cx="0" cy="0"/>
+        </a:xfrm>
+      </p:grpSpPr>
+      <p:sp useBgFill="1">
+        <p:nvSpPr>
+          <p:cNvPr id="8" name="Rectangle 7">
+            <a:extLst>
+              <a:ext uri="{FF2B5EF4-FFF2-40B4-BE49-F238E27FC236}">
+                <a16:creationId xmlns:a16="http://schemas.microsoft.com/office/drawing/2014/main" id="{827B839B-9ADE-406B-8590-F1CAEDED45A1}"/>
+              </a:ext>
+              <a:ext uri="{C183D7F6-B498-43B3-948B-1728B52AA6E4}">
+                <adec:decorative xmlns:adec="http://schemas.microsoft.com/office/drawing/2017/decorative" val="1"/>
+              </a:ext>
+            </a:extLst>
+          </p:cNvPr>
+          <p:cNvSpPr>
+            <a:spLocks noGrp="1" noRot="1" noChangeAspect="1" noMove="1" noResize="1" noEditPoints="1" noAdjustHandles="1" noChangeArrowheads="1" noChangeShapeType="1" noTextEdit="1"/>
+          </p:cNvSpPr>
+          <p:nvPr>
+            <p:extLst>
+              <p:ext uri="{386F3935-93C4-4BCD-93E2-E3B085C9AB24}">
+                <p16:designElem xmlns:p16="http://schemas.microsoft.com/office/powerpoint/2015/main" val="1"/>
+              </p:ext>
+            </p:extLst>
+          </p:nvPr>
+        </p:nvSpPr>
+        <p:spPr>
+          <a:xfrm>
+            <a:off x="0" y="0"/>
+            <a:ext cx="12188952" cy="6858000"/>
+          </a:xfrm>
+          <a:prstGeom prst="rect">
+            <a:avLst/>
+          </a:prstGeom>
+          <a:ln>
+            <a:noFill/>
+          </a:ln>
+        </p:spPr>
+        <p:style>
+          <a:lnRef idx="2">
+            <a:schemeClr val="accent1">
+              <a:shade val="50000"/>
+            </a:schemeClr>
+          </a:lnRef>
+          <a:fillRef idx="1">
+            <a:schemeClr val="accent1"/>
+          </a:fillRef>
+          <a:effectRef idx="0">
+            <a:schemeClr val="accent1"/>
+          </a:effectRef>
+          <a:fontRef idx="minor">
+            <a:schemeClr val="lt1"/>
+          </a:fontRef>
+        </p:style>
+        <p:txBody>
+          <a:bodyPr rtlCol="0" anchor="ctr"/>
+          <a:lstStyle/>
+          <a:p>
+            <a:pPr algn="ctr"/>
+            <a:endParaRPr lang="en-US"/>
+          </a:p>
+        </p:txBody>
+      </p:sp>
+      <p:sp>
+        <p:nvSpPr>
+          <p:cNvPr id="10" name="Freeform 45">
+            <a:extLst>
+              <a:ext uri="{FF2B5EF4-FFF2-40B4-BE49-F238E27FC236}">
+                <a16:creationId xmlns:a16="http://schemas.microsoft.com/office/drawing/2014/main" id="{CFE45BF0-46DB-408C-B5F7-7B11716805D4}"/>
+              </a:ext>
+              <a:ext uri="{C183D7F6-B498-43B3-948B-1728B52AA6E4}">
+                <adec:decorative xmlns:adec="http://schemas.microsoft.com/office/drawing/2017/decorative" val="1"/>
+              </a:ext>
+            </a:extLst>
+          </p:cNvPr>
+          <p:cNvSpPr>
+            <a:spLocks noGrp="1" noRot="1" noChangeAspect="1" noMove="1" noResize="1" noEditPoints="1" noAdjustHandles="1" noChangeArrowheads="1" noChangeShapeType="1" noTextEdit="1"/>
+          </p:cNvSpPr>
+          <p:nvPr>
+            <p:extLst>
+              <p:ext uri="{386F3935-93C4-4BCD-93E2-E3B085C9AB24}">
+                <p16:designElem xmlns:p16="http://schemas.microsoft.com/office/powerpoint/2015/main" val="1"/>
+              </p:ext>
+            </p:extLst>
+          </p:nvPr>
+        </p:nvSpPr>
+        <p:spPr bwMode="auto">
+          <a:xfrm>
+            <a:off x="409710" y="1022350"/>
+            <a:ext cx="709612" cy="2095501"/>
+          </a:xfrm>
+          <a:custGeom>
+            <a:avLst/>
+            <a:gdLst>
+              <a:gd name="T0" fmla="*/ 447 w 447"/>
+              <a:gd name="T1" fmla="*/ 1363 h 1363"/>
+              <a:gd name="T2" fmla="*/ 0 w 447"/>
+              <a:gd name="T3" fmla="*/ 987 h 1363"/>
+              <a:gd name="T4" fmla="*/ 0 w 447"/>
+              <a:gd name="T5" fmla="*/ 0 h 1363"/>
+              <a:gd name="T6" fmla="*/ 447 w 447"/>
+              <a:gd name="T7" fmla="*/ 376 h 1363"/>
+              <a:gd name="T8" fmla="*/ 447 w 447"/>
+              <a:gd name="T9" fmla="*/ 1363 h 1363"/>
+            </a:gdLst>
+            <a:ahLst/>
+            <a:cxnLst>
+              <a:cxn ang="0">
+                <a:pos x="T0" y="T1"/>
+              </a:cxn>
+              <a:cxn ang="0">
+                <a:pos x="T2" y="T3"/>
+              </a:cxn>
+              <a:cxn ang="0">
+                <a:pos x="T4" y="T5"/>
+              </a:cxn>
+              <a:cxn ang="0">
+                <a:pos x="T6" y="T7"/>
+              </a:cxn>
+              <a:cxn ang="0">
+                <a:pos x="T8" y="T9"/>
+              </a:cxn>
+            </a:cxnLst>
+            <a:rect l="0" t="0" r="r" b="b"/>
+            <a:pathLst>
+              <a:path w="447" h="1363">
+                <a:moveTo>
+                  <a:pt x="447" y="1363"/>
+                </a:moveTo>
+                <a:lnTo>
+                  <a:pt x="0" y="987"/>
+                </a:lnTo>
+                <a:lnTo>
+                  <a:pt x="0" y="0"/>
+                </a:lnTo>
+                <a:lnTo>
+                  <a:pt x="447" y="376"/>
+                </a:lnTo>
+                <a:lnTo>
+                  <a:pt x="447" y="1363"/>
+                </a:lnTo>
+                <a:close/>
+              </a:path>
+            </a:pathLst>
+          </a:custGeom>
+          <a:solidFill>
+            <a:schemeClr val="accent1">
+              <a:lumMod val="50000"/>
+            </a:schemeClr>
+          </a:solidFill>
+          <a:ln>
+            <a:noFill/>
+          </a:ln>
+        </p:spPr>
+        <p:txBody>
+          <a:bodyPr vert="horz" wrap="square" lIns="91440" tIns="45720" rIns="91440" bIns="45720" numCol="1" anchor="t" anchorCtr="0" compatLnSpc="1">
+            <a:prstTxWarp prst="textNoShape">
+              <a:avLst/>
+            </a:prstTxWarp>
+          </a:bodyPr>
+          <a:lstStyle/>
+          <a:p>
+            <a:endParaRPr lang="en-US"/>
+          </a:p>
+        </p:txBody>
+      </p:sp>
+      <p:sp>
+        <p:nvSpPr>
+          <p:cNvPr id="12" name="Freeform 46">
+            <a:extLst>
+              <a:ext uri="{FF2B5EF4-FFF2-40B4-BE49-F238E27FC236}">
+                <a16:creationId xmlns:a16="http://schemas.microsoft.com/office/drawing/2014/main" id="{2AEBC8F2-97B1-41B4-93F1-2D289E197FBA}"/>
+              </a:ext>
+              <a:ext uri="{C183D7F6-B498-43B3-948B-1728B52AA6E4}">
+                <adec:decorative xmlns:adec="http://schemas.microsoft.com/office/drawing/2017/decorative" val="1"/>
+              </a:ext>
+            </a:extLst>
+          </p:cNvPr>
+          <p:cNvSpPr>
+            <a:spLocks noGrp="1" noRot="1" noChangeAspect="1" noMove="1" noResize="1" noEditPoints="1" noAdjustHandles="1" noChangeArrowheads="1" noChangeShapeType="1" noTextEdit="1"/>
+          </p:cNvSpPr>
+          <p:nvPr>
+            <p:extLst>
+              <p:ext uri="{386F3935-93C4-4BCD-93E2-E3B085C9AB24}">
+                <p16:designElem xmlns:p16="http://schemas.microsoft.com/office/powerpoint/2015/main" val="1"/>
+              </p:ext>
+            </p:extLst>
+          </p:nvPr>
+        </p:nvSpPr>
+        <p:spPr bwMode="auto">
+          <a:xfrm>
+            <a:off x="409710" y="837744"/>
+            <a:ext cx="403225" cy="1705431"/>
+          </a:xfrm>
+          <a:custGeom>
+            <a:avLst/>
+            <a:gdLst>
+              <a:gd name="T0" fmla="*/ 254 w 254"/>
+              <a:gd name="T1" fmla="*/ 987 h 1109"/>
+              <a:gd name="T2" fmla="*/ 0 w 254"/>
+              <a:gd name="T3" fmla="*/ 1109 h 1109"/>
+              <a:gd name="T4" fmla="*/ 0 w 254"/>
+              <a:gd name="T5" fmla="*/ 119 h 1109"/>
+              <a:gd name="T6" fmla="*/ 254 w 254"/>
+              <a:gd name="T7" fmla="*/ 0 h 1109"/>
+              <a:gd name="T8" fmla="*/ 254 w 254"/>
+              <a:gd name="T9" fmla="*/ 987 h 1109"/>
+            </a:gdLst>
+            <a:ahLst/>
+            <a:cxnLst>
+              <a:cxn ang="0">
+                <a:pos x="T0" y="T1"/>
+              </a:cxn>
+              <a:cxn ang="0">
+                <a:pos x="T2" y="T3"/>
+              </a:cxn>
+              <a:cxn ang="0">
+                <a:pos x="T4" y="T5"/>
+              </a:cxn>
+              <a:cxn ang="0">
+                <a:pos x="T6" y="T7"/>
+              </a:cxn>
+              <a:cxn ang="0">
+                <a:pos x="T8" y="T9"/>
+              </a:cxn>
+            </a:cxnLst>
+            <a:rect l="0" t="0" r="r" b="b"/>
+            <a:pathLst>
+              <a:path w="254" h="1109">
+                <a:moveTo>
+                  <a:pt x="254" y="987"/>
+                </a:moveTo>
+                <a:lnTo>
+                  <a:pt x="0" y="1109"/>
+                </a:lnTo>
+                <a:lnTo>
+                  <a:pt x="0" y="119"/>
+                </a:lnTo>
+                <a:lnTo>
+                  <a:pt x="254" y="0"/>
+                </a:lnTo>
+                <a:lnTo>
+                  <a:pt x="254" y="987"/>
+                </a:lnTo>
+                <a:close/>
+              </a:path>
+            </a:pathLst>
+          </a:custGeom>
+          <a:solidFill>
+            <a:schemeClr val="accent1">
+              <a:lumMod val="75000"/>
+            </a:schemeClr>
+          </a:solidFill>
+          <a:ln>
+            <a:noFill/>
+          </a:ln>
+        </p:spPr>
+        <p:txBody>
+          <a:bodyPr vert="horz" wrap="square" lIns="91440" tIns="45720" rIns="91440" bIns="45720" numCol="1" anchor="t" anchorCtr="0" compatLnSpc="1">
+            <a:prstTxWarp prst="textNoShape">
+              <a:avLst/>
+            </a:prstTxWarp>
+          </a:bodyPr>
+          <a:lstStyle/>
+          <a:p>
+            <a:endParaRPr lang="en-US"/>
+          </a:p>
+        </p:txBody>
+      </p:sp>
+      <p:sp>
+        <p:nvSpPr>
+          <p:cNvPr id="14" name="Freeform 47">
+            <a:extLst>
+              <a:ext uri="{FF2B5EF4-FFF2-40B4-BE49-F238E27FC236}">
+                <a16:creationId xmlns:a16="http://schemas.microsoft.com/office/drawing/2014/main" id="{472E3A19-F5D5-48FC-BB9C-48C2F68F598B}"/>
+              </a:ext>
+              <a:ext uri="{C183D7F6-B498-43B3-948B-1728B52AA6E4}">
+                <adec:decorative xmlns:adec="http://schemas.microsoft.com/office/drawing/2017/decorative" val="1"/>
+              </a:ext>
+            </a:extLst>
+          </p:cNvPr>
+          <p:cNvSpPr>
+            <a:spLocks noGrp="1" noRot="1" noChangeAspect="1" noMove="1" noResize="1" noEditPoints="1" noAdjustHandles="1" noChangeArrowheads="1" noChangeShapeType="1" noTextEdit="1"/>
+          </p:cNvSpPr>
+          <p:nvPr>
+            <p:extLst>
+              <p:ext uri="{386F3935-93C4-4BCD-93E2-E3B085C9AB24}">
+                <p16:designElem xmlns:p16="http://schemas.microsoft.com/office/powerpoint/2015/main" val="1"/>
+              </p:ext>
+            </p:extLst>
+          </p:nvPr>
+        </p:nvSpPr>
+        <p:spPr bwMode="auto">
+          <a:xfrm>
+            <a:off x="644660" y="640894"/>
+            <a:ext cx="168275" cy="1713195"/>
+          </a:xfrm>
+          <a:custGeom>
+            <a:avLst/>
+            <a:gdLst>
+              <a:gd name="T0" fmla="*/ 106 w 106"/>
+              <a:gd name="T1" fmla="*/ 1114 h 1114"/>
+              <a:gd name="T2" fmla="*/ 0 w 106"/>
+              <a:gd name="T3" fmla="*/ 1005 h 1114"/>
+              <a:gd name="T4" fmla="*/ 0 w 106"/>
+              <a:gd name="T5" fmla="*/ 0 h 1114"/>
+              <a:gd name="T6" fmla="*/ 106 w 106"/>
+              <a:gd name="T7" fmla="*/ 110 h 1114"/>
+              <a:gd name="T8" fmla="*/ 106 w 106"/>
+              <a:gd name="T9" fmla="*/ 1114 h 1114"/>
+            </a:gdLst>
+            <a:ahLst/>
+            <a:cxnLst>
+              <a:cxn ang="0">
+                <a:pos x="T0" y="T1"/>
+              </a:cxn>
+              <a:cxn ang="0">
+                <a:pos x="T2" y="T3"/>
+              </a:cxn>
+              <a:cxn ang="0">
+                <a:pos x="T4" y="T5"/>
+              </a:cxn>
+              <a:cxn ang="0">
+                <a:pos x="T6" y="T7"/>
+              </a:cxn>
+              <a:cxn ang="0">
+                <a:pos x="T8" y="T9"/>
+              </a:cxn>
+            </a:cxnLst>
+            <a:rect l="0" t="0" r="r" b="b"/>
+            <a:pathLst>
+              <a:path w="106" h="1114">
+                <a:moveTo>
+                  <a:pt x="106" y="1114"/>
+                </a:moveTo>
+                <a:lnTo>
+                  <a:pt x="0" y="1005"/>
+                </a:lnTo>
+                <a:lnTo>
+                  <a:pt x="0" y="0"/>
+                </a:lnTo>
+                <a:lnTo>
+                  <a:pt x="106" y="110"/>
+                </a:lnTo>
+                <a:lnTo>
+                  <a:pt x="106" y="1114"/>
+                </a:lnTo>
+                <a:close/>
+              </a:path>
+            </a:pathLst>
+          </a:custGeom>
+          <a:solidFill>
+            <a:schemeClr val="accent1">
+              <a:lumMod val="50000"/>
+            </a:schemeClr>
+          </a:solidFill>
+          <a:ln>
+            <a:noFill/>
+          </a:ln>
+        </p:spPr>
+        <p:txBody>
+          <a:bodyPr vert="horz" wrap="square" lIns="91440" tIns="45720" rIns="91440" bIns="45720" numCol="1" anchor="t" anchorCtr="0" compatLnSpc="1">
+            <a:prstTxWarp prst="textNoShape">
+              <a:avLst/>
+            </a:prstTxWarp>
+          </a:bodyPr>
+          <a:lstStyle/>
+          <a:p>
+            <a:endParaRPr lang="en-US"/>
+          </a:p>
+        </p:txBody>
+      </p:sp>
+      <p:sp>
+        <p:nvSpPr>
+          <p:cNvPr id="16" name="Freeform 44">
+            <a:extLst>
+              <a:ext uri="{FF2B5EF4-FFF2-40B4-BE49-F238E27FC236}">
+                <a16:creationId xmlns:a16="http://schemas.microsoft.com/office/drawing/2014/main" id="{7A62E32F-BB65-43A8-8EB5-92346890E549}"/>
+              </a:ext>
+              <a:ext uri="{C183D7F6-B498-43B3-948B-1728B52AA6E4}">
+                <adec:decorative xmlns:adec="http://schemas.microsoft.com/office/drawing/2017/decorative" val="1"/>
+              </a:ext>
+            </a:extLst>
+          </p:cNvPr>
+          <p:cNvSpPr>
+            <a:spLocks noGrp="1" noRot="1" noChangeAspect="1" noMove="1" noResize="1" noEditPoints="1" noAdjustHandles="1" noChangeArrowheads="1" noChangeShapeType="1" noTextEdit="1"/>
+          </p:cNvSpPr>
+          <p:nvPr>
+            <p:extLst>
+              <p:ext uri="{386F3935-93C4-4BCD-93E2-E3B085C9AB24}">
+                <p16:designElem xmlns:p16="http://schemas.microsoft.com/office/powerpoint/2015/main" val="1"/>
+              </p:ext>
+            </p:extLst>
+          </p:nvPr>
+        </p:nvSpPr>
+        <p:spPr bwMode="auto">
+          <a:xfrm>
+            <a:off x="11223203" y="635716"/>
+            <a:ext cx="328612" cy="1742360"/>
+          </a:xfrm>
+          <a:custGeom>
+            <a:avLst/>
+            <a:gdLst>
+              <a:gd name="T0" fmla="*/ 207 w 207"/>
+              <a:gd name="T1" fmla="*/ 987 h 1114"/>
+              <a:gd name="T2" fmla="*/ 0 w 207"/>
+              <a:gd name="T3" fmla="*/ 1114 h 1114"/>
+              <a:gd name="T4" fmla="*/ 0 w 207"/>
+              <a:gd name="T5" fmla="*/ 127 h 1114"/>
+              <a:gd name="T6" fmla="*/ 207 w 207"/>
+              <a:gd name="T7" fmla="*/ 0 h 1114"/>
+              <a:gd name="T8" fmla="*/ 207 w 207"/>
+              <a:gd name="T9" fmla="*/ 987 h 1114"/>
+            </a:gdLst>
+            <a:ahLst/>
+            <a:cxnLst>
+              <a:cxn ang="0">
+                <a:pos x="T0" y="T1"/>
+              </a:cxn>
+              <a:cxn ang="0">
+                <a:pos x="T2" y="T3"/>
+              </a:cxn>
+              <a:cxn ang="0">
+                <a:pos x="T4" y="T5"/>
+              </a:cxn>
+              <a:cxn ang="0">
+                <a:pos x="T6" y="T7"/>
+              </a:cxn>
+              <a:cxn ang="0">
+                <a:pos x="T8" y="T9"/>
+              </a:cxn>
+            </a:cxnLst>
+            <a:rect l="0" t="0" r="r" b="b"/>
+            <a:pathLst>
+              <a:path w="207" h="1114">
+                <a:moveTo>
+                  <a:pt x="207" y="987"/>
+                </a:moveTo>
+                <a:lnTo>
+                  <a:pt x="0" y="1114"/>
+                </a:lnTo>
+                <a:lnTo>
+                  <a:pt x="0" y="127"/>
+                </a:lnTo>
+                <a:lnTo>
+                  <a:pt x="207" y="0"/>
+                </a:lnTo>
+                <a:lnTo>
+                  <a:pt x="207" y="987"/>
+                </a:lnTo>
+                <a:close/>
+              </a:path>
+            </a:pathLst>
+          </a:custGeom>
+          <a:solidFill>
+            <a:schemeClr val="accent1">
+              <a:lumMod val="50000"/>
+            </a:schemeClr>
+          </a:solidFill>
+          <a:ln>
+            <a:noFill/>
+          </a:ln>
+        </p:spPr>
+        <p:txBody>
+          <a:bodyPr vert="horz" wrap="square" lIns="91440" tIns="45720" rIns="91440" bIns="45720" numCol="1" anchor="t" anchorCtr="0" compatLnSpc="1">
+            <a:prstTxWarp prst="textNoShape">
+              <a:avLst/>
+            </a:prstTxWarp>
+          </a:bodyPr>
+          <a:lstStyle/>
+          <a:p>
+            <a:endParaRPr lang="en-US"/>
+          </a:p>
+        </p:txBody>
+      </p:sp>
+      <p:sp>
+        <p:nvSpPr>
+          <p:cNvPr id="18" name="Rectangle 17">
+            <a:extLst>
+              <a:ext uri="{FF2B5EF4-FFF2-40B4-BE49-F238E27FC236}">
+                <a16:creationId xmlns:a16="http://schemas.microsoft.com/office/drawing/2014/main" id="{14E91B64-9FCC-451E-AFB4-A827D6329367}"/>
+              </a:ext>
+              <a:ext uri="{C183D7F6-B498-43B3-948B-1728B52AA6E4}">
+                <adec:decorative xmlns:adec="http://schemas.microsoft.com/office/drawing/2017/decorative" val="1"/>
+              </a:ext>
+            </a:extLst>
+          </p:cNvPr>
+          <p:cNvSpPr>
+            <a:spLocks noGrp="1" noRot="1" noChangeAspect="1" noMove="1" noResize="1" noEditPoints="1" noAdjustHandles="1" noChangeArrowheads="1" noChangeShapeType="1" noTextEdit="1"/>
+          </p:cNvSpPr>
+          <p:nvPr>
+            <p:extLst>
+              <p:ext uri="{386F3935-93C4-4BCD-93E2-E3B085C9AB24}">
+                <p16:designElem xmlns:p16="http://schemas.microsoft.com/office/powerpoint/2015/main" val="1"/>
+              </p:ext>
+            </p:extLst>
+          </p:nvPr>
+        </p:nvSpPr>
+        <p:spPr bwMode="auto">
+          <a:xfrm>
+            <a:off x="644055" y="635715"/>
+            <a:ext cx="10907863" cy="1541457"/>
+          </a:xfrm>
+          <a:prstGeom prst="rect">
+            <a:avLst/>
+          </a:prstGeom>
+          <a:solidFill>
+            <a:schemeClr val="accent1"/>
+          </a:solidFill>
+          <a:ln>
+            <a:noFill/>
+          </a:ln>
+        </p:spPr>
+        <p:txBody>
+          <a:bodyPr vert="horz" wrap="square" lIns="91440" tIns="45720" rIns="91440" bIns="45720" numCol="1" anchor="t" anchorCtr="0" compatLnSpc="1">
+            <a:prstTxWarp prst="textNoShape">
+              <a:avLst/>
+            </a:prstTxWarp>
+          </a:bodyPr>
+          <a:lstStyle/>
+          <a:p>
+            <a:endParaRPr lang="en-US"/>
+          </a:p>
+        </p:txBody>
+      </p:sp>
+      <p:sp>
+        <p:nvSpPr>
+          <p:cNvPr id="2" name="标题 1">
+            <a:extLst>
+              <a:ext uri="{FF2B5EF4-FFF2-40B4-BE49-F238E27FC236}">
+                <a16:creationId xmlns:a16="http://schemas.microsoft.com/office/drawing/2014/main" id="{8E0C4025-2C08-4DFF-A551-860A0C947505}"/>
+              </a:ext>
+            </a:extLst>
+          </p:cNvPr>
+          <p:cNvSpPr>
+            <a:spLocks noGrp="1"/>
+          </p:cNvSpPr>
+          <p:nvPr>
+            <p:ph type="title"/>
+          </p:nvPr>
+        </p:nvSpPr>
+        <p:spPr>
+          <a:xfrm>
+            <a:off x="958506" y="800392"/>
+            <a:ext cx="10264697" cy="1212102"/>
+          </a:xfrm>
+        </p:spPr>
+        <p:txBody>
+          <a:bodyPr>
+            <a:normAutofit/>
+          </a:bodyPr>
+          <a:lstStyle/>
+          <a:p>
+            <a:r>
+              <a:rPr lang="en-US" altLang="zh-CN" sz="4000" dirty="0">
+                <a:solidFill>
+                  <a:srgbClr val="FFFFFF"/>
+                </a:solidFill>
+              </a:rPr>
+              <a:t>VPC</a:t>
+            </a:r>
+            <a:r>
+              <a:rPr lang="zh-CN" altLang="en-US" sz="4000" dirty="0">
+                <a:solidFill>
+                  <a:srgbClr val="FFFFFF"/>
+                </a:solidFill>
+              </a:rPr>
+              <a:t>介绍</a:t>
+            </a:r>
+          </a:p>
+        </p:txBody>
+      </p:sp>
+      <p:sp>
+        <p:nvSpPr>
+          <p:cNvPr id="11" name="椭圆 10">
+            <a:extLst>
+              <a:ext uri="{FF2B5EF4-FFF2-40B4-BE49-F238E27FC236}">
+                <a16:creationId xmlns:a16="http://schemas.microsoft.com/office/drawing/2014/main" id="{AAD5ED67-5E59-4269-B305-F62ADEE10A53}"/>
+              </a:ext>
+            </a:extLst>
+          </p:cNvPr>
+          <p:cNvSpPr/>
+          <p:nvPr/>
+        </p:nvSpPr>
+        <p:spPr>
+          <a:xfrm rot="1488327">
+            <a:off x="9033364" y="958121"/>
+            <a:ext cx="2432481" cy="896645"/>
+          </a:xfrm>
+          <a:prstGeom prst="ellipse">
+            <a:avLst/>
+          </a:prstGeom>
+        </p:spPr>
+        <p:style>
+          <a:lnRef idx="3">
+            <a:schemeClr val="lt1"/>
+          </a:lnRef>
+          <a:fillRef idx="1">
+            <a:schemeClr val="accent4"/>
+          </a:fillRef>
+          <a:effectRef idx="1">
+            <a:schemeClr val="accent4"/>
+          </a:effectRef>
+          <a:fontRef idx="minor">
+            <a:schemeClr val="lt1"/>
+          </a:fontRef>
+        </p:style>
+        <p:txBody>
+          <a:bodyPr rtlCol="0" anchor="ctr"/>
+          <a:lstStyle/>
+          <a:p>
+            <a:pPr algn="ctr"/>
+            <a:r>
+              <a:rPr lang="zh-CN" altLang="en-US" dirty="0"/>
+              <a:t>其他相关服务</a:t>
+            </a:r>
+          </a:p>
+        </p:txBody>
+      </p:sp>
+      <p:pic>
+        <p:nvPicPr>
+          <p:cNvPr id="7" name="图片 6">
+            <a:extLst>
+              <a:ext uri="{FF2B5EF4-FFF2-40B4-BE49-F238E27FC236}">
+                <a16:creationId xmlns:a16="http://schemas.microsoft.com/office/drawing/2014/main" id="{041EDA7D-8F87-43AB-A2CC-7AB36E6DFE7C}"/>
+              </a:ext>
+            </a:extLst>
+          </p:cNvPr>
+          <p:cNvPicPr>
+            <a:picLocks noChangeAspect="1"/>
+          </p:cNvPicPr>
+          <p:nvPr/>
+        </p:nvPicPr>
+        <p:blipFill>
+          <a:blip r:embed="rId2"/>
+          <a:stretch>
+            <a:fillRect/>
+          </a:stretch>
+        </p:blipFill>
+        <p:spPr>
+          <a:xfrm>
+            <a:off x="1119322" y="2177170"/>
+            <a:ext cx="10093684" cy="4534348"/>
+          </a:xfrm>
+          <a:prstGeom prst="rect">
+            <a:avLst/>
+          </a:prstGeom>
+        </p:spPr>
+      </p:pic>
+    </p:spTree>
+    <p:extLst>
+      <p:ext uri="{BB962C8B-B14F-4D97-AF65-F5344CB8AC3E}">
+        <p14:creationId xmlns:p14="http://schemas.microsoft.com/office/powerpoint/2010/main" val="3628337828"/>
+      </p:ext>
+    </p:extLst>
+  </p:cSld>
+  <p:clrMapOvr>
+    <a:masterClrMapping/>
+  </p:clrMapOvr>
+</p:sld>
+</file>
+
+<file path=ppt/slides/slide27.xml><?xml version="1.0" encoding="utf-8"?>
+<p:sld xmlns:a="http://schemas.openxmlformats.org/drawingml/2006/main" xmlns:r="http://schemas.openxmlformats.org/officeDocument/2006/relationships" xmlns:p="http://schemas.openxmlformats.org/presentationml/2006/main">
+  <p:cSld>
+    <p:bg>
+      <p:bgPr>
+        <a:solidFill>
+          <a:schemeClr val="bg1"/>
+        </a:solidFill>
+        <a:effectLst/>
+      </p:bgPr>
+    </p:bg>
+    <p:spTree>
+      <p:nvGrpSpPr>
+        <p:cNvPr id="1" name=""/>
+        <p:cNvGrpSpPr/>
+        <p:nvPr/>
+      </p:nvGrpSpPr>
+      <p:grpSpPr>
+        <a:xfrm>
+          <a:off x="0" y="0"/>
+          <a:ext cx="0" cy="0"/>
+          <a:chOff x="0" y="0"/>
+          <a:chExt cx="0" cy="0"/>
+        </a:xfrm>
+      </p:grpSpPr>
+      <p:sp useBgFill="1">
+        <p:nvSpPr>
+          <p:cNvPr id="8" name="Rectangle 7">
+            <a:extLst>
+              <a:ext uri="{FF2B5EF4-FFF2-40B4-BE49-F238E27FC236}">
+                <a16:creationId xmlns:a16="http://schemas.microsoft.com/office/drawing/2014/main" id="{827B839B-9ADE-406B-8590-F1CAEDED45A1}"/>
+              </a:ext>
+              <a:ext uri="{C183D7F6-B498-43B3-948B-1728B52AA6E4}">
+                <adec:decorative xmlns:adec="http://schemas.microsoft.com/office/drawing/2017/decorative" val="1"/>
+              </a:ext>
+            </a:extLst>
+          </p:cNvPr>
+          <p:cNvSpPr>
+            <a:spLocks noGrp="1" noRot="1" noChangeAspect="1" noMove="1" noResize="1" noEditPoints="1" noAdjustHandles="1" noChangeArrowheads="1" noChangeShapeType="1" noTextEdit="1"/>
+          </p:cNvSpPr>
+          <p:nvPr>
+            <p:extLst>
+              <p:ext uri="{386F3935-93C4-4BCD-93E2-E3B085C9AB24}">
+                <p16:designElem xmlns:p16="http://schemas.microsoft.com/office/powerpoint/2015/main" val="1"/>
+              </p:ext>
+            </p:extLst>
+          </p:nvPr>
+        </p:nvSpPr>
+        <p:spPr>
+          <a:xfrm>
+            <a:off x="0" y="0"/>
+            <a:ext cx="12188952" cy="6858000"/>
+          </a:xfrm>
+          <a:prstGeom prst="rect">
+            <a:avLst/>
+          </a:prstGeom>
+          <a:ln>
+            <a:noFill/>
+          </a:ln>
+        </p:spPr>
+        <p:style>
+          <a:lnRef idx="2">
+            <a:schemeClr val="accent1">
+              <a:shade val="50000"/>
+            </a:schemeClr>
+          </a:lnRef>
+          <a:fillRef idx="1">
+            <a:schemeClr val="accent1"/>
+          </a:fillRef>
+          <a:effectRef idx="0">
+            <a:schemeClr val="accent1"/>
+          </a:effectRef>
+          <a:fontRef idx="minor">
+            <a:schemeClr val="lt1"/>
+          </a:fontRef>
+        </p:style>
+        <p:txBody>
+          <a:bodyPr rtlCol="0" anchor="ctr"/>
+          <a:lstStyle/>
+          <a:p>
+            <a:pPr algn="ctr"/>
+            <a:endParaRPr lang="en-US"/>
+          </a:p>
+        </p:txBody>
+      </p:sp>
+      <p:sp>
+        <p:nvSpPr>
+          <p:cNvPr id="10" name="Freeform 45">
+            <a:extLst>
+              <a:ext uri="{FF2B5EF4-FFF2-40B4-BE49-F238E27FC236}">
+                <a16:creationId xmlns:a16="http://schemas.microsoft.com/office/drawing/2014/main" id="{CFE45BF0-46DB-408C-B5F7-7B11716805D4}"/>
+              </a:ext>
+              <a:ext uri="{C183D7F6-B498-43B3-948B-1728B52AA6E4}">
+                <adec:decorative xmlns:adec="http://schemas.microsoft.com/office/drawing/2017/decorative" val="1"/>
+              </a:ext>
+            </a:extLst>
+          </p:cNvPr>
+          <p:cNvSpPr>
+            <a:spLocks noGrp="1" noRot="1" noChangeAspect="1" noMove="1" noResize="1" noEditPoints="1" noAdjustHandles="1" noChangeArrowheads="1" noChangeShapeType="1" noTextEdit="1"/>
+          </p:cNvSpPr>
+          <p:nvPr>
+            <p:extLst>
+              <p:ext uri="{386F3935-93C4-4BCD-93E2-E3B085C9AB24}">
+                <p16:designElem xmlns:p16="http://schemas.microsoft.com/office/powerpoint/2015/main" val="1"/>
+              </p:ext>
+            </p:extLst>
+          </p:nvPr>
+        </p:nvSpPr>
+        <p:spPr bwMode="auto">
+          <a:xfrm>
+            <a:off x="409710" y="1022350"/>
+            <a:ext cx="709612" cy="2095501"/>
+          </a:xfrm>
+          <a:custGeom>
+            <a:avLst/>
+            <a:gdLst>
+              <a:gd name="T0" fmla="*/ 447 w 447"/>
+              <a:gd name="T1" fmla="*/ 1363 h 1363"/>
+              <a:gd name="T2" fmla="*/ 0 w 447"/>
+              <a:gd name="T3" fmla="*/ 987 h 1363"/>
+              <a:gd name="T4" fmla="*/ 0 w 447"/>
+              <a:gd name="T5" fmla="*/ 0 h 1363"/>
+              <a:gd name="T6" fmla="*/ 447 w 447"/>
+              <a:gd name="T7" fmla="*/ 376 h 1363"/>
+              <a:gd name="T8" fmla="*/ 447 w 447"/>
+              <a:gd name="T9" fmla="*/ 1363 h 1363"/>
+            </a:gdLst>
+            <a:ahLst/>
+            <a:cxnLst>
+              <a:cxn ang="0">
+                <a:pos x="T0" y="T1"/>
+              </a:cxn>
+              <a:cxn ang="0">
+                <a:pos x="T2" y="T3"/>
+              </a:cxn>
+              <a:cxn ang="0">
+                <a:pos x="T4" y="T5"/>
+              </a:cxn>
+              <a:cxn ang="0">
+                <a:pos x="T6" y="T7"/>
+              </a:cxn>
+              <a:cxn ang="0">
+                <a:pos x="T8" y="T9"/>
+              </a:cxn>
+            </a:cxnLst>
+            <a:rect l="0" t="0" r="r" b="b"/>
+            <a:pathLst>
+              <a:path w="447" h="1363">
+                <a:moveTo>
+                  <a:pt x="447" y="1363"/>
+                </a:moveTo>
+                <a:lnTo>
+                  <a:pt x="0" y="987"/>
+                </a:lnTo>
+                <a:lnTo>
+                  <a:pt x="0" y="0"/>
+                </a:lnTo>
+                <a:lnTo>
+                  <a:pt x="447" y="376"/>
+                </a:lnTo>
+                <a:lnTo>
+                  <a:pt x="447" y="1363"/>
+                </a:lnTo>
+                <a:close/>
+              </a:path>
+            </a:pathLst>
+          </a:custGeom>
+          <a:solidFill>
+            <a:schemeClr val="accent1">
+              <a:lumMod val="50000"/>
+            </a:schemeClr>
+          </a:solidFill>
+          <a:ln>
+            <a:noFill/>
+          </a:ln>
+        </p:spPr>
+        <p:txBody>
+          <a:bodyPr vert="horz" wrap="square" lIns="91440" tIns="45720" rIns="91440" bIns="45720" numCol="1" anchor="t" anchorCtr="0" compatLnSpc="1">
+            <a:prstTxWarp prst="textNoShape">
+              <a:avLst/>
+            </a:prstTxWarp>
+          </a:bodyPr>
+          <a:lstStyle/>
+          <a:p>
+            <a:endParaRPr lang="en-US"/>
+          </a:p>
+        </p:txBody>
+      </p:sp>
+      <p:sp>
+        <p:nvSpPr>
+          <p:cNvPr id="12" name="Freeform 46">
+            <a:extLst>
+              <a:ext uri="{FF2B5EF4-FFF2-40B4-BE49-F238E27FC236}">
+                <a16:creationId xmlns:a16="http://schemas.microsoft.com/office/drawing/2014/main" id="{2AEBC8F2-97B1-41B4-93F1-2D289E197FBA}"/>
+              </a:ext>
+              <a:ext uri="{C183D7F6-B498-43B3-948B-1728B52AA6E4}">
+                <adec:decorative xmlns:adec="http://schemas.microsoft.com/office/drawing/2017/decorative" val="1"/>
+              </a:ext>
+            </a:extLst>
+          </p:cNvPr>
+          <p:cNvSpPr>
+            <a:spLocks noGrp="1" noRot="1" noChangeAspect="1" noMove="1" noResize="1" noEditPoints="1" noAdjustHandles="1" noChangeArrowheads="1" noChangeShapeType="1" noTextEdit="1"/>
+          </p:cNvSpPr>
+          <p:nvPr>
+            <p:extLst>
+              <p:ext uri="{386F3935-93C4-4BCD-93E2-E3B085C9AB24}">
+                <p16:designElem xmlns:p16="http://schemas.microsoft.com/office/powerpoint/2015/main" val="1"/>
+              </p:ext>
+            </p:extLst>
+          </p:nvPr>
+        </p:nvSpPr>
+        <p:spPr bwMode="auto">
+          <a:xfrm>
+            <a:off x="409710" y="837744"/>
+            <a:ext cx="403225" cy="1705431"/>
+          </a:xfrm>
+          <a:custGeom>
+            <a:avLst/>
+            <a:gdLst>
+              <a:gd name="T0" fmla="*/ 254 w 254"/>
+              <a:gd name="T1" fmla="*/ 987 h 1109"/>
+              <a:gd name="T2" fmla="*/ 0 w 254"/>
+              <a:gd name="T3" fmla="*/ 1109 h 1109"/>
+              <a:gd name="T4" fmla="*/ 0 w 254"/>
+              <a:gd name="T5" fmla="*/ 119 h 1109"/>
+              <a:gd name="T6" fmla="*/ 254 w 254"/>
+              <a:gd name="T7" fmla="*/ 0 h 1109"/>
+              <a:gd name="T8" fmla="*/ 254 w 254"/>
+              <a:gd name="T9" fmla="*/ 987 h 1109"/>
+            </a:gdLst>
+            <a:ahLst/>
+            <a:cxnLst>
+              <a:cxn ang="0">
+                <a:pos x="T0" y="T1"/>
+              </a:cxn>
+              <a:cxn ang="0">
+                <a:pos x="T2" y="T3"/>
+              </a:cxn>
+              <a:cxn ang="0">
+                <a:pos x="T4" y="T5"/>
+              </a:cxn>
+              <a:cxn ang="0">
+                <a:pos x="T6" y="T7"/>
+              </a:cxn>
+              <a:cxn ang="0">
+                <a:pos x="T8" y="T9"/>
+              </a:cxn>
+            </a:cxnLst>
+            <a:rect l="0" t="0" r="r" b="b"/>
+            <a:pathLst>
+              <a:path w="254" h="1109">
+                <a:moveTo>
+                  <a:pt x="254" y="987"/>
+                </a:moveTo>
+                <a:lnTo>
+                  <a:pt x="0" y="1109"/>
+                </a:lnTo>
+                <a:lnTo>
+                  <a:pt x="0" y="119"/>
+                </a:lnTo>
+                <a:lnTo>
+                  <a:pt x="254" y="0"/>
+                </a:lnTo>
+                <a:lnTo>
+                  <a:pt x="254" y="987"/>
+                </a:lnTo>
+                <a:close/>
+              </a:path>
+            </a:pathLst>
+          </a:custGeom>
+          <a:solidFill>
+            <a:schemeClr val="accent1">
+              <a:lumMod val="75000"/>
+            </a:schemeClr>
+          </a:solidFill>
+          <a:ln>
+            <a:noFill/>
+          </a:ln>
+        </p:spPr>
+        <p:txBody>
+          <a:bodyPr vert="horz" wrap="square" lIns="91440" tIns="45720" rIns="91440" bIns="45720" numCol="1" anchor="t" anchorCtr="0" compatLnSpc="1">
+            <a:prstTxWarp prst="textNoShape">
+              <a:avLst/>
+            </a:prstTxWarp>
+          </a:bodyPr>
+          <a:lstStyle/>
+          <a:p>
+            <a:endParaRPr lang="en-US"/>
+          </a:p>
+        </p:txBody>
+      </p:sp>
+      <p:sp>
+        <p:nvSpPr>
+          <p:cNvPr id="14" name="Freeform 47">
+            <a:extLst>
+              <a:ext uri="{FF2B5EF4-FFF2-40B4-BE49-F238E27FC236}">
+                <a16:creationId xmlns:a16="http://schemas.microsoft.com/office/drawing/2014/main" id="{472E3A19-F5D5-48FC-BB9C-48C2F68F598B}"/>
+              </a:ext>
+              <a:ext uri="{C183D7F6-B498-43B3-948B-1728B52AA6E4}">
+                <adec:decorative xmlns:adec="http://schemas.microsoft.com/office/drawing/2017/decorative" val="1"/>
+              </a:ext>
+            </a:extLst>
+          </p:cNvPr>
+          <p:cNvSpPr>
+            <a:spLocks noGrp="1" noRot="1" noChangeAspect="1" noMove="1" noResize="1" noEditPoints="1" noAdjustHandles="1" noChangeArrowheads="1" noChangeShapeType="1" noTextEdit="1"/>
+          </p:cNvSpPr>
+          <p:nvPr>
+            <p:extLst>
+              <p:ext uri="{386F3935-93C4-4BCD-93E2-E3B085C9AB24}">
+                <p16:designElem xmlns:p16="http://schemas.microsoft.com/office/powerpoint/2015/main" val="1"/>
+              </p:ext>
+            </p:extLst>
+          </p:nvPr>
+        </p:nvSpPr>
+        <p:spPr bwMode="auto">
+          <a:xfrm>
+            <a:off x="644660" y="640894"/>
+            <a:ext cx="168275" cy="1713195"/>
+          </a:xfrm>
+          <a:custGeom>
+            <a:avLst/>
+            <a:gdLst>
+              <a:gd name="T0" fmla="*/ 106 w 106"/>
+              <a:gd name="T1" fmla="*/ 1114 h 1114"/>
+              <a:gd name="T2" fmla="*/ 0 w 106"/>
+              <a:gd name="T3" fmla="*/ 1005 h 1114"/>
+              <a:gd name="T4" fmla="*/ 0 w 106"/>
+              <a:gd name="T5" fmla="*/ 0 h 1114"/>
+              <a:gd name="T6" fmla="*/ 106 w 106"/>
+              <a:gd name="T7" fmla="*/ 110 h 1114"/>
+              <a:gd name="T8" fmla="*/ 106 w 106"/>
+              <a:gd name="T9" fmla="*/ 1114 h 1114"/>
+            </a:gdLst>
+            <a:ahLst/>
+            <a:cxnLst>
+              <a:cxn ang="0">
+                <a:pos x="T0" y="T1"/>
+              </a:cxn>
+              <a:cxn ang="0">
+                <a:pos x="T2" y="T3"/>
+              </a:cxn>
+              <a:cxn ang="0">
+                <a:pos x="T4" y="T5"/>
+              </a:cxn>
+              <a:cxn ang="0">
+                <a:pos x="T6" y="T7"/>
+              </a:cxn>
+              <a:cxn ang="0">
+                <a:pos x="T8" y="T9"/>
+              </a:cxn>
+            </a:cxnLst>
+            <a:rect l="0" t="0" r="r" b="b"/>
+            <a:pathLst>
+              <a:path w="106" h="1114">
+                <a:moveTo>
+                  <a:pt x="106" y="1114"/>
+                </a:moveTo>
+                <a:lnTo>
+                  <a:pt x="0" y="1005"/>
+                </a:lnTo>
+                <a:lnTo>
+                  <a:pt x="0" y="0"/>
+                </a:lnTo>
+                <a:lnTo>
+                  <a:pt x="106" y="110"/>
+                </a:lnTo>
+                <a:lnTo>
+                  <a:pt x="106" y="1114"/>
+                </a:lnTo>
+                <a:close/>
+              </a:path>
+            </a:pathLst>
+          </a:custGeom>
+          <a:solidFill>
+            <a:schemeClr val="accent1">
+              <a:lumMod val="50000"/>
+            </a:schemeClr>
+          </a:solidFill>
+          <a:ln>
+            <a:noFill/>
+          </a:ln>
+        </p:spPr>
+        <p:txBody>
+          <a:bodyPr vert="horz" wrap="square" lIns="91440" tIns="45720" rIns="91440" bIns="45720" numCol="1" anchor="t" anchorCtr="0" compatLnSpc="1">
+            <a:prstTxWarp prst="textNoShape">
+              <a:avLst/>
+            </a:prstTxWarp>
+          </a:bodyPr>
+          <a:lstStyle/>
+          <a:p>
+            <a:endParaRPr lang="en-US"/>
+          </a:p>
+        </p:txBody>
+      </p:sp>
+      <p:sp>
+        <p:nvSpPr>
+          <p:cNvPr id="16" name="Freeform 44">
+            <a:extLst>
+              <a:ext uri="{FF2B5EF4-FFF2-40B4-BE49-F238E27FC236}">
+                <a16:creationId xmlns:a16="http://schemas.microsoft.com/office/drawing/2014/main" id="{7A62E32F-BB65-43A8-8EB5-92346890E549}"/>
+              </a:ext>
+              <a:ext uri="{C183D7F6-B498-43B3-948B-1728B52AA6E4}">
+                <adec:decorative xmlns:adec="http://schemas.microsoft.com/office/drawing/2017/decorative" val="1"/>
+              </a:ext>
+            </a:extLst>
+          </p:cNvPr>
+          <p:cNvSpPr>
+            <a:spLocks noGrp="1" noRot="1" noChangeAspect="1" noMove="1" noResize="1" noEditPoints="1" noAdjustHandles="1" noChangeArrowheads="1" noChangeShapeType="1" noTextEdit="1"/>
+          </p:cNvSpPr>
+          <p:nvPr>
+            <p:extLst>
+              <p:ext uri="{386F3935-93C4-4BCD-93E2-E3B085C9AB24}">
+                <p16:designElem xmlns:p16="http://schemas.microsoft.com/office/powerpoint/2015/main" val="1"/>
+              </p:ext>
+            </p:extLst>
+          </p:nvPr>
+        </p:nvSpPr>
+        <p:spPr bwMode="auto">
+          <a:xfrm>
+            <a:off x="11223203" y="635716"/>
+            <a:ext cx="328612" cy="1742360"/>
+          </a:xfrm>
+          <a:custGeom>
+            <a:avLst/>
+            <a:gdLst>
+              <a:gd name="T0" fmla="*/ 207 w 207"/>
+              <a:gd name="T1" fmla="*/ 987 h 1114"/>
+              <a:gd name="T2" fmla="*/ 0 w 207"/>
+              <a:gd name="T3" fmla="*/ 1114 h 1114"/>
+              <a:gd name="T4" fmla="*/ 0 w 207"/>
+              <a:gd name="T5" fmla="*/ 127 h 1114"/>
+              <a:gd name="T6" fmla="*/ 207 w 207"/>
+              <a:gd name="T7" fmla="*/ 0 h 1114"/>
+              <a:gd name="T8" fmla="*/ 207 w 207"/>
+              <a:gd name="T9" fmla="*/ 987 h 1114"/>
+            </a:gdLst>
+            <a:ahLst/>
+            <a:cxnLst>
+              <a:cxn ang="0">
+                <a:pos x="T0" y="T1"/>
+              </a:cxn>
+              <a:cxn ang="0">
+                <a:pos x="T2" y="T3"/>
+              </a:cxn>
+              <a:cxn ang="0">
+                <a:pos x="T4" y="T5"/>
+              </a:cxn>
+              <a:cxn ang="0">
+                <a:pos x="T6" y="T7"/>
+              </a:cxn>
+              <a:cxn ang="0">
+                <a:pos x="T8" y="T9"/>
+              </a:cxn>
+            </a:cxnLst>
+            <a:rect l="0" t="0" r="r" b="b"/>
+            <a:pathLst>
+              <a:path w="207" h="1114">
+                <a:moveTo>
+                  <a:pt x="207" y="987"/>
+                </a:moveTo>
+                <a:lnTo>
+                  <a:pt x="0" y="1114"/>
+                </a:lnTo>
+                <a:lnTo>
+                  <a:pt x="0" y="127"/>
+                </a:lnTo>
+                <a:lnTo>
+                  <a:pt x="207" y="0"/>
+                </a:lnTo>
+                <a:lnTo>
+                  <a:pt x="207" y="987"/>
+                </a:lnTo>
+                <a:close/>
+              </a:path>
+            </a:pathLst>
+          </a:custGeom>
+          <a:solidFill>
+            <a:schemeClr val="accent1">
+              <a:lumMod val="50000"/>
+            </a:schemeClr>
+          </a:solidFill>
+          <a:ln>
+            <a:noFill/>
+          </a:ln>
+        </p:spPr>
+        <p:txBody>
+          <a:bodyPr vert="horz" wrap="square" lIns="91440" tIns="45720" rIns="91440" bIns="45720" numCol="1" anchor="t" anchorCtr="0" compatLnSpc="1">
+            <a:prstTxWarp prst="textNoShape">
+              <a:avLst/>
+            </a:prstTxWarp>
+          </a:bodyPr>
+          <a:lstStyle/>
+          <a:p>
+            <a:endParaRPr lang="en-US"/>
+          </a:p>
+        </p:txBody>
+      </p:sp>
+      <p:sp>
+        <p:nvSpPr>
+          <p:cNvPr id="18" name="Rectangle 17">
+            <a:extLst>
+              <a:ext uri="{FF2B5EF4-FFF2-40B4-BE49-F238E27FC236}">
+                <a16:creationId xmlns:a16="http://schemas.microsoft.com/office/drawing/2014/main" id="{14E91B64-9FCC-451E-AFB4-A827D6329367}"/>
+              </a:ext>
+              <a:ext uri="{C183D7F6-B498-43B3-948B-1728B52AA6E4}">
+                <adec:decorative xmlns:adec="http://schemas.microsoft.com/office/drawing/2017/decorative" val="1"/>
+              </a:ext>
+            </a:extLst>
+          </p:cNvPr>
+          <p:cNvSpPr>
+            <a:spLocks noGrp="1" noRot="1" noChangeAspect="1" noMove="1" noResize="1" noEditPoints="1" noAdjustHandles="1" noChangeArrowheads="1" noChangeShapeType="1" noTextEdit="1"/>
+          </p:cNvSpPr>
+          <p:nvPr>
+            <p:extLst>
+              <p:ext uri="{386F3935-93C4-4BCD-93E2-E3B085C9AB24}">
+                <p16:designElem xmlns:p16="http://schemas.microsoft.com/office/powerpoint/2015/main" val="1"/>
+              </p:ext>
+            </p:extLst>
+          </p:nvPr>
+        </p:nvSpPr>
+        <p:spPr bwMode="auto">
+          <a:xfrm>
+            <a:off x="644055" y="635715"/>
+            <a:ext cx="10907863" cy="1541457"/>
+          </a:xfrm>
+          <a:prstGeom prst="rect">
+            <a:avLst/>
+          </a:prstGeom>
+          <a:solidFill>
+            <a:schemeClr val="accent1"/>
+          </a:solidFill>
+          <a:ln>
+            <a:noFill/>
+          </a:ln>
+        </p:spPr>
+        <p:txBody>
+          <a:bodyPr vert="horz" wrap="square" lIns="91440" tIns="45720" rIns="91440" bIns="45720" numCol="1" anchor="t" anchorCtr="0" compatLnSpc="1">
+            <a:prstTxWarp prst="textNoShape">
+              <a:avLst/>
+            </a:prstTxWarp>
+          </a:bodyPr>
+          <a:lstStyle/>
+          <a:p>
+            <a:endParaRPr lang="en-US"/>
+          </a:p>
+        </p:txBody>
+      </p:sp>
+      <p:sp>
+        <p:nvSpPr>
+          <p:cNvPr id="2" name="标题 1">
+            <a:extLst>
+              <a:ext uri="{FF2B5EF4-FFF2-40B4-BE49-F238E27FC236}">
+                <a16:creationId xmlns:a16="http://schemas.microsoft.com/office/drawing/2014/main" id="{8E0C4025-2C08-4DFF-A551-860A0C947505}"/>
+              </a:ext>
+            </a:extLst>
+          </p:cNvPr>
+          <p:cNvSpPr>
+            <a:spLocks noGrp="1"/>
+          </p:cNvSpPr>
+          <p:nvPr>
+            <p:ph type="title"/>
+          </p:nvPr>
+        </p:nvSpPr>
+        <p:spPr>
+          <a:xfrm>
+            <a:off x="958506" y="800392"/>
+            <a:ext cx="10264697" cy="1212102"/>
+          </a:xfrm>
+        </p:spPr>
+        <p:txBody>
+          <a:bodyPr>
+            <a:normAutofit/>
+          </a:bodyPr>
+          <a:lstStyle/>
+          <a:p>
+            <a:r>
+              <a:rPr lang="zh-CN" altLang="en-US" sz="4000" dirty="0">
+                <a:solidFill>
+                  <a:srgbClr val="FFFFFF"/>
+                </a:solidFill>
+              </a:rPr>
+              <a:t>云</a:t>
+            </a:r>
+            <a:r>
+              <a:rPr lang="en-US" altLang="zh-CN" sz="4000" dirty="0">
+                <a:solidFill>
+                  <a:srgbClr val="FFFFFF"/>
+                </a:solidFill>
+              </a:rPr>
+              <a:t>RDS MYSQL</a:t>
+            </a:r>
+            <a:r>
+              <a:rPr lang="zh-CN" altLang="en-US" sz="4000" dirty="0">
+                <a:solidFill>
+                  <a:srgbClr val="FFFFFF"/>
+                </a:solidFill>
+              </a:rPr>
+              <a:t>介绍</a:t>
+            </a:r>
+          </a:p>
+        </p:txBody>
+      </p:sp>
+      <p:sp>
+        <p:nvSpPr>
+          <p:cNvPr id="3" name="内容占位符 2">
+            <a:extLst>
+              <a:ext uri="{FF2B5EF4-FFF2-40B4-BE49-F238E27FC236}">
+                <a16:creationId xmlns:a16="http://schemas.microsoft.com/office/drawing/2014/main" id="{433CF23D-0379-4893-8E7E-93958F51AEAC}"/>
+              </a:ext>
+            </a:extLst>
+          </p:cNvPr>
+          <p:cNvSpPr>
+            <a:spLocks noGrp="1"/>
+          </p:cNvSpPr>
+          <p:nvPr>
+            <p:ph idx="1"/>
+          </p:nvPr>
+        </p:nvSpPr>
+        <p:spPr>
+          <a:xfrm>
+            <a:off x="1189296" y="2341848"/>
+            <a:ext cx="9803116" cy="3111623"/>
+          </a:xfrm>
+        </p:spPr>
+        <p:txBody>
+          <a:bodyPr anchor="ctr">
+            <a:normAutofit/>
+          </a:bodyPr>
+          <a:lstStyle/>
+          <a:p>
+            <a:r>
+              <a:rPr lang="zh-CN" altLang="en-US" sz="2400" b="1" dirty="0"/>
+              <a:t>官网文档地址</a:t>
+            </a:r>
+            <a:endParaRPr lang="en-US" altLang="zh-CN" sz="2400" b="1" dirty="0"/>
+          </a:p>
+          <a:p>
+            <a:pPr marL="0" indent="0">
+              <a:buNone/>
+            </a:pPr>
+            <a:r>
+              <a:rPr lang="en-US" altLang="zh-CN" sz="2400" dirty="0">
+                <a:hlinkClick r:id="rId2"/>
+              </a:rPr>
+              <a:t>https://help.aliyun.com/document_detail/96047.html?spm=a2c4g.11186623.6.616.6e8a75ecVwCDBq</a:t>
+            </a:r>
+            <a:endParaRPr lang="en-US" altLang="zh-CN" sz="2400" dirty="0"/>
+          </a:p>
+          <a:p>
+            <a:r>
+              <a:rPr lang="zh-CN" altLang="en-US" sz="2400" b="1" dirty="0"/>
+              <a:t>需收费</a:t>
+            </a:r>
+            <a:endParaRPr lang="en-US" altLang="zh-CN" sz="2400" b="1" dirty="0"/>
+          </a:p>
+        </p:txBody>
+      </p:sp>
+      <p:sp>
+        <p:nvSpPr>
+          <p:cNvPr id="11" name="椭圆 10">
+            <a:extLst>
+              <a:ext uri="{FF2B5EF4-FFF2-40B4-BE49-F238E27FC236}">
+                <a16:creationId xmlns:a16="http://schemas.microsoft.com/office/drawing/2014/main" id="{AAD5ED67-5E59-4269-B305-F62ADEE10A53}"/>
+              </a:ext>
+            </a:extLst>
+          </p:cNvPr>
+          <p:cNvSpPr/>
+          <p:nvPr/>
+        </p:nvSpPr>
+        <p:spPr>
+          <a:xfrm rot="1488327">
+            <a:off x="9033364" y="958121"/>
+            <a:ext cx="2432481" cy="896645"/>
+          </a:xfrm>
+          <a:prstGeom prst="ellipse">
+            <a:avLst/>
+          </a:prstGeom>
+        </p:spPr>
+        <p:style>
+          <a:lnRef idx="3">
+            <a:schemeClr val="lt1"/>
+          </a:lnRef>
+          <a:fillRef idx="1">
+            <a:schemeClr val="accent4"/>
+          </a:fillRef>
+          <a:effectRef idx="1">
+            <a:schemeClr val="accent4"/>
+          </a:effectRef>
+          <a:fontRef idx="minor">
+            <a:schemeClr val="lt1"/>
+          </a:fontRef>
+        </p:style>
+        <p:txBody>
+          <a:bodyPr rtlCol="0" anchor="ctr"/>
+          <a:lstStyle/>
+          <a:p>
+            <a:pPr algn="ctr"/>
+            <a:r>
+              <a:rPr lang="zh-CN" altLang="en-US" dirty="0"/>
+              <a:t>其他相关服务</a:t>
+            </a:r>
+          </a:p>
+        </p:txBody>
+      </p:sp>
+    </p:spTree>
+    <p:extLst>
+      <p:ext uri="{BB962C8B-B14F-4D97-AF65-F5344CB8AC3E}">
+        <p14:creationId xmlns:p14="http://schemas.microsoft.com/office/powerpoint/2010/main" val="2800797396"/>
+      </p:ext>
+    </p:extLst>
+  </p:cSld>
+  <p:clrMapOvr>
+    <a:masterClrMapping/>
+  </p:clrMapOvr>
+</p:sld>
+</file>
+
+<file path=ppt/slides/slide28.xml><?xml version="1.0" encoding="utf-8"?>
+<p:sld xmlns:a="http://schemas.openxmlformats.org/drawingml/2006/main" xmlns:r="http://schemas.openxmlformats.org/officeDocument/2006/relationships" xmlns:p="http://schemas.openxmlformats.org/presentationml/2006/main">
+  <p:cSld>
+    <p:bg>
+      <p:bgPr>
+        <a:solidFill>
+          <a:schemeClr val="bg1"/>
+        </a:solidFill>
+        <a:effectLst/>
+      </p:bgPr>
+    </p:bg>
+    <p:spTree>
+      <p:nvGrpSpPr>
+        <p:cNvPr id="1" name=""/>
+        <p:cNvGrpSpPr/>
+        <p:nvPr/>
+      </p:nvGrpSpPr>
+      <p:grpSpPr>
+        <a:xfrm>
+          <a:off x="0" y="0"/>
+          <a:ext cx="0" cy="0"/>
+          <a:chOff x="0" y="0"/>
+          <a:chExt cx="0" cy="0"/>
+        </a:xfrm>
+      </p:grpSpPr>
+      <p:sp useBgFill="1">
+        <p:nvSpPr>
+          <p:cNvPr id="8" name="Rectangle 7">
+            <a:extLst>
+              <a:ext uri="{FF2B5EF4-FFF2-40B4-BE49-F238E27FC236}">
+                <a16:creationId xmlns:a16="http://schemas.microsoft.com/office/drawing/2014/main" id="{827B839B-9ADE-406B-8590-F1CAEDED45A1}"/>
+              </a:ext>
+              <a:ext uri="{C183D7F6-B498-43B3-948B-1728B52AA6E4}">
+                <adec:decorative xmlns:adec="http://schemas.microsoft.com/office/drawing/2017/decorative" val="1"/>
+              </a:ext>
+            </a:extLst>
+          </p:cNvPr>
+          <p:cNvSpPr>
+            <a:spLocks noGrp="1" noRot="1" noChangeAspect="1" noMove="1" noResize="1" noEditPoints="1" noAdjustHandles="1" noChangeArrowheads="1" noChangeShapeType="1" noTextEdit="1"/>
+          </p:cNvSpPr>
+          <p:nvPr>
+            <p:extLst>
+              <p:ext uri="{386F3935-93C4-4BCD-93E2-E3B085C9AB24}">
+                <p16:designElem xmlns:p16="http://schemas.microsoft.com/office/powerpoint/2015/main" val="1"/>
+              </p:ext>
+            </p:extLst>
+          </p:nvPr>
+        </p:nvSpPr>
+        <p:spPr>
+          <a:xfrm>
+            <a:off x="0" y="0"/>
+            <a:ext cx="12188952" cy="6858000"/>
+          </a:xfrm>
+          <a:prstGeom prst="rect">
+            <a:avLst/>
+          </a:prstGeom>
+          <a:ln>
+            <a:noFill/>
+          </a:ln>
+        </p:spPr>
+        <p:style>
+          <a:lnRef idx="2">
+            <a:schemeClr val="accent1">
+              <a:shade val="50000"/>
+            </a:schemeClr>
+          </a:lnRef>
+          <a:fillRef idx="1">
+            <a:schemeClr val="accent1"/>
+          </a:fillRef>
+          <a:effectRef idx="0">
+            <a:schemeClr val="accent1"/>
+          </a:effectRef>
+          <a:fontRef idx="minor">
+            <a:schemeClr val="lt1"/>
+          </a:fontRef>
+        </p:style>
+        <p:txBody>
+          <a:bodyPr rtlCol="0" anchor="ctr"/>
+          <a:lstStyle/>
+          <a:p>
+            <a:pPr algn="ctr"/>
+            <a:endParaRPr lang="en-US"/>
+          </a:p>
+        </p:txBody>
+      </p:sp>
+      <p:sp>
+        <p:nvSpPr>
+          <p:cNvPr id="10" name="Freeform 45">
+            <a:extLst>
+              <a:ext uri="{FF2B5EF4-FFF2-40B4-BE49-F238E27FC236}">
+                <a16:creationId xmlns:a16="http://schemas.microsoft.com/office/drawing/2014/main" id="{CFE45BF0-46DB-408C-B5F7-7B11716805D4}"/>
+              </a:ext>
+              <a:ext uri="{C183D7F6-B498-43B3-948B-1728B52AA6E4}">
+                <adec:decorative xmlns:adec="http://schemas.microsoft.com/office/drawing/2017/decorative" val="1"/>
+              </a:ext>
+            </a:extLst>
+          </p:cNvPr>
+          <p:cNvSpPr>
+            <a:spLocks noGrp="1" noRot="1" noChangeAspect="1" noMove="1" noResize="1" noEditPoints="1" noAdjustHandles="1" noChangeArrowheads="1" noChangeShapeType="1" noTextEdit="1"/>
+          </p:cNvSpPr>
+          <p:nvPr>
+            <p:extLst>
+              <p:ext uri="{386F3935-93C4-4BCD-93E2-E3B085C9AB24}">
+                <p16:designElem xmlns:p16="http://schemas.microsoft.com/office/powerpoint/2015/main" val="1"/>
+              </p:ext>
+            </p:extLst>
+          </p:nvPr>
+        </p:nvSpPr>
+        <p:spPr bwMode="auto">
+          <a:xfrm>
+            <a:off x="409710" y="1022350"/>
+            <a:ext cx="709612" cy="2095501"/>
+          </a:xfrm>
+          <a:custGeom>
+            <a:avLst/>
+            <a:gdLst>
+              <a:gd name="T0" fmla="*/ 447 w 447"/>
+              <a:gd name="T1" fmla="*/ 1363 h 1363"/>
+              <a:gd name="T2" fmla="*/ 0 w 447"/>
+              <a:gd name="T3" fmla="*/ 987 h 1363"/>
+              <a:gd name="T4" fmla="*/ 0 w 447"/>
+              <a:gd name="T5" fmla="*/ 0 h 1363"/>
+              <a:gd name="T6" fmla="*/ 447 w 447"/>
+              <a:gd name="T7" fmla="*/ 376 h 1363"/>
+              <a:gd name="T8" fmla="*/ 447 w 447"/>
+              <a:gd name="T9" fmla="*/ 1363 h 1363"/>
+            </a:gdLst>
+            <a:ahLst/>
+            <a:cxnLst>
+              <a:cxn ang="0">
+                <a:pos x="T0" y="T1"/>
+              </a:cxn>
+              <a:cxn ang="0">
+                <a:pos x="T2" y="T3"/>
+              </a:cxn>
+              <a:cxn ang="0">
+                <a:pos x="T4" y="T5"/>
+              </a:cxn>
+              <a:cxn ang="0">
+                <a:pos x="T6" y="T7"/>
+              </a:cxn>
+              <a:cxn ang="0">
+                <a:pos x="T8" y="T9"/>
+              </a:cxn>
+            </a:cxnLst>
+            <a:rect l="0" t="0" r="r" b="b"/>
+            <a:pathLst>
+              <a:path w="447" h="1363">
+                <a:moveTo>
+                  <a:pt x="447" y="1363"/>
+                </a:moveTo>
+                <a:lnTo>
+                  <a:pt x="0" y="987"/>
+                </a:lnTo>
+                <a:lnTo>
+                  <a:pt x="0" y="0"/>
+                </a:lnTo>
+                <a:lnTo>
+                  <a:pt x="447" y="376"/>
+                </a:lnTo>
+                <a:lnTo>
+                  <a:pt x="447" y="1363"/>
+                </a:lnTo>
+                <a:close/>
+              </a:path>
+            </a:pathLst>
+          </a:custGeom>
+          <a:solidFill>
+            <a:schemeClr val="accent1">
+              <a:lumMod val="50000"/>
+            </a:schemeClr>
+          </a:solidFill>
+          <a:ln>
+            <a:noFill/>
+          </a:ln>
+        </p:spPr>
+        <p:txBody>
+          <a:bodyPr vert="horz" wrap="square" lIns="91440" tIns="45720" rIns="91440" bIns="45720" numCol="1" anchor="t" anchorCtr="0" compatLnSpc="1">
+            <a:prstTxWarp prst="textNoShape">
+              <a:avLst/>
+            </a:prstTxWarp>
+          </a:bodyPr>
+          <a:lstStyle/>
+          <a:p>
+            <a:endParaRPr lang="en-US"/>
+          </a:p>
+        </p:txBody>
+      </p:sp>
+      <p:sp>
+        <p:nvSpPr>
+          <p:cNvPr id="12" name="Freeform 46">
+            <a:extLst>
+              <a:ext uri="{FF2B5EF4-FFF2-40B4-BE49-F238E27FC236}">
+                <a16:creationId xmlns:a16="http://schemas.microsoft.com/office/drawing/2014/main" id="{2AEBC8F2-97B1-41B4-93F1-2D289E197FBA}"/>
+              </a:ext>
+              <a:ext uri="{C183D7F6-B498-43B3-948B-1728B52AA6E4}">
+                <adec:decorative xmlns:adec="http://schemas.microsoft.com/office/drawing/2017/decorative" val="1"/>
+              </a:ext>
+            </a:extLst>
+          </p:cNvPr>
+          <p:cNvSpPr>
+            <a:spLocks noGrp="1" noRot="1" noChangeAspect="1" noMove="1" noResize="1" noEditPoints="1" noAdjustHandles="1" noChangeArrowheads="1" noChangeShapeType="1" noTextEdit="1"/>
+          </p:cNvSpPr>
+          <p:nvPr>
+            <p:extLst>
+              <p:ext uri="{386F3935-93C4-4BCD-93E2-E3B085C9AB24}">
+                <p16:designElem xmlns:p16="http://schemas.microsoft.com/office/powerpoint/2015/main" val="1"/>
+              </p:ext>
+            </p:extLst>
+          </p:nvPr>
+        </p:nvSpPr>
+        <p:spPr bwMode="auto">
+          <a:xfrm>
+            <a:off x="409710" y="837744"/>
+            <a:ext cx="403225" cy="1705431"/>
+          </a:xfrm>
+          <a:custGeom>
+            <a:avLst/>
+            <a:gdLst>
+              <a:gd name="T0" fmla="*/ 254 w 254"/>
+              <a:gd name="T1" fmla="*/ 987 h 1109"/>
+              <a:gd name="T2" fmla="*/ 0 w 254"/>
+              <a:gd name="T3" fmla="*/ 1109 h 1109"/>
+              <a:gd name="T4" fmla="*/ 0 w 254"/>
+              <a:gd name="T5" fmla="*/ 119 h 1109"/>
+              <a:gd name="T6" fmla="*/ 254 w 254"/>
+              <a:gd name="T7" fmla="*/ 0 h 1109"/>
+              <a:gd name="T8" fmla="*/ 254 w 254"/>
+              <a:gd name="T9" fmla="*/ 987 h 1109"/>
+            </a:gdLst>
+            <a:ahLst/>
+            <a:cxnLst>
+              <a:cxn ang="0">
+                <a:pos x="T0" y="T1"/>
+              </a:cxn>
+              <a:cxn ang="0">
+                <a:pos x="T2" y="T3"/>
+              </a:cxn>
+              <a:cxn ang="0">
+                <a:pos x="T4" y="T5"/>
+              </a:cxn>
+              <a:cxn ang="0">
+                <a:pos x="T6" y="T7"/>
+              </a:cxn>
+              <a:cxn ang="0">
+                <a:pos x="T8" y="T9"/>
+              </a:cxn>
+            </a:cxnLst>
+            <a:rect l="0" t="0" r="r" b="b"/>
+            <a:pathLst>
+              <a:path w="254" h="1109">
+                <a:moveTo>
+                  <a:pt x="254" y="987"/>
+                </a:moveTo>
+                <a:lnTo>
+                  <a:pt x="0" y="1109"/>
+                </a:lnTo>
+                <a:lnTo>
+                  <a:pt x="0" y="119"/>
+                </a:lnTo>
+                <a:lnTo>
+                  <a:pt x="254" y="0"/>
+                </a:lnTo>
+                <a:lnTo>
+                  <a:pt x="254" y="987"/>
+                </a:lnTo>
+                <a:close/>
+              </a:path>
+            </a:pathLst>
+          </a:custGeom>
+          <a:solidFill>
+            <a:schemeClr val="accent1">
+              <a:lumMod val="75000"/>
+            </a:schemeClr>
+          </a:solidFill>
+          <a:ln>
+            <a:noFill/>
+          </a:ln>
+        </p:spPr>
+        <p:txBody>
+          <a:bodyPr vert="horz" wrap="square" lIns="91440" tIns="45720" rIns="91440" bIns="45720" numCol="1" anchor="t" anchorCtr="0" compatLnSpc="1">
+            <a:prstTxWarp prst="textNoShape">
+              <a:avLst/>
+            </a:prstTxWarp>
+          </a:bodyPr>
+          <a:lstStyle/>
+          <a:p>
+            <a:endParaRPr lang="en-US"/>
+          </a:p>
+        </p:txBody>
+      </p:sp>
+      <p:sp>
+        <p:nvSpPr>
+          <p:cNvPr id="14" name="Freeform 47">
+            <a:extLst>
+              <a:ext uri="{FF2B5EF4-FFF2-40B4-BE49-F238E27FC236}">
+                <a16:creationId xmlns:a16="http://schemas.microsoft.com/office/drawing/2014/main" id="{472E3A19-F5D5-48FC-BB9C-48C2F68F598B}"/>
+              </a:ext>
+              <a:ext uri="{C183D7F6-B498-43B3-948B-1728B52AA6E4}">
+                <adec:decorative xmlns:adec="http://schemas.microsoft.com/office/drawing/2017/decorative" val="1"/>
+              </a:ext>
+            </a:extLst>
+          </p:cNvPr>
+          <p:cNvSpPr>
+            <a:spLocks noGrp="1" noRot="1" noChangeAspect="1" noMove="1" noResize="1" noEditPoints="1" noAdjustHandles="1" noChangeArrowheads="1" noChangeShapeType="1" noTextEdit="1"/>
+          </p:cNvSpPr>
+          <p:nvPr>
+            <p:extLst>
+              <p:ext uri="{386F3935-93C4-4BCD-93E2-E3B085C9AB24}">
+                <p16:designElem xmlns:p16="http://schemas.microsoft.com/office/powerpoint/2015/main" val="1"/>
+              </p:ext>
+            </p:extLst>
+          </p:nvPr>
+        </p:nvSpPr>
+        <p:spPr bwMode="auto">
+          <a:xfrm>
+            <a:off x="644660" y="640894"/>
+            <a:ext cx="168275" cy="1713195"/>
+          </a:xfrm>
+          <a:custGeom>
+            <a:avLst/>
+            <a:gdLst>
+              <a:gd name="T0" fmla="*/ 106 w 106"/>
+              <a:gd name="T1" fmla="*/ 1114 h 1114"/>
+              <a:gd name="T2" fmla="*/ 0 w 106"/>
+              <a:gd name="T3" fmla="*/ 1005 h 1114"/>
+              <a:gd name="T4" fmla="*/ 0 w 106"/>
+              <a:gd name="T5" fmla="*/ 0 h 1114"/>
+              <a:gd name="T6" fmla="*/ 106 w 106"/>
+              <a:gd name="T7" fmla="*/ 110 h 1114"/>
+              <a:gd name="T8" fmla="*/ 106 w 106"/>
+              <a:gd name="T9" fmla="*/ 1114 h 1114"/>
+            </a:gdLst>
+            <a:ahLst/>
+            <a:cxnLst>
+              <a:cxn ang="0">
+                <a:pos x="T0" y="T1"/>
+              </a:cxn>
+              <a:cxn ang="0">
+                <a:pos x="T2" y="T3"/>
+              </a:cxn>
+              <a:cxn ang="0">
+                <a:pos x="T4" y="T5"/>
+              </a:cxn>
+              <a:cxn ang="0">
+                <a:pos x="T6" y="T7"/>
+              </a:cxn>
+              <a:cxn ang="0">
+                <a:pos x="T8" y="T9"/>
+              </a:cxn>
+            </a:cxnLst>
+            <a:rect l="0" t="0" r="r" b="b"/>
+            <a:pathLst>
+              <a:path w="106" h="1114">
+                <a:moveTo>
+                  <a:pt x="106" y="1114"/>
+                </a:moveTo>
+                <a:lnTo>
+                  <a:pt x="0" y="1005"/>
+                </a:lnTo>
+                <a:lnTo>
+                  <a:pt x="0" y="0"/>
+                </a:lnTo>
+                <a:lnTo>
+                  <a:pt x="106" y="110"/>
+                </a:lnTo>
+                <a:lnTo>
+                  <a:pt x="106" y="1114"/>
+                </a:lnTo>
+                <a:close/>
+              </a:path>
+            </a:pathLst>
+          </a:custGeom>
+          <a:solidFill>
+            <a:schemeClr val="accent1">
+              <a:lumMod val="50000"/>
+            </a:schemeClr>
+          </a:solidFill>
+          <a:ln>
+            <a:noFill/>
+          </a:ln>
+        </p:spPr>
+        <p:txBody>
+          <a:bodyPr vert="horz" wrap="square" lIns="91440" tIns="45720" rIns="91440" bIns="45720" numCol="1" anchor="t" anchorCtr="0" compatLnSpc="1">
+            <a:prstTxWarp prst="textNoShape">
+              <a:avLst/>
+            </a:prstTxWarp>
+          </a:bodyPr>
+          <a:lstStyle/>
+          <a:p>
+            <a:endParaRPr lang="en-US"/>
+          </a:p>
+        </p:txBody>
+      </p:sp>
+      <p:sp>
+        <p:nvSpPr>
+          <p:cNvPr id="16" name="Freeform 44">
+            <a:extLst>
+              <a:ext uri="{FF2B5EF4-FFF2-40B4-BE49-F238E27FC236}">
+                <a16:creationId xmlns:a16="http://schemas.microsoft.com/office/drawing/2014/main" id="{7A62E32F-BB65-43A8-8EB5-92346890E549}"/>
+              </a:ext>
+              <a:ext uri="{C183D7F6-B498-43B3-948B-1728B52AA6E4}">
+                <adec:decorative xmlns:adec="http://schemas.microsoft.com/office/drawing/2017/decorative" val="1"/>
+              </a:ext>
+            </a:extLst>
+          </p:cNvPr>
+          <p:cNvSpPr>
+            <a:spLocks noGrp="1" noRot="1" noChangeAspect="1" noMove="1" noResize="1" noEditPoints="1" noAdjustHandles="1" noChangeArrowheads="1" noChangeShapeType="1" noTextEdit="1"/>
+          </p:cNvSpPr>
+          <p:nvPr>
+            <p:extLst>
+              <p:ext uri="{386F3935-93C4-4BCD-93E2-E3B085C9AB24}">
+                <p16:designElem xmlns:p16="http://schemas.microsoft.com/office/powerpoint/2015/main" val="1"/>
+              </p:ext>
+            </p:extLst>
+          </p:nvPr>
+        </p:nvSpPr>
+        <p:spPr bwMode="auto">
+          <a:xfrm>
+            <a:off x="11223203" y="635716"/>
+            <a:ext cx="328612" cy="1742360"/>
+          </a:xfrm>
+          <a:custGeom>
+            <a:avLst/>
+            <a:gdLst>
+              <a:gd name="T0" fmla="*/ 207 w 207"/>
+              <a:gd name="T1" fmla="*/ 987 h 1114"/>
+              <a:gd name="T2" fmla="*/ 0 w 207"/>
+              <a:gd name="T3" fmla="*/ 1114 h 1114"/>
+              <a:gd name="T4" fmla="*/ 0 w 207"/>
+              <a:gd name="T5" fmla="*/ 127 h 1114"/>
+              <a:gd name="T6" fmla="*/ 207 w 207"/>
+              <a:gd name="T7" fmla="*/ 0 h 1114"/>
+              <a:gd name="T8" fmla="*/ 207 w 207"/>
+              <a:gd name="T9" fmla="*/ 987 h 1114"/>
+            </a:gdLst>
+            <a:ahLst/>
+            <a:cxnLst>
+              <a:cxn ang="0">
+                <a:pos x="T0" y="T1"/>
+              </a:cxn>
+              <a:cxn ang="0">
+                <a:pos x="T2" y="T3"/>
+              </a:cxn>
+              <a:cxn ang="0">
+                <a:pos x="T4" y="T5"/>
+              </a:cxn>
+              <a:cxn ang="0">
+                <a:pos x="T6" y="T7"/>
+              </a:cxn>
+              <a:cxn ang="0">
+                <a:pos x="T8" y="T9"/>
+              </a:cxn>
+            </a:cxnLst>
+            <a:rect l="0" t="0" r="r" b="b"/>
+            <a:pathLst>
+              <a:path w="207" h="1114">
+                <a:moveTo>
+                  <a:pt x="207" y="987"/>
+                </a:moveTo>
+                <a:lnTo>
+                  <a:pt x="0" y="1114"/>
+                </a:lnTo>
+                <a:lnTo>
+                  <a:pt x="0" y="127"/>
+                </a:lnTo>
+                <a:lnTo>
+                  <a:pt x="207" y="0"/>
+                </a:lnTo>
+                <a:lnTo>
+                  <a:pt x="207" y="987"/>
+                </a:lnTo>
+                <a:close/>
+              </a:path>
+            </a:pathLst>
+          </a:custGeom>
+          <a:solidFill>
+            <a:schemeClr val="accent1">
+              <a:lumMod val="50000"/>
+            </a:schemeClr>
+          </a:solidFill>
+          <a:ln>
+            <a:noFill/>
+          </a:ln>
+        </p:spPr>
+        <p:txBody>
+          <a:bodyPr vert="horz" wrap="square" lIns="91440" tIns="45720" rIns="91440" bIns="45720" numCol="1" anchor="t" anchorCtr="0" compatLnSpc="1">
+            <a:prstTxWarp prst="textNoShape">
+              <a:avLst/>
+            </a:prstTxWarp>
+          </a:bodyPr>
+          <a:lstStyle/>
+          <a:p>
+            <a:endParaRPr lang="en-US"/>
+          </a:p>
+        </p:txBody>
+      </p:sp>
+      <p:sp>
+        <p:nvSpPr>
+          <p:cNvPr id="18" name="Rectangle 17">
+            <a:extLst>
+              <a:ext uri="{FF2B5EF4-FFF2-40B4-BE49-F238E27FC236}">
+                <a16:creationId xmlns:a16="http://schemas.microsoft.com/office/drawing/2014/main" id="{14E91B64-9FCC-451E-AFB4-A827D6329367}"/>
+              </a:ext>
+              <a:ext uri="{C183D7F6-B498-43B3-948B-1728B52AA6E4}">
+                <adec:decorative xmlns:adec="http://schemas.microsoft.com/office/drawing/2017/decorative" val="1"/>
+              </a:ext>
+            </a:extLst>
+          </p:cNvPr>
+          <p:cNvSpPr>
+            <a:spLocks noGrp="1" noRot="1" noChangeAspect="1" noMove="1" noResize="1" noEditPoints="1" noAdjustHandles="1" noChangeArrowheads="1" noChangeShapeType="1" noTextEdit="1"/>
+          </p:cNvSpPr>
+          <p:nvPr>
+            <p:extLst>
+              <p:ext uri="{386F3935-93C4-4BCD-93E2-E3B085C9AB24}">
+                <p16:designElem xmlns:p16="http://schemas.microsoft.com/office/powerpoint/2015/main" val="1"/>
+              </p:ext>
+            </p:extLst>
+          </p:nvPr>
+        </p:nvSpPr>
+        <p:spPr bwMode="auto">
+          <a:xfrm>
+            <a:off x="644055" y="635715"/>
+            <a:ext cx="10907863" cy="1541457"/>
+          </a:xfrm>
+          <a:prstGeom prst="rect">
+            <a:avLst/>
+          </a:prstGeom>
+          <a:solidFill>
+            <a:schemeClr val="accent1"/>
+          </a:solidFill>
+          <a:ln>
+            <a:noFill/>
+          </a:ln>
+        </p:spPr>
+        <p:txBody>
+          <a:bodyPr vert="horz" wrap="square" lIns="91440" tIns="45720" rIns="91440" bIns="45720" numCol="1" anchor="t" anchorCtr="0" compatLnSpc="1">
+            <a:prstTxWarp prst="textNoShape">
+              <a:avLst/>
+            </a:prstTxWarp>
+          </a:bodyPr>
+          <a:lstStyle/>
+          <a:p>
+            <a:endParaRPr lang="en-US"/>
+          </a:p>
+        </p:txBody>
+      </p:sp>
+      <p:sp>
+        <p:nvSpPr>
+          <p:cNvPr id="2" name="标题 1">
+            <a:extLst>
+              <a:ext uri="{FF2B5EF4-FFF2-40B4-BE49-F238E27FC236}">
+                <a16:creationId xmlns:a16="http://schemas.microsoft.com/office/drawing/2014/main" id="{8E0C4025-2C08-4DFF-A551-860A0C947505}"/>
+              </a:ext>
+            </a:extLst>
+          </p:cNvPr>
+          <p:cNvSpPr>
+            <a:spLocks noGrp="1"/>
+          </p:cNvSpPr>
+          <p:nvPr>
+            <p:ph type="title"/>
+          </p:nvPr>
+        </p:nvSpPr>
+        <p:spPr>
+          <a:xfrm>
+            <a:off x="958506" y="800392"/>
+            <a:ext cx="10264697" cy="1212102"/>
+          </a:xfrm>
+        </p:spPr>
+        <p:txBody>
+          <a:bodyPr>
+            <a:normAutofit/>
+          </a:bodyPr>
+          <a:lstStyle/>
+          <a:p>
+            <a:r>
+              <a:rPr lang="zh-CN" altLang="en-US" sz="4000" dirty="0">
+                <a:solidFill>
+                  <a:srgbClr val="FFFFFF"/>
+                </a:solidFill>
+              </a:rPr>
+              <a:t>云</a:t>
+            </a:r>
+            <a:r>
+              <a:rPr lang="en-US" altLang="zh-CN" sz="4000" dirty="0">
+                <a:solidFill>
+                  <a:srgbClr val="FFFFFF"/>
+                </a:solidFill>
+              </a:rPr>
+              <a:t>RDS MYSQL</a:t>
+            </a:r>
+            <a:r>
+              <a:rPr lang="zh-CN" altLang="en-US" sz="4000" dirty="0">
+                <a:solidFill>
+                  <a:srgbClr val="FFFFFF"/>
+                </a:solidFill>
+              </a:rPr>
+              <a:t>介绍</a:t>
+            </a:r>
+          </a:p>
+        </p:txBody>
+      </p:sp>
+      <p:sp>
+        <p:nvSpPr>
+          <p:cNvPr id="11" name="椭圆 10">
+            <a:extLst>
+              <a:ext uri="{FF2B5EF4-FFF2-40B4-BE49-F238E27FC236}">
+                <a16:creationId xmlns:a16="http://schemas.microsoft.com/office/drawing/2014/main" id="{AAD5ED67-5E59-4269-B305-F62ADEE10A53}"/>
+              </a:ext>
+            </a:extLst>
+          </p:cNvPr>
+          <p:cNvSpPr/>
+          <p:nvPr/>
+        </p:nvSpPr>
+        <p:spPr>
+          <a:xfrm rot="1488327">
+            <a:off x="9033364" y="958121"/>
+            <a:ext cx="2432481" cy="896645"/>
+          </a:xfrm>
+          <a:prstGeom prst="ellipse">
+            <a:avLst/>
+          </a:prstGeom>
+        </p:spPr>
+        <p:style>
+          <a:lnRef idx="3">
+            <a:schemeClr val="lt1"/>
+          </a:lnRef>
+          <a:fillRef idx="1">
+            <a:schemeClr val="accent4"/>
+          </a:fillRef>
+          <a:effectRef idx="1">
+            <a:schemeClr val="accent4"/>
+          </a:effectRef>
+          <a:fontRef idx="minor">
+            <a:schemeClr val="lt1"/>
+          </a:fontRef>
+        </p:style>
+        <p:txBody>
+          <a:bodyPr rtlCol="0" anchor="ctr"/>
+          <a:lstStyle/>
+          <a:p>
+            <a:pPr algn="ctr"/>
+            <a:r>
+              <a:rPr lang="zh-CN" altLang="en-US" dirty="0"/>
+              <a:t>其他相关服务</a:t>
+            </a:r>
+          </a:p>
+        </p:txBody>
+      </p:sp>
+      <p:pic>
+        <p:nvPicPr>
+          <p:cNvPr id="6" name="图片 5">
+            <a:extLst>
+              <a:ext uri="{FF2B5EF4-FFF2-40B4-BE49-F238E27FC236}">
+                <a16:creationId xmlns:a16="http://schemas.microsoft.com/office/drawing/2014/main" id="{16BB1330-06C3-4AC7-9212-353CAF7F5C5B}"/>
+              </a:ext>
+            </a:extLst>
+          </p:cNvPr>
+          <p:cNvPicPr>
+            <a:picLocks noChangeAspect="1"/>
+          </p:cNvPicPr>
+          <p:nvPr/>
+        </p:nvPicPr>
+        <p:blipFill>
+          <a:blip r:embed="rId2"/>
+          <a:stretch>
+            <a:fillRect/>
+          </a:stretch>
+        </p:blipFill>
+        <p:spPr>
+          <a:xfrm>
+            <a:off x="1119322" y="2197100"/>
+            <a:ext cx="10093684" cy="4517761"/>
+          </a:xfrm>
+          <a:prstGeom prst="rect">
+            <a:avLst/>
+          </a:prstGeom>
+        </p:spPr>
+      </p:pic>
+    </p:spTree>
+    <p:extLst>
+      <p:ext uri="{BB962C8B-B14F-4D97-AF65-F5344CB8AC3E}">
+        <p14:creationId xmlns:p14="http://schemas.microsoft.com/office/powerpoint/2010/main" val="2564997785"/>
+      </p:ext>
+    </p:extLst>
+  </p:cSld>
+  <p:clrMapOvr>
+    <a:masterClrMapping/>
+  </p:clrMapOvr>
+</p:sld>
+</file>
+
+<file path=ppt/slides/slide29.xml><?xml version="1.0" encoding="utf-8"?>
+<p:sld xmlns:a="http://schemas.openxmlformats.org/drawingml/2006/main" xmlns:r="http://schemas.openxmlformats.org/officeDocument/2006/relationships" xmlns:p="http://schemas.openxmlformats.org/presentationml/2006/main">
+  <p:cSld>
+    <p:bg>
+      <p:bgPr>
+        <a:solidFill>
+          <a:schemeClr val="bg1"/>
+        </a:solidFill>
+        <a:effectLst/>
+      </p:bgPr>
+    </p:bg>
+    <p:spTree>
+      <p:nvGrpSpPr>
+        <p:cNvPr id="1" name=""/>
+        <p:cNvGrpSpPr/>
+        <p:nvPr/>
+      </p:nvGrpSpPr>
+      <p:grpSpPr>
+        <a:xfrm>
+          <a:off x="0" y="0"/>
+          <a:ext cx="0" cy="0"/>
+          <a:chOff x="0" y="0"/>
+          <a:chExt cx="0" cy="0"/>
+        </a:xfrm>
+      </p:grpSpPr>
+      <p:sp useBgFill="1">
+        <p:nvSpPr>
+          <p:cNvPr id="8" name="Rectangle 7">
+            <a:extLst>
+              <a:ext uri="{FF2B5EF4-FFF2-40B4-BE49-F238E27FC236}">
+                <a16:creationId xmlns:a16="http://schemas.microsoft.com/office/drawing/2014/main" id="{827B839B-9ADE-406B-8590-F1CAEDED45A1}"/>
+              </a:ext>
+              <a:ext uri="{C183D7F6-B498-43B3-948B-1728B52AA6E4}">
+                <adec:decorative xmlns:adec="http://schemas.microsoft.com/office/drawing/2017/decorative" val="1"/>
+              </a:ext>
+            </a:extLst>
+          </p:cNvPr>
+          <p:cNvSpPr>
+            <a:spLocks noGrp="1" noRot="1" noChangeAspect="1" noMove="1" noResize="1" noEditPoints="1" noAdjustHandles="1" noChangeArrowheads="1" noChangeShapeType="1" noTextEdit="1"/>
+          </p:cNvSpPr>
+          <p:nvPr>
+            <p:extLst>
+              <p:ext uri="{386F3935-93C4-4BCD-93E2-E3B085C9AB24}">
+                <p16:designElem xmlns:p16="http://schemas.microsoft.com/office/powerpoint/2015/main" val="1"/>
+              </p:ext>
+            </p:extLst>
+          </p:nvPr>
+        </p:nvSpPr>
+        <p:spPr>
+          <a:xfrm>
+            <a:off x="0" y="0"/>
+            <a:ext cx="12188952" cy="6858000"/>
+          </a:xfrm>
+          <a:prstGeom prst="rect">
+            <a:avLst/>
+          </a:prstGeom>
+          <a:ln>
+            <a:noFill/>
+          </a:ln>
+        </p:spPr>
+        <p:style>
+          <a:lnRef idx="2">
+            <a:schemeClr val="accent1">
+              <a:shade val="50000"/>
+            </a:schemeClr>
+          </a:lnRef>
+          <a:fillRef idx="1">
+            <a:schemeClr val="accent1"/>
+          </a:fillRef>
+          <a:effectRef idx="0">
+            <a:schemeClr val="accent1"/>
+          </a:effectRef>
+          <a:fontRef idx="minor">
+            <a:schemeClr val="lt1"/>
+          </a:fontRef>
+        </p:style>
+        <p:txBody>
+          <a:bodyPr rtlCol="0" anchor="ctr"/>
+          <a:lstStyle/>
+          <a:p>
+            <a:pPr algn="ctr"/>
+            <a:endParaRPr lang="en-US"/>
+          </a:p>
+        </p:txBody>
+      </p:sp>
+      <p:sp>
+        <p:nvSpPr>
+          <p:cNvPr id="10" name="Freeform 45">
+            <a:extLst>
+              <a:ext uri="{FF2B5EF4-FFF2-40B4-BE49-F238E27FC236}">
+                <a16:creationId xmlns:a16="http://schemas.microsoft.com/office/drawing/2014/main" id="{CFE45BF0-46DB-408C-B5F7-7B11716805D4}"/>
+              </a:ext>
+              <a:ext uri="{C183D7F6-B498-43B3-948B-1728B52AA6E4}">
+                <adec:decorative xmlns:adec="http://schemas.microsoft.com/office/drawing/2017/decorative" val="1"/>
+              </a:ext>
+            </a:extLst>
+          </p:cNvPr>
+          <p:cNvSpPr>
+            <a:spLocks noGrp="1" noRot="1" noChangeAspect="1" noMove="1" noResize="1" noEditPoints="1" noAdjustHandles="1" noChangeArrowheads="1" noChangeShapeType="1" noTextEdit="1"/>
+          </p:cNvSpPr>
+          <p:nvPr>
+            <p:extLst>
+              <p:ext uri="{386F3935-93C4-4BCD-93E2-E3B085C9AB24}">
+                <p16:designElem xmlns:p16="http://schemas.microsoft.com/office/powerpoint/2015/main" val="1"/>
+              </p:ext>
+            </p:extLst>
+          </p:nvPr>
+        </p:nvSpPr>
+        <p:spPr bwMode="auto">
+          <a:xfrm>
+            <a:off x="409710" y="1022350"/>
+            <a:ext cx="709612" cy="2095501"/>
+          </a:xfrm>
+          <a:custGeom>
+            <a:avLst/>
+            <a:gdLst>
+              <a:gd name="T0" fmla="*/ 447 w 447"/>
+              <a:gd name="T1" fmla="*/ 1363 h 1363"/>
+              <a:gd name="T2" fmla="*/ 0 w 447"/>
+              <a:gd name="T3" fmla="*/ 987 h 1363"/>
+              <a:gd name="T4" fmla="*/ 0 w 447"/>
+              <a:gd name="T5" fmla="*/ 0 h 1363"/>
+              <a:gd name="T6" fmla="*/ 447 w 447"/>
+              <a:gd name="T7" fmla="*/ 376 h 1363"/>
+              <a:gd name="T8" fmla="*/ 447 w 447"/>
+              <a:gd name="T9" fmla="*/ 1363 h 1363"/>
+            </a:gdLst>
+            <a:ahLst/>
+            <a:cxnLst>
+              <a:cxn ang="0">
+                <a:pos x="T0" y="T1"/>
+              </a:cxn>
+              <a:cxn ang="0">
+                <a:pos x="T2" y="T3"/>
+              </a:cxn>
+              <a:cxn ang="0">
+                <a:pos x="T4" y="T5"/>
+              </a:cxn>
+              <a:cxn ang="0">
+                <a:pos x="T6" y="T7"/>
+              </a:cxn>
+              <a:cxn ang="0">
+                <a:pos x="T8" y="T9"/>
+              </a:cxn>
+            </a:cxnLst>
+            <a:rect l="0" t="0" r="r" b="b"/>
+            <a:pathLst>
+              <a:path w="447" h="1363">
+                <a:moveTo>
+                  <a:pt x="447" y="1363"/>
+                </a:moveTo>
+                <a:lnTo>
+                  <a:pt x="0" y="987"/>
+                </a:lnTo>
+                <a:lnTo>
+                  <a:pt x="0" y="0"/>
+                </a:lnTo>
+                <a:lnTo>
+                  <a:pt x="447" y="376"/>
+                </a:lnTo>
+                <a:lnTo>
+                  <a:pt x="447" y="1363"/>
+                </a:lnTo>
+                <a:close/>
+              </a:path>
+            </a:pathLst>
+          </a:custGeom>
+          <a:solidFill>
+            <a:schemeClr val="accent1">
+              <a:lumMod val="50000"/>
+            </a:schemeClr>
+          </a:solidFill>
+          <a:ln>
+            <a:noFill/>
+          </a:ln>
+        </p:spPr>
+        <p:txBody>
+          <a:bodyPr vert="horz" wrap="square" lIns="91440" tIns="45720" rIns="91440" bIns="45720" numCol="1" anchor="t" anchorCtr="0" compatLnSpc="1">
+            <a:prstTxWarp prst="textNoShape">
+              <a:avLst/>
+            </a:prstTxWarp>
+          </a:bodyPr>
+          <a:lstStyle/>
+          <a:p>
+            <a:endParaRPr lang="en-US"/>
+          </a:p>
+        </p:txBody>
+      </p:sp>
+      <p:sp>
+        <p:nvSpPr>
+          <p:cNvPr id="12" name="Freeform 46">
+            <a:extLst>
+              <a:ext uri="{FF2B5EF4-FFF2-40B4-BE49-F238E27FC236}">
+                <a16:creationId xmlns:a16="http://schemas.microsoft.com/office/drawing/2014/main" id="{2AEBC8F2-97B1-41B4-93F1-2D289E197FBA}"/>
+              </a:ext>
+              <a:ext uri="{C183D7F6-B498-43B3-948B-1728B52AA6E4}">
+                <adec:decorative xmlns:adec="http://schemas.microsoft.com/office/drawing/2017/decorative" val="1"/>
+              </a:ext>
+            </a:extLst>
+          </p:cNvPr>
+          <p:cNvSpPr>
+            <a:spLocks noGrp="1" noRot="1" noChangeAspect="1" noMove="1" noResize="1" noEditPoints="1" noAdjustHandles="1" noChangeArrowheads="1" noChangeShapeType="1" noTextEdit="1"/>
+          </p:cNvSpPr>
+          <p:nvPr>
+            <p:extLst>
+              <p:ext uri="{386F3935-93C4-4BCD-93E2-E3B085C9AB24}">
+                <p16:designElem xmlns:p16="http://schemas.microsoft.com/office/powerpoint/2015/main" val="1"/>
+              </p:ext>
+            </p:extLst>
+          </p:nvPr>
+        </p:nvSpPr>
+        <p:spPr bwMode="auto">
+          <a:xfrm>
+            <a:off x="409710" y="837744"/>
+            <a:ext cx="403225" cy="1705431"/>
+          </a:xfrm>
+          <a:custGeom>
+            <a:avLst/>
+            <a:gdLst>
+              <a:gd name="T0" fmla="*/ 254 w 254"/>
+              <a:gd name="T1" fmla="*/ 987 h 1109"/>
+              <a:gd name="T2" fmla="*/ 0 w 254"/>
+              <a:gd name="T3" fmla="*/ 1109 h 1109"/>
+              <a:gd name="T4" fmla="*/ 0 w 254"/>
+              <a:gd name="T5" fmla="*/ 119 h 1109"/>
+              <a:gd name="T6" fmla="*/ 254 w 254"/>
+              <a:gd name="T7" fmla="*/ 0 h 1109"/>
+              <a:gd name="T8" fmla="*/ 254 w 254"/>
+              <a:gd name="T9" fmla="*/ 987 h 1109"/>
+            </a:gdLst>
+            <a:ahLst/>
+            <a:cxnLst>
+              <a:cxn ang="0">
+                <a:pos x="T0" y="T1"/>
+              </a:cxn>
+              <a:cxn ang="0">
+                <a:pos x="T2" y="T3"/>
+              </a:cxn>
+              <a:cxn ang="0">
+                <a:pos x="T4" y="T5"/>
+              </a:cxn>
+              <a:cxn ang="0">
+                <a:pos x="T6" y="T7"/>
+              </a:cxn>
+              <a:cxn ang="0">
+                <a:pos x="T8" y="T9"/>
+              </a:cxn>
+            </a:cxnLst>
+            <a:rect l="0" t="0" r="r" b="b"/>
+            <a:pathLst>
+              <a:path w="254" h="1109">
+                <a:moveTo>
+                  <a:pt x="254" y="987"/>
+                </a:moveTo>
+                <a:lnTo>
+                  <a:pt x="0" y="1109"/>
+                </a:lnTo>
+                <a:lnTo>
+                  <a:pt x="0" y="119"/>
+                </a:lnTo>
+                <a:lnTo>
+                  <a:pt x="254" y="0"/>
+                </a:lnTo>
+                <a:lnTo>
+                  <a:pt x="254" y="987"/>
+                </a:lnTo>
+                <a:close/>
+              </a:path>
+            </a:pathLst>
+          </a:custGeom>
+          <a:solidFill>
+            <a:schemeClr val="accent1">
+              <a:lumMod val="75000"/>
+            </a:schemeClr>
+          </a:solidFill>
+          <a:ln>
+            <a:noFill/>
+          </a:ln>
+        </p:spPr>
+        <p:txBody>
+          <a:bodyPr vert="horz" wrap="square" lIns="91440" tIns="45720" rIns="91440" bIns="45720" numCol="1" anchor="t" anchorCtr="0" compatLnSpc="1">
+            <a:prstTxWarp prst="textNoShape">
+              <a:avLst/>
+            </a:prstTxWarp>
+          </a:bodyPr>
+          <a:lstStyle/>
+          <a:p>
+            <a:endParaRPr lang="en-US"/>
+          </a:p>
+        </p:txBody>
+      </p:sp>
+      <p:sp>
+        <p:nvSpPr>
+          <p:cNvPr id="14" name="Freeform 47">
+            <a:extLst>
+              <a:ext uri="{FF2B5EF4-FFF2-40B4-BE49-F238E27FC236}">
+                <a16:creationId xmlns:a16="http://schemas.microsoft.com/office/drawing/2014/main" id="{472E3A19-F5D5-48FC-BB9C-48C2F68F598B}"/>
+              </a:ext>
+              <a:ext uri="{C183D7F6-B498-43B3-948B-1728B52AA6E4}">
+                <adec:decorative xmlns:adec="http://schemas.microsoft.com/office/drawing/2017/decorative" val="1"/>
+              </a:ext>
+            </a:extLst>
+          </p:cNvPr>
+          <p:cNvSpPr>
+            <a:spLocks noGrp="1" noRot="1" noChangeAspect="1" noMove="1" noResize="1" noEditPoints="1" noAdjustHandles="1" noChangeArrowheads="1" noChangeShapeType="1" noTextEdit="1"/>
+          </p:cNvSpPr>
+          <p:nvPr>
+            <p:extLst>
+              <p:ext uri="{386F3935-93C4-4BCD-93E2-E3B085C9AB24}">
+                <p16:designElem xmlns:p16="http://schemas.microsoft.com/office/powerpoint/2015/main" val="1"/>
+              </p:ext>
+            </p:extLst>
+          </p:nvPr>
+        </p:nvSpPr>
+        <p:spPr bwMode="auto">
+          <a:xfrm>
+            <a:off x="644660" y="640894"/>
+            <a:ext cx="168275" cy="1713195"/>
+          </a:xfrm>
+          <a:custGeom>
+            <a:avLst/>
+            <a:gdLst>
+              <a:gd name="T0" fmla="*/ 106 w 106"/>
+              <a:gd name="T1" fmla="*/ 1114 h 1114"/>
+              <a:gd name="T2" fmla="*/ 0 w 106"/>
+              <a:gd name="T3" fmla="*/ 1005 h 1114"/>
+              <a:gd name="T4" fmla="*/ 0 w 106"/>
+              <a:gd name="T5" fmla="*/ 0 h 1114"/>
+              <a:gd name="T6" fmla="*/ 106 w 106"/>
+              <a:gd name="T7" fmla="*/ 110 h 1114"/>
+              <a:gd name="T8" fmla="*/ 106 w 106"/>
+              <a:gd name="T9" fmla="*/ 1114 h 1114"/>
+            </a:gdLst>
+            <a:ahLst/>
+            <a:cxnLst>
+              <a:cxn ang="0">
+                <a:pos x="T0" y="T1"/>
+              </a:cxn>
+              <a:cxn ang="0">
+                <a:pos x="T2" y="T3"/>
+              </a:cxn>
+              <a:cxn ang="0">
+                <a:pos x="T4" y="T5"/>
+              </a:cxn>
+              <a:cxn ang="0">
+                <a:pos x="T6" y="T7"/>
+              </a:cxn>
+              <a:cxn ang="0">
+                <a:pos x="T8" y="T9"/>
+              </a:cxn>
+            </a:cxnLst>
+            <a:rect l="0" t="0" r="r" b="b"/>
+            <a:pathLst>
+              <a:path w="106" h="1114">
+                <a:moveTo>
+                  <a:pt x="106" y="1114"/>
+                </a:moveTo>
+                <a:lnTo>
+                  <a:pt x="0" y="1005"/>
+                </a:lnTo>
+                <a:lnTo>
+                  <a:pt x="0" y="0"/>
+                </a:lnTo>
+                <a:lnTo>
+                  <a:pt x="106" y="110"/>
+                </a:lnTo>
+                <a:lnTo>
+                  <a:pt x="106" y="1114"/>
+                </a:lnTo>
+                <a:close/>
+              </a:path>
+            </a:pathLst>
+          </a:custGeom>
+          <a:solidFill>
+            <a:schemeClr val="accent1">
+              <a:lumMod val="50000"/>
+            </a:schemeClr>
+          </a:solidFill>
+          <a:ln>
+            <a:noFill/>
+          </a:ln>
+        </p:spPr>
+        <p:txBody>
+          <a:bodyPr vert="horz" wrap="square" lIns="91440" tIns="45720" rIns="91440" bIns="45720" numCol="1" anchor="t" anchorCtr="0" compatLnSpc="1">
+            <a:prstTxWarp prst="textNoShape">
+              <a:avLst/>
+            </a:prstTxWarp>
+          </a:bodyPr>
+          <a:lstStyle/>
+          <a:p>
+            <a:endParaRPr lang="en-US"/>
+          </a:p>
+        </p:txBody>
+      </p:sp>
+      <p:sp>
+        <p:nvSpPr>
+          <p:cNvPr id="16" name="Freeform 44">
+            <a:extLst>
+              <a:ext uri="{FF2B5EF4-FFF2-40B4-BE49-F238E27FC236}">
+                <a16:creationId xmlns:a16="http://schemas.microsoft.com/office/drawing/2014/main" id="{7A62E32F-BB65-43A8-8EB5-92346890E549}"/>
+              </a:ext>
+              <a:ext uri="{C183D7F6-B498-43B3-948B-1728B52AA6E4}">
+                <adec:decorative xmlns:adec="http://schemas.microsoft.com/office/drawing/2017/decorative" val="1"/>
+              </a:ext>
+            </a:extLst>
+          </p:cNvPr>
+          <p:cNvSpPr>
+            <a:spLocks noGrp="1" noRot="1" noChangeAspect="1" noMove="1" noResize="1" noEditPoints="1" noAdjustHandles="1" noChangeArrowheads="1" noChangeShapeType="1" noTextEdit="1"/>
+          </p:cNvSpPr>
+          <p:nvPr>
+            <p:extLst>
+              <p:ext uri="{386F3935-93C4-4BCD-93E2-E3B085C9AB24}">
+                <p16:designElem xmlns:p16="http://schemas.microsoft.com/office/powerpoint/2015/main" val="1"/>
+              </p:ext>
+            </p:extLst>
+          </p:nvPr>
+        </p:nvSpPr>
+        <p:spPr bwMode="auto">
+          <a:xfrm>
+            <a:off x="11223203" y="635716"/>
+            <a:ext cx="328612" cy="1742360"/>
+          </a:xfrm>
+          <a:custGeom>
+            <a:avLst/>
+            <a:gdLst>
+              <a:gd name="T0" fmla="*/ 207 w 207"/>
+              <a:gd name="T1" fmla="*/ 987 h 1114"/>
+              <a:gd name="T2" fmla="*/ 0 w 207"/>
+              <a:gd name="T3" fmla="*/ 1114 h 1114"/>
+              <a:gd name="T4" fmla="*/ 0 w 207"/>
+              <a:gd name="T5" fmla="*/ 127 h 1114"/>
+              <a:gd name="T6" fmla="*/ 207 w 207"/>
+              <a:gd name="T7" fmla="*/ 0 h 1114"/>
+              <a:gd name="T8" fmla="*/ 207 w 207"/>
+              <a:gd name="T9" fmla="*/ 987 h 1114"/>
+            </a:gdLst>
+            <a:ahLst/>
+            <a:cxnLst>
+              <a:cxn ang="0">
+                <a:pos x="T0" y="T1"/>
+              </a:cxn>
+              <a:cxn ang="0">
+                <a:pos x="T2" y="T3"/>
+              </a:cxn>
+              <a:cxn ang="0">
+                <a:pos x="T4" y="T5"/>
+              </a:cxn>
+              <a:cxn ang="0">
+                <a:pos x="T6" y="T7"/>
+              </a:cxn>
+              <a:cxn ang="0">
+                <a:pos x="T8" y="T9"/>
+              </a:cxn>
+            </a:cxnLst>
+            <a:rect l="0" t="0" r="r" b="b"/>
+            <a:pathLst>
+              <a:path w="207" h="1114">
+                <a:moveTo>
+                  <a:pt x="207" y="987"/>
+                </a:moveTo>
+                <a:lnTo>
+                  <a:pt x="0" y="1114"/>
+                </a:lnTo>
+                <a:lnTo>
+                  <a:pt x="0" y="127"/>
+                </a:lnTo>
+                <a:lnTo>
+                  <a:pt x="207" y="0"/>
+                </a:lnTo>
+                <a:lnTo>
+                  <a:pt x="207" y="987"/>
+                </a:lnTo>
+                <a:close/>
+              </a:path>
+            </a:pathLst>
+          </a:custGeom>
+          <a:solidFill>
+            <a:schemeClr val="accent1">
+              <a:lumMod val="50000"/>
+            </a:schemeClr>
+          </a:solidFill>
+          <a:ln>
+            <a:noFill/>
+          </a:ln>
+        </p:spPr>
+        <p:txBody>
+          <a:bodyPr vert="horz" wrap="square" lIns="91440" tIns="45720" rIns="91440" bIns="45720" numCol="1" anchor="t" anchorCtr="0" compatLnSpc="1">
+            <a:prstTxWarp prst="textNoShape">
+              <a:avLst/>
+            </a:prstTxWarp>
+          </a:bodyPr>
+          <a:lstStyle/>
+          <a:p>
+            <a:endParaRPr lang="en-US"/>
+          </a:p>
+        </p:txBody>
+      </p:sp>
+      <p:sp>
+        <p:nvSpPr>
+          <p:cNvPr id="18" name="Rectangle 17">
+            <a:extLst>
+              <a:ext uri="{FF2B5EF4-FFF2-40B4-BE49-F238E27FC236}">
+                <a16:creationId xmlns:a16="http://schemas.microsoft.com/office/drawing/2014/main" id="{14E91B64-9FCC-451E-AFB4-A827D6329367}"/>
+              </a:ext>
+              <a:ext uri="{C183D7F6-B498-43B3-948B-1728B52AA6E4}">
+                <adec:decorative xmlns:adec="http://schemas.microsoft.com/office/drawing/2017/decorative" val="1"/>
+              </a:ext>
+            </a:extLst>
+          </p:cNvPr>
+          <p:cNvSpPr>
+            <a:spLocks noGrp="1" noRot="1" noChangeAspect="1" noMove="1" noResize="1" noEditPoints="1" noAdjustHandles="1" noChangeArrowheads="1" noChangeShapeType="1" noTextEdit="1"/>
+          </p:cNvSpPr>
+          <p:nvPr>
+            <p:extLst>
+              <p:ext uri="{386F3935-93C4-4BCD-93E2-E3B085C9AB24}">
+                <p16:designElem xmlns:p16="http://schemas.microsoft.com/office/powerpoint/2015/main" val="1"/>
+              </p:ext>
+            </p:extLst>
+          </p:nvPr>
+        </p:nvSpPr>
+        <p:spPr bwMode="auto">
+          <a:xfrm>
+            <a:off x="644055" y="635715"/>
+            <a:ext cx="10907863" cy="1541457"/>
+          </a:xfrm>
+          <a:prstGeom prst="rect">
+            <a:avLst/>
+          </a:prstGeom>
+          <a:solidFill>
+            <a:schemeClr val="accent1"/>
+          </a:solidFill>
+          <a:ln>
+            <a:noFill/>
+          </a:ln>
+        </p:spPr>
+        <p:txBody>
+          <a:bodyPr vert="horz" wrap="square" lIns="91440" tIns="45720" rIns="91440" bIns="45720" numCol="1" anchor="t" anchorCtr="0" compatLnSpc="1">
+            <a:prstTxWarp prst="textNoShape">
+              <a:avLst/>
+            </a:prstTxWarp>
+          </a:bodyPr>
+          <a:lstStyle/>
+          <a:p>
+            <a:endParaRPr lang="en-US"/>
+          </a:p>
+        </p:txBody>
+      </p:sp>
+      <p:sp>
+        <p:nvSpPr>
+          <p:cNvPr id="2" name="标题 1">
+            <a:extLst>
+              <a:ext uri="{FF2B5EF4-FFF2-40B4-BE49-F238E27FC236}">
+                <a16:creationId xmlns:a16="http://schemas.microsoft.com/office/drawing/2014/main" id="{8E0C4025-2C08-4DFF-A551-860A0C947505}"/>
+              </a:ext>
+            </a:extLst>
+          </p:cNvPr>
+          <p:cNvSpPr>
+            <a:spLocks noGrp="1"/>
+          </p:cNvSpPr>
+          <p:nvPr>
+            <p:ph type="title"/>
+          </p:nvPr>
+        </p:nvSpPr>
+        <p:spPr>
+          <a:xfrm>
+            <a:off x="958506" y="800392"/>
+            <a:ext cx="10264697" cy="1212102"/>
+          </a:xfrm>
+        </p:spPr>
+        <p:txBody>
+          <a:bodyPr>
+            <a:normAutofit/>
+          </a:bodyPr>
+          <a:lstStyle/>
+          <a:p>
+            <a:r>
+              <a:rPr lang="zh-CN" altLang="en-US" sz="4000" dirty="0">
+                <a:solidFill>
+                  <a:srgbClr val="FFFFFF"/>
+                </a:solidFill>
+              </a:rPr>
+              <a:t>云</a:t>
+            </a:r>
+            <a:r>
+              <a:rPr lang="en-US" altLang="zh-CN" sz="4000" dirty="0">
+                <a:solidFill>
+                  <a:srgbClr val="FFFFFF"/>
+                </a:solidFill>
+              </a:rPr>
+              <a:t>RDS MYSQL</a:t>
+            </a:r>
+            <a:r>
+              <a:rPr lang="zh-CN" altLang="en-US" sz="4000" dirty="0">
+                <a:solidFill>
+                  <a:srgbClr val="FFFFFF"/>
+                </a:solidFill>
+              </a:rPr>
+              <a:t>介绍</a:t>
+            </a:r>
+          </a:p>
+        </p:txBody>
+      </p:sp>
+      <p:sp>
+        <p:nvSpPr>
+          <p:cNvPr id="11" name="椭圆 10">
+            <a:extLst>
+              <a:ext uri="{FF2B5EF4-FFF2-40B4-BE49-F238E27FC236}">
+                <a16:creationId xmlns:a16="http://schemas.microsoft.com/office/drawing/2014/main" id="{AAD5ED67-5E59-4269-B305-F62ADEE10A53}"/>
+              </a:ext>
+            </a:extLst>
+          </p:cNvPr>
+          <p:cNvSpPr/>
+          <p:nvPr/>
+        </p:nvSpPr>
+        <p:spPr>
+          <a:xfrm rot="1488327">
+            <a:off x="9033364" y="958121"/>
+            <a:ext cx="2432481" cy="896645"/>
+          </a:xfrm>
+          <a:prstGeom prst="ellipse">
+            <a:avLst/>
+          </a:prstGeom>
+        </p:spPr>
+        <p:style>
+          <a:lnRef idx="3">
+            <a:schemeClr val="lt1"/>
+          </a:lnRef>
+          <a:fillRef idx="1">
+            <a:schemeClr val="accent4"/>
+          </a:fillRef>
+          <a:effectRef idx="1">
+            <a:schemeClr val="accent4"/>
+          </a:effectRef>
+          <a:fontRef idx="minor">
+            <a:schemeClr val="lt1"/>
+          </a:fontRef>
+        </p:style>
+        <p:txBody>
+          <a:bodyPr rtlCol="0" anchor="ctr"/>
+          <a:lstStyle/>
+          <a:p>
+            <a:pPr algn="ctr"/>
+            <a:r>
+              <a:rPr lang="zh-CN" altLang="en-US" dirty="0"/>
+              <a:t>其他相关服务</a:t>
+            </a:r>
+          </a:p>
+        </p:txBody>
+      </p:sp>
+      <p:pic>
+        <p:nvPicPr>
+          <p:cNvPr id="3" name="图片 2">
+            <a:extLst>
+              <a:ext uri="{FF2B5EF4-FFF2-40B4-BE49-F238E27FC236}">
+                <a16:creationId xmlns:a16="http://schemas.microsoft.com/office/drawing/2014/main" id="{713B0A51-B009-4DA3-AFA4-DB7285C8327B}"/>
+              </a:ext>
+            </a:extLst>
+          </p:cNvPr>
+          <p:cNvPicPr>
+            <a:picLocks noChangeAspect="1"/>
+          </p:cNvPicPr>
+          <p:nvPr/>
+        </p:nvPicPr>
+        <p:blipFill>
+          <a:blip r:embed="rId2"/>
+          <a:stretch>
+            <a:fillRect/>
+          </a:stretch>
+        </p:blipFill>
+        <p:spPr>
+          <a:xfrm>
+            <a:off x="1122470" y="2177169"/>
+            <a:ext cx="10090536" cy="4365673"/>
+          </a:xfrm>
+          <a:prstGeom prst="rect">
+            <a:avLst/>
+          </a:prstGeom>
+        </p:spPr>
+      </p:pic>
+    </p:spTree>
+    <p:extLst>
+      <p:ext uri="{BB962C8B-B14F-4D97-AF65-F5344CB8AC3E}">
+        <p14:creationId xmlns:p14="http://schemas.microsoft.com/office/powerpoint/2010/main" val="3446614721"/>
       </p:ext>
     </p:extLst>
   </p:cSld>
@@ -16383,8 +19135,8 @@
         </p:blipFill>
         <p:spPr>
           <a:xfrm>
-            <a:off x="1506936" y="2341848"/>
-            <a:ext cx="9182100" cy="4223694"/>
+            <a:off x="1119322" y="2177172"/>
+            <a:ext cx="10093684" cy="4643015"/>
           </a:xfrm>
           <a:prstGeom prst="rect">
             <a:avLst/>
@@ -16442,6 +19194,4642 @@
     <p:extLst>
       <p:ext uri="{BB962C8B-B14F-4D97-AF65-F5344CB8AC3E}">
         <p14:creationId xmlns:p14="http://schemas.microsoft.com/office/powerpoint/2010/main" val="3540534901"/>
+      </p:ext>
+    </p:extLst>
+  </p:cSld>
+  <p:clrMapOvr>
+    <a:masterClrMapping/>
+  </p:clrMapOvr>
+</p:sld>
+</file>
+
+<file path=ppt/slides/slide30.xml><?xml version="1.0" encoding="utf-8"?>
+<p:sld xmlns:a="http://schemas.openxmlformats.org/drawingml/2006/main" xmlns:r="http://schemas.openxmlformats.org/officeDocument/2006/relationships" xmlns:p="http://schemas.openxmlformats.org/presentationml/2006/main">
+  <p:cSld>
+    <p:bg>
+      <p:bgPr>
+        <a:solidFill>
+          <a:schemeClr val="bg1"/>
+        </a:solidFill>
+        <a:effectLst/>
+      </p:bgPr>
+    </p:bg>
+    <p:spTree>
+      <p:nvGrpSpPr>
+        <p:cNvPr id="1" name=""/>
+        <p:cNvGrpSpPr/>
+        <p:nvPr/>
+      </p:nvGrpSpPr>
+      <p:grpSpPr>
+        <a:xfrm>
+          <a:off x="0" y="0"/>
+          <a:ext cx="0" cy="0"/>
+          <a:chOff x="0" y="0"/>
+          <a:chExt cx="0" cy="0"/>
+        </a:xfrm>
+      </p:grpSpPr>
+      <p:sp useBgFill="1">
+        <p:nvSpPr>
+          <p:cNvPr id="8" name="Rectangle 7">
+            <a:extLst>
+              <a:ext uri="{FF2B5EF4-FFF2-40B4-BE49-F238E27FC236}">
+                <a16:creationId xmlns:a16="http://schemas.microsoft.com/office/drawing/2014/main" id="{827B839B-9ADE-406B-8590-F1CAEDED45A1}"/>
+              </a:ext>
+              <a:ext uri="{C183D7F6-B498-43B3-948B-1728B52AA6E4}">
+                <adec:decorative xmlns:adec="http://schemas.microsoft.com/office/drawing/2017/decorative" val="1"/>
+              </a:ext>
+            </a:extLst>
+          </p:cNvPr>
+          <p:cNvSpPr>
+            <a:spLocks noGrp="1" noRot="1" noChangeAspect="1" noMove="1" noResize="1" noEditPoints="1" noAdjustHandles="1" noChangeArrowheads="1" noChangeShapeType="1" noTextEdit="1"/>
+          </p:cNvSpPr>
+          <p:nvPr>
+            <p:extLst>
+              <p:ext uri="{386F3935-93C4-4BCD-93E2-E3B085C9AB24}">
+                <p16:designElem xmlns:p16="http://schemas.microsoft.com/office/powerpoint/2015/main" val="1"/>
+              </p:ext>
+            </p:extLst>
+          </p:nvPr>
+        </p:nvSpPr>
+        <p:spPr>
+          <a:xfrm>
+            <a:off x="0" y="0"/>
+            <a:ext cx="12188952" cy="6858000"/>
+          </a:xfrm>
+          <a:prstGeom prst="rect">
+            <a:avLst/>
+          </a:prstGeom>
+          <a:ln>
+            <a:noFill/>
+          </a:ln>
+        </p:spPr>
+        <p:style>
+          <a:lnRef idx="2">
+            <a:schemeClr val="accent1">
+              <a:shade val="50000"/>
+            </a:schemeClr>
+          </a:lnRef>
+          <a:fillRef idx="1">
+            <a:schemeClr val="accent1"/>
+          </a:fillRef>
+          <a:effectRef idx="0">
+            <a:schemeClr val="accent1"/>
+          </a:effectRef>
+          <a:fontRef idx="minor">
+            <a:schemeClr val="lt1"/>
+          </a:fontRef>
+        </p:style>
+        <p:txBody>
+          <a:bodyPr rtlCol="0" anchor="ctr"/>
+          <a:lstStyle/>
+          <a:p>
+            <a:pPr algn="ctr"/>
+            <a:endParaRPr lang="en-US"/>
+          </a:p>
+        </p:txBody>
+      </p:sp>
+      <p:sp>
+        <p:nvSpPr>
+          <p:cNvPr id="10" name="Freeform 45">
+            <a:extLst>
+              <a:ext uri="{FF2B5EF4-FFF2-40B4-BE49-F238E27FC236}">
+                <a16:creationId xmlns:a16="http://schemas.microsoft.com/office/drawing/2014/main" id="{CFE45BF0-46DB-408C-B5F7-7B11716805D4}"/>
+              </a:ext>
+              <a:ext uri="{C183D7F6-B498-43B3-948B-1728B52AA6E4}">
+                <adec:decorative xmlns:adec="http://schemas.microsoft.com/office/drawing/2017/decorative" val="1"/>
+              </a:ext>
+            </a:extLst>
+          </p:cNvPr>
+          <p:cNvSpPr>
+            <a:spLocks noGrp="1" noRot="1" noChangeAspect="1" noMove="1" noResize="1" noEditPoints="1" noAdjustHandles="1" noChangeArrowheads="1" noChangeShapeType="1" noTextEdit="1"/>
+          </p:cNvSpPr>
+          <p:nvPr>
+            <p:extLst>
+              <p:ext uri="{386F3935-93C4-4BCD-93E2-E3B085C9AB24}">
+                <p16:designElem xmlns:p16="http://schemas.microsoft.com/office/powerpoint/2015/main" val="1"/>
+              </p:ext>
+            </p:extLst>
+          </p:nvPr>
+        </p:nvSpPr>
+        <p:spPr bwMode="auto">
+          <a:xfrm>
+            <a:off x="409710" y="1022350"/>
+            <a:ext cx="709612" cy="2095501"/>
+          </a:xfrm>
+          <a:custGeom>
+            <a:avLst/>
+            <a:gdLst>
+              <a:gd name="T0" fmla="*/ 447 w 447"/>
+              <a:gd name="T1" fmla="*/ 1363 h 1363"/>
+              <a:gd name="T2" fmla="*/ 0 w 447"/>
+              <a:gd name="T3" fmla="*/ 987 h 1363"/>
+              <a:gd name="T4" fmla="*/ 0 w 447"/>
+              <a:gd name="T5" fmla="*/ 0 h 1363"/>
+              <a:gd name="T6" fmla="*/ 447 w 447"/>
+              <a:gd name="T7" fmla="*/ 376 h 1363"/>
+              <a:gd name="T8" fmla="*/ 447 w 447"/>
+              <a:gd name="T9" fmla="*/ 1363 h 1363"/>
+            </a:gdLst>
+            <a:ahLst/>
+            <a:cxnLst>
+              <a:cxn ang="0">
+                <a:pos x="T0" y="T1"/>
+              </a:cxn>
+              <a:cxn ang="0">
+                <a:pos x="T2" y="T3"/>
+              </a:cxn>
+              <a:cxn ang="0">
+                <a:pos x="T4" y="T5"/>
+              </a:cxn>
+              <a:cxn ang="0">
+                <a:pos x="T6" y="T7"/>
+              </a:cxn>
+              <a:cxn ang="0">
+                <a:pos x="T8" y="T9"/>
+              </a:cxn>
+            </a:cxnLst>
+            <a:rect l="0" t="0" r="r" b="b"/>
+            <a:pathLst>
+              <a:path w="447" h="1363">
+                <a:moveTo>
+                  <a:pt x="447" y="1363"/>
+                </a:moveTo>
+                <a:lnTo>
+                  <a:pt x="0" y="987"/>
+                </a:lnTo>
+                <a:lnTo>
+                  <a:pt x="0" y="0"/>
+                </a:lnTo>
+                <a:lnTo>
+                  <a:pt x="447" y="376"/>
+                </a:lnTo>
+                <a:lnTo>
+                  <a:pt x="447" y="1363"/>
+                </a:lnTo>
+                <a:close/>
+              </a:path>
+            </a:pathLst>
+          </a:custGeom>
+          <a:solidFill>
+            <a:schemeClr val="accent1">
+              <a:lumMod val="50000"/>
+            </a:schemeClr>
+          </a:solidFill>
+          <a:ln>
+            <a:noFill/>
+          </a:ln>
+        </p:spPr>
+        <p:txBody>
+          <a:bodyPr vert="horz" wrap="square" lIns="91440" tIns="45720" rIns="91440" bIns="45720" numCol="1" anchor="t" anchorCtr="0" compatLnSpc="1">
+            <a:prstTxWarp prst="textNoShape">
+              <a:avLst/>
+            </a:prstTxWarp>
+          </a:bodyPr>
+          <a:lstStyle/>
+          <a:p>
+            <a:endParaRPr lang="en-US"/>
+          </a:p>
+        </p:txBody>
+      </p:sp>
+      <p:sp>
+        <p:nvSpPr>
+          <p:cNvPr id="12" name="Freeform 46">
+            <a:extLst>
+              <a:ext uri="{FF2B5EF4-FFF2-40B4-BE49-F238E27FC236}">
+                <a16:creationId xmlns:a16="http://schemas.microsoft.com/office/drawing/2014/main" id="{2AEBC8F2-97B1-41B4-93F1-2D289E197FBA}"/>
+              </a:ext>
+              <a:ext uri="{C183D7F6-B498-43B3-948B-1728B52AA6E4}">
+                <adec:decorative xmlns:adec="http://schemas.microsoft.com/office/drawing/2017/decorative" val="1"/>
+              </a:ext>
+            </a:extLst>
+          </p:cNvPr>
+          <p:cNvSpPr>
+            <a:spLocks noGrp="1" noRot="1" noChangeAspect="1" noMove="1" noResize="1" noEditPoints="1" noAdjustHandles="1" noChangeArrowheads="1" noChangeShapeType="1" noTextEdit="1"/>
+          </p:cNvSpPr>
+          <p:nvPr>
+            <p:extLst>
+              <p:ext uri="{386F3935-93C4-4BCD-93E2-E3B085C9AB24}">
+                <p16:designElem xmlns:p16="http://schemas.microsoft.com/office/powerpoint/2015/main" val="1"/>
+              </p:ext>
+            </p:extLst>
+          </p:nvPr>
+        </p:nvSpPr>
+        <p:spPr bwMode="auto">
+          <a:xfrm>
+            <a:off x="409710" y="837744"/>
+            <a:ext cx="403225" cy="1705431"/>
+          </a:xfrm>
+          <a:custGeom>
+            <a:avLst/>
+            <a:gdLst>
+              <a:gd name="T0" fmla="*/ 254 w 254"/>
+              <a:gd name="T1" fmla="*/ 987 h 1109"/>
+              <a:gd name="T2" fmla="*/ 0 w 254"/>
+              <a:gd name="T3" fmla="*/ 1109 h 1109"/>
+              <a:gd name="T4" fmla="*/ 0 w 254"/>
+              <a:gd name="T5" fmla="*/ 119 h 1109"/>
+              <a:gd name="T6" fmla="*/ 254 w 254"/>
+              <a:gd name="T7" fmla="*/ 0 h 1109"/>
+              <a:gd name="T8" fmla="*/ 254 w 254"/>
+              <a:gd name="T9" fmla="*/ 987 h 1109"/>
+            </a:gdLst>
+            <a:ahLst/>
+            <a:cxnLst>
+              <a:cxn ang="0">
+                <a:pos x="T0" y="T1"/>
+              </a:cxn>
+              <a:cxn ang="0">
+                <a:pos x="T2" y="T3"/>
+              </a:cxn>
+              <a:cxn ang="0">
+                <a:pos x="T4" y="T5"/>
+              </a:cxn>
+              <a:cxn ang="0">
+                <a:pos x="T6" y="T7"/>
+              </a:cxn>
+              <a:cxn ang="0">
+                <a:pos x="T8" y="T9"/>
+              </a:cxn>
+            </a:cxnLst>
+            <a:rect l="0" t="0" r="r" b="b"/>
+            <a:pathLst>
+              <a:path w="254" h="1109">
+                <a:moveTo>
+                  <a:pt x="254" y="987"/>
+                </a:moveTo>
+                <a:lnTo>
+                  <a:pt x="0" y="1109"/>
+                </a:lnTo>
+                <a:lnTo>
+                  <a:pt x="0" y="119"/>
+                </a:lnTo>
+                <a:lnTo>
+                  <a:pt x="254" y="0"/>
+                </a:lnTo>
+                <a:lnTo>
+                  <a:pt x="254" y="987"/>
+                </a:lnTo>
+                <a:close/>
+              </a:path>
+            </a:pathLst>
+          </a:custGeom>
+          <a:solidFill>
+            <a:schemeClr val="accent1">
+              <a:lumMod val="75000"/>
+            </a:schemeClr>
+          </a:solidFill>
+          <a:ln>
+            <a:noFill/>
+          </a:ln>
+        </p:spPr>
+        <p:txBody>
+          <a:bodyPr vert="horz" wrap="square" lIns="91440" tIns="45720" rIns="91440" bIns="45720" numCol="1" anchor="t" anchorCtr="0" compatLnSpc="1">
+            <a:prstTxWarp prst="textNoShape">
+              <a:avLst/>
+            </a:prstTxWarp>
+          </a:bodyPr>
+          <a:lstStyle/>
+          <a:p>
+            <a:endParaRPr lang="en-US"/>
+          </a:p>
+        </p:txBody>
+      </p:sp>
+      <p:sp>
+        <p:nvSpPr>
+          <p:cNvPr id="14" name="Freeform 47">
+            <a:extLst>
+              <a:ext uri="{FF2B5EF4-FFF2-40B4-BE49-F238E27FC236}">
+                <a16:creationId xmlns:a16="http://schemas.microsoft.com/office/drawing/2014/main" id="{472E3A19-F5D5-48FC-BB9C-48C2F68F598B}"/>
+              </a:ext>
+              <a:ext uri="{C183D7F6-B498-43B3-948B-1728B52AA6E4}">
+                <adec:decorative xmlns:adec="http://schemas.microsoft.com/office/drawing/2017/decorative" val="1"/>
+              </a:ext>
+            </a:extLst>
+          </p:cNvPr>
+          <p:cNvSpPr>
+            <a:spLocks noGrp="1" noRot="1" noChangeAspect="1" noMove="1" noResize="1" noEditPoints="1" noAdjustHandles="1" noChangeArrowheads="1" noChangeShapeType="1" noTextEdit="1"/>
+          </p:cNvSpPr>
+          <p:nvPr>
+            <p:extLst>
+              <p:ext uri="{386F3935-93C4-4BCD-93E2-E3B085C9AB24}">
+                <p16:designElem xmlns:p16="http://schemas.microsoft.com/office/powerpoint/2015/main" val="1"/>
+              </p:ext>
+            </p:extLst>
+          </p:nvPr>
+        </p:nvSpPr>
+        <p:spPr bwMode="auto">
+          <a:xfrm>
+            <a:off x="644660" y="640894"/>
+            <a:ext cx="168275" cy="1713195"/>
+          </a:xfrm>
+          <a:custGeom>
+            <a:avLst/>
+            <a:gdLst>
+              <a:gd name="T0" fmla="*/ 106 w 106"/>
+              <a:gd name="T1" fmla="*/ 1114 h 1114"/>
+              <a:gd name="T2" fmla="*/ 0 w 106"/>
+              <a:gd name="T3" fmla="*/ 1005 h 1114"/>
+              <a:gd name="T4" fmla="*/ 0 w 106"/>
+              <a:gd name="T5" fmla="*/ 0 h 1114"/>
+              <a:gd name="T6" fmla="*/ 106 w 106"/>
+              <a:gd name="T7" fmla="*/ 110 h 1114"/>
+              <a:gd name="T8" fmla="*/ 106 w 106"/>
+              <a:gd name="T9" fmla="*/ 1114 h 1114"/>
+            </a:gdLst>
+            <a:ahLst/>
+            <a:cxnLst>
+              <a:cxn ang="0">
+                <a:pos x="T0" y="T1"/>
+              </a:cxn>
+              <a:cxn ang="0">
+                <a:pos x="T2" y="T3"/>
+              </a:cxn>
+              <a:cxn ang="0">
+                <a:pos x="T4" y="T5"/>
+              </a:cxn>
+              <a:cxn ang="0">
+                <a:pos x="T6" y="T7"/>
+              </a:cxn>
+              <a:cxn ang="0">
+                <a:pos x="T8" y="T9"/>
+              </a:cxn>
+            </a:cxnLst>
+            <a:rect l="0" t="0" r="r" b="b"/>
+            <a:pathLst>
+              <a:path w="106" h="1114">
+                <a:moveTo>
+                  <a:pt x="106" y="1114"/>
+                </a:moveTo>
+                <a:lnTo>
+                  <a:pt x="0" y="1005"/>
+                </a:lnTo>
+                <a:lnTo>
+                  <a:pt x="0" y="0"/>
+                </a:lnTo>
+                <a:lnTo>
+                  <a:pt x="106" y="110"/>
+                </a:lnTo>
+                <a:lnTo>
+                  <a:pt x="106" y="1114"/>
+                </a:lnTo>
+                <a:close/>
+              </a:path>
+            </a:pathLst>
+          </a:custGeom>
+          <a:solidFill>
+            <a:schemeClr val="accent1">
+              <a:lumMod val="50000"/>
+            </a:schemeClr>
+          </a:solidFill>
+          <a:ln>
+            <a:noFill/>
+          </a:ln>
+        </p:spPr>
+        <p:txBody>
+          <a:bodyPr vert="horz" wrap="square" lIns="91440" tIns="45720" rIns="91440" bIns="45720" numCol="1" anchor="t" anchorCtr="0" compatLnSpc="1">
+            <a:prstTxWarp prst="textNoShape">
+              <a:avLst/>
+            </a:prstTxWarp>
+          </a:bodyPr>
+          <a:lstStyle/>
+          <a:p>
+            <a:endParaRPr lang="en-US"/>
+          </a:p>
+        </p:txBody>
+      </p:sp>
+      <p:sp>
+        <p:nvSpPr>
+          <p:cNvPr id="16" name="Freeform 44">
+            <a:extLst>
+              <a:ext uri="{FF2B5EF4-FFF2-40B4-BE49-F238E27FC236}">
+                <a16:creationId xmlns:a16="http://schemas.microsoft.com/office/drawing/2014/main" id="{7A62E32F-BB65-43A8-8EB5-92346890E549}"/>
+              </a:ext>
+              <a:ext uri="{C183D7F6-B498-43B3-948B-1728B52AA6E4}">
+                <adec:decorative xmlns:adec="http://schemas.microsoft.com/office/drawing/2017/decorative" val="1"/>
+              </a:ext>
+            </a:extLst>
+          </p:cNvPr>
+          <p:cNvSpPr>
+            <a:spLocks noGrp="1" noRot="1" noChangeAspect="1" noMove="1" noResize="1" noEditPoints="1" noAdjustHandles="1" noChangeArrowheads="1" noChangeShapeType="1" noTextEdit="1"/>
+          </p:cNvSpPr>
+          <p:nvPr>
+            <p:extLst>
+              <p:ext uri="{386F3935-93C4-4BCD-93E2-E3B085C9AB24}">
+                <p16:designElem xmlns:p16="http://schemas.microsoft.com/office/powerpoint/2015/main" val="1"/>
+              </p:ext>
+            </p:extLst>
+          </p:nvPr>
+        </p:nvSpPr>
+        <p:spPr bwMode="auto">
+          <a:xfrm>
+            <a:off x="11223203" y="635716"/>
+            <a:ext cx="328612" cy="1742360"/>
+          </a:xfrm>
+          <a:custGeom>
+            <a:avLst/>
+            <a:gdLst>
+              <a:gd name="T0" fmla="*/ 207 w 207"/>
+              <a:gd name="T1" fmla="*/ 987 h 1114"/>
+              <a:gd name="T2" fmla="*/ 0 w 207"/>
+              <a:gd name="T3" fmla="*/ 1114 h 1114"/>
+              <a:gd name="T4" fmla="*/ 0 w 207"/>
+              <a:gd name="T5" fmla="*/ 127 h 1114"/>
+              <a:gd name="T6" fmla="*/ 207 w 207"/>
+              <a:gd name="T7" fmla="*/ 0 h 1114"/>
+              <a:gd name="T8" fmla="*/ 207 w 207"/>
+              <a:gd name="T9" fmla="*/ 987 h 1114"/>
+            </a:gdLst>
+            <a:ahLst/>
+            <a:cxnLst>
+              <a:cxn ang="0">
+                <a:pos x="T0" y="T1"/>
+              </a:cxn>
+              <a:cxn ang="0">
+                <a:pos x="T2" y="T3"/>
+              </a:cxn>
+              <a:cxn ang="0">
+                <a:pos x="T4" y="T5"/>
+              </a:cxn>
+              <a:cxn ang="0">
+                <a:pos x="T6" y="T7"/>
+              </a:cxn>
+              <a:cxn ang="0">
+                <a:pos x="T8" y="T9"/>
+              </a:cxn>
+            </a:cxnLst>
+            <a:rect l="0" t="0" r="r" b="b"/>
+            <a:pathLst>
+              <a:path w="207" h="1114">
+                <a:moveTo>
+                  <a:pt x="207" y="987"/>
+                </a:moveTo>
+                <a:lnTo>
+                  <a:pt x="0" y="1114"/>
+                </a:lnTo>
+                <a:lnTo>
+                  <a:pt x="0" y="127"/>
+                </a:lnTo>
+                <a:lnTo>
+                  <a:pt x="207" y="0"/>
+                </a:lnTo>
+                <a:lnTo>
+                  <a:pt x="207" y="987"/>
+                </a:lnTo>
+                <a:close/>
+              </a:path>
+            </a:pathLst>
+          </a:custGeom>
+          <a:solidFill>
+            <a:schemeClr val="accent1">
+              <a:lumMod val="50000"/>
+            </a:schemeClr>
+          </a:solidFill>
+          <a:ln>
+            <a:noFill/>
+          </a:ln>
+        </p:spPr>
+        <p:txBody>
+          <a:bodyPr vert="horz" wrap="square" lIns="91440" tIns="45720" rIns="91440" bIns="45720" numCol="1" anchor="t" anchorCtr="0" compatLnSpc="1">
+            <a:prstTxWarp prst="textNoShape">
+              <a:avLst/>
+            </a:prstTxWarp>
+          </a:bodyPr>
+          <a:lstStyle/>
+          <a:p>
+            <a:endParaRPr lang="en-US"/>
+          </a:p>
+        </p:txBody>
+      </p:sp>
+      <p:sp>
+        <p:nvSpPr>
+          <p:cNvPr id="18" name="Rectangle 17">
+            <a:extLst>
+              <a:ext uri="{FF2B5EF4-FFF2-40B4-BE49-F238E27FC236}">
+                <a16:creationId xmlns:a16="http://schemas.microsoft.com/office/drawing/2014/main" id="{14E91B64-9FCC-451E-AFB4-A827D6329367}"/>
+              </a:ext>
+              <a:ext uri="{C183D7F6-B498-43B3-948B-1728B52AA6E4}">
+                <adec:decorative xmlns:adec="http://schemas.microsoft.com/office/drawing/2017/decorative" val="1"/>
+              </a:ext>
+            </a:extLst>
+          </p:cNvPr>
+          <p:cNvSpPr>
+            <a:spLocks noGrp="1" noRot="1" noChangeAspect="1" noMove="1" noResize="1" noEditPoints="1" noAdjustHandles="1" noChangeArrowheads="1" noChangeShapeType="1" noTextEdit="1"/>
+          </p:cNvSpPr>
+          <p:nvPr>
+            <p:extLst>
+              <p:ext uri="{386F3935-93C4-4BCD-93E2-E3B085C9AB24}">
+                <p16:designElem xmlns:p16="http://schemas.microsoft.com/office/powerpoint/2015/main" val="1"/>
+              </p:ext>
+            </p:extLst>
+          </p:nvPr>
+        </p:nvSpPr>
+        <p:spPr bwMode="auto">
+          <a:xfrm>
+            <a:off x="644055" y="635715"/>
+            <a:ext cx="10907863" cy="1541457"/>
+          </a:xfrm>
+          <a:prstGeom prst="rect">
+            <a:avLst/>
+          </a:prstGeom>
+          <a:solidFill>
+            <a:schemeClr val="accent1"/>
+          </a:solidFill>
+          <a:ln>
+            <a:noFill/>
+          </a:ln>
+        </p:spPr>
+        <p:txBody>
+          <a:bodyPr vert="horz" wrap="square" lIns="91440" tIns="45720" rIns="91440" bIns="45720" numCol="1" anchor="t" anchorCtr="0" compatLnSpc="1">
+            <a:prstTxWarp prst="textNoShape">
+              <a:avLst/>
+            </a:prstTxWarp>
+          </a:bodyPr>
+          <a:lstStyle/>
+          <a:p>
+            <a:endParaRPr lang="en-US"/>
+          </a:p>
+        </p:txBody>
+      </p:sp>
+      <p:sp>
+        <p:nvSpPr>
+          <p:cNvPr id="2" name="标题 1">
+            <a:extLst>
+              <a:ext uri="{FF2B5EF4-FFF2-40B4-BE49-F238E27FC236}">
+                <a16:creationId xmlns:a16="http://schemas.microsoft.com/office/drawing/2014/main" id="{8E0C4025-2C08-4DFF-A551-860A0C947505}"/>
+              </a:ext>
+            </a:extLst>
+          </p:cNvPr>
+          <p:cNvSpPr>
+            <a:spLocks noGrp="1"/>
+          </p:cNvSpPr>
+          <p:nvPr>
+            <p:ph type="title"/>
+          </p:nvPr>
+        </p:nvSpPr>
+        <p:spPr>
+          <a:xfrm>
+            <a:off x="958506" y="800392"/>
+            <a:ext cx="10264697" cy="1212102"/>
+          </a:xfrm>
+        </p:spPr>
+        <p:txBody>
+          <a:bodyPr>
+            <a:normAutofit/>
+          </a:bodyPr>
+          <a:lstStyle/>
+          <a:p>
+            <a:r>
+              <a:rPr lang="zh-CN" altLang="en-US" sz="4000" dirty="0">
+                <a:solidFill>
+                  <a:srgbClr val="FFFFFF"/>
+                </a:solidFill>
+              </a:rPr>
+              <a:t>云</a:t>
+            </a:r>
+            <a:r>
+              <a:rPr lang="en-US" altLang="zh-CN" sz="4000" dirty="0">
+                <a:solidFill>
+                  <a:srgbClr val="FFFFFF"/>
+                </a:solidFill>
+              </a:rPr>
+              <a:t>RDS MYSQL</a:t>
+            </a:r>
+            <a:r>
+              <a:rPr lang="zh-CN" altLang="en-US" sz="4000" dirty="0">
+                <a:solidFill>
+                  <a:srgbClr val="FFFFFF"/>
+                </a:solidFill>
+              </a:rPr>
+              <a:t>介绍</a:t>
+            </a:r>
+          </a:p>
+        </p:txBody>
+      </p:sp>
+      <p:sp>
+        <p:nvSpPr>
+          <p:cNvPr id="11" name="椭圆 10">
+            <a:extLst>
+              <a:ext uri="{FF2B5EF4-FFF2-40B4-BE49-F238E27FC236}">
+                <a16:creationId xmlns:a16="http://schemas.microsoft.com/office/drawing/2014/main" id="{AAD5ED67-5E59-4269-B305-F62ADEE10A53}"/>
+              </a:ext>
+            </a:extLst>
+          </p:cNvPr>
+          <p:cNvSpPr/>
+          <p:nvPr/>
+        </p:nvSpPr>
+        <p:spPr>
+          <a:xfrm rot="1488327">
+            <a:off x="9033364" y="958121"/>
+            <a:ext cx="2432481" cy="896645"/>
+          </a:xfrm>
+          <a:prstGeom prst="ellipse">
+            <a:avLst/>
+          </a:prstGeom>
+        </p:spPr>
+        <p:style>
+          <a:lnRef idx="3">
+            <a:schemeClr val="lt1"/>
+          </a:lnRef>
+          <a:fillRef idx="1">
+            <a:schemeClr val="accent4"/>
+          </a:fillRef>
+          <a:effectRef idx="1">
+            <a:schemeClr val="accent4"/>
+          </a:effectRef>
+          <a:fontRef idx="minor">
+            <a:schemeClr val="lt1"/>
+          </a:fontRef>
+        </p:style>
+        <p:txBody>
+          <a:bodyPr rtlCol="0" anchor="ctr"/>
+          <a:lstStyle/>
+          <a:p>
+            <a:pPr algn="ctr"/>
+            <a:r>
+              <a:rPr lang="zh-CN" altLang="en-US" dirty="0"/>
+              <a:t>其他相关服务</a:t>
+            </a:r>
+          </a:p>
+        </p:txBody>
+      </p:sp>
+      <p:pic>
+        <p:nvPicPr>
+          <p:cNvPr id="4" name="图片 3">
+            <a:extLst>
+              <a:ext uri="{FF2B5EF4-FFF2-40B4-BE49-F238E27FC236}">
+                <a16:creationId xmlns:a16="http://schemas.microsoft.com/office/drawing/2014/main" id="{A166512D-682B-4C40-B507-31FDE661306E}"/>
+              </a:ext>
+            </a:extLst>
+          </p:cNvPr>
+          <p:cNvPicPr>
+            <a:picLocks noChangeAspect="1"/>
+          </p:cNvPicPr>
+          <p:nvPr/>
+        </p:nvPicPr>
+        <p:blipFill>
+          <a:blip r:embed="rId2"/>
+          <a:stretch>
+            <a:fillRect/>
+          </a:stretch>
+        </p:blipFill>
+        <p:spPr>
+          <a:xfrm>
+            <a:off x="1119321" y="2197100"/>
+            <a:ext cx="10088537" cy="4363498"/>
+          </a:xfrm>
+          <a:prstGeom prst="rect">
+            <a:avLst/>
+          </a:prstGeom>
+        </p:spPr>
+      </p:pic>
+    </p:spTree>
+    <p:extLst>
+      <p:ext uri="{BB962C8B-B14F-4D97-AF65-F5344CB8AC3E}">
+        <p14:creationId xmlns:p14="http://schemas.microsoft.com/office/powerpoint/2010/main" val="3790164140"/>
+      </p:ext>
+    </p:extLst>
+  </p:cSld>
+  <p:clrMapOvr>
+    <a:masterClrMapping/>
+  </p:clrMapOvr>
+</p:sld>
+</file>
+
+<file path=ppt/slides/slide31.xml><?xml version="1.0" encoding="utf-8"?>
+<p:sld xmlns:a="http://schemas.openxmlformats.org/drawingml/2006/main" xmlns:r="http://schemas.openxmlformats.org/officeDocument/2006/relationships" xmlns:p="http://schemas.openxmlformats.org/presentationml/2006/main">
+  <p:cSld>
+    <p:bg>
+      <p:bgPr>
+        <a:solidFill>
+          <a:schemeClr val="bg1"/>
+        </a:solidFill>
+        <a:effectLst/>
+      </p:bgPr>
+    </p:bg>
+    <p:spTree>
+      <p:nvGrpSpPr>
+        <p:cNvPr id="1" name=""/>
+        <p:cNvGrpSpPr/>
+        <p:nvPr/>
+      </p:nvGrpSpPr>
+      <p:grpSpPr>
+        <a:xfrm>
+          <a:off x="0" y="0"/>
+          <a:ext cx="0" cy="0"/>
+          <a:chOff x="0" y="0"/>
+          <a:chExt cx="0" cy="0"/>
+        </a:xfrm>
+      </p:grpSpPr>
+      <p:sp useBgFill="1">
+        <p:nvSpPr>
+          <p:cNvPr id="8" name="Rectangle 7">
+            <a:extLst>
+              <a:ext uri="{FF2B5EF4-FFF2-40B4-BE49-F238E27FC236}">
+                <a16:creationId xmlns:a16="http://schemas.microsoft.com/office/drawing/2014/main" id="{827B839B-9ADE-406B-8590-F1CAEDED45A1}"/>
+              </a:ext>
+              <a:ext uri="{C183D7F6-B498-43B3-948B-1728B52AA6E4}">
+                <adec:decorative xmlns:adec="http://schemas.microsoft.com/office/drawing/2017/decorative" val="1"/>
+              </a:ext>
+            </a:extLst>
+          </p:cNvPr>
+          <p:cNvSpPr>
+            <a:spLocks noGrp="1" noRot="1" noChangeAspect="1" noMove="1" noResize="1" noEditPoints="1" noAdjustHandles="1" noChangeArrowheads="1" noChangeShapeType="1" noTextEdit="1"/>
+          </p:cNvSpPr>
+          <p:nvPr>
+            <p:extLst>
+              <p:ext uri="{386F3935-93C4-4BCD-93E2-E3B085C9AB24}">
+                <p16:designElem xmlns:p16="http://schemas.microsoft.com/office/powerpoint/2015/main" val="1"/>
+              </p:ext>
+            </p:extLst>
+          </p:nvPr>
+        </p:nvSpPr>
+        <p:spPr>
+          <a:xfrm>
+            <a:off x="0" y="0"/>
+            <a:ext cx="12188952" cy="6858000"/>
+          </a:xfrm>
+          <a:prstGeom prst="rect">
+            <a:avLst/>
+          </a:prstGeom>
+          <a:ln>
+            <a:noFill/>
+          </a:ln>
+        </p:spPr>
+        <p:style>
+          <a:lnRef idx="2">
+            <a:schemeClr val="accent1">
+              <a:shade val="50000"/>
+            </a:schemeClr>
+          </a:lnRef>
+          <a:fillRef idx="1">
+            <a:schemeClr val="accent1"/>
+          </a:fillRef>
+          <a:effectRef idx="0">
+            <a:schemeClr val="accent1"/>
+          </a:effectRef>
+          <a:fontRef idx="minor">
+            <a:schemeClr val="lt1"/>
+          </a:fontRef>
+        </p:style>
+        <p:txBody>
+          <a:bodyPr rtlCol="0" anchor="ctr"/>
+          <a:lstStyle/>
+          <a:p>
+            <a:pPr algn="ctr"/>
+            <a:endParaRPr lang="en-US"/>
+          </a:p>
+        </p:txBody>
+      </p:sp>
+      <p:sp>
+        <p:nvSpPr>
+          <p:cNvPr id="10" name="Freeform 45">
+            <a:extLst>
+              <a:ext uri="{FF2B5EF4-FFF2-40B4-BE49-F238E27FC236}">
+                <a16:creationId xmlns:a16="http://schemas.microsoft.com/office/drawing/2014/main" id="{CFE45BF0-46DB-408C-B5F7-7B11716805D4}"/>
+              </a:ext>
+              <a:ext uri="{C183D7F6-B498-43B3-948B-1728B52AA6E4}">
+                <adec:decorative xmlns:adec="http://schemas.microsoft.com/office/drawing/2017/decorative" val="1"/>
+              </a:ext>
+            </a:extLst>
+          </p:cNvPr>
+          <p:cNvSpPr>
+            <a:spLocks noGrp="1" noRot="1" noChangeAspect="1" noMove="1" noResize="1" noEditPoints="1" noAdjustHandles="1" noChangeArrowheads="1" noChangeShapeType="1" noTextEdit="1"/>
+          </p:cNvSpPr>
+          <p:nvPr>
+            <p:extLst>
+              <p:ext uri="{386F3935-93C4-4BCD-93E2-E3B085C9AB24}">
+                <p16:designElem xmlns:p16="http://schemas.microsoft.com/office/powerpoint/2015/main" val="1"/>
+              </p:ext>
+            </p:extLst>
+          </p:nvPr>
+        </p:nvSpPr>
+        <p:spPr bwMode="auto">
+          <a:xfrm>
+            <a:off x="409710" y="1022350"/>
+            <a:ext cx="709612" cy="2095501"/>
+          </a:xfrm>
+          <a:custGeom>
+            <a:avLst/>
+            <a:gdLst>
+              <a:gd name="T0" fmla="*/ 447 w 447"/>
+              <a:gd name="T1" fmla="*/ 1363 h 1363"/>
+              <a:gd name="T2" fmla="*/ 0 w 447"/>
+              <a:gd name="T3" fmla="*/ 987 h 1363"/>
+              <a:gd name="T4" fmla="*/ 0 w 447"/>
+              <a:gd name="T5" fmla="*/ 0 h 1363"/>
+              <a:gd name="T6" fmla="*/ 447 w 447"/>
+              <a:gd name="T7" fmla="*/ 376 h 1363"/>
+              <a:gd name="T8" fmla="*/ 447 w 447"/>
+              <a:gd name="T9" fmla="*/ 1363 h 1363"/>
+            </a:gdLst>
+            <a:ahLst/>
+            <a:cxnLst>
+              <a:cxn ang="0">
+                <a:pos x="T0" y="T1"/>
+              </a:cxn>
+              <a:cxn ang="0">
+                <a:pos x="T2" y="T3"/>
+              </a:cxn>
+              <a:cxn ang="0">
+                <a:pos x="T4" y="T5"/>
+              </a:cxn>
+              <a:cxn ang="0">
+                <a:pos x="T6" y="T7"/>
+              </a:cxn>
+              <a:cxn ang="0">
+                <a:pos x="T8" y="T9"/>
+              </a:cxn>
+            </a:cxnLst>
+            <a:rect l="0" t="0" r="r" b="b"/>
+            <a:pathLst>
+              <a:path w="447" h="1363">
+                <a:moveTo>
+                  <a:pt x="447" y="1363"/>
+                </a:moveTo>
+                <a:lnTo>
+                  <a:pt x="0" y="987"/>
+                </a:lnTo>
+                <a:lnTo>
+                  <a:pt x="0" y="0"/>
+                </a:lnTo>
+                <a:lnTo>
+                  <a:pt x="447" y="376"/>
+                </a:lnTo>
+                <a:lnTo>
+                  <a:pt x="447" y="1363"/>
+                </a:lnTo>
+                <a:close/>
+              </a:path>
+            </a:pathLst>
+          </a:custGeom>
+          <a:solidFill>
+            <a:schemeClr val="accent1">
+              <a:lumMod val="50000"/>
+            </a:schemeClr>
+          </a:solidFill>
+          <a:ln>
+            <a:noFill/>
+          </a:ln>
+        </p:spPr>
+        <p:txBody>
+          <a:bodyPr vert="horz" wrap="square" lIns="91440" tIns="45720" rIns="91440" bIns="45720" numCol="1" anchor="t" anchorCtr="0" compatLnSpc="1">
+            <a:prstTxWarp prst="textNoShape">
+              <a:avLst/>
+            </a:prstTxWarp>
+          </a:bodyPr>
+          <a:lstStyle/>
+          <a:p>
+            <a:endParaRPr lang="en-US"/>
+          </a:p>
+        </p:txBody>
+      </p:sp>
+      <p:sp>
+        <p:nvSpPr>
+          <p:cNvPr id="12" name="Freeform 46">
+            <a:extLst>
+              <a:ext uri="{FF2B5EF4-FFF2-40B4-BE49-F238E27FC236}">
+                <a16:creationId xmlns:a16="http://schemas.microsoft.com/office/drawing/2014/main" id="{2AEBC8F2-97B1-41B4-93F1-2D289E197FBA}"/>
+              </a:ext>
+              <a:ext uri="{C183D7F6-B498-43B3-948B-1728B52AA6E4}">
+                <adec:decorative xmlns:adec="http://schemas.microsoft.com/office/drawing/2017/decorative" val="1"/>
+              </a:ext>
+            </a:extLst>
+          </p:cNvPr>
+          <p:cNvSpPr>
+            <a:spLocks noGrp="1" noRot="1" noChangeAspect="1" noMove="1" noResize="1" noEditPoints="1" noAdjustHandles="1" noChangeArrowheads="1" noChangeShapeType="1" noTextEdit="1"/>
+          </p:cNvSpPr>
+          <p:nvPr>
+            <p:extLst>
+              <p:ext uri="{386F3935-93C4-4BCD-93E2-E3B085C9AB24}">
+                <p16:designElem xmlns:p16="http://schemas.microsoft.com/office/powerpoint/2015/main" val="1"/>
+              </p:ext>
+            </p:extLst>
+          </p:nvPr>
+        </p:nvSpPr>
+        <p:spPr bwMode="auto">
+          <a:xfrm>
+            <a:off x="409710" y="837744"/>
+            <a:ext cx="403225" cy="1705431"/>
+          </a:xfrm>
+          <a:custGeom>
+            <a:avLst/>
+            <a:gdLst>
+              <a:gd name="T0" fmla="*/ 254 w 254"/>
+              <a:gd name="T1" fmla="*/ 987 h 1109"/>
+              <a:gd name="T2" fmla="*/ 0 w 254"/>
+              <a:gd name="T3" fmla="*/ 1109 h 1109"/>
+              <a:gd name="T4" fmla="*/ 0 w 254"/>
+              <a:gd name="T5" fmla="*/ 119 h 1109"/>
+              <a:gd name="T6" fmla="*/ 254 w 254"/>
+              <a:gd name="T7" fmla="*/ 0 h 1109"/>
+              <a:gd name="T8" fmla="*/ 254 w 254"/>
+              <a:gd name="T9" fmla="*/ 987 h 1109"/>
+            </a:gdLst>
+            <a:ahLst/>
+            <a:cxnLst>
+              <a:cxn ang="0">
+                <a:pos x="T0" y="T1"/>
+              </a:cxn>
+              <a:cxn ang="0">
+                <a:pos x="T2" y="T3"/>
+              </a:cxn>
+              <a:cxn ang="0">
+                <a:pos x="T4" y="T5"/>
+              </a:cxn>
+              <a:cxn ang="0">
+                <a:pos x="T6" y="T7"/>
+              </a:cxn>
+              <a:cxn ang="0">
+                <a:pos x="T8" y="T9"/>
+              </a:cxn>
+            </a:cxnLst>
+            <a:rect l="0" t="0" r="r" b="b"/>
+            <a:pathLst>
+              <a:path w="254" h="1109">
+                <a:moveTo>
+                  <a:pt x="254" y="987"/>
+                </a:moveTo>
+                <a:lnTo>
+                  <a:pt x="0" y="1109"/>
+                </a:lnTo>
+                <a:lnTo>
+                  <a:pt x="0" y="119"/>
+                </a:lnTo>
+                <a:lnTo>
+                  <a:pt x="254" y="0"/>
+                </a:lnTo>
+                <a:lnTo>
+                  <a:pt x="254" y="987"/>
+                </a:lnTo>
+                <a:close/>
+              </a:path>
+            </a:pathLst>
+          </a:custGeom>
+          <a:solidFill>
+            <a:schemeClr val="accent1">
+              <a:lumMod val="75000"/>
+            </a:schemeClr>
+          </a:solidFill>
+          <a:ln>
+            <a:noFill/>
+          </a:ln>
+        </p:spPr>
+        <p:txBody>
+          <a:bodyPr vert="horz" wrap="square" lIns="91440" tIns="45720" rIns="91440" bIns="45720" numCol="1" anchor="t" anchorCtr="0" compatLnSpc="1">
+            <a:prstTxWarp prst="textNoShape">
+              <a:avLst/>
+            </a:prstTxWarp>
+          </a:bodyPr>
+          <a:lstStyle/>
+          <a:p>
+            <a:endParaRPr lang="en-US"/>
+          </a:p>
+        </p:txBody>
+      </p:sp>
+      <p:sp>
+        <p:nvSpPr>
+          <p:cNvPr id="14" name="Freeform 47">
+            <a:extLst>
+              <a:ext uri="{FF2B5EF4-FFF2-40B4-BE49-F238E27FC236}">
+                <a16:creationId xmlns:a16="http://schemas.microsoft.com/office/drawing/2014/main" id="{472E3A19-F5D5-48FC-BB9C-48C2F68F598B}"/>
+              </a:ext>
+              <a:ext uri="{C183D7F6-B498-43B3-948B-1728B52AA6E4}">
+                <adec:decorative xmlns:adec="http://schemas.microsoft.com/office/drawing/2017/decorative" val="1"/>
+              </a:ext>
+            </a:extLst>
+          </p:cNvPr>
+          <p:cNvSpPr>
+            <a:spLocks noGrp="1" noRot="1" noChangeAspect="1" noMove="1" noResize="1" noEditPoints="1" noAdjustHandles="1" noChangeArrowheads="1" noChangeShapeType="1" noTextEdit="1"/>
+          </p:cNvSpPr>
+          <p:nvPr>
+            <p:extLst>
+              <p:ext uri="{386F3935-93C4-4BCD-93E2-E3B085C9AB24}">
+                <p16:designElem xmlns:p16="http://schemas.microsoft.com/office/powerpoint/2015/main" val="1"/>
+              </p:ext>
+            </p:extLst>
+          </p:nvPr>
+        </p:nvSpPr>
+        <p:spPr bwMode="auto">
+          <a:xfrm>
+            <a:off x="644660" y="640894"/>
+            <a:ext cx="168275" cy="1713195"/>
+          </a:xfrm>
+          <a:custGeom>
+            <a:avLst/>
+            <a:gdLst>
+              <a:gd name="T0" fmla="*/ 106 w 106"/>
+              <a:gd name="T1" fmla="*/ 1114 h 1114"/>
+              <a:gd name="T2" fmla="*/ 0 w 106"/>
+              <a:gd name="T3" fmla="*/ 1005 h 1114"/>
+              <a:gd name="T4" fmla="*/ 0 w 106"/>
+              <a:gd name="T5" fmla="*/ 0 h 1114"/>
+              <a:gd name="T6" fmla="*/ 106 w 106"/>
+              <a:gd name="T7" fmla="*/ 110 h 1114"/>
+              <a:gd name="T8" fmla="*/ 106 w 106"/>
+              <a:gd name="T9" fmla="*/ 1114 h 1114"/>
+            </a:gdLst>
+            <a:ahLst/>
+            <a:cxnLst>
+              <a:cxn ang="0">
+                <a:pos x="T0" y="T1"/>
+              </a:cxn>
+              <a:cxn ang="0">
+                <a:pos x="T2" y="T3"/>
+              </a:cxn>
+              <a:cxn ang="0">
+                <a:pos x="T4" y="T5"/>
+              </a:cxn>
+              <a:cxn ang="0">
+                <a:pos x="T6" y="T7"/>
+              </a:cxn>
+              <a:cxn ang="0">
+                <a:pos x="T8" y="T9"/>
+              </a:cxn>
+            </a:cxnLst>
+            <a:rect l="0" t="0" r="r" b="b"/>
+            <a:pathLst>
+              <a:path w="106" h="1114">
+                <a:moveTo>
+                  <a:pt x="106" y="1114"/>
+                </a:moveTo>
+                <a:lnTo>
+                  <a:pt x="0" y="1005"/>
+                </a:lnTo>
+                <a:lnTo>
+                  <a:pt x="0" y="0"/>
+                </a:lnTo>
+                <a:lnTo>
+                  <a:pt x="106" y="110"/>
+                </a:lnTo>
+                <a:lnTo>
+                  <a:pt x="106" y="1114"/>
+                </a:lnTo>
+                <a:close/>
+              </a:path>
+            </a:pathLst>
+          </a:custGeom>
+          <a:solidFill>
+            <a:schemeClr val="accent1">
+              <a:lumMod val="50000"/>
+            </a:schemeClr>
+          </a:solidFill>
+          <a:ln>
+            <a:noFill/>
+          </a:ln>
+        </p:spPr>
+        <p:txBody>
+          <a:bodyPr vert="horz" wrap="square" lIns="91440" tIns="45720" rIns="91440" bIns="45720" numCol="1" anchor="t" anchorCtr="0" compatLnSpc="1">
+            <a:prstTxWarp prst="textNoShape">
+              <a:avLst/>
+            </a:prstTxWarp>
+          </a:bodyPr>
+          <a:lstStyle/>
+          <a:p>
+            <a:endParaRPr lang="en-US"/>
+          </a:p>
+        </p:txBody>
+      </p:sp>
+      <p:sp>
+        <p:nvSpPr>
+          <p:cNvPr id="16" name="Freeform 44">
+            <a:extLst>
+              <a:ext uri="{FF2B5EF4-FFF2-40B4-BE49-F238E27FC236}">
+                <a16:creationId xmlns:a16="http://schemas.microsoft.com/office/drawing/2014/main" id="{7A62E32F-BB65-43A8-8EB5-92346890E549}"/>
+              </a:ext>
+              <a:ext uri="{C183D7F6-B498-43B3-948B-1728B52AA6E4}">
+                <adec:decorative xmlns:adec="http://schemas.microsoft.com/office/drawing/2017/decorative" val="1"/>
+              </a:ext>
+            </a:extLst>
+          </p:cNvPr>
+          <p:cNvSpPr>
+            <a:spLocks noGrp="1" noRot="1" noChangeAspect="1" noMove="1" noResize="1" noEditPoints="1" noAdjustHandles="1" noChangeArrowheads="1" noChangeShapeType="1" noTextEdit="1"/>
+          </p:cNvSpPr>
+          <p:nvPr>
+            <p:extLst>
+              <p:ext uri="{386F3935-93C4-4BCD-93E2-E3B085C9AB24}">
+                <p16:designElem xmlns:p16="http://schemas.microsoft.com/office/powerpoint/2015/main" val="1"/>
+              </p:ext>
+            </p:extLst>
+          </p:nvPr>
+        </p:nvSpPr>
+        <p:spPr bwMode="auto">
+          <a:xfrm>
+            <a:off x="11223203" y="635716"/>
+            <a:ext cx="328612" cy="1742360"/>
+          </a:xfrm>
+          <a:custGeom>
+            <a:avLst/>
+            <a:gdLst>
+              <a:gd name="T0" fmla="*/ 207 w 207"/>
+              <a:gd name="T1" fmla="*/ 987 h 1114"/>
+              <a:gd name="T2" fmla="*/ 0 w 207"/>
+              <a:gd name="T3" fmla="*/ 1114 h 1114"/>
+              <a:gd name="T4" fmla="*/ 0 w 207"/>
+              <a:gd name="T5" fmla="*/ 127 h 1114"/>
+              <a:gd name="T6" fmla="*/ 207 w 207"/>
+              <a:gd name="T7" fmla="*/ 0 h 1114"/>
+              <a:gd name="T8" fmla="*/ 207 w 207"/>
+              <a:gd name="T9" fmla="*/ 987 h 1114"/>
+            </a:gdLst>
+            <a:ahLst/>
+            <a:cxnLst>
+              <a:cxn ang="0">
+                <a:pos x="T0" y="T1"/>
+              </a:cxn>
+              <a:cxn ang="0">
+                <a:pos x="T2" y="T3"/>
+              </a:cxn>
+              <a:cxn ang="0">
+                <a:pos x="T4" y="T5"/>
+              </a:cxn>
+              <a:cxn ang="0">
+                <a:pos x="T6" y="T7"/>
+              </a:cxn>
+              <a:cxn ang="0">
+                <a:pos x="T8" y="T9"/>
+              </a:cxn>
+            </a:cxnLst>
+            <a:rect l="0" t="0" r="r" b="b"/>
+            <a:pathLst>
+              <a:path w="207" h="1114">
+                <a:moveTo>
+                  <a:pt x="207" y="987"/>
+                </a:moveTo>
+                <a:lnTo>
+                  <a:pt x="0" y="1114"/>
+                </a:lnTo>
+                <a:lnTo>
+                  <a:pt x="0" y="127"/>
+                </a:lnTo>
+                <a:lnTo>
+                  <a:pt x="207" y="0"/>
+                </a:lnTo>
+                <a:lnTo>
+                  <a:pt x="207" y="987"/>
+                </a:lnTo>
+                <a:close/>
+              </a:path>
+            </a:pathLst>
+          </a:custGeom>
+          <a:solidFill>
+            <a:schemeClr val="accent1">
+              <a:lumMod val="50000"/>
+            </a:schemeClr>
+          </a:solidFill>
+          <a:ln>
+            <a:noFill/>
+          </a:ln>
+        </p:spPr>
+        <p:txBody>
+          <a:bodyPr vert="horz" wrap="square" lIns="91440" tIns="45720" rIns="91440" bIns="45720" numCol="1" anchor="t" anchorCtr="0" compatLnSpc="1">
+            <a:prstTxWarp prst="textNoShape">
+              <a:avLst/>
+            </a:prstTxWarp>
+          </a:bodyPr>
+          <a:lstStyle/>
+          <a:p>
+            <a:endParaRPr lang="en-US"/>
+          </a:p>
+        </p:txBody>
+      </p:sp>
+      <p:sp>
+        <p:nvSpPr>
+          <p:cNvPr id="18" name="Rectangle 17">
+            <a:extLst>
+              <a:ext uri="{FF2B5EF4-FFF2-40B4-BE49-F238E27FC236}">
+                <a16:creationId xmlns:a16="http://schemas.microsoft.com/office/drawing/2014/main" id="{14E91B64-9FCC-451E-AFB4-A827D6329367}"/>
+              </a:ext>
+              <a:ext uri="{C183D7F6-B498-43B3-948B-1728B52AA6E4}">
+                <adec:decorative xmlns:adec="http://schemas.microsoft.com/office/drawing/2017/decorative" val="1"/>
+              </a:ext>
+            </a:extLst>
+          </p:cNvPr>
+          <p:cNvSpPr>
+            <a:spLocks noGrp="1" noRot="1" noChangeAspect="1" noMove="1" noResize="1" noEditPoints="1" noAdjustHandles="1" noChangeArrowheads="1" noChangeShapeType="1" noTextEdit="1"/>
+          </p:cNvSpPr>
+          <p:nvPr>
+            <p:extLst>
+              <p:ext uri="{386F3935-93C4-4BCD-93E2-E3B085C9AB24}">
+                <p16:designElem xmlns:p16="http://schemas.microsoft.com/office/powerpoint/2015/main" val="1"/>
+              </p:ext>
+            </p:extLst>
+          </p:nvPr>
+        </p:nvSpPr>
+        <p:spPr bwMode="auto">
+          <a:xfrm>
+            <a:off x="644055" y="635715"/>
+            <a:ext cx="10907863" cy="1541457"/>
+          </a:xfrm>
+          <a:prstGeom prst="rect">
+            <a:avLst/>
+          </a:prstGeom>
+          <a:solidFill>
+            <a:schemeClr val="accent1"/>
+          </a:solidFill>
+          <a:ln>
+            <a:noFill/>
+          </a:ln>
+        </p:spPr>
+        <p:txBody>
+          <a:bodyPr vert="horz" wrap="square" lIns="91440" tIns="45720" rIns="91440" bIns="45720" numCol="1" anchor="t" anchorCtr="0" compatLnSpc="1">
+            <a:prstTxWarp prst="textNoShape">
+              <a:avLst/>
+            </a:prstTxWarp>
+          </a:bodyPr>
+          <a:lstStyle/>
+          <a:p>
+            <a:endParaRPr lang="en-US"/>
+          </a:p>
+        </p:txBody>
+      </p:sp>
+      <p:sp>
+        <p:nvSpPr>
+          <p:cNvPr id="2" name="标题 1">
+            <a:extLst>
+              <a:ext uri="{FF2B5EF4-FFF2-40B4-BE49-F238E27FC236}">
+                <a16:creationId xmlns:a16="http://schemas.microsoft.com/office/drawing/2014/main" id="{8E0C4025-2C08-4DFF-A551-860A0C947505}"/>
+              </a:ext>
+            </a:extLst>
+          </p:cNvPr>
+          <p:cNvSpPr>
+            <a:spLocks noGrp="1"/>
+          </p:cNvSpPr>
+          <p:nvPr>
+            <p:ph type="title"/>
+          </p:nvPr>
+        </p:nvSpPr>
+        <p:spPr>
+          <a:xfrm>
+            <a:off x="958506" y="800392"/>
+            <a:ext cx="10264697" cy="1212102"/>
+          </a:xfrm>
+        </p:spPr>
+        <p:txBody>
+          <a:bodyPr>
+            <a:normAutofit/>
+          </a:bodyPr>
+          <a:lstStyle/>
+          <a:p>
+            <a:r>
+              <a:rPr lang="zh-CN" altLang="en-US" sz="4000" dirty="0">
+                <a:solidFill>
+                  <a:srgbClr val="FFFFFF"/>
+                </a:solidFill>
+              </a:rPr>
+              <a:t>云</a:t>
+            </a:r>
+            <a:r>
+              <a:rPr lang="en-US" altLang="zh-CN" sz="4000" dirty="0">
+                <a:solidFill>
+                  <a:srgbClr val="FFFFFF"/>
+                </a:solidFill>
+              </a:rPr>
+              <a:t>RDS MYSQL</a:t>
+            </a:r>
+            <a:r>
+              <a:rPr lang="zh-CN" altLang="en-US" sz="4000" dirty="0">
+                <a:solidFill>
+                  <a:srgbClr val="FFFFFF"/>
+                </a:solidFill>
+              </a:rPr>
+              <a:t>介绍</a:t>
+            </a:r>
+          </a:p>
+        </p:txBody>
+      </p:sp>
+      <p:pic>
+        <p:nvPicPr>
+          <p:cNvPr id="4" name="内容占位符 3">
+            <a:extLst>
+              <a:ext uri="{FF2B5EF4-FFF2-40B4-BE49-F238E27FC236}">
+                <a16:creationId xmlns:a16="http://schemas.microsoft.com/office/drawing/2014/main" id="{12D6C6E7-A094-45D7-B487-3B048AAF892D}"/>
+              </a:ext>
+            </a:extLst>
+          </p:cNvPr>
+          <p:cNvPicPr>
+            <a:picLocks noGrp="1" noChangeAspect="1"/>
+          </p:cNvPicPr>
+          <p:nvPr>
+            <p:ph idx="1"/>
+          </p:nvPr>
+        </p:nvPicPr>
+        <p:blipFill>
+          <a:blip r:embed="rId2"/>
+          <a:stretch>
+            <a:fillRect/>
+          </a:stretch>
+        </p:blipFill>
+        <p:spPr>
+          <a:xfrm>
+            <a:off x="2112421" y="2323663"/>
+            <a:ext cx="7956866" cy="4320947"/>
+          </a:xfrm>
+          <a:prstGeom prst="rect">
+            <a:avLst/>
+          </a:prstGeom>
+        </p:spPr>
+      </p:pic>
+      <p:sp>
+        <p:nvSpPr>
+          <p:cNvPr id="11" name="椭圆 10">
+            <a:extLst>
+              <a:ext uri="{FF2B5EF4-FFF2-40B4-BE49-F238E27FC236}">
+                <a16:creationId xmlns:a16="http://schemas.microsoft.com/office/drawing/2014/main" id="{AAD5ED67-5E59-4269-B305-F62ADEE10A53}"/>
+              </a:ext>
+            </a:extLst>
+          </p:cNvPr>
+          <p:cNvSpPr/>
+          <p:nvPr/>
+        </p:nvSpPr>
+        <p:spPr>
+          <a:xfrm rot="1488327">
+            <a:off x="9033364" y="958121"/>
+            <a:ext cx="2432481" cy="896645"/>
+          </a:xfrm>
+          <a:prstGeom prst="ellipse">
+            <a:avLst/>
+          </a:prstGeom>
+        </p:spPr>
+        <p:style>
+          <a:lnRef idx="3">
+            <a:schemeClr val="lt1"/>
+          </a:lnRef>
+          <a:fillRef idx="1">
+            <a:schemeClr val="accent4"/>
+          </a:fillRef>
+          <a:effectRef idx="1">
+            <a:schemeClr val="accent4"/>
+          </a:effectRef>
+          <a:fontRef idx="minor">
+            <a:schemeClr val="lt1"/>
+          </a:fontRef>
+        </p:style>
+        <p:txBody>
+          <a:bodyPr rtlCol="0" anchor="ctr"/>
+          <a:lstStyle/>
+          <a:p>
+            <a:pPr algn="ctr"/>
+            <a:r>
+              <a:rPr lang="zh-CN" altLang="en-US" dirty="0"/>
+              <a:t>其他相关服务</a:t>
+            </a:r>
+          </a:p>
+        </p:txBody>
+      </p:sp>
+    </p:spTree>
+    <p:extLst>
+      <p:ext uri="{BB962C8B-B14F-4D97-AF65-F5344CB8AC3E}">
+        <p14:creationId xmlns:p14="http://schemas.microsoft.com/office/powerpoint/2010/main" val="38244114"/>
+      </p:ext>
+    </p:extLst>
+  </p:cSld>
+  <p:clrMapOvr>
+    <a:masterClrMapping/>
+  </p:clrMapOvr>
+</p:sld>
+</file>
+
+<file path=ppt/slides/slide32.xml><?xml version="1.0" encoding="utf-8"?>
+<p:sld xmlns:a="http://schemas.openxmlformats.org/drawingml/2006/main" xmlns:r="http://schemas.openxmlformats.org/officeDocument/2006/relationships" xmlns:p="http://schemas.openxmlformats.org/presentationml/2006/main">
+  <p:cSld>
+    <p:bg>
+      <p:bgPr>
+        <a:solidFill>
+          <a:schemeClr val="bg1"/>
+        </a:solidFill>
+        <a:effectLst/>
+      </p:bgPr>
+    </p:bg>
+    <p:spTree>
+      <p:nvGrpSpPr>
+        <p:cNvPr id="1" name=""/>
+        <p:cNvGrpSpPr/>
+        <p:nvPr/>
+      </p:nvGrpSpPr>
+      <p:grpSpPr>
+        <a:xfrm>
+          <a:off x="0" y="0"/>
+          <a:ext cx="0" cy="0"/>
+          <a:chOff x="0" y="0"/>
+          <a:chExt cx="0" cy="0"/>
+        </a:xfrm>
+      </p:grpSpPr>
+      <p:sp useBgFill="1">
+        <p:nvSpPr>
+          <p:cNvPr id="8" name="Rectangle 7">
+            <a:extLst>
+              <a:ext uri="{FF2B5EF4-FFF2-40B4-BE49-F238E27FC236}">
+                <a16:creationId xmlns:a16="http://schemas.microsoft.com/office/drawing/2014/main" id="{827B839B-9ADE-406B-8590-F1CAEDED45A1}"/>
+              </a:ext>
+              <a:ext uri="{C183D7F6-B498-43B3-948B-1728B52AA6E4}">
+                <adec:decorative xmlns:adec="http://schemas.microsoft.com/office/drawing/2017/decorative" val="1"/>
+              </a:ext>
+            </a:extLst>
+          </p:cNvPr>
+          <p:cNvSpPr>
+            <a:spLocks noGrp="1" noRot="1" noChangeAspect="1" noMove="1" noResize="1" noEditPoints="1" noAdjustHandles="1" noChangeArrowheads="1" noChangeShapeType="1" noTextEdit="1"/>
+          </p:cNvSpPr>
+          <p:nvPr>
+            <p:extLst>
+              <p:ext uri="{386F3935-93C4-4BCD-93E2-E3B085C9AB24}">
+                <p16:designElem xmlns:p16="http://schemas.microsoft.com/office/powerpoint/2015/main" val="1"/>
+              </p:ext>
+            </p:extLst>
+          </p:nvPr>
+        </p:nvSpPr>
+        <p:spPr>
+          <a:xfrm>
+            <a:off x="0" y="0"/>
+            <a:ext cx="12188952" cy="6858000"/>
+          </a:xfrm>
+          <a:prstGeom prst="rect">
+            <a:avLst/>
+          </a:prstGeom>
+          <a:ln>
+            <a:noFill/>
+          </a:ln>
+        </p:spPr>
+        <p:style>
+          <a:lnRef idx="2">
+            <a:schemeClr val="accent1">
+              <a:shade val="50000"/>
+            </a:schemeClr>
+          </a:lnRef>
+          <a:fillRef idx="1">
+            <a:schemeClr val="accent1"/>
+          </a:fillRef>
+          <a:effectRef idx="0">
+            <a:schemeClr val="accent1"/>
+          </a:effectRef>
+          <a:fontRef idx="minor">
+            <a:schemeClr val="lt1"/>
+          </a:fontRef>
+        </p:style>
+        <p:txBody>
+          <a:bodyPr rtlCol="0" anchor="ctr"/>
+          <a:lstStyle/>
+          <a:p>
+            <a:pPr algn="ctr"/>
+            <a:endParaRPr lang="en-US"/>
+          </a:p>
+        </p:txBody>
+      </p:sp>
+      <p:sp>
+        <p:nvSpPr>
+          <p:cNvPr id="10" name="Freeform 45">
+            <a:extLst>
+              <a:ext uri="{FF2B5EF4-FFF2-40B4-BE49-F238E27FC236}">
+                <a16:creationId xmlns:a16="http://schemas.microsoft.com/office/drawing/2014/main" id="{CFE45BF0-46DB-408C-B5F7-7B11716805D4}"/>
+              </a:ext>
+              <a:ext uri="{C183D7F6-B498-43B3-948B-1728B52AA6E4}">
+                <adec:decorative xmlns:adec="http://schemas.microsoft.com/office/drawing/2017/decorative" val="1"/>
+              </a:ext>
+            </a:extLst>
+          </p:cNvPr>
+          <p:cNvSpPr>
+            <a:spLocks noGrp="1" noRot="1" noChangeAspect="1" noMove="1" noResize="1" noEditPoints="1" noAdjustHandles="1" noChangeArrowheads="1" noChangeShapeType="1" noTextEdit="1"/>
+          </p:cNvSpPr>
+          <p:nvPr>
+            <p:extLst>
+              <p:ext uri="{386F3935-93C4-4BCD-93E2-E3B085C9AB24}">
+                <p16:designElem xmlns:p16="http://schemas.microsoft.com/office/powerpoint/2015/main" val="1"/>
+              </p:ext>
+            </p:extLst>
+          </p:nvPr>
+        </p:nvSpPr>
+        <p:spPr bwMode="auto">
+          <a:xfrm>
+            <a:off x="409710" y="1022350"/>
+            <a:ext cx="709612" cy="2095501"/>
+          </a:xfrm>
+          <a:custGeom>
+            <a:avLst/>
+            <a:gdLst>
+              <a:gd name="T0" fmla="*/ 447 w 447"/>
+              <a:gd name="T1" fmla="*/ 1363 h 1363"/>
+              <a:gd name="T2" fmla="*/ 0 w 447"/>
+              <a:gd name="T3" fmla="*/ 987 h 1363"/>
+              <a:gd name="T4" fmla="*/ 0 w 447"/>
+              <a:gd name="T5" fmla="*/ 0 h 1363"/>
+              <a:gd name="T6" fmla="*/ 447 w 447"/>
+              <a:gd name="T7" fmla="*/ 376 h 1363"/>
+              <a:gd name="T8" fmla="*/ 447 w 447"/>
+              <a:gd name="T9" fmla="*/ 1363 h 1363"/>
+            </a:gdLst>
+            <a:ahLst/>
+            <a:cxnLst>
+              <a:cxn ang="0">
+                <a:pos x="T0" y="T1"/>
+              </a:cxn>
+              <a:cxn ang="0">
+                <a:pos x="T2" y="T3"/>
+              </a:cxn>
+              <a:cxn ang="0">
+                <a:pos x="T4" y="T5"/>
+              </a:cxn>
+              <a:cxn ang="0">
+                <a:pos x="T6" y="T7"/>
+              </a:cxn>
+              <a:cxn ang="0">
+                <a:pos x="T8" y="T9"/>
+              </a:cxn>
+            </a:cxnLst>
+            <a:rect l="0" t="0" r="r" b="b"/>
+            <a:pathLst>
+              <a:path w="447" h="1363">
+                <a:moveTo>
+                  <a:pt x="447" y="1363"/>
+                </a:moveTo>
+                <a:lnTo>
+                  <a:pt x="0" y="987"/>
+                </a:lnTo>
+                <a:lnTo>
+                  <a:pt x="0" y="0"/>
+                </a:lnTo>
+                <a:lnTo>
+                  <a:pt x="447" y="376"/>
+                </a:lnTo>
+                <a:lnTo>
+                  <a:pt x="447" y="1363"/>
+                </a:lnTo>
+                <a:close/>
+              </a:path>
+            </a:pathLst>
+          </a:custGeom>
+          <a:solidFill>
+            <a:schemeClr val="accent1">
+              <a:lumMod val="50000"/>
+            </a:schemeClr>
+          </a:solidFill>
+          <a:ln>
+            <a:noFill/>
+          </a:ln>
+        </p:spPr>
+        <p:txBody>
+          <a:bodyPr vert="horz" wrap="square" lIns="91440" tIns="45720" rIns="91440" bIns="45720" numCol="1" anchor="t" anchorCtr="0" compatLnSpc="1">
+            <a:prstTxWarp prst="textNoShape">
+              <a:avLst/>
+            </a:prstTxWarp>
+          </a:bodyPr>
+          <a:lstStyle/>
+          <a:p>
+            <a:endParaRPr lang="en-US"/>
+          </a:p>
+        </p:txBody>
+      </p:sp>
+      <p:sp>
+        <p:nvSpPr>
+          <p:cNvPr id="12" name="Freeform 46">
+            <a:extLst>
+              <a:ext uri="{FF2B5EF4-FFF2-40B4-BE49-F238E27FC236}">
+                <a16:creationId xmlns:a16="http://schemas.microsoft.com/office/drawing/2014/main" id="{2AEBC8F2-97B1-41B4-93F1-2D289E197FBA}"/>
+              </a:ext>
+              <a:ext uri="{C183D7F6-B498-43B3-948B-1728B52AA6E4}">
+                <adec:decorative xmlns:adec="http://schemas.microsoft.com/office/drawing/2017/decorative" val="1"/>
+              </a:ext>
+            </a:extLst>
+          </p:cNvPr>
+          <p:cNvSpPr>
+            <a:spLocks noGrp="1" noRot="1" noChangeAspect="1" noMove="1" noResize="1" noEditPoints="1" noAdjustHandles="1" noChangeArrowheads="1" noChangeShapeType="1" noTextEdit="1"/>
+          </p:cNvSpPr>
+          <p:nvPr>
+            <p:extLst>
+              <p:ext uri="{386F3935-93C4-4BCD-93E2-E3B085C9AB24}">
+                <p16:designElem xmlns:p16="http://schemas.microsoft.com/office/powerpoint/2015/main" val="1"/>
+              </p:ext>
+            </p:extLst>
+          </p:nvPr>
+        </p:nvSpPr>
+        <p:spPr bwMode="auto">
+          <a:xfrm>
+            <a:off x="409710" y="837744"/>
+            <a:ext cx="403225" cy="1705431"/>
+          </a:xfrm>
+          <a:custGeom>
+            <a:avLst/>
+            <a:gdLst>
+              <a:gd name="T0" fmla="*/ 254 w 254"/>
+              <a:gd name="T1" fmla="*/ 987 h 1109"/>
+              <a:gd name="T2" fmla="*/ 0 w 254"/>
+              <a:gd name="T3" fmla="*/ 1109 h 1109"/>
+              <a:gd name="T4" fmla="*/ 0 w 254"/>
+              <a:gd name="T5" fmla="*/ 119 h 1109"/>
+              <a:gd name="T6" fmla="*/ 254 w 254"/>
+              <a:gd name="T7" fmla="*/ 0 h 1109"/>
+              <a:gd name="T8" fmla="*/ 254 w 254"/>
+              <a:gd name="T9" fmla="*/ 987 h 1109"/>
+            </a:gdLst>
+            <a:ahLst/>
+            <a:cxnLst>
+              <a:cxn ang="0">
+                <a:pos x="T0" y="T1"/>
+              </a:cxn>
+              <a:cxn ang="0">
+                <a:pos x="T2" y="T3"/>
+              </a:cxn>
+              <a:cxn ang="0">
+                <a:pos x="T4" y="T5"/>
+              </a:cxn>
+              <a:cxn ang="0">
+                <a:pos x="T6" y="T7"/>
+              </a:cxn>
+              <a:cxn ang="0">
+                <a:pos x="T8" y="T9"/>
+              </a:cxn>
+            </a:cxnLst>
+            <a:rect l="0" t="0" r="r" b="b"/>
+            <a:pathLst>
+              <a:path w="254" h="1109">
+                <a:moveTo>
+                  <a:pt x="254" y="987"/>
+                </a:moveTo>
+                <a:lnTo>
+                  <a:pt x="0" y="1109"/>
+                </a:lnTo>
+                <a:lnTo>
+                  <a:pt x="0" y="119"/>
+                </a:lnTo>
+                <a:lnTo>
+                  <a:pt x="254" y="0"/>
+                </a:lnTo>
+                <a:lnTo>
+                  <a:pt x="254" y="987"/>
+                </a:lnTo>
+                <a:close/>
+              </a:path>
+            </a:pathLst>
+          </a:custGeom>
+          <a:solidFill>
+            <a:schemeClr val="accent1">
+              <a:lumMod val="75000"/>
+            </a:schemeClr>
+          </a:solidFill>
+          <a:ln>
+            <a:noFill/>
+          </a:ln>
+        </p:spPr>
+        <p:txBody>
+          <a:bodyPr vert="horz" wrap="square" lIns="91440" tIns="45720" rIns="91440" bIns="45720" numCol="1" anchor="t" anchorCtr="0" compatLnSpc="1">
+            <a:prstTxWarp prst="textNoShape">
+              <a:avLst/>
+            </a:prstTxWarp>
+          </a:bodyPr>
+          <a:lstStyle/>
+          <a:p>
+            <a:endParaRPr lang="en-US"/>
+          </a:p>
+        </p:txBody>
+      </p:sp>
+      <p:sp>
+        <p:nvSpPr>
+          <p:cNvPr id="14" name="Freeform 47">
+            <a:extLst>
+              <a:ext uri="{FF2B5EF4-FFF2-40B4-BE49-F238E27FC236}">
+                <a16:creationId xmlns:a16="http://schemas.microsoft.com/office/drawing/2014/main" id="{472E3A19-F5D5-48FC-BB9C-48C2F68F598B}"/>
+              </a:ext>
+              <a:ext uri="{C183D7F6-B498-43B3-948B-1728B52AA6E4}">
+                <adec:decorative xmlns:adec="http://schemas.microsoft.com/office/drawing/2017/decorative" val="1"/>
+              </a:ext>
+            </a:extLst>
+          </p:cNvPr>
+          <p:cNvSpPr>
+            <a:spLocks noGrp="1" noRot="1" noChangeAspect="1" noMove="1" noResize="1" noEditPoints="1" noAdjustHandles="1" noChangeArrowheads="1" noChangeShapeType="1" noTextEdit="1"/>
+          </p:cNvSpPr>
+          <p:nvPr>
+            <p:extLst>
+              <p:ext uri="{386F3935-93C4-4BCD-93E2-E3B085C9AB24}">
+                <p16:designElem xmlns:p16="http://schemas.microsoft.com/office/powerpoint/2015/main" val="1"/>
+              </p:ext>
+            </p:extLst>
+          </p:nvPr>
+        </p:nvSpPr>
+        <p:spPr bwMode="auto">
+          <a:xfrm>
+            <a:off x="644660" y="640894"/>
+            <a:ext cx="168275" cy="1713195"/>
+          </a:xfrm>
+          <a:custGeom>
+            <a:avLst/>
+            <a:gdLst>
+              <a:gd name="T0" fmla="*/ 106 w 106"/>
+              <a:gd name="T1" fmla="*/ 1114 h 1114"/>
+              <a:gd name="T2" fmla="*/ 0 w 106"/>
+              <a:gd name="T3" fmla="*/ 1005 h 1114"/>
+              <a:gd name="T4" fmla="*/ 0 w 106"/>
+              <a:gd name="T5" fmla="*/ 0 h 1114"/>
+              <a:gd name="T6" fmla="*/ 106 w 106"/>
+              <a:gd name="T7" fmla="*/ 110 h 1114"/>
+              <a:gd name="T8" fmla="*/ 106 w 106"/>
+              <a:gd name="T9" fmla="*/ 1114 h 1114"/>
+            </a:gdLst>
+            <a:ahLst/>
+            <a:cxnLst>
+              <a:cxn ang="0">
+                <a:pos x="T0" y="T1"/>
+              </a:cxn>
+              <a:cxn ang="0">
+                <a:pos x="T2" y="T3"/>
+              </a:cxn>
+              <a:cxn ang="0">
+                <a:pos x="T4" y="T5"/>
+              </a:cxn>
+              <a:cxn ang="0">
+                <a:pos x="T6" y="T7"/>
+              </a:cxn>
+              <a:cxn ang="0">
+                <a:pos x="T8" y="T9"/>
+              </a:cxn>
+            </a:cxnLst>
+            <a:rect l="0" t="0" r="r" b="b"/>
+            <a:pathLst>
+              <a:path w="106" h="1114">
+                <a:moveTo>
+                  <a:pt x="106" y="1114"/>
+                </a:moveTo>
+                <a:lnTo>
+                  <a:pt x="0" y="1005"/>
+                </a:lnTo>
+                <a:lnTo>
+                  <a:pt x="0" y="0"/>
+                </a:lnTo>
+                <a:lnTo>
+                  <a:pt x="106" y="110"/>
+                </a:lnTo>
+                <a:lnTo>
+                  <a:pt x="106" y="1114"/>
+                </a:lnTo>
+                <a:close/>
+              </a:path>
+            </a:pathLst>
+          </a:custGeom>
+          <a:solidFill>
+            <a:schemeClr val="accent1">
+              <a:lumMod val="50000"/>
+            </a:schemeClr>
+          </a:solidFill>
+          <a:ln>
+            <a:noFill/>
+          </a:ln>
+        </p:spPr>
+        <p:txBody>
+          <a:bodyPr vert="horz" wrap="square" lIns="91440" tIns="45720" rIns="91440" bIns="45720" numCol="1" anchor="t" anchorCtr="0" compatLnSpc="1">
+            <a:prstTxWarp prst="textNoShape">
+              <a:avLst/>
+            </a:prstTxWarp>
+          </a:bodyPr>
+          <a:lstStyle/>
+          <a:p>
+            <a:endParaRPr lang="en-US"/>
+          </a:p>
+        </p:txBody>
+      </p:sp>
+      <p:sp>
+        <p:nvSpPr>
+          <p:cNvPr id="16" name="Freeform 44">
+            <a:extLst>
+              <a:ext uri="{FF2B5EF4-FFF2-40B4-BE49-F238E27FC236}">
+                <a16:creationId xmlns:a16="http://schemas.microsoft.com/office/drawing/2014/main" id="{7A62E32F-BB65-43A8-8EB5-92346890E549}"/>
+              </a:ext>
+              <a:ext uri="{C183D7F6-B498-43B3-948B-1728B52AA6E4}">
+                <adec:decorative xmlns:adec="http://schemas.microsoft.com/office/drawing/2017/decorative" val="1"/>
+              </a:ext>
+            </a:extLst>
+          </p:cNvPr>
+          <p:cNvSpPr>
+            <a:spLocks noGrp="1" noRot="1" noChangeAspect="1" noMove="1" noResize="1" noEditPoints="1" noAdjustHandles="1" noChangeArrowheads="1" noChangeShapeType="1" noTextEdit="1"/>
+          </p:cNvSpPr>
+          <p:nvPr>
+            <p:extLst>
+              <p:ext uri="{386F3935-93C4-4BCD-93E2-E3B085C9AB24}">
+                <p16:designElem xmlns:p16="http://schemas.microsoft.com/office/powerpoint/2015/main" val="1"/>
+              </p:ext>
+            </p:extLst>
+          </p:nvPr>
+        </p:nvSpPr>
+        <p:spPr bwMode="auto">
+          <a:xfrm>
+            <a:off x="11223203" y="635716"/>
+            <a:ext cx="328612" cy="1742360"/>
+          </a:xfrm>
+          <a:custGeom>
+            <a:avLst/>
+            <a:gdLst>
+              <a:gd name="T0" fmla="*/ 207 w 207"/>
+              <a:gd name="T1" fmla="*/ 987 h 1114"/>
+              <a:gd name="T2" fmla="*/ 0 w 207"/>
+              <a:gd name="T3" fmla="*/ 1114 h 1114"/>
+              <a:gd name="T4" fmla="*/ 0 w 207"/>
+              <a:gd name="T5" fmla="*/ 127 h 1114"/>
+              <a:gd name="T6" fmla="*/ 207 w 207"/>
+              <a:gd name="T7" fmla="*/ 0 h 1114"/>
+              <a:gd name="T8" fmla="*/ 207 w 207"/>
+              <a:gd name="T9" fmla="*/ 987 h 1114"/>
+            </a:gdLst>
+            <a:ahLst/>
+            <a:cxnLst>
+              <a:cxn ang="0">
+                <a:pos x="T0" y="T1"/>
+              </a:cxn>
+              <a:cxn ang="0">
+                <a:pos x="T2" y="T3"/>
+              </a:cxn>
+              <a:cxn ang="0">
+                <a:pos x="T4" y="T5"/>
+              </a:cxn>
+              <a:cxn ang="0">
+                <a:pos x="T6" y="T7"/>
+              </a:cxn>
+              <a:cxn ang="0">
+                <a:pos x="T8" y="T9"/>
+              </a:cxn>
+            </a:cxnLst>
+            <a:rect l="0" t="0" r="r" b="b"/>
+            <a:pathLst>
+              <a:path w="207" h="1114">
+                <a:moveTo>
+                  <a:pt x="207" y="987"/>
+                </a:moveTo>
+                <a:lnTo>
+                  <a:pt x="0" y="1114"/>
+                </a:lnTo>
+                <a:lnTo>
+                  <a:pt x="0" y="127"/>
+                </a:lnTo>
+                <a:lnTo>
+                  <a:pt x="207" y="0"/>
+                </a:lnTo>
+                <a:lnTo>
+                  <a:pt x="207" y="987"/>
+                </a:lnTo>
+                <a:close/>
+              </a:path>
+            </a:pathLst>
+          </a:custGeom>
+          <a:solidFill>
+            <a:schemeClr val="accent1">
+              <a:lumMod val="50000"/>
+            </a:schemeClr>
+          </a:solidFill>
+          <a:ln>
+            <a:noFill/>
+          </a:ln>
+        </p:spPr>
+        <p:txBody>
+          <a:bodyPr vert="horz" wrap="square" lIns="91440" tIns="45720" rIns="91440" bIns="45720" numCol="1" anchor="t" anchorCtr="0" compatLnSpc="1">
+            <a:prstTxWarp prst="textNoShape">
+              <a:avLst/>
+            </a:prstTxWarp>
+          </a:bodyPr>
+          <a:lstStyle/>
+          <a:p>
+            <a:endParaRPr lang="en-US"/>
+          </a:p>
+        </p:txBody>
+      </p:sp>
+      <p:sp>
+        <p:nvSpPr>
+          <p:cNvPr id="18" name="Rectangle 17">
+            <a:extLst>
+              <a:ext uri="{FF2B5EF4-FFF2-40B4-BE49-F238E27FC236}">
+                <a16:creationId xmlns:a16="http://schemas.microsoft.com/office/drawing/2014/main" id="{14E91B64-9FCC-451E-AFB4-A827D6329367}"/>
+              </a:ext>
+              <a:ext uri="{C183D7F6-B498-43B3-948B-1728B52AA6E4}">
+                <adec:decorative xmlns:adec="http://schemas.microsoft.com/office/drawing/2017/decorative" val="1"/>
+              </a:ext>
+            </a:extLst>
+          </p:cNvPr>
+          <p:cNvSpPr>
+            <a:spLocks noGrp="1" noRot="1" noChangeAspect="1" noMove="1" noResize="1" noEditPoints="1" noAdjustHandles="1" noChangeArrowheads="1" noChangeShapeType="1" noTextEdit="1"/>
+          </p:cNvSpPr>
+          <p:nvPr>
+            <p:extLst>
+              <p:ext uri="{386F3935-93C4-4BCD-93E2-E3B085C9AB24}">
+                <p16:designElem xmlns:p16="http://schemas.microsoft.com/office/powerpoint/2015/main" val="1"/>
+              </p:ext>
+            </p:extLst>
+          </p:nvPr>
+        </p:nvSpPr>
+        <p:spPr bwMode="auto">
+          <a:xfrm>
+            <a:off x="644055" y="635715"/>
+            <a:ext cx="10907863" cy="1541457"/>
+          </a:xfrm>
+          <a:prstGeom prst="rect">
+            <a:avLst/>
+          </a:prstGeom>
+          <a:solidFill>
+            <a:schemeClr val="accent1"/>
+          </a:solidFill>
+          <a:ln>
+            <a:noFill/>
+          </a:ln>
+        </p:spPr>
+        <p:txBody>
+          <a:bodyPr vert="horz" wrap="square" lIns="91440" tIns="45720" rIns="91440" bIns="45720" numCol="1" anchor="t" anchorCtr="0" compatLnSpc="1">
+            <a:prstTxWarp prst="textNoShape">
+              <a:avLst/>
+            </a:prstTxWarp>
+          </a:bodyPr>
+          <a:lstStyle/>
+          <a:p>
+            <a:endParaRPr lang="en-US"/>
+          </a:p>
+        </p:txBody>
+      </p:sp>
+      <p:sp>
+        <p:nvSpPr>
+          <p:cNvPr id="2" name="标题 1">
+            <a:extLst>
+              <a:ext uri="{FF2B5EF4-FFF2-40B4-BE49-F238E27FC236}">
+                <a16:creationId xmlns:a16="http://schemas.microsoft.com/office/drawing/2014/main" id="{8E0C4025-2C08-4DFF-A551-860A0C947505}"/>
+              </a:ext>
+            </a:extLst>
+          </p:cNvPr>
+          <p:cNvSpPr>
+            <a:spLocks noGrp="1"/>
+          </p:cNvSpPr>
+          <p:nvPr>
+            <p:ph type="title"/>
+          </p:nvPr>
+        </p:nvSpPr>
+        <p:spPr>
+          <a:xfrm>
+            <a:off x="958506" y="800392"/>
+            <a:ext cx="10264697" cy="1212102"/>
+          </a:xfrm>
+        </p:spPr>
+        <p:txBody>
+          <a:bodyPr>
+            <a:normAutofit/>
+          </a:bodyPr>
+          <a:lstStyle/>
+          <a:p>
+            <a:r>
+              <a:rPr lang="en-US" altLang="zh-CN" sz="4000" dirty="0" err="1">
+                <a:solidFill>
+                  <a:srgbClr val="FFFFFF"/>
+                </a:solidFill>
+              </a:rPr>
+              <a:t>Jmeter</a:t>
+            </a:r>
+            <a:r>
+              <a:rPr lang="zh-CN" altLang="en-US" sz="4000" dirty="0">
+                <a:solidFill>
+                  <a:srgbClr val="FFFFFF"/>
+                </a:solidFill>
+              </a:rPr>
+              <a:t>测试</a:t>
+            </a:r>
+          </a:p>
+        </p:txBody>
+      </p:sp>
+      <p:sp>
+        <p:nvSpPr>
+          <p:cNvPr id="11" name="椭圆 10">
+            <a:extLst>
+              <a:ext uri="{FF2B5EF4-FFF2-40B4-BE49-F238E27FC236}">
+                <a16:creationId xmlns:a16="http://schemas.microsoft.com/office/drawing/2014/main" id="{AAD5ED67-5E59-4269-B305-F62ADEE10A53}"/>
+              </a:ext>
+            </a:extLst>
+          </p:cNvPr>
+          <p:cNvSpPr/>
+          <p:nvPr/>
+        </p:nvSpPr>
+        <p:spPr>
+          <a:xfrm rot="1488327">
+            <a:off x="9033364" y="958121"/>
+            <a:ext cx="2432481" cy="896645"/>
+          </a:xfrm>
+          <a:prstGeom prst="ellipse">
+            <a:avLst/>
+          </a:prstGeom>
+        </p:spPr>
+        <p:style>
+          <a:lnRef idx="3">
+            <a:schemeClr val="lt1"/>
+          </a:lnRef>
+          <a:fillRef idx="1">
+            <a:schemeClr val="accent3"/>
+          </a:fillRef>
+          <a:effectRef idx="1">
+            <a:schemeClr val="accent3"/>
+          </a:effectRef>
+          <a:fontRef idx="minor">
+            <a:schemeClr val="lt1"/>
+          </a:fontRef>
+        </p:style>
+        <p:txBody>
+          <a:bodyPr rtlCol="0" anchor="ctr"/>
+          <a:lstStyle/>
+          <a:p>
+            <a:pPr algn="ctr"/>
+            <a:r>
+              <a:rPr lang="zh-CN" altLang="en-US" dirty="0"/>
+              <a:t>测试</a:t>
+            </a:r>
+          </a:p>
+        </p:txBody>
+      </p:sp>
+      <p:pic>
+        <p:nvPicPr>
+          <p:cNvPr id="6" name="图片 5">
+            <a:extLst>
+              <a:ext uri="{FF2B5EF4-FFF2-40B4-BE49-F238E27FC236}">
+                <a16:creationId xmlns:a16="http://schemas.microsoft.com/office/drawing/2014/main" id="{7B1310A6-1A36-4DA7-ACC5-D07E5970D8E0}"/>
+              </a:ext>
+            </a:extLst>
+          </p:cNvPr>
+          <p:cNvPicPr>
+            <a:picLocks noChangeAspect="1"/>
+          </p:cNvPicPr>
+          <p:nvPr/>
+        </p:nvPicPr>
+        <p:blipFill>
+          <a:blip r:embed="rId2"/>
+          <a:stretch>
+            <a:fillRect/>
+          </a:stretch>
+        </p:blipFill>
+        <p:spPr>
+          <a:xfrm>
+            <a:off x="1119322" y="3133725"/>
+            <a:ext cx="10103881" cy="1114425"/>
+          </a:xfrm>
+          <a:prstGeom prst="rect">
+            <a:avLst/>
+          </a:prstGeom>
+        </p:spPr>
+      </p:pic>
+      <p:pic>
+        <p:nvPicPr>
+          <p:cNvPr id="7" name="图片 6">
+            <a:extLst>
+              <a:ext uri="{FF2B5EF4-FFF2-40B4-BE49-F238E27FC236}">
+                <a16:creationId xmlns:a16="http://schemas.microsoft.com/office/drawing/2014/main" id="{D03F01A4-733F-4061-829C-C389884736C1}"/>
+              </a:ext>
+            </a:extLst>
+          </p:cNvPr>
+          <p:cNvPicPr>
+            <a:picLocks noChangeAspect="1"/>
+          </p:cNvPicPr>
+          <p:nvPr/>
+        </p:nvPicPr>
+        <p:blipFill>
+          <a:blip r:embed="rId3"/>
+          <a:stretch>
+            <a:fillRect/>
+          </a:stretch>
+        </p:blipFill>
+        <p:spPr>
+          <a:xfrm>
+            <a:off x="1119322" y="6057608"/>
+            <a:ext cx="10103881" cy="685800"/>
+          </a:xfrm>
+          <a:prstGeom prst="rect">
+            <a:avLst/>
+          </a:prstGeom>
+        </p:spPr>
+      </p:pic>
+      <p:sp>
+        <p:nvSpPr>
+          <p:cNvPr id="9" name="文本框 8">
+            <a:extLst>
+              <a:ext uri="{FF2B5EF4-FFF2-40B4-BE49-F238E27FC236}">
+                <a16:creationId xmlns:a16="http://schemas.microsoft.com/office/drawing/2014/main" id="{970B3CDB-EA7C-4F98-B9AB-57C958F3B591}"/>
+              </a:ext>
+            </a:extLst>
+          </p:cNvPr>
+          <p:cNvSpPr txBox="1"/>
+          <p:nvPr/>
+        </p:nvSpPr>
+        <p:spPr>
+          <a:xfrm>
+            <a:off x="1529032" y="2449670"/>
+            <a:ext cx="9694171" cy="523220"/>
+          </a:xfrm>
+          <a:prstGeom prst="rect">
+            <a:avLst/>
+          </a:prstGeom>
+          <a:noFill/>
+        </p:spPr>
+        <p:txBody>
+          <a:bodyPr wrap="square" rtlCol="0">
+            <a:spAutoFit/>
+          </a:bodyPr>
+          <a:lstStyle/>
+          <a:p>
+            <a:r>
+              <a:rPr lang="zh-CN" altLang="en-US" sz="2800" b="1" dirty="0"/>
+              <a:t>查询并返回一条数据</a:t>
+            </a:r>
+            <a:r>
+              <a:rPr lang="en-US" altLang="zh-CN" sz="2800" b="1" dirty="0">
+                <a:sym typeface="Wingdings" panose="05000000000000000000" pitchFamily="2" charset="2"/>
+              </a:rPr>
+              <a:t>(</a:t>
+            </a:r>
+            <a:r>
+              <a:rPr lang="zh-CN" altLang="en-US" sz="2800" b="1" dirty="0">
+                <a:sym typeface="Wingdings" panose="05000000000000000000" pitchFamily="2" charset="2"/>
+              </a:rPr>
+              <a:t>函数单实例并发度</a:t>
+            </a:r>
+            <a:r>
+              <a:rPr lang="en-US" altLang="zh-CN" sz="2800" b="1" dirty="0">
+                <a:sym typeface="Wingdings" panose="05000000000000000000" pitchFamily="2" charset="2"/>
+              </a:rPr>
+              <a:t>5)</a:t>
+            </a:r>
+            <a:endParaRPr lang="zh-CN" altLang="en-US" sz="2800" b="1" dirty="0"/>
+          </a:p>
+        </p:txBody>
+      </p:sp>
+      <p:pic>
+        <p:nvPicPr>
+          <p:cNvPr id="13" name="图片 12">
+            <a:extLst>
+              <a:ext uri="{FF2B5EF4-FFF2-40B4-BE49-F238E27FC236}">
+                <a16:creationId xmlns:a16="http://schemas.microsoft.com/office/drawing/2014/main" id="{115B50C6-0CCE-4701-A671-689A2BB77842}"/>
+              </a:ext>
+            </a:extLst>
+          </p:cNvPr>
+          <p:cNvPicPr>
+            <a:picLocks noChangeAspect="1"/>
+          </p:cNvPicPr>
+          <p:nvPr/>
+        </p:nvPicPr>
+        <p:blipFill>
+          <a:blip r:embed="rId4"/>
+          <a:stretch>
+            <a:fillRect/>
+          </a:stretch>
+        </p:blipFill>
+        <p:spPr>
+          <a:xfrm>
+            <a:off x="1119322" y="4595018"/>
+            <a:ext cx="10103881" cy="1219370"/>
+          </a:xfrm>
+          <a:prstGeom prst="rect">
+            <a:avLst/>
+          </a:prstGeom>
+        </p:spPr>
+      </p:pic>
+    </p:spTree>
+    <p:extLst>
+      <p:ext uri="{BB962C8B-B14F-4D97-AF65-F5344CB8AC3E}">
+        <p14:creationId xmlns:p14="http://schemas.microsoft.com/office/powerpoint/2010/main" val="1437412498"/>
+      </p:ext>
+    </p:extLst>
+  </p:cSld>
+  <p:clrMapOvr>
+    <a:masterClrMapping/>
+  </p:clrMapOvr>
+</p:sld>
+</file>
+
+<file path=ppt/slides/slide33.xml><?xml version="1.0" encoding="utf-8"?>
+<p:sld xmlns:a="http://schemas.openxmlformats.org/drawingml/2006/main" xmlns:r="http://schemas.openxmlformats.org/officeDocument/2006/relationships" xmlns:p="http://schemas.openxmlformats.org/presentationml/2006/main">
+  <p:cSld>
+    <p:bg>
+      <p:bgPr>
+        <a:solidFill>
+          <a:schemeClr val="bg1"/>
+        </a:solidFill>
+        <a:effectLst/>
+      </p:bgPr>
+    </p:bg>
+    <p:spTree>
+      <p:nvGrpSpPr>
+        <p:cNvPr id="1" name=""/>
+        <p:cNvGrpSpPr/>
+        <p:nvPr/>
+      </p:nvGrpSpPr>
+      <p:grpSpPr>
+        <a:xfrm>
+          <a:off x="0" y="0"/>
+          <a:ext cx="0" cy="0"/>
+          <a:chOff x="0" y="0"/>
+          <a:chExt cx="0" cy="0"/>
+        </a:xfrm>
+      </p:grpSpPr>
+      <p:sp useBgFill="1">
+        <p:nvSpPr>
+          <p:cNvPr id="8" name="Rectangle 7">
+            <a:extLst>
+              <a:ext uri="{FF2B5EF4-FFF2-40B4-BE49-F238E27FC236}">
+                <a16:creationId xmlns:a16="http://schemas.microsoft.com/office/drawing/2014/main" id="{827B839B-9ADE-406B-8590-F1CAEDED45A1}"/>
+              </a:ext>
+              <a:ext uri="{C183D7F6-B498-43B3-948B-1728B52AA6E4}">
+                <adec:decorative xmlns:adec="http://schemas.microsoft.com/office/drawing/2017/decorative" val="1"/>
+              </a:ext>
+            </a:extLst>
+          </p:cNvPr>
+          <p:cNvSpPr>
+            <a:spLocks noGrp="1" noRot="1" noChangeAspect="1" noMove="1" noResize="1" noEditPoints="1" noAdjustHandles="1" noChangeArrowheads="1" noChangeShapeType="1" noTextEdit="1"/>
+          </p:cNvSpPr>
+          <p:nvPr>
+            <p:extLst>
+              <p:ext uri="{386F3935-93C4-4BCD-93E2-E3B085C9AB24}">
+                <p16:designElem xmlns:p16="http://schemas.microsoft.com/office/powerpoint/2015/main" val="1"/>
+              </p:ext>
+            </p:extLst>
+          </p:nvPr>
+        </p:nvSpPr>
+        <p:spPr>
+          <a:xfrm>
+            <a:off x="0" y="0"/>
+            <a:ext cx="12188952" cy="6858000"/>
+          </a:xfrm>
+          <a:prstGeom prst="rect">
+            <a:avLst/>
+          </a:prstGeom>
+          <a:ln>
+            <a:noFill/>
+          </a:ln>
+        </p:spPr>
+        <p:style>
+          <a:lnRef idx="2">
+            <a:schemeClr val="accent1">
+              <a:shade val="50000"/>
+            </a:schemeClr>
+          </a:lnRef>
+          <a:fillRef idx="1">
+            <a:schemeClr val="accent1"/>
+          </a:fillRef>
+          <a:effectRef idx="0">
+            <a:schemeClr val="accent1"/>
+          </a:effectRef>
+          <a:fontRef idx="minor">
+            <a:schemeClr val="lt1"/>
+          </a:fontRef>
+        </p:style>
+        <p:txBody>
+          <a:bodyPr rtlCol="0" anchor="ctr"/>
+          <a:lstStyle/>
+          <a:p>
+            <a:pPr algn="ctr"/>
+            <a:endParaRPr lang="en-US"/>
+          </a:p>
+        </p:txBody>
+      </p:sp>
+      <p:sp>
+        <p:nvSpPr>
+          <p:cNvPr id="10" name="Freeform 45">
+            <a:extLst>
+              <a:ext uri="{FF2B5EF4-FFF2-40B4-BE49-F238E27FC236}">
+                <a16:creationId xmlns:a16="http://schemas.microsoft.com/office/drawing/2014/main" id="{CFE45BF0-46DB-408C-B5F7-7B11716805D4}"/>
+              </a:ext>
+              <a:ext uri="{C183D7F6-B498-43B3-948B-1728B52AA6E4}">
+                <adec:decorative xmlns:adec="http://schemas.microsoft.com/office/drawing/2017/decorative" val="1"/>
+              </a:ext>
+            </a:extLst>
+          </p:cNvPr>
+          <p:cNvSpPr>
+            <a:spLocks noGrp="1" noRot="1" noChangeAspect="1" noMove="1" noResize="1" noEditPoints="1" noAdjustHandles="1" noChangeArrowheads="1" noChangeShapeType="1" noTextEdit="1"/>
+          </p:cNvSpPr>
+          <p:nvPr>
+            <p:extLst>
+              <p:ext uri="{386F3935-93C4-4BCD-93E2-E3B085C9AB24}">
+                <p16:designElem xmlns:p16="http://schemas.microsoft.com/office/powerpoint/2015/main" val="1"/>
+              </p:ext>
+            </p:extLst>
+          </p:nvPr>
+        </p:nvSpPr>
+        <p:spPr bwMode="auto">
+          <a:xfrm>
+            <a:off x="409710" y="1022350"/>
+            <a:ext cx="709612" cy="2095501"/>
+          </a:xfrm>
+          <a:custGeom>
+            <a:avLst/>
+            <a:gdLst>
+              <a:gd name="T0" fmla="*/ 447 w 447"/>
+              <a:gd name="T1" fmla="*/ 1363 h 1363"/>
+              <a:gd name="T2" fmla="*/ 0 w 447"/>
+              <a:gd name="T3" fmla="*/ 987 h 1363"/>
+              <a:gd name="T4" fmla="*/ 0 w 447"/>
+              <a:gd name="T5" fmla="*/ 0 h 1363"/>
+              <a:gd name="T6" fmla="*/ 447 w 447"/>
+              <a:gd name="T7" fmla="*/ 376 h 1363"/>
+              <a:gd name="T8" fmla="*/ 447 w 447"/>
+              <a:gd name="T9" fmla="*/ 1363 h 1363"/>
+            </a:gdLst>
+            <a:ahLst/>
+            <a:cxnLst>
+              <a:cxn ang="0">
+                <a:pos x="T0" y="T1"/>
+              </a:cxn>
+              <a:cxn ang="0">
+                <a:pos x="T2" y="T3"/>
+              </a:cxn>
+              <a:cxn ang="0">
+                <a:pos x="T4" y="T5"/>
+              </a:cxn>
+              <a:cxn ang="0">
+                <a:pos x="T6" y="T7"/>
+              </a:cxn>
+              <a:cxn ang="0">
+                <a:pos x="T8" y="T9"/>
+              </a:cxn>
+            </a:cxnLst>
+            <a:rect l="0" t="0" r="r" b="b"/>
+            <a:pathLst>
+              <a:path w="447" h="1363">
+                <a:moveTo>
+                  <a:pt x="447" y="1363"/>
+                </a:moveTo>
+                <a:lnTo>
+                  <a:pt x="0" y="987"/>
+                </a:lnTo>
+                <a:lnTo>
+                  <a:pt x="0" y="0"/>
+                </a:lnTo>
+                <a:lnTo>
+                  <a:pt x="447" y="376"/>
+                </a:lnTo>
+                <a:lnTo>
+                  <a:pt x="447" y="1363"/>
+                </a:lnTo>
+                <a:close/>
+              </a:path>
+            </a:pathLst>
+          </a:custGeom>
+          <a:solidFill>
+            <a:schemeClr val="accent1">
+              <a:lumMod val="50000"/>
+            </a:schemeClr>
+          </a:solidFill>
+          <a:ln>
+            <a:noFill/>
+          </a:ln>
+        </p:spPr>
+        <p:txBody>
+          <a:bodyPr vert="horz" wrap="square" lIns="91440" tIns="45720" rIns="91440" bIns="45720" numCol="1" anchor="t" anchorCtr="0" compatLnSpc="1">
+            <a:prstTxWarp prst="textNoShape">
+              <a:avLst/>
+            </a:prstTxWarp>
+          </a:bodyPr>
+          <a:lstStyle/>
+          <a:p>
+            <a:endParaRPr lang="en-US"/>
+          </a:p>
+        </p:txBody>
+      </p:sp>
+      <p:sp>
+        <p:nvSpPr>
+          <p:cNvPr id="12" name="Freeform 46">
+            <a:extLst>
+              <a:ext uri="{FF2B5EF4-FFF2-40B4-BE49-F238E27FC236}">
+                <a16:creationId xmlns:a16="http://schemas.microsoft.com/office/drawing/2014/main" id="{2AEBC8F2-97B1-41B4-93F1-2D289E197FBA}"/>
+              </a:ext>
+              <a:ext uri="{C183D7F6-B498-43B3-948B-1728B52AA6E4}">
+                <adec:decorative xmlns:adec="http://schemas.microsoft.com/office/drawing/2017/decorative" val="1"/>
+              </a:ext>
+            </a:extLst>
+          </p:cNvPr>
+          <p:cNvSpPr>
+            <a:spLocks noGrp="1" noRot="1" noChangeAspect="1" noMove="1" noResize="1" noEditPoints="1" noAdjustHandles="1" noChangeArrowheads="1" noChangeShapeType="1" noTextEdit="1"/>
+          </p:cNvSpPr>
+          <p:nvPr>
+            <p:extLst>
+              <p:ext uri="{386F3935-93C4-4BCD-93E2-E3B085C9AB24}">
+                <p16:designElem xmlns:p16="http://schemas.microsoft.com/office/powerpoint/2015/main" val="1"/>
+              </p:ext>
+            </p:extLst>
+          </p:nvPr>
+        </p:nvSpPr>
+        <p:spPr bwMode="auto">
+          <a:xfrm>
+            <a:off x="409710" y="837744"/>
+            <a:ext cx="403225" cy="1705431"/>
+          </a:xfrm>
+          <a:custGeom>
+            <a:avLst/>
+            <a:gdLst>
+              <a:gd name="T0" fmla="*/ 254 w 254"/>
+              <a:gd name="T1" fmla="*/ 987 h 1109"/>
+              <a:gd name="T2" fmla="*/ 0 w 254"/>
+              <a:gd name="T3" fmla="*/ 1109 h 1109"/>
+              <a:gd name="T4" fmla="*/ 0 w 254"/>
+              <a:gd name="T5" fmla="*/ 119 h 1109"/>
+              <a:gd name="T6" fmla="*/ 254 w 254"/>
+              <a:gd name="T7" fmla="*/ 0 h 1109"/>
+              <a:gd name="T8" fmla="*/ 254 w 254"/>
+              <a:gd name="T9" fmla="*/ 987 h 1109"/>
+            </a:gdLst>
+            <a:ahLst/>
+            <a:cxnLst>
+              <a:cxn ang="0">
+                <a:pos x="T0" y="T1"/>
+              </a:cxn>
+              <a:cxn ang="0">
+                <a:pos x="T2" y="T3"/>
+              </a:cxn>
+              <a:cxn ang="0">
+                <a:pos x="T4" y="T5"/>
+              </a:cxn>
+              <a:cxn ang="0">
+                <a:pos x="T6" y="T7"/>
+              </a:cxn>
+              <a:cxn ang="0">
+                <a:pos x="T8" y="T9"/>
+              </a:cxn>
+            </a:cxnLst>
+            <a:rect l="0" t="0" r="r" b="b"/>
+            <a:pathLst>
+              <a:path w="254" h="1109">
+                <a:moveTo>
+                  <a:pt x="254" y="987"/>
+                </a:moveTo>
+                <a:lnTo>
+                  <a:pt x="0" y="1109"/>
+                </a:lnTo>
+                <a:lnTo>
+                  <a:pt x="0" y="119"/>
+                </a:lnTo>
+                <a:lnTo>
+                  <a:pt x="254" y="0"/>
+                </a:lnTo>
+                <a:lnTo>
+                  <a:pt x="254" y="987"/>
+                </a:lnTo>
+                <a:close/>
+              </a:path>
+            </a:pathLst>
+          </a:custGeom>
+          <a:solidFill>
+            <a:schemeClr val="accent1">
+              <a:lumMod val="75000"/>
+            </a:schemeClr>
+          </a:solidFill>
+          <a:ln>
+            <a:noFill/>
+          </a:ln>
+        </p:spPr>
+        <p:txBody>
+          <a:bodyPr vert="horz" wrap="square" lIns="91440" tIns="45720" rIns="91440" bIns="45720" numCol="1" anchor="t" anchorCtr="0" compatLnSpc="1">
+            <a:prstTxWarp prst="textNoShape">
+              <a:avLst/>
+            </a:prstTxWarp>
+          </a:bodyPr>
+          <a:lstStyle/>
+          <a:p>
+            <a:endParaRPr lang="en-US"/>
+          </a:p>
+        </p:txBody>
+      </p:sp>
+      <p:sp>
+        <p:nvSpPr>
+          <p:cNvPr id="14" name="Freeform 47">
+            <a:extLst>
+              <a:ext uri="{FF2B5EF4-FFF2-40B4-BE49-F238E27FC236}">
+                <a16:creationId xmlns:a16="http://schemas.microsoft.com/office/drawing/2014/main" id="{472E3A19-F5D5-48FC-BB9C-48C2F68F598B}"/>
+              </a:ext>
+              <a:ext uri="{C183D7F6-B498-43B3-948B-1728B52AA6E4}">
+                <adec:decorative xmlns:adec="http://schemas.microsoft.com/office/drawing/2017/decorative" val="1"/>
+              </a:ext>
+            </a:extLst>
+          </p:cNvPr>
+          <p:cNvSpPr>
+            <a:spLocks noGrp="1" noRot="1" noChangeAspect="1" noMove="1" noResize="1" noEditPoints="1" noAdjustHandles="1" noChangeArrowheads="1" noChangeShapeType="1" noTextEdit="1"/>
+          </p:cNvSpPr>
+          <p:nvPr>
+            <p:extLst>
+              <p:ext uri="{386F3935-93C4-4BCD-93E2-E3B085C9AB24}">
+                <p16:designElem xmlns:p16="http://schemas.microsoft.com/office/powerpoint/2015/main" val="1"/>
+              </p:ext>
+            </p:extLst>
+          </p:nvPr>
+        </p:nvSpPr>
+        <p:spPr bwMode="auto">
+          <a:xfrm>
+            <a:off x="644660" y="640894"/>
+            <a:ext cx="168275" cy="1713195"/>
+          </a:xfrm>
+          <a:custGeom>
+            <a:avLst/>
+            <a:gdLst>
+              <a:gd name="T0" fmla="*/ 106 w 106"/>
+              <a:gd name="T1" fmla="*/ 1114 h 1114"/>
+              <a:gd name="T2" fmla="*/ 0 w 106"/>
+              <a:gd name="T3" fmla="*/ 1005 h 1114"/>
+              <a:gd name="T4" fmla="*/ 0 w 106"/>
+              <a:gd name="T5" fmla="*/ 0 h 1114"/>
+              <a:gd name="T6" fmla="*/ 106 w 106"/>
+              <a:gd name="T7" fmla="*/ 110 h 1114"/>
+              <a:gd name="T8" fmla="*/ 106 w 106"/>
+              <a:gd name="T9" fmla="*/ 1114 h 1114"/>
+            </a:gdLst>
+            <a:ahLst/>
+            <a:cxnLst>
+              <a:cxn ang="0">
+                <a:pos x="T0" y="T1"/>
+              </a:cxn>
+              <a:cxn ang="0">
+                <a:pos x="T2" y="T3"/>
+              </a:cxn>
+              <a:cxn ang="0">
+                <a:pos x="T4" y="T5"/>
+              </a:cxn>
+              <a:cxn ang="0">
+                <a:pos x="T6" y="T7"/>
+              </a:cxn>
+              <a:cxn ang="0">
+                <a:pos x="T8" y="T9"/>
+              </a:cxn>
+            </a:cxnLst>
+            <a:rect l="0" t="0" r="r" b="b"/>
+            <a:pathLst>
+              <a:path w="106" h="1114">
+                <a:moveTo>
+                  <a:pt x="106" y="1114"/>
+                </a:moveTo>
+                <a:lnTo>
+                  <a:pt x="0" y="1005"/>
+                </a:lnTo>
+                <a:lnTo>
+                  <a:pt x="0" y="0"/>
+                </a:lnTo>
+                <a:lnTo>
+                  <a:pt x="106" y="110"/>
+                </a:lnTo>
+                <a:lnTo>
+                  <a:pt x="106" y="1114"/>
+                </a:lnTo>
+                <a:close/>
+              </a:path>
+            </a:pathLst>
+          </a:custGeom>
+          <a:solidFill>
+            <a:schemeClr val="accent1">
+              <a:lumMod val="50000"/>
+            </a:schemeClr>
+          </a:solidFill>
+          <a:ln>
+            <a:noFill/>
+          </a:ln>
+        </p:spPr>
+        <p:txBody>
+          <a:bodyPr vert="horz" wrap="square" lIns="91440" tIns="45720" rIns="91440" bIns="45720" numCol="1" anchor="t" anchorCtr="0" compatLnSpc="1">
+            <a:prstTxWarp prst="textNoShape">
+              <a:avLst/>
+            </a:prstTxWarp>
+          </a:bodyPr>
+          <a:lstStyle/>
+          <a:p>
+            <a:endParaRPr lang="en-US"/>
+          </a:p>
+        </p:txBody>
+      </p:sp>
+      <p:sp>
+        <p:nvSpPr>
+          <p:cNvPr id="16" name="Freeform 44">
+            <a:extLst>
+              <a:ext uri="{FF2B5EF4-FFF2-40B4-BE49-F238E27FC236}">
+                <a16:creationId xmlns:a16="http://schemas.microsoft.com/office/drawing/2014/main" id="{7A62E32F-BB65-43A8-8EB5-92346890E549}"/>
+              </a:ext>
+              <a:ext uri="{C183D7F6-B498-43B3-948B-1728B52AA6E4}">
+                <adec:decorative xmlns:adec="http://schemas.microsoft.com/office/drawing/2017/decorative" val="1"/>
+              </a:ext>
+            </a:extLst>
+          </p:cNvPr>
+          <p:cNvSpPr>
+            <a:spLocks noGrp="1" noRot="1" noChangeAspect="1" noMove="1" noResize="1" noEditPoints="1" noAdjustHandles="1" noChangeArrowheads="1" noChangeShapeType="1" noTextEdit="1"/>
+          </p:cNvSpPr>
+          <p:nvPr>
+            <p:extLst>
+              <p:ext uri="{386F3935-93C4-4BCD-93E2-E3B085C9AB24}">
+                <p16:designElem xmlns:p16="http://schemas.microsoft.com/office/powerpoint/2015/main" val="1"/>
+              </p:ext>
+            </p:extLst>
+          </p:nvPr>
+        </p:nvSpPr>
+        <p:spPr bwMode="auto">
+          <a:xfrm>
+            <a:off x="11223203" y="635716"/>
+            <a:ext cx="328612" cy="1742360"/>
+          </a:xfrm>
+          <a:custGeom>
+            <a:avLst/>
+            <a:gdLst>
+              <a:gd name="T0" fmla="*/ 207 w 207"/>
+              <a:gd name="T1" fmla="*/ 987 h 1114"/>
+              <a:gd name="T2" fmla="*/ 0 w 207"/>
+              <a:gd name="T3" fmla="*/ 1114 h 1114"/>
+              <a:gd name="T4" fmla="*/ 0 w 207"/>
+              <a:gd name="T5" fmla="*/ 127 h 1114"/>
+              <a:gd name="T6" fmla="*/ 207 w 207"/>
+              <a:gd name="T7" fmla="*/ 0 h 1114"/>
+              <a:gd name="T8" fmla="*/ 207 w 207"/>
+              <a:gd name="T9" fmla="*/ 987 h 1114"/>
+            </a:gdLst>
+            <a:ahLst/>
+            <a:cxnLst>
+              <a:cxn ang="0">
+                <a:pos x="T0" y="T1"/>
+              </a:cxn>
+              <a:cxn ang="0">
+                <a:pos x="T2" y="T3"/>
+              </a:cxn>
+              <a:cxn ang="0">
+                <a:pos x="T4" y="T5"/>
+              </a:cxn>
+              <a:cxn ang="0">
+                <a:pos x="T6" y="T7"/>
+              </a:cxn>
+              <a:cxn ang="0">
+                <a:pos x="T8" y="T9"/>
+              </a:cxn>
+            </a:cxnLst>
+            <a:rect l="0" t="0" r="r" b="b"/>
+            <a:pathLst>
+              <a:path w="207" h="1114">
+                <a:moveTo>
+                  <a:pt x="207" y="987"/>
+                </a:moveTo>
+                <a:lnTo>
+                  <a:pt x="0" y="1114"/>
+                </a:lnTo>
+                <a:lnTo>
+                  <a:pt x="0" y="127"/>
+                </a:lnTo>
+                <a:lnTo>
+                  <a:pt x="207" y="0"/>
+                </a:lnTo>
+                <a:lnTo>
+                  <a:pt x="207" y="987"/>
+                </a:lnTo>
+                <a:close/>
+              </a:path>
+            </a:pathLst>
+          </a:custGeom>
+          <a:solidFill>
+            <a:schemeClr val="accent1">
+              <a:lumMod val="50000"/>
+            </a:schemeClr>
+          </a:solidFill>
+          <a:ln>
+            <a:noFill/>
+          </a:ln>
+        </p:spPr>
+        <p:txBody>
+          <a:bodyPr vert="horz" wrap="square" lIns="91440" tIns="45720" rIns="91440" bIns="45720" numCol="1" anchor="t" anchorCtr="0" compatLnSpc="1">
+            <a:prstTxWarp prst="textNoShape">
+              <a:avLst/>
+            </a:prstTxWarp>
+          </a:bodyPr>
+          <a:lstStyle/>
+          <a:p>
+            <a:endParaRPr lang="en-US"/>
+          </a:p>
+        </p:txBody>
+      </p:sp>
+      <p:sp>
+        <p:nvSpPr>
+          <p:cNvPr id="18" name="Rectangle 17">
+            <a:extLst>
+              <a:ext uri="{FF2B5EF4-FFF2-40B4-BE49-F238E27FC236}">
+                <a16:creationId xmlns:a16="http://schemas.microsoft.com/office/drawing/2014/main" id="{14E91B64-9FCC-451E-AFB4-A827D6329367}"/>
+              </a:ext>
+              <a:ext uri="{C183D7F6-B498-43B3-948B-1728B52AA6E4}">
+                <adec:decorative xmlns:adec="http://schemas.microsoft.com/office/drawing/2017/decorative" val="1"/>
+              </a:ext>
+            </a:extLst>
+          </p:cNvPr>
+          <p:cNvSpPr>
+            <a:spLocks noGrp="1" noRot="1" noChangeAspect="1" noMove="1" noResize="1" noEditPoints="1" noAdjustHandles="1" noChangeArrowheads="1" noChangeShapeType="1" noTextEdit="1"/>
+          </p:cNvSpPr>
+          <p:nvPr>
+            <p:extLst>
+              <p:ext uri="{386F3935-93C4-4BCD-93E2-E3B085C9AB24}">
+                <p16:designElem xmlns:p16="http://schemas.microsoft.com/office/powerpoint/2015/main" val="1"/>
+              </p:ext>
+            </p:extLst>
+          </p:nvPr>
+        </p:nvSpPr>
+        <p:spPr bwMode="auto">
+          <a:xfrm>
+            <a:off x="644055" y="635715"/>
+            <a:ext cx="10907863" cy="1541457"/>
+          </a:xfrm>
+          <a:prstGeom prst="rect">
+            <a:avLst/>
+          </a:prstGeom>
+          <a:solidFill>
+            <a:schemeClr val="accent1"/>
+          </a:solidFill>
+          <a:ln>
+            <a:noFill/>
+          </a:ln>
+        </p:spPr>
+        <p:txBody>
+          <a:bodyPr vert="horz" wrap="square" lIns="91440" tIns="45720" rIns="91440" bIns="45720" numCol="1" anchor="t" anchorCtr="0" compatLnSpc="1">
+            <a:prstTxWarp prst="textNoShape">
+              <a:avLst/>
+            </a:prstTxWarp>
+          </a:bodyPr>
+          <a:lstStyle/>
+          <a:p>
+            <a:endParaRPr lang="en-US"/>
+          </a:p>
+        </p:txBody>
+      </p:sp>
+      <p:sp>
+        <p:nvSpPr>
+          <p:cNvPr id="2" name="标题 1">
+            <a:extLst>
+              <a:ext uri="{FF2B5EF4-FFF2-40B4-BE49-F238E27FC236}">
+                <a16:creationId xmlns:a16="http://schemas.microsoft.com/office/drawing/2014/main" id="{8E0C4025-2C08-4DFF-A551-860A0C947505}"/>
+              </a:ext>
+            </a:extLst>
+          </p:cNvPr>
+          <p:cNvSpPr>
+            <a:spLocks noGrp="1"/>
+          </p:cNvSpPr>
+          <p:nvPr>
+            <p:ph type="title"/>
+          </p:nvPr>
+        </p:nvSpPr>
+        <p:spPr>
+          <a:xfrm>
+            <a:off x="958506" y="800392"/>
+            <a:ext cx="10264697" cy="1212102"/>
+          </a:xfrm>
+        </p:spPr>
+        <p:txBody>
+          <a:bodyPr>
+            <a:normAutofit/>
+          </a:bodyPr>
+          <a:lstStyle/>
+          <a:p>
+            <a:r>
+              <a:rPr lang="en-US" altLang="zh-CN" sz="4000" dirty="0" err="1">
+                <a:solidFill>
+                  <a:srgbClr val="FFFFFF"/>
+                </a:solidFill>
+              </a:rPr>
+              <a:t>Jmeter</a:t>
+            </a:r>
+            <a:r>
+              <a:rPr lang="zh-CN" altLang="en-US" sz="4000" dirty="0">
+                <a:solidFill>
+                  <a:srgbClr val="FFFFFF"/>
+                </a:solidFill>
+              </a:rPr>
+              <a:t>测试</a:t>
+            </a:r>
+          </a:p>
+        </p:txBody>
+      </p:sp>
+      <p:sp>
+        <p:nvSpPr>
+          <p:cNvPr id="11" name="椭圆 10">
+            <a:extLst>
+              <a:ext uri="{FF2B5EF4-FFF2-40B4-BE49-F238E27FC236}">
+                <a16:creationId xmlns:a16="http://schemas.microsoft.com/office/drawing/2014/main" id="{AAD5ED67-5E59-4269-B305-F62ADEE10A53}"/>
+              </a:ext>
+            </a:extLst>
+          </p:cNvPr>
+          <p:cNvSpPr/>
+          <p:nvPr/>
+        </p:nvSpPr>
+        <p:spPr>
+          <a:xfrm rot="1488327">
+            <a:off x="9033364" y="958121"/>
+            <a:ext cx="2432481" cy="896645"/>
+          </a:xfrm>
+          <a:prstGeom prst="ellipse">
+            <a:avLst/>
+          </a:prstGeom>
+        </p:spPr>
+        <p:style>
+          <a:lnRef idx="3">
+            <a:schemeClr val="lt1"/>
+          </a:lnRef>
+          <a:fillRef idx="1">
+            <a:schemeClr val="accent3"/>
+          </a:fillRef>
+          <a:effectRef idx="1">
+            <a:schemeClr val="accent3"/>
+          </a:effectRef>
+          <a:fontRef idx="minor">
+            <a:schemeClr val="lt1"/>
+          </a:fontRef>
+        </p:style>
+        <p:txBody>
+          <a:bodyPr rtlCol="0" anchor="ctr"/>
+          <a:lstStyle/>
+          <a:p>
+            <a:pPr algn="ctr"/>
+            <a:r>
+              <a:rPr lang="zh-CN" altLang="en-US" dirty="0"/>
+              <a:t>测试</a:t>
+            </a:r>
+          </a:p>
+        </p:txBody>
+      </p:sp>
+      <p:sp>
+        <p:nvSpPr>
+          <p:cNvPr id="9" name="文本框 8">
+            <a:extLst>
+              <a:ext uri="{FF2B5EF4-FFF2-40B4-BE49-F238E27FC236}">
+                <a16:creationId xmlns:a16="http://schemas.microsoft.com/office/drawing/2014/main" id="{970B3CDB-EA7C-4F98-B9AB-57C958F3B591}"/>
+              </a:ext>
+            </a:extLst>
+          </p:cNvPr>
+          <p:cNvSpPr txBox="1"/>
+          <p:nvPr/>
+        </p:nvSpPr>
+        <p:spPr>
+          <a:xfrm>
+            <a:off x="1529032" y="2449670"/>
+            <a:ext cx="9694171" cy="523220"/>
+          </a:xfrm>
+          <a:prstGeom prst="rect">
+            <a:avLst/>
+          </a:prstGeom>
+          <a:noFill/>
+        </p:spPr>
+        <p:txBody>
+          <a:bodyPr wrap="square" rtlCol="0">
+            <a:spAutoFit/>
+          </a:bodyPr>
+          <a:lstStyle/>
+          <a:p>
+            <a:r>
+              <a:rPr lang="zh-CN" altLang="en-US" sz="2800" b="1" dirty="0"/>
+              <a:t>查询并返回一条数据</a:t>
+            </a:r>
+            <a:r>
+              <a:rPr lang="en-US" altLang="zh-CN" sz="2800" b="1" dirty="0">
+                <a:sym typeface="Wingdings" panose="05000000000000000000" pitchFamily="2" charset="2"/>
+              </a:rPr>
+              <a:t>(</a:t>
+            </a:r>
+            <a:r>
+              <a:rPr lang="zh-CN" altLang="en-US" sz="2800" b="1" dirty="0">
+                <a:sym typeface="Wingdings" panose="05000000000000000000" pitchFamily="2" charset="2"/>
+              </a:rPr>
+              <a:t>函数单实例并发度</a:t>
+            </a:r>
+            <a:r>
+              <a:rPr lang="en-US" altLang="zh-CN" sz="2800" b="1" dirty="0">
+                <a:sym typeface="Wingdings" panose="05000000000000000000" pitchFamily="2" charset="2"/>
+              </a:rPr>
+              <a:t>5)</a:t>
+            </a:r>
+            <a:endParaRPr lang="zh-CN" altLang="en-US" sz="2800" b="1" dirty="0"/>
+          </a:p>
+        </p:txBody>
+      </p:sp>
+      <p:pic>
+        <p:nvPicPr>
+          <p:cNvPr id="3" name="图片 2">
+            <a:extLst>
+              <a:ext uri="{FF2B5EF4-FFF2-40B4-BE49-F238E27FC236}">
+                <a16:creationId xmlns:a16="http://schemas.microsoft.com/office/drawing/2014/main" id="{AA5C481F-B9E9-47BE-9E9B-1D20AD47C84D}"/>
+              </a:ext>
+            </a:extLst>
+          </p:cNvPr>
+          <p:cNvPicPr>
+            <a:picLocks noChangeAspect="1"/>
+          </p:cNvPicPr>
+          <p:nvPr/>
+        </p:nvPicPr>
+        <p:blipFill>
+          <a:blip r:embed="rId2"/>
+          <a:stretch>
+            <a:fillRect/>
+          </a:stretch>
+        </p:blipFill>
+        <p:spPr>
+          <a:xfrm>
+            <a:off x="1119322" y="3390349"/>
+            <a:ext cx="10103881" cy="1219370"/>
+          </a:xfrm>
+          <a:prstGeom prst="rect">
+            <a:avLst/>
+          </a:prstGeom>
+        </p:spPr>
+      </p:pic>
+      <p:pic>
+        <p:nvPicPr>
+          <p:cNvPr id="4" name="图片 3">
+            <a:extLst>
+              <a:ext uri="{FF2B5EF4-FFF2-40B4-BE49-F238E27FC236}">
+                <a16:creationId xmlns:a16="http://schemas.microsoft.com/office/drawing/2014/main" id="{734719C1-83C9-458E-A0A9-69DE53D7815A}"/>
+              </a:ext>
+            </a:extLst>
+          </p:cNvPr>
+          <p:cNvPicPr>
+            <a:picLocks noChangeAspect="1"/>
+          </p:cNvPicPr>
+          <p:nvPr/>
+        </p:nvPicPr>
+        <p:blipFill>
+          <a:blip r:embed="rId3"/>
+          <a:stretch>
+            <a:fillRect/>
+          </a:stretch>
+        </p:blipFill>
+        <p:spPr>
+          <a:xfrm>
+            <a:off x="1119322" y="5148305"/>
+            <a:ext cx="10103881" cy="909303"/>
+          </a:xfrm>
+          <a:prstGeom prst="rect">
+            <a:avLst/>
+          </a:prstGeom>
+        </p:spPr>
+      </p:pic>
+    </p:spTree>
+    <p:extLst>
+      <p:ext uri="{BB962C8B-B14F-4D97-AF65-F5344CB8AC3E}">
+        <p14:creationId xmlns:p14="http://schemas.microsoft.com/office/powerpoint/2010/main" val="1592506839"/>
+      </p:ext>
+    </p:extLst>
+  </p:cSld>
+  <p:clrMapOvr>
+    <a:masterClrMapping/>
+  </p:clrMapOvr>
+</p:sld>
+</file>
+
+<file path=ppt/slides/slide34.xml><?xml version="1.0" encoding="utf-8"?>
+<p:sld xmlns:a="http://schemas.openxmlformats.org/drawingml/2006/main" xmlns:r="http://schemas.openxmlformats.org/officeDocument/2006/relationships" xmlns:p="http://schemas.openxmlformats.org/presentationml/2006/main">
+  <p:cSld>
+    <p:bg>
+      <p:bgPr>
+        <a:solidFill>
+          <a:schemeClr val="bg1"/>
+        </a:solidFill>
+        <a:effectLst/>
+      </p:bgPr>
+    </p:bg>
+    <p:spTree>
+      <p:nvGrpSpPr>
+        <p:cNvPr id="1" name=""/>
+        <p:cNvGrpSpPr/>
+        <p:nvPr/>
+      </p:nvGrpSpPr>
+      <p:grpSpPr>
+        <a:xfrm>
+          <a:off x="0" y="0"/>
+          <a:ext cx="0" cy="0"/>
+          <a:chOff x="0" y="0"/>
+          <a:chExt cx="0" cy="0"/>
+        </a:xfrm>
+      </p:grpSpPr>
+      <p:sp useBgFill="1">
+        <p:nvSpPr>
+          <p:cNvPr id="8" name="Rectangle 7">
+            <a:extLst>
+              <a:ext uri="{FF2B5EF4-FFF2-40B4-BE49-F238E27FC236}">
+                <a16:creationId xmlns:a16="http://schemas.microsoft.com/office/drawing/2014/main" id="{827B839B-9ADE-406B-8590-F1CAEDED45A1}"/>
+              </a:ext>
+              <a:ext uri="{C183D7F6-B498-43B3-948B-1728B52AA6E4}">
+                <adec:decorative xmlns:adec="http://schemas.microsoft.com/office/drawing/2017/decorative" val="1"/>
+              </a:ext>
+            </a:extLst>
+          </p:cNvPr>
+          <p:cNvSpPr>
+            <a:spLocks noGrp="1" noRot="1" noChangeAspect="1" noMove="1" noResize="1" noEditPoints="1" noAdjustHandles="1" noChangeArrowheads="1" noChangeShapeType="1" noTextEdit="1"/>
+          </p:cNvSpPr>
+          <p:nvPr>
+            <p:extLst>
+              <p:ext uri="{386F3935-93C4-4BCD-93E2-E3B085C9AB24}">
+                <p16:designElem xmlns:p16="http://schemas.microsoft.com/office/powerpoint/2015/main" val="1"/>
+              </p:ext>
+            </p:extLst>
+          </p:nvPr>
+        </p:nvSpPr>
+        <p:spPr>
+          <a:xfrm>
+            <a:off x="0" y="0"/>
+            <a:ext cx="12188952" cy="6858000"/>
+          </a:xfrm>
+          <a:prstGeom prst="rect">
+            <a:avLst/>
+          </a:prstGeom>
+          <a:ln>
+            <a:noFill/>
+          </a:ln>
+        </p:spPr>
+        <p:style>
+          <a:lnRef idx="2">
+            <a:schemeClr val="accent1">
+              <a:shade val="50000"/>
+            </a:schemeClr>
+          </a:lnRef>
+          <a:fillRef idx="1">
+            <a:schemeClr val="accent1"/>
+          </a:fillRef>
+          <a:effectRef idx="0">
+            <a:schemeClr val="accent1"/>
+          </a:effectRef>
+          <a:fontRef idx="minor">
+            <a:schemeClr val="lt1"/>
+          </a:fontRef>
+        </p:style>
+        <p:txBody>
+          <a:bodyPr rtlCol="0" anchor="ctr"/>
+          <a:lstStyle/>
+          <a:p>
+            <a:pPr algn="ctr"/>
+            <a:endParaRPr lang="en-US"/>
+          </a:p>
+        </p:txBody>
+      </p:sp>
+      <p:sp>
+        <p:nvSpPr>
+          <p:cNvPr id="10" name="Freeform 45">
+            <a:extLst>
+              <a:ext uri="{FF2B5EF4-FFF2-40B4-BE49-F238E27FC236}">
+                <a16:creationId xmlns:a16="http://schemas.microsoft.com/office/drawing/2014/main" id="{CFE45BF0-46DB-408C-B5F7-7B11716805D4}"/>
+              </a:ext>
+              <a:ext uri="{C183D7F6-B498-43B3-948B-1728B52AA6E4}">
+                <adec:decorative xmlns:adec="http://schemas.microsoft.com/office/drawing/2017/decorative" val="1"/>
+              </a:ext>
+            </a:extLst>
+          </p:cNvPr>
+          <p:cNvSpPr>
+            <a:spLocks noGrp="1" noRot="1" noChangeAspect="1" noMove="1" noResize="1" noEditPoints="1" noAdjustHandles="1" noChangeArrowheads="1" noChangeShapeType="1" noTextEdit="1"/>
+          </p:cNvSpPr>
+          <p:nvPr>
+            <p:extLst>
+              <p:ext uri="{386F3935-93C4-4BCD-93E2-E3B085C9AB24}">
+                <p16:designElem xmlns:p16="http://schemas.microsoft.com/office/powerpoint/2015/main" val="1"/>
+              </p:ext>
+            </p:extLst>
+          </p:nvPr>
+        </p:nvSpPr>
+        <p:spPr bwMode="auto">
+          <a:xfrm>
+            <a:off x="409710" y="1022350"/>
+            <a:ext cx="709612" cy="2095501"/>
+          </a:xfrm>
+          <a:custGeom>
+            <a:avLst/>
+            <a:gdLst>
+              <a:gd name="T0" fmla="*/ 447 w 447"/>
+              <a:gd name="T1" fmla="*/ 1363 h 1363"/>
+              <a:gd name="T2" fmla="*/ 0 w 447"/>
+              <a:gd name="T3" fmla="*/ 987 h 1363"/>
+              <a:gd name="T4" fmla="*/ 0 w 447"/>
+              <a:gd name="T5" fmla="*/ 0 h 1363"/>
+              <a:gd name="T6" fmla="*/ 447 w 447"/>
+              <a:gd name="T7" fmla="*/ 376 h 1363"/>
+              <a:gd name="T8" fmla="*/ 447 w 447"/>
+              <a:gd name="T9" fmla="*/ 1363 h 1363"/>
+            </a:gdLst>
+            <a:ahLst/>
+            <a:cxnLst>
+              <a:cxn ang="0">
+                <a:pos x="T0" y="T1"/>
+              </a:cxn>
+              <a:cxn ang="0">
+                <a:pos x="T2" y="T3"/>
+              </a:cxn>
+              <a:cxn ang="0">
+                <a:pos x="T4" y="T5"/>
+              </a:cxn>
+              <a:cxn ang="0">
+                <a:pos x="T6" y="T7"/>
+              </a:cxn>
+              <a:cxn ang="0">
+                <a:pos x="T8" y="T9"/>
+              </a:cxn>
+            </a:cxnLst>
+            <a:rect l="0" t="0" r="r" b="b"/>
+            <a:pathLst>
+              <a:path w="447" h="1363">
+                <a:moveTo>
+                  <a:pt x="447" y="1363"/>
+                </a:moveTo>
+                <a:lnTo>
+                  <a:pt x="0" y="987"/>
+                </a:lnTo>
+                <a:lnTo>
+                  <a:pt x="0" y="0"/>
+                </a:lnTo>
+                <a:lnTo>
+                  <a:pt x="447" y="376"/>
+                </a:lnTo>
+                <a:lnTo>
+                  <a:pt x="447" y="1363"/>
+                </a:lnTo>
+                <a:close/>
+              </a:path>
+            </a:pathLst>
+          </a:custGeom>
+          <a:solidFill>
+            <a:schemeClr val="accent1">
+              <a:lumMod val="50000"/>
+            </a:schemeClr>
+          </a:solidFill>
+          <a:ln>
+            <a:noFill/>
+          </a:ln>
+        </p:spPr>
+        <p:txBody>
+          <a:bodyPr vert="horz" wrap="square" lIns="91440" tIns="45720" rIns="91440" bIns="45720" numCol="1" anchor="t" anchorCtr="0" compatLnSpc="1">
+            <a:prstTxWarp prst="textNoShape">
+              <a:avLst/>
+            </a:prstTxWarp>
+          </a:bodyPr>
+          <a:lstStyle/>
+          <a:p>
+            <a:endParaRPr lang="en-US"/>
+          </a:p>
+        </p:txBody>
+      </p:sp>
+      <p:sp>
+        <p:nvSpPr>
+          <p:cNvPr id="12" name="Freeform 46">
+            <a:extLst>
+              <a:ext uri="{FF2B5EF4-FFF2-40B4-BE49-F238E27FC236}">
+                <a16:creationId xmlns:a16="http://schemas.microsoft.com/office/drawing/2014/main" id="{2AEBC8F2-97B1-41B4-93F1-2D289E197FBA}"/>
+              </a:ext>
+              <a:ext uri="{C183D7F6-B498-43B3-948B-1728B52AA6E4}">
+                <adec:decorative xmlns:adec="http://schemas.microsoft.com/office/drawing/2017/decorative" val="1"/>
+              </a:ext>
+            </a:extLst>
+          </p:cNvPr>
+          <p:cNvSpPr>
+            <a:spLocks noGrp="1" noRot="1" noChangeAspect="1" noMove="1" noResize="1" noEditPoints="1" noAdjustHandles="1" noChangeArrowheads="1" noChangeShapeType="1" noTextEdit="1"/>
+          </p:cNvSpPr>
+          <p:nvPr>
+            <p:extLst>
+              <p:ext uri="{386F3935-93C4-4BCD-93E2-E3B085C9AB24}">
+                <p16:designElem xmlns:p16="http://schemas.microsoft.com/office/powerpoint/2015/main" val="1"/>
+              </p:ext>
+            </p:extLst>
+          </p:nvPr>
+        </p:nvSpPr>
+        <p:spPr bwMode="auto">
+          <a:xfrm>
+            <a:off x="409710" y="837744"/>
+            <a:ext cx="403225" cy="1705431"/>
+          </a:xfrm>
+          <a:custGeom>
+            <a:avLst/>
+            <a:gdLst>
+              <a:gd name="T0" fmla="*/ 254 w 254"/>
+              <a:gd name="T1" fmla="*/ 987 h 1109"/>
+              <a:gd name="T2" fmla="*/ 0 w 254"/>
+              <a:gd name="T3" fmla="*/ 1109 h 1109"/>
+              <a:gd name="T4" fmla="*/ 0 w 254"/>
+              <a:gd name="T5" fmla="*/ 119 h 1109"/>
+              <a:gd name="T6" fmla="*/ 254 w 254"/>
+              <a:gd name="T7" fmla="*/ 0 h 1109"/>
+              <a:gd name="T8" fmla="*/ 254 w 254"/>
+              <a:gd name="T9" fmla="*/ 987 h 1109"/>
+            </a:gdLst>
+            <a:ahLst/>
+            <a:cxnLst>
+              <a:cxn ang="0">
+                <a:pos x="T0" y="T1"/>
+              </a:cxn>
+              <a:cxn ang="0">
+                <a:pos x="T2" y="T3"/>
+              </a:cxn>
+              <a:cxn ang="0">
+                <a:pos x="T4" y="T5"/>
+              </a:cxn>
+              <a:cxn ang="0">
+                <a:pos x="T6" y="T7"/>
+              </a:cxn>
+              <a:cxn ang="0">
+                <a:pos x="T8" y="T9"/>
+              </a:cxn>
+            </a:cxnLst>
+            <a:rect l="0" t="0" r="r" b="b"/>
+            <a:pathLst>
+              <a:path w="254" h="1109">
+                <a:moveTo>
+                  <a:pt x="254" y="987"/>
+                </a:moveTo>
+                <a:lnTo>
+                  <a:pt x="0" y="1109"/>
+                </a:lnTo>
+                <a:lnTo>
+                  <a:pt x="0" y="119"/>
+                </a:lnTo>
+                <a:lnTo>
+                  <a:pt x="254" y="0"/>
+                </a:lnTo>
+                <a:lnTo>
+                  <a:pt x="254" y="987"/>
+                </a:lnTo>
+                <a:close/>
+              </a:path>
+            </a:pathLst>
+          </a:custGeom>
+          <a:solidFill>
+            <a:schemeClr val="accent1">
+              <a:lumMod val="75000"/>
+            </a:schemeClr>
+          </a:solidFill>
+          <a:ln>
+            <a:noFill/>
+          </a:ln>
+        </p:spPr>
+        <p:txBody>
+          <a:bodyPr vert="horz" wrap="square" lIns="91440" tIns="45720" rIns="91440" bIns="45720" numCol="1" anchor="t" anchorCtr="0" compatLnSpc="1">
+            <a:prstTxWarp prst="textNoShape">
+              <a:avLst/>
+            </a:prstTxWarp>
+          </a:bodyPr>
+          <a:lstStyle/>
+          <a:p>
+            <a:endParaRPr lang="en-US"/>
+          </a:p>
+        </p:txBody>
+      </p:sp>
+      <p:sp>
+        <p:nvSpPr>
+          <p:cNvPr id="14" name="Freeform 47">
+            <a:extLst>
+              <a:ext uri="{FF2B5EF4-FFF2-40B4-BE49-F238E27FC236}">
+                <a16:creationId xmlns:a16="http://schemas.microsoft.com/office/drawing/2014/main" id="{472E3A19-F5D5-48FC-BB9C-48C2F68F598B}"/>
+              </a:ext>
+              <a:ext uri="{C183D7F6-B498-43B3-948B-1728B52AA6E4}">
+                <adec:decorative xmlns:adec="http://schemas.microsoft.com/office/drawing/2017/decorative" val="1"/>
+              </a:ext>
+            </a:extLst>
+          </p:cNvPr>
+          <p:cNvSpPr>
+            <a:spLocks noGrp="1" noRot="1" noChangeAspect="1" noMove="1" noResize="1" noEditPoints="1" noAdjustHandles="1" noChangeArrowheads="1" noChangeShapeType="1" noTextEdit="1"/>
+          </p:cNvSpPr>
+          <p:nvPr>
+            <p:extLst>
+              <p:ext uri="{386F3935-93C4-4BCD-93E2-E3B085C9AB24}">
+                <p16:designElem xmlns:p16="http://schemas.microsoft.com/office/powerpoint/2015/main" val="1"/>
+              </p:ext>
+            </p:extLst>
+          </p:nvPr>
+        </p:nvSpPr>
+        <p:spPr bwMode="auto">
+          <a:xfrm>
+            <a:off x="644660" y="640894"/>
+            <a:ext cx="168275" cy="1713195"/>
+          </a:xfrm>
+          <a:custGeom>
+            <a:avLst/>
+            <a:gdLst>
+              <a:gd name="T0" fmla="*/ 106 w 106"/>
+              <a:gd name="T1" fmla="*/ 1114 h 1114"/>
+              <a:gd name="T2" fmla="*/ 0 w 106"/>
+              <a:gd name="T3" fmla="*/ 1005 h 1114"/>
+              <a:gd name="T4" fmla="*/ 0 w 106"/>
+              <a:gd name="T5" fmla="*/ 0 h 1114"/>
+              <a:gd name="T6" fmla="*/ 106 w 106"/>
+              <a:gd name="T7" fmla="*/ 110 h 1114"/>
+              <a:gd name="T8" fmla="*/ 106 w 106"/>
+              <a:gd name="T9" fmla="*/ 1114 h 1114"/>
+            </a:gdLst>
+            <a:ahLst/>
+            <a:cxnLst>
+              <a:cxn ang="0">
+                <a:pos x="T0" y="T1"/>
+              </a:cxn>
+              <a:cxn ang="0">
+                <a:pos x="T2" y="T3"/>
+              </a:cxn>
+              <a:cxn ang="0">
+                <a:pos x="T4" y="T5"/>
+              </a:cxn>
+              <a:cxn ang="0">
+                <a:pos x="T6" y="T7"/>
+              </a:cxn>
+              <a:cxn ang="0">
+                <a:pos x="T8" y="T9"/>
+              </a:cxn>
+            </a:cxnLst>
+            <a:rect l="0" t="0" r="r" b="b"/>
+            <a:pathLst>
+              <a:path w="106" h="1114">
+                <a:moveTo>
+                  <a:pt x="106" y="1114"/>
+                </a:moveTo>
+                <a:lnTo>
+                  <a:pt x="0" y="1005"/>
+                </a:lnTo>
+                <a:lnTo>
+                  <a:pt x="0" y="0"/>
+                </a:lnTo>
+                <a:lnTo>
+                  <a:pt x="106" y="110"/>
+                </a:lnTo>
+                <a:lnTo>
+                  <a:pt x="106" y="1114"/>
+                </a:lnTo>
+                <a:close/>
+              </a:path>
+            </a:pathLst>
+          </a:custGeom>
+          <a:solidFill>
+            <a:schemeClr val="accent1">
+              <a:lumMod val="50000"/>
+            </a:schemeClr>
+          </a:solidFill>
+          <a:ln>
+            <a:noFill/>
+          </a:ln>
+        </p:spPr>
+        <p:txBody>
+          <a:bodyPr vert="horz" wrap="square" lIns="91440" tIns="45720" rIns="91440" bIns="45720" numCol="1" anchor="t" anchorCtr="0" compatLnSpc="1">
+            <a:prstTxWarp prst="textNoShape">
+              <a:avLst/>
+            </a:prstTxWarp>
+          </a:bodyPr>
+          <a:lstStyle/>
+          <a:p>
+            <a:endParaRPr lang="en-US"/>
+          </a:p>
+        </p:txBody>
+      </p:sp>
+      <p:sp>
+        <p:nvSpPr>
+          <p:cNvPr id="16" name="Freeform 44">
+            <a:extLst>
+              <a:ext uri="{FF2B5EF4-FFF2-40B4-BE49-F238E27FC236}">
+                <a16:creationId xmlns:a16="http://schemas.microsoft.com/office/drawing/2014/main" id="{7A62E32F-BB65-43A8-8EB5-92346890E549}"/>
+              </a:ext>
+              <a:ext uri="{C183D7F6-B498-43B3-948B-1728B52AA6E4}">
+                <adec:decorative xmlns:adec="http://schemas.microsoft.com/office/drawing/2017/decorative" val="1"/>
+              </a:ext>
+            </a:extLst>
+          </p:cNvPr>
+          <p:cNvSpPr>
+            <a:spLocks noGrp="1" noRot="1" noChangeAspect="1" noMove="1" noResize="1" noEditPoints="1" noAdjustHandles="1" noChangeArrowheads="1" noChangeShapeType="1" noTextEdit="1"/>
+          </p:cNvSpPr>
+          <p:nvPr>
+            <p:extLst>
+              <p:ext uri="{386F3935-93C4-4BCD-93E2-E3B085C9AB24}">
+                <p16:designElem xmlns:p16="http://schemas.microsoft.com/office/powerpoint/2015/main" val="1"/>
+              </p:ext>
+            </p:extLst>
+          </p:nvPr>
+        </p:nvSpPr>
+        <p:spPr bwMode="auto">
+          <a:xfrm>
+            <a:off x="11223203" y="635716"/>
+            <a:ext cx="328612" cy="1742360"/>
+          </a:xfrm>
+          <a:custGeom>
+            <a:avLst/>
+            <a:gdLst>
+              <a:gd name="T0" fmla="*/ 207 w 207"/>
+              <a:gd name="T1" fmla="*/ 987 h 1114"/>
+              <a:gd name="T2" fmla="*/ 0 w 207"/>
+              <a:gd name="T3" fmla="*/ 1114 h 1114"/>
+              <a:gd name="T4" fmla="*/ 0 w 207"/>
+              <a:gd name="T5" fmla="*/ 127 h 1114"/>
+              <a:gd name="T6" fmla="*/ 207 w 207"/>
+              <a:gd name="T7" fmla="*/ 0 h 1114"/>
+              <a:gd name="T8" fmla="*/ 207 w 207"/>
+              <a:gd name="T9" fmla="*/ 987 h 1114"/>
+            </a:gdLst>
+            <a:ahLst/>
+            <a:cxnLst>
+              <a:cxn ang="0">
+                <a:pos x="T0" y="T1"/>
+              </a:cxn>
+              <a:cxn ang="0">
+                <a:pos x="T2" y="T3"/>
+              </a:cxn>
+              <a:cxn ang="0">
+                <a:pos x="T4" y="T5"/>
+              </a:cxn>
+              <a:cxn ang="0">
+                <a:pos x="T6" y="T7"/>
+              </a:cxn>
+              <a:cxn ang="0">
+                <a:pos x="T8" y="T9"/>
+              </a:cxn>
+            </a:cxnLst>
+            <a:rect l="0" t="0" r="r" b="b"/>
+            <a:pathLst>
+              <a:path w="207" h="1114">
+                <a:moveTo>
+                  <a:pt x="207" y="987"/>
+                </a:moveTo>
+                <a:lnTo>
+                  <a:pt x="0" y="1114"/>
+                </a:lnTo>
+                <a:lnTo>
+                  <a:pt x="0" y="127"/>
+                </a:lnTo>
+                <a:lnTo>
+                  <a:pt x="207" y="0"/>
+                </a:lnTo>
+                <a:lnTo>
+                  <a:pt x="207" y="987"/>
+                </a:lnTo>
+                <a:close/>
+              </a:path>
+            </a:pathLst>
+          </a:custGeom>
+          <a:solidFill>
+            <a:schemeClr val="accent1">
+              <a:lumMod val="50000"/>
+            </a:schemeClr>
+          </a:solidFill>
+          <a:ln>
+            <a:noFill/>
+          </a:ln>
+        </p:spPr>
+        <p:txBody>
+          <a:bodyPr vert="horz" wrap="square" lIns="91440" tIns="45720" rIns="91440" bIns="45720" numCol="1" anchor="t" anchorCtr="0" compatLnSpc="1">
+            <a:prstTxWarp prst="textNoShape">
+              <a:avLst/>
+            </a:prstTxWarp>
+          </a:bodyPr>
+          <a:lstStyle/>
+          <a:p>
+            <a:endParaRPr lang="en-US"/>
+          </a:p>
+        </p:txBody>
+      </p:sp>
+      <p:sp>
+        <p:nvSpPr>
+          <p:cNvPr id="18" name="Rectangle 17">
+            <a:extLst>
+              <a:ext uri="{FF2B5EF4-FFF2-40B4-BE49-F238E27FC236}">
+                <a16:creationId xmlns:a16="http://schemas.microsoft.com/office/drawing/2014/main" id="{14E91B64-9FCC-451E-AFB4-A827D6329367}"/>
+              </a:ext>
+              <a:ext uri="{C183D7F6-B498-43B3-948B-1728B52AA6E4}">
+                <adec:decorative xmlns:adec="http://schemas.microsoft.com/office/drawing/2017/decorative" val="1"/>
+              </a:ext>
+            </a:extLst>
+          </p:cNvPr>
+          <p:cNvSpPr>
+            <a:spLocks noGrp="1" noRot="1" noChangeAspect="1" noMove="1" noResize="1" noEditPoints="1" noAdjustHandles="1" noChangeArrowheads="1" noChangeShapeType="1" noTextEdit="1"/>
+          </p:cNvSpPr>
+          <p:nvPr>
+            <p:extLst>
+              <p:ext uri="{386F3935-93C4-4BCD-93E2-E3B085C9AB24}">
+                <p16:designElem xmlns:p16="http://schemas.microsoft.com/office/powerpoint/2015/main" val="1"/>
+              </p:ext>
+            </p:extLst>
+          </p:nvPr>
+        </p:nvSpPr>
+        <p:spPr bwMode="auto">
+          <a:xfrm>
+            <a:off x="644055" y="635715"/>
+            <a:ext cx="10907863" cy="1541457"/>
+          </a:xfrm>
+          <a:prstGeom prst="rect">
+            <a:avLst/>
+          </a:prstGeom>
+          <a:solidFill>
+            <a:schemeClr val="accent1"/>
+          </a:solidFill>
+          <a:ln>
+            <a:noFill/>
+          </a:ln>
+        </p:spPr>
+        <p:txBody>
+          <a:bodyPr vert="horz" wrap="square" lIns="91440" tIns="45720" rIns="91440" bIns="45720" numCol="1" anchor="t" anchorCtr="0" compatLnSpc="1">
+            <a:prstTxWarp prst="textNoShape">
+              <a:avLst/>
+            </a:prstTxWarp>
+          </a:bodyPr>
+          <a:lstStyle/>
+          <a:p>
+            <a:endParaRPr lang="en-US"/>
+          </a:p>
+        </p:txBody>
+      </p:sp>
+      <p:sp>
+        <p:nvSpPr>
+          <p:cNvPr id="2" name="标题 1">
+            <a:extLst>
+              <a:ext uri="{FF2B5EF4-FFF2-40B4-BE49-F238E27FC236}">
+                <a16:creationId xmlns:a16="http://schemas.microsoft.com/office/drawing/2014/main" id="{8E0C4025-2C08-4DFF-A551-860A0C947505}"/>
+              </a:ext>
+            </a:extLst>
+          </p:cNvPr>
+          <p:cNvSpPr>
+            <a:spLocks noGrp="1"/>
+          </p:cNvSpPr>
+          <p:nvPr>
+            <p:ph type="title"/>
+          </p:nvPr>
+        </p:nvSpPr>
+        <p:spPr>
+          <a:xfrm>
+            <a:off x="958506" y="800392"/>
+            <a:ext cx="10264697" cy="1212102"/>
+          </a:xfrm>
+        </p:spPr>
+        <p:txBody>
+          <a:bodyPr>
+            <a:normAutofit/>
+          </a:bodyPr>
+          <a:lstStyle/>
+          <a:p>
+            <a:r>
+              <a:rPr lang="en-US" altLang="zh-CN" sz="4000" dirty="0" err="1">
+                <a:solidFill>
+                  <a:srgbClr val="FFFFFF"/>
+                </a:solidFill>
+              </a:rPr>
+              <a:t>Jmeter</a:t>
+            </a:r>
+            <a:r>
+              <a:rPr lang="zh-CN" altLang="en-US" sz="4000" dirty="0">
+                <a:solidFill>
+                  <a:srgbClr val="FFFFFF"/>
+                </a:solidFill>
+              </a:rPr>
+              <a:t>测试</a:t>
+            </a:r>
+          </a:p>
+        </p:txBody>
+      </p:sp>
+      <p:sp>
+        <p:nvSpPr>
+          <p:cNvPr id="11" name="椭圆 10">
+            <a:extLst>
+              <a:ext uri="{FF2B5EF4-FFF2-40B4-BE49-F238E27FC236}">
+                <a16:creationId xmlns:a16="http://schemas.microsoft.com/office/drawing/2014/main" id="{AAD5ED67-5E59-4269-B305-F62ADEE10A53}"/>
+              </a:ext>
+            </a:extLst>
+          </p:cNvPr>
+          <p:cNvSpPr/>
+          <p:nvPr/>
+        </p:nvSpPr>
+        <p:spPr>
+          <a:xfrm rot="1488327">
+            <a:off x="9033364" y="958121"/>
+            <a:ext cx="2432481" cy="896645"/>
+          </a:xfrm>
+          <a:prstGeom prst="ellipse">
+            <a:avLst/>
+          </a:prstGeom>
+        </p:spPr>
+        <p:style>
+          <a:lnRef idx="3">
+            <a:schemeClr val="lt1"/>
+          </a:lnRef>
+          <a:fillRef idx="1">
+            <a:schemeClr val="accent3"/>
+          </a:fillRef>
+          <a:effectRef idx="1">
+            <a:schemeClr val="accent3"/>
+          </a:effectRef>
+          <a:fontRef idx="minor">
+            <a:schemeClr val="lt1"/>
+          </a:fontRef>
+        </p:style>
+        <p:txBody>
+          <a:bodyPr rtlCol="0" anchor="ctr"/>
+          <a:lstStyle/>
+          <a:p>
+            <a:pPr algn="ctr"/>
+            <a:r>
+              <a:rPr lang="zh-CN" altLang="en-US" dirty="0"/>
+              <a:t>测试</a:t>
+            </a:r>
+          </a:p>
+        </p:txBody>
+      </p:sp>
+      <p:sp>
+        <p:nvSpPr>
+          <p:cNvPr id="9" name="文本框 8">
+            <a:extLst>
+              <a:ext uri="{FF2B5EF4-FFF2-40B4-BE49-F238E27FC236}">
+                <a16:creationId xmlns:a16="http://schemas.microsoft.com/office/drawing/2014/main" id="{970B3CDB-EA7C-4F98-B9AB-57C958F3B591}"/>
+              </a:ext>
+            </a:extLst>
+          </p:cNvPr>
+          <p:cNvSpPr txBox="1"/>
+          <p:nvPr/>
+        </p:nvSpPr>
+        <p:spPr>
+          <a:xfrm>
+            <a:off x="1529032" y="2449670"/>
+            <a:ext cx="9694171" cy="523220"/>
+          </a:xfrm>
+          <a:prstGeom prst="rect">
+            <a:avLst/>
+          </a:prstGeom>
+          <a:noFill/>
+        </p:spPr>
+        <p:txBody>
+          <a:bodyPr wrap="square" rtlCol="0">
+            <a:spAutoFit/>
+          </a:bodyPr>
+          <a:lstStyle/>
+          <a:p>
+            <a:r>
+              <a:rPr lang="zh-CN" altLang="en-US" sz="2800" b="1" dirty="0"/>
+              <a:t>查询并返回一条数据</a:t>
+            </a:r>
+            <a:r>
+              <a:rPr lang="en-US" altLang="zh-CN" sz="2800" b="1" dirty="0">
+                <a:sym typeface="Wingdings" panose="05000000000000000000" pitchFamily="2" charset="2"/>
+              </a:rPr>
+              <a:t>(</a:t>
+            </a:r>
+            <a:r>
+              <a:rPr lang="zh-CN" altLang="en-US" sz="2800" b="1" dirty="0">
+                <a:sym typeface="Wingdings" panose="05000000000000000000" pitchFamily="2" charset="2"/>
+              </a:rPr>
+              <a:t>函数单实例并发度</a:t>
+            </a:r>
+            <a:r>
+              <a:rPr lang="en-US" altLang="zh-CN" sz="2800" b="1" dirty="0">
+                <a:sym typeface="Wingdings" panose="05000000000000000000" pitchFamily="2" charset="2"/>
+              </a:rPr>
+              <a:t>5/50)</a:t>
+            </a:r>
+            <a:endParaRPr lang="zh-CN" altLang="en-US" sz="2800" b="1" dirty="0"/>
+          </a:p>
+        </p:txBody>
+      </p:sp>
+      <p:pic>
+        <p:nvPicPr>
+          <p:cNvPr id="5" name="图片 4">
+            <a:extLst>
+              <a:ext uri="{FF2B5EF4-FFF2-40B4-BE49-F238E27FC236}">
+                <a16:creationId xmlns:a16="http://schemas.microsoft.com/office/drawing/2014/main" id="{97F8E1B5-62A9-4A8D-8156-0C82D7756EAD}"/>
+              </a:ext>
+            </a:extLst>
+          </p:cNvPr>
+          <p:cNvPicPr>
+            <a:picLocks noChangeAspect="1"/>
+          </p:cNvPicPr>
+          <p:nvPr/>
+        </p:nvPicPr>
+        <p:blipFill>
+          <a:blip r:embed="rId2"/>
+          <a:stretch>
+            <a:fillRect/>
+          </a:stretch>
+        </p:blipFill>
+        <p:spPr>
+          <a:xfrm>
+            <a:off x="1119322" y="3176174"/>
+            <a:ext cx="10103881" cy="1171739"/>
+          </a:xfrm>
+          <a:prstGeom prst="rect">
+            <a:avLst/>
+          </a:prstGeom>
+        </p:spPr>
+      </p:pic>
+      <p:pic>
+        <p:nvPicPr>
+          <p:cNvPr id="6" name="图片 5">
+            <a:extLst>
+              <a:ext uri="{FF2B5EF4-FFF2-40B4-BE49-F238E27FC236}">
+                <a16:creationId xmlns:a16="http://schemas.microsoft.com/office/drawing/2014/main" id="{2A1C614C-6711-4A0B-A259-207220BBFC5D}"/>
+              </a:ext>
+            </a:extLst>
+          </p:cNvPr>
+          <p:cNvPicPr>
+            <a:picLocks noChangeAspect="1"/>
+          </p:cNvPicPr>
+          <p:nvPr/>
+        </p:nvPicPr>
+        <p:blipFill>
+          <a:blip r:embed="rId3"/>
+          <a:stretch>
+            <a:fillRect/>
+          </a:stretch>
+        </p:blipFill>
+        <p:spPr>
+          <a:xfrm>
+            <a:off x="1119321" y="4551197"/>
+            <a:ext cx="10103881" cy="925967"/>
+          </a:xfrm>
+          <a:prstGeom prst="rect">
+            <a:avLst/>
+          </a:prstGeom>
+        </p:spPr>
+      </p:pic>
+      <p:pic>
+        <p:nvPicPr>
+          <p:cNvPr id="7" name="图片 6">
+            <a:extLst>
+              <a:ext uri="{FF2B5EF4-FFF2-40B4-BE49-F238E27FC236}">
+                <a16:creationId xmlns:a16="http://schemas.microsoft.com/office/drawing/2014/main" id="{2DE4B010-16E5-41E0-8F40-E3E2E1B73875}"/>
+              </a:ext>
+            </a:extLst>
+          </p:cNvPr>
+          <p:cNvPicPr>
+            <a:picLocks noChangeAspect="1"/>
+          </p:cNvPicPr>
+          <p:nvPr/>
+        </p:nvPicPr>
+        <p:blipFill>
+          <a:blip r:embed="rId4"/>
+          <a:stretch>
+            <a:fillRect/>
+          </a:stretch>
+        </p:blipFill>
+        <p:spPr>
+          <a:xfrm>
+            <a:off x="1119321" y="5835650"/>
+            <a:ext cx="10103881" cy="772317"/>
+          </a:xfrm>
+          <a:prstGeom prst="rect">
+            <a:avLst/>
+          </a:prstGeom>
+        </p:spPr>
+      </p:pic>
+      <p:sp>
+        <p:nvSpPr>
+          <p:cNvPr id="13" name="文本框 12">
+            <a:extLst>
+              <a:ext uri="{FF2B5EF4-FFF2-40B4-BE49-F238E27FC236}">
+                <a16:creationId xmlns:a16="http://schemas.microsoft.com/office/drawing/2014/main" id="{59D99EA0-D099-4068-B478-C3DC06272BDF}"/>
+              </a:ext>
+            </a:extLst>
+          </p:cNvPr>
+          <p:cNvSpPr txBox="1"/>
+          <p:nvPr/>
+        </p:nvSpPr>
+        <p:spPr>
+          <a:xfrm>
+            <a:off x="662304" y="5037135"/>
+            <a:ext cx="306494" cy="369332"/>
+          </a:xfrm>
+          <a:prstGeom prst="rect">
+            <a:avLst/>
+          </a:prstGeom>
+          <a:noFill/>
+        </p:spPr>
+        <p:txBody>
+          <a:bodyPr wrap="none" rtlCol="0">
+            <a:spAutoFit/>
+          </a:bodyPr>
+          <a:lstStyle/>
+          <a:p>
+            <a:r>
+              <a:rPr lang="en-US" altLang="zh-CN" dirty="0">
+                <a:solidFill>
+                  <a:srgbClr val="FF0000"/>
+                </a:solidFill>
+              </a:rPr>
+              <a:t>5</a:t>
+            </a:r>
+            <a:endParaRPr lang="zh-CN" altLang="en-US" dirty="0">
+              <a:solidFill>
+                <a:srgbClr val="FF0000"/>
+              </a:solidFill>
+            </a:endParaRPr>
+          </a:p>
+        </p:txBody>
+      </p:sp>
+      <p:sp>
+        <p:nvSpPr>
+          <p:cNvPr id="17" name="文本框 16">
+            <a:extLst>
+              <a:ext uri="{FF2B5EF4-FFF2-40B4-BE49-F238E27FC236}">
+                <a16:creationId xmlns:a16="http://schemas.microsoft.com/office/drawing/2014/main" id="{96154AA3-1CDD-4EB6-8C4E-D5BCB124E546}"/>
+              </a:ext>
+            </a:extLst>
+          </p:cNvPr>
+          <p:cNvSpPr txBox="1"/>
+          <p:nvPr/>
+        </p:nvSpPr>
+        <p:spPr>
+          <a:xfrm>
+            <a:off x="665370" y="5922167"/>
+            <a:ext cx="428322" cy="369332"/>
+          </a:xfrm>
+          <a:prstGeom prst="rect">
+            <a:avLst/>
+          </a:prstGeom>
+          <a:noFill/>
+        </p:spPr>
+        <p:txBody>
+          <a:bodyPr wrap="none" rtlCol="0">
+            <a:spAutoFit/>
+          </a:bodyPr>
+          <a:lstStyle/>
+          <a:p>
+            <a:r>
+              <a:rPr lang="en-US" altLang="zh-CN" dirty="0">
+                <a:solidFill>
+                  <a:srgbClr val="FF0000"/>
+                </a:solidFill>
+              </a:rPr>
+              <a:t>50</a:t>
+            </a:r>
+            <a:endParaRPr lang="zh-CN" altLang="en-US" dirty="0">
+              <a:solidFill>
+                <a:srgbClr val="FF0000"/>
+              </a:solidFill>
+            </a:endParaRPr>
+          </a:p>
+        </p:txBody>
+      </p:sp>
+    </p:spTree>
+    <p:extLst>
+      <p:ext uri="{BB962C8B-B14F-4D97-AF65-F5344CB8AC3E}">
+        <p14:creationId xmlns:p14="http://schemas.microsoft.com/office/powerpoint/2010/main" val="2870757629"/>
+      </p:ext>
+    </p:extLst>
+  </p:cSld>
+  <p:clrMapOvr>
+    <a:masterClrMapping/>
+  </p:clrMapOvr>
+</p:sld>
+</file>
+
+<file path=ppt/slides/slide35.xml><?xml version="1.0" encoding="utf-8"?>
+<p:sld xmlns:a="http://schemas.openxmlformats.org/drawingml/2006/main" xmlns:r="http://schemas.openxmlformats.org/officeDocument/2006/relationships" xmlns:p="http://schemas.openxmlformats.org/presentationml/2006/main">
+  <p:cSld>
+    <p:bg>
+      <p:bgPr>
+        <a:solidFill>
+          <a:schemeClr val="bg1"/>
+        </a:solidFill>
+        <a:effectLst/>
+      </p:bgPr>
+    </p:bg>
+    <p:spTree>
+      <p:nvGrpSpPr>
+        <p:cNvPr id="1" name=""/>
+        <p:cNvGrpSpPr/>
+        <p:nvPr/>
+      </p:nvGrpSpPr>
+      <p:grpSpPr>
+        <a:xfrm>
+          <a:off x="0" y="0"/>
+          <a:ext cx="0" cy="0"/>
+          <a:chOff x="0" y="0"/>
+          <a:chExt cx="0" cy="0"/>
+        </a:xfrm>
+      </p:grpSpPr>
+      <p:sp useBgFill="1">
+        <p:nvSpPr>
+          <p:cNvPr id="8" name="Rectangle 7">
+            <a:extLst>
+              <a:ext uri="{FF2B5EF4-FFF2-40B4-BE49-F238E27FC236}">
+                <a16:creationId xmlns:a16="http://schemas.microsoft.com/office/drawing/2014/main" id="{827B839B-9ADE-406B-8590-F1CAEDED45A1}"/>
+              </a:ext>
+              <a:ext uri="{C183D7F6-B498-43B3-948B-1728B52AA6E4}">
+                <adec:decorative xmlns:adec="http://schemas.microsoft.com/office/drawing/2017/decorative" val="1"/>
+              </a:ext>
+            </a:extLst>
+          </p:cNvPr>
+          <p:cNvSpPr>
+            <a:spLocks noGrp="1" noRot="1" noChangeAspect="1" noMove="1" noResize="1" noEditPoints="1" noAdjustHandles="1" noChangeArrowheads="1" noChangeShapeType="1" noTextEdit="1"/>
+          </p:cNvSpPr>
+          <p:nvPr>
+            <p:extLst>
+              <p:ext uri="{386F3935-93C4-4BCD-93E2-E3B085C9AB24}">
+                <p16:designElem xmlns:p16="http://schemas.microsoft.com/office/powerpoint/2015/main" val="1"/>
+              </p:ext>
+            </p:extLst>
+          </p:nvPr>
+        </p:nvSpPr>
+        <p:spPr>
+          <a:xfrm>
+            <a:off x="0" y="0"/>
+            <a:ext cx="12188952" cy="6858000"/>
+          </a:xfrm>
+          <a:prstGeom prst="rect">
+            <a:avLst/>
+          </a:prstGeom>
+          <a:ln>
+            <a:noFill/>
+          </a:ln>
+        </p:spPr>
+        <p:style>
+          <a:lnRef idx="2">
+            <a:schemeClr val="accent1">
+              <a:shade val="50000"/>
+            </a:schemeClr>
+          </a:lnRef>
+          <a:fillRef idx="1">
+            <a:schemeClr val="accent1"/>
+          </a:fillRef>
+          <a:effectRef idx="0">
+            <a:schemeClr val="accent1"/>
+          </a:effectRef>
+          <a:fontRef idx="minor">
+            <a:schemeClr val="lt1"/>
+          </a:fontRef>
+        </p:style>
+        <p:txBody>
+          <a:bodyPr rtlCol="0" anchor="ctr"/>
+          <a:lstStyle/>
+          <a:p>
+            <a:pPr algn="ctr"/>
+            <a:endParaRPr lang="en-US"/>
+          </a:p>
+        </p:txBody>
+      </p:sp>
+      <p:sp>
+        <p:nvSpPr>
+          <p:cNvPr id="10" name="Freeform 45">
+            <a:extLst>
+              <a:ext uri="{FF2B5EF4-FFF2-40B4-BE49-F238E27FC236}">
+                <a16:creationId xmlns:a16="http://schemas.microsoft.com/office/drawing/2014/main" id="{CFE45BF0-46DB-408C-B5F7-7B11716805D4}"/>
+              </a:ext>
+              <a:ext uri="{C183D7F6-B498-43B3-948B-1728B52AA6E4}">
+                <adec:decorative xmlns:adec="http://schemas.microsoft.com/office/drawing/2017/decorative" val="1"/>
+              </a:ext>
+            </a:extLst>
+          </p:cNvPr>
+          <p:cNvSpPr>
+            <a:spLocks noGrp="1" noRot="1" noChangeAspect="1" noMove="1" noResize="1" noEditPoints="1" noAdjustHandles="1" noChangeArrowheads="1" noChangeShapeType="1" noTextEdit="1"/>
+          </p:cNvSpPr>
+          <p:nvPr>
+            <p:extLst>
+              <p:ext uri="{386F3935-93C4-4BCD-93E2-E3B085C9AB24}">
+                <p16:designElem xmlns:p16="http://schemas.microsoft.com/office/powerpoint/2015/main" val="1"/>
+              </p:ext>
+            </p:extLst>
+          </p:nvPr>
+        </p:nvSpPr>
+        <p:spPr bwMode="auto">
+          <a:xfrm>
+            <a:off x="409710" y="1022350"/>
+            <a:ext cx="709612" cy="2095501"/>
+          </a:xfrm>
+          <a:custGeom>
+            <a:avLst/>
+            <a:gdLst>
+              <a:gd name="T0" fmla="*/ 447 w 447"/>
+              <a:gd name="T1" fmla="*/ 1363 h 1363"/>
+              <a:gd name="T2" fmla="*/ 0 w 447"/>
+              <a:gd name="T3" fmla="*/ 987 h 1363"/>
+              <a:gd name="T4" fmla="*/ 0 w 447"/>
+              <a:gd name="T5" fmla="*/ 0 h 1363"/>
+              <a:gd name="T6" fmla="*/ 447 w 447"/>
+              <a:gd name="T7" fmla="*/ 376 h 1363"/>
+              <a:gd name="T8" fmla="*/ 447 w 447"/>
+              <a:gd name="T9" fmla="*/ 1363 h 1363"/>
+            </a:gdLst>
+            <a:ahLst/>
+            <a:cxnLst>
+              <a:cxn ang="0">
+                <a:pos x="T0" y="T1"/>
+              </a:cxn>
+              <a:cxn ang="0">
+                <a:pos x="T2" y="T3"/>
+              </a:cxn>
+              <a:cxn ang="0">
+                <a:pos x="T4" y="T5"/>
+              </a:cxn>
+              <a:cxn ang="0">
+                <a:pos x="T6" y="T7"/>
+              </a:cxn>
+              <a:cxn ang="0">
+                <a:pos x="T8" y="T9"/>
+              </a:cxn>
+            </a:cxnLst>
+            <a:rect l="0" t="0" r="r" b="b"/>
+            <a:pathLst>
+              <a:path w="447" h="1363">
+                <a:moveTo>
+                  <a:pt x="447" y="1363"/>
+                </a:moveTo>
+                <a:lnTo>
+                  <a:pt x="0" y="987"/>
+                </a:lnTo>
+                <a:lnTo>
+                  <a:pt x="0" y="0"/>
+                </a:lnTo>
+                <a:lnTo>
+                  <a:pt x="447" y="376"/>
+                </a:lnTo>
+                <a:lnTo>
+                  <a:pt x="447" y="1363"/>
+                </a:lnTo>
+                <a:close/>
+              </a:path>
+            </a:pathLst>
+          </a:custGeom>
+          <a:solidFill>
+            <a:schemeClr val="accent1">
+              <a:lumMod val="50000"/>
+            </a:schemeClr>
+          </a:solidFill>
+          <a:ln>
+            <a:noFill/>
+          </a:ln>
+        </p:spPr>
+        <p:txBody>
+          <a:bodyPr vert="horz" wrap="square" lIns="91440" tIns="45720" rIns="91440" bIns="45720" numCol="1" anchor="t" anchorCtr="0" compatLnSpc="1">
+            <a:prstTxWarp prst="textNoShape">
+              <a:avLst/>
+            </a:prstTxWarp>
+          </a:bodyPr>
+          <a:lstStyle/>
+          <a:p>
+            <a:endParaRPr lang="en-US"/>
+          </a:p>
+        </p:txBody>
+      </p:sp>
+      <p:sp>
+        <p:nvSpPr>
+          <p:cNvPr id="12" name="Freeform 46">
+            <a:extLst>
+              <a:ext uri="{FF2B5EF4-FFF2-40B4-BE49-F238E27FC236}">
+                <a16:creationId xmlns:a16="http://schemas.microsoft.com/office/drawing/2014/main" id="{2AEBC8F2-97B1-41B4-93F1-2D289E197FBA}"/>
+              </a:ext>
+              <a:ext uri="{C183D7F6-B498-43B3-948B-1728B52AA6E4}">
+                <adec:decorative xmlns:adec="http://schemas.microsoft.com/office/drawing/2017/decorative" val="1"/>
+              </a:ext>
+            </a:extLst>
+          </p:cNvPr>
+          <p:cNvSpPr>
+            <a:spLocks noGrp="1" noRot="1" noChangeAspect="1" noMove="1" noResize="1" noEditPoints="1" noAdjustHandles="1" noChangeArrowheads="1" noChangeShapeType="1" noTextEdit="1"/>
+          </p:cNvSpPr>
+          <p:nvPr>
+            <p:extLst>
+              <p:ext uri="{386F3935-93C4-4BCD-93E2-E3B085C9AB24}">
+                <p16:designElem xmlns:p16="http://schemas.microsoft.com/office/powerpoint/2015/main" val="1"/>
+              </p:ext>
+            </p:extLst>
+          </p:nvPr>
+        </p:nvSpPr>
+        <p:spPr bwMode="auto">
+          <a:xfrm>
+            <a:off x="409710" y="837744"/>
+            <a:ext cx="403225" cy="1705431"/>
+          </a:xfrm>
+          <a:custGeom>
+            <a:avLst/>
+            <a:gdLst>
+              <a:gd name="T0" fmla="*/ 254 w 254"/>
+              <a:gd name="T1" fmla="*/ 987 h 1109"/>
+              <a:gd name="T2" fmla="*/ 0 w 254"/>
+              <a:gd name="T3" fmla="*/ 1109 h 1109"/>
+              <a:gd name="T4" fmla="*/ 0 w 254"/>
+              <a:gd name="T5" fmla="*/ 119 h 1109"/>
+              <a:gd name="T6" fmla="*/ 254 w 254"/>
+              <a:gd name="T7" fmla="*/ 0 h 1109"/>
+              <a:gd name="T8" fmla="*/ 254 w 254"/>
+              <a:gd name="T9" fmla="*/ 987 h 1109"/>
+            </a:gdLst>
+            <a:ahLst/>
+            <a:cxnLst>
+              <a:cxn ang="0">
+                <a:pos x="T0" y="T1"/>
+              </a:cxn>
+              <a:cxn ang="0">
+                <a:pos x="T2" y="T3"/>
+              </a:cxn>
+              <a:cxn ang="0">
+                <a:pos x="T4" y="T5"/>
+              </a:cxn>
+              <a:cxn ang="0">
+                <a:pos x="T6" y="T7"/>
+              </a:cxn>
+              <a:cxn ang="0">
+                <a:pos x="T8" y="T9"/>
+              </a:cxn>
+            </a:cxnLst>
+            <a:rect l="0" t="0" r="r" b="b"/>
+            <a:pathLst>
+              <a:path w="254" h="1109">
+                <a:moveTo>
+                  <a:pt x="254" y="987"/>
+                </a:moveTo>
+                <a:lnTo>
+                  <a:pt x="0" y="1109"/>
+                </a:lnTo>
+                <a:lnTo>
+                  <a:pt x="0" y="119"/>
+                </a:lnTo>
+                <a:lnTo>
+                  <a:pt x="254" y="0"/>
+                </a:lnTo>
+                <a:lnTo>
+                  <a:pt x="254" y="987"/>
+                </a:lnTo>
+                <a:close/>
+              </a:path>
+            </a:pathLst>
+          </a:custGeom>
+          <a:solidFill>
+            <a:schemeClr val="accent1">
+              <a:lumMod val="75000"/>
+            </a:schemeClr>
+          </a:solidFill>
+          <a:ln>
+            <a:noFill/>
+          </a:ln>
+        </p:spPr>
+        <p:txBody>
+          <a:bodyPr vert="horz" wrap="square" lIns="91440" tIns="45720" rIns="91440" bIns="45720" numCol="1" anchor="t" anchorCtr="0" compatLnSpc="1">
+            <a:prstTxWarp prst="textNoShape">
+              <a:avLst/>
+            </a:prstTxWarp>
+          </a:bodyPr>
+          <a:lstStyle/>
+          <a:p>
+            <a:endParaRPr lang="en-US"/>
+          </a:p>
+        </p:txBody>
+      </p:sp>
+      <p:sp>
+        <p:nvSpPr>
+          <p:cNvPr id="14" name="Freeform 47">
+            <a:extLst>
+              <a:ext uri="{FF2B5EF4-FFF2-40B4-BE49-F238E27FC236}">
+                <a16:creationId xmlns:a16="http://schemas.microsoft.com/office/drawing/2014/main" id="{472E3A19-F5D5-48FC-BB9C-48C2F68F598B}"/>
+              </a:ext>
+              <a:ext uri="{C183D7F6-B498-43B3-948B-1728B52AA6E4}">
+                <adec:decorative xmlns:adec="http://schemas.microsoft.com/office/drawing/2017/decorative" val="1"/>
+              </a:ext>
+            </a:extLst>
+          </p:cNvPr>
+          <p:cNvSpPr>
+            <a:spLocks noGrp="1" noRot="1" noChangeAspect="1" noMove="1" noResize="1" noEditPoints="1" noAdjustHandles="1" noChangeArrowheads="1" noChangeShapeType="1" noTextEdit="1"/>
+          </p:cNvSpPr>
+          <p:nvPr>
+            <p:extLst>
+              <p:ext uri="{386F3935-93C4-4BCD-93E2-E3B085C9AB24}">
+                <p16:designElem xmlns:p16="http://schemas.microsoft.com/office/powerpoint/2015/main" val="1"/>
+              </p:ext>
+            </p:extLst>
+          </p:nvPr>
+        </p:nvSpPr>
+        <p:spPr bwMode="auto">
+          <a:xfrm>
+            <a:off x="644660" y="640894"/>
+            <a:ext cx="168275" cy="1713195"/>
+          </a:xfrm>
+          <a:custGeom>
+            <a:avLst/>
+            <a:gdLst>
+              <a:gd name="T0" fmla="*/ 106 w 106"/>
+              <a:gd name="T1" fmla="*/ 1114 h 1114"/>
+              <a:gd name="T2" fmla="*/ 0 w 106"/>
+              <a:gd name="T3" fmla="*/ 1005 h 1114"/>
+              <a:gd name="T4" fmla="*/ 0 w 106"/>
+              <a:gd name="T5" fmla="*/ 0 h 1114"/>
+              <a:gd name="T6" fmla="*/ 106 w 106"/>
+              <a:gd name="T7" fmla="*/ 110 h 1114"/>
+              <a:gd name="T8" fmla="*/ 106 w 106"/>
+              <a:gd name="T9" fmla="*/ 1114 h 1114"/>
+            </a:gdLst>
+            <a:ahLst/>
+            <a:cxnLst>
+              <a:cxn ang="0">
+                <a:pos x="T0" y="T1"/>
+              </a:cxn>
+              <a:cxn ang="0">
+                <a:pos x="T2" y="T3"/>
+              </a:cxn>
+              <a:cxn ang="0">
+                <a:pos x="T4" y="T5"/>
+              </a:cxn>
+              <a:cxn ang="0">
+                <a:pos x="T6" y="T7"/>
+              </a:cxn>
+              <a:cxn ang="0">
+                <a:pos x="T8" y="T9"/>
+              </a:cxn>
+            </a:cxnLst>
+            <a:rect l="0" t="0" r="r" b="b"/>
+            <a:pathLst>
+              <a:path w="106" h="1114">
+                <a:moveTo>
+                  <a:pt x="106" y="1114"/>
+                </a:moveTo>
+                <a:lnTo>
+                  <a:pt x="0" y="1005"/>
+                </a:lnTo>
+                <a:lnTo>
+                  <a:pt x="0" y="0"/>
+                </a:lnTo>
+                <a:lnTo>
+                  <a:pt x="106" y="110"/>
+                </a:lnTo>
+                <a:lnTo>
+                  <a:pt x="106" y="1114"/>
+                </a:lnTo>
+                <a:close/>
+              </a:path>
+            </a:pathLst>
+          </a:custGeom>
+          <a:solidFill>
+            <a:schemeClr val="accent1">
+              <a:lumMod val="50000"/>
+            </a:schemeClr>
+          </a:solidFill>
+          <a:ln>
+            <a:noFill/>
+          </a:ln>
+        </p:spPr>
+        <p:txBody>
+          <a:bodyPr vert="horz" wrap="square" lIns="91440" tIns="45720" rIns="91440" bIns="45720" numCol="1" anchor="t" anchorCtr="0" compatLnSpc="1">
+            <a:prstTxWarp prst="textNoShape">
+              <a:avLst/>
+            </a:prstTxWarp>
+          </a:bodyPr>
+          <a:lstStyle/>
+          <a:p>
+            <a:endParaRPr lang="en-US"/>
+          </a:p>
+        </p:txBody>
+      </p:sp>
+      <p:sp>
+        <p:nvSpPr>
+          <p:cNvPr id="16" name="Freeform 44">
+            <a:extLst>
+              <a:ext uri="{FF2B5EF4-FFF2-40B4-BE49-F238E27FC236}">
+                <a16:creationId xmlns:a16="http://schemas.microsoft.com/office/drawing/2014/main" id="{7A62E32F-BB65-43A8-8EB5-92346890E549}"/>
+              </a:ext>
+              <a:ext uri="{C183D7F6-B498-43B3-948B-1728B52AA6E4}">
+                <adec:decorative xmlns:adec="http://schemas.microsoft.com/office/drawing/2017/decorative" val="1"/>
+              </a:ext>
+            </a:extLst>
+          </p:cNvPr>
+          <p:cNvSpPr>
+            <a:spLocks noGrp="1" noRot="1" noChangeAspect="1" noMove="1" noResize="1" noEditPoints="1" noAdjustHandles="1" noChangeArrowheads="1" noChangeShapeType="1" noTextEdit="1"/>
+          </p:cNvSpPr>
+          <p:nvPr>
+            <p:extLst>
+              <p:ext uri="{386F3935-93C4-4BCD-93E2-E3B085C9AB24}">
+                <p16:designElem xmlns:p16="http://schemas.microsoft.com/office/powerpoint/2015/main" val="1"/>
+              </p:ext>
+            </p:extLst>
+          </p:nvPr>
+        </p:nvSpPr>
+        <p:spPr bwMode="auto">
+          <a:xfrm>
+            <a:off x="11223203" y="635716"/>
+            <a:ext cx="328612" cy="1742360"/>
+          </a:xfrm>
+          <a:custGeom>
+            <a:avLst/>
+            <a:gdLst>
+              <a:gd name="T0" fmla="*/ 207 w 207"/>
+              <a:gd name="T1" fmla="*/ 987 h 1114"/>
+              <a:gd name="T2" fmla="*/ 0 w 207"/>
+              <a:gd name="T3" fmla="*/ 1114 h 1114"/>
+              <a:gd name="T4" fmla="*/ 0 w 207"/>
+              <a:gd name="T5" fmla="*/ 127 h 1114"/>
+              <a:gd name="T6" fmla="*/ 207 w 207"/>
+              <a:gd name="T7" fmla="*/ 0 h 1114"/>
+              <a:gd name="T8" fmla="*/ 207 w 207"/>
+              <a:gd name="T9" fmla="*/ 987 h 1114"/>
+            </a:gdLst>
+            <a:ahLst/>
+            <a:cxnLst>
+              <a:cxn ang="0">
+                <a:pos x="T0" y="T1"/>
+              </a:cxn>
+              <a:cxn ang="0">
+                <a:pos x="T2" y="T3"/>
+              </a:cxn>
+              <a:cxn ang="0">
+                <a:pos x="T4" y="T5"/>
+              </a:cxn>
+              <a:cxn ang="0">
+                <a:pos x="T6" y="T7"/>
+              </a:cxn>
+              <a:cxn ang="0">
+                <a:pos x="T8" y="T9"/>
+              </a:cxn>
+            </a:cxnLst>
+            <a:rect l="0" t="0" r="r" b="b"/>
+            <a:pathLst>
+              <a:path w="207" h="1114">
+                <a:moveTo>
+                  <a:pt x="207" y="987"/>
+                </a:moveTo>
+                <a:lnTo>
+                  <a:pt x="0" y="1114"/>
+                </a:lnTo>
+                <a:lnTo>
+                  <a:pt x="0" y="127"/>
+                </a:lnTo>
+                <a:lnTo>
+                  <a:pt x="207" y="0"/>
+                </a:lnTo>
+                <a:lnTo>
+                  <a:pt x="207" y="987"/>
+                </a:lnTo>
+                <a:close/>
+              </a:path>
+            </a:pathLst>
+          </a:custGeom>
+          <a:solidFill>
+            <a:schemeClr val="accent1">
+              <a:lumMod val="50000"/>
+            </a:schemeClr>
+          </a:solidFill>
+          <a:ln>
+            <a:noFill/>
+          </a:ln>
+        </p:spPr>
+        <p:txBody>
+          <a:bodyPr vert="horz" wrap="square" lIns="91440" tIns="45720" rIns="91440" bIns="45720" numCol="1" anchor="t" anchorCtr="0" compatLnSpc="1">
+            <a:prstTxWarp prst="textNoShape">
+              <a:avLst/>
+            </a:prstTxWarp>
+          </a:bodyPr>
+          <a:lstStyle/>
+          <a:p>
+            <a:endParaRPr lang="en-US"/>
+          </a:p>
+        </p:txBody>
+      </p:sp>
+      <p:sp>
+        <p:nvSpPr>
+          <p:cNvPr id="18" name="Rectangle 17">
+            <a:extLst>
+              <a:ext uri="{FF2B5EF4-FFF2-40B4-BE49-F238E27FC236}">
+                <a16:creationId xmlns:a16="http://schemas.microsoft.com/office/drawing/2014/main" id="{14E91B64-9FCC-451E-AFB4-A827D6329367}"/>
+              </a:ext>
+              <a:ext uri="{C183D7F6-B498-43B3-948B-1728B52AA6E4}">
+                <adec:decorative xmlns:adec="http://schemas.microsoft.com/office/drawing/2017/decorative" val="1"/>
+              </a:ext>
+            </a:extLst>
+          </p:cNvPr>
+          <p:cNvSpPr>
+            <a:spLocks noGrp="1" noRot="1" noChangeAspect="1" noMove="1" noResize="1" noEditPoints="1" noAdjustHandles="1" noChangeArrowheads="1" noChangeShapeType="1" noTextEdit="1"/>
+          </p:cNvSpPr>
+          <p:nvPr>
+            <p:extLst>
+              <p:ext uri="{386F3935-93C4-4BCD-93E2-E3B085C9AB24}">
+                <p16:designElem xmlns:p16="http://schemas.microsoft.com/office/powerpoint/2015/main" val="1"/>
+              </p:ext>
+            </p:extLst>
+          </p:nvPr>
+        </p:nvSpPr>
+        <p:spPr bwMode="auto">
+          <a:xfrm>
+            <a:off x="644055" y="635715"/>
+            <a:ext cx="10907863" cy="1541457"/>
+          </a:xfrm>
+          <a:prstGeom prst="rect">
+            <a:avLst/>
+          </a:prstGeom>
+          <a:solidFill>
+            <a:schemeClr val="accent1"/>
+          </a:solidFill>
+          <a:ln>
+            <a:noFill/>
+          </a:ln>
+        </p:spPr>
+        <p:txBody>
+          <a:bodyPr vert="horz" wrap="square" lIns="91440" tIns="45720" rIns="91440" bIns="45720" numCol="1" anchor="t" anchorCtr="0" compatLnSpc="1">
+            <a:prstTxWarp prst="textNoShape">
+              <a:avLst/>
+            </a:prstTxWarp>
+          </a:bodyPr>
+          <a:lstStyle/>
+          <a:p>
+            <a:endParaRPr lang="en-US"/>
+          </a:p>
+        </p:txBody>
+      </p:sp>
+      <p:sp>
+        <p:nvSpPr>
+          <p:cNvPr id="2" name="标题 1">
+            <a:extLst>
+              <a:ext uri="{FF2B5EF4-FFF2-40B4-BE49-F238E27FC236}">
+                <a16:creationId xmlns:a16="http://schemas.microsoft.com/office/drawing/2014/main" id="{8E0C4025-2C08-4DFF-A551-860A0C947505}"/>
+              </a:ext>
+            </a:extLst>
+          </p:cNvPr>
+          <p:cNvSpPr>
+            <a:spLocks noGrp="1"/>
+          </p:cNvSpPr>
+          <p:nvPr>
+            <p:ph type="title"/>
+          </p:nvPr>
+        </p:nvSpPr>
+        <p:spPr>
+          <a:xfrm>
+            <a:off x="958506" y="800392"/>
+            <a:ext cx="10264697" cy="1212102"/>
+          </a:xfrm>
+        </p:spPr>
+        <p:txBody>
+          <a:bodyPr>
+            <a:normAutofit/>
+          </a:bodyPr>
+          <a:lstStyle/>
+          <a:p>
+            <a:r>
+              <a:rPr lang="en-US" altLang="zh-CN" sz="4000" dirty="0" err="1">
+                <a:solidFill>
+                  <a:srgbClr val="FFFFFF"/>
+                </a:solidFill>
+              </a:rPr>
+              <a:t>Jmeter</a:t>
+            </a:r>
+            <a:r>
+              <a:rPr lang="zh-CN" altLang="en-US" sz="4000" dirty="0">
+                <a:solidFill>
+                  <a:srgbClr val="FFFFFF"/>
+                </a:solidFill>
+              </a:rPr>
+              <a:t>测试</a:t>
+            </a:r>
+          </a:p>
+        </p:txBody>
+      </p:sp>
+      <p:sp>
+        <p:nvSpPr>
+          <p:cNvPr id="11" name="椭圆 10">
+            <a:extLst>
+              <a:ext uri="{FF2B5EF4-FFF2-40B4-BE49-F238E27FC236}">
+                <a16:creationId xmlns:a16="http://schemas.microsoft.com/office/drawing/2014/main" id="{AAD5ED67-5E59-4269-B305-F62ADEE10A53}"/>
+              </a:ext>
+            </a:extLst>
+          </p:cNvPr>
+          <p:cNvSpPr/>
+          <p:nvPr/>
+        </p:nvSpPr>
+        <p:spPr>
+          <a:xfrm rot="1488327">
+            <a:off x="9033364" y="958121"/>
+            <a:ext cx="2432481" cy="896645"/>
+          </a:xfrm>
+          <a:prstGeom prst="ellipse">
+            <a:avLst/>
+          </a:prstGeom>
+        </p:spPr>
+        <p:style>
+          <a:lnRef idx="3">
+            <a:schemeClr val="lt1"/>
+          </a:lnRef>
+          <a:fillRef idx="1">
+            <a:schemeClr val="accent3"/>
+          </a:fillRef>
+          <a:effectRef idx="1">
+            <a:schemeClr val="accent3"/>
+          </a:effectRef>
+          <a:fontRef idx="minor">
+            <a:schemeClr val="lt1"/>
+          </a:fontRef>
+        </p:style>
+        <p:txBody>
+          <a:bodyPr rtlCol="0" anchor="ctr"/>
+          <a:lstStyle/>
+          <a:p>
+            <a:pPr algn="ctr"/>
+            <a:r>
+              <a:rPr lang="zh-CN" altLang="en-US" dirty="0"/>
+              <a:t>测试</a:t>
+            </a:r>
+          </a:p>
+        </p:txBody>
+      </p:sp>
+      <p:sp>
+        <p:nvSpPr>
+          <p:cNvPr id="9" name="文本框 8">
+            <a:extLst>
+              <a:ext uri="{FF2B5EF4-FFF2-40B4-BE49-F238E27FC236}">
+                <a16:creationId xmlns:a16="http://schemas.microsoft.com/office/drawing/2014/main" id="{970B3CDB-EA7C-4F98-B9AB-57C958F3B591}"/>
+              </a:ext>
+            </a:extLst>
+          </p:cNvPr>
+          <p:cNvSpPr txBox="1"/>
+          <p:nvPr/>
+        </p:nvSpPr>
+        <p:spPr>
+          <a:xfrm>
+            <a:off x="1529031" y="2449670"/>
+            <a:ext cx="9694171" cy="523220"/>
+          </a:xfrm>
+          <a:prstGeom prst="rect">
+            <a:avLst/>
+          </a:prstGeom>
+          <a:noFill/>
+        </p:spPr>
+        <p:txBody>
+          <a:bodyPr wrap="square" rtlCol="0">
+            <a:spAutoFit/>
+          </a:bodyPr>
+          <a:lstStyle/>
+          <a:p>
+            <a:r>
+              <a:rPr lang="zh-CN" altLang="en-US" sz="2800" b="1" dirty="0"/>
+              <a:t>插入一条数据并返回提示</a:t>
+            </a:r>
+            <a:r>
+              <a:rPr lang="en-US" altLang="zh-CN" sz="2800" b="1" dirty="0">
+                <a:sym typeface="Wingdings" panose="05000000000000000000" pitchFamily="2" charset="2"/>
+              </a:rPr>
+              <a:t>(</a:t>
+            </a:r>
+            <a:r>
+              <a:rPr lang="zh-CN" altLang="en-US" sz="2800" b="1" dirty="0">
+                <a:sym typeface="Wingdings" panose="05000000000000000000" pitchFamily="2" charset="2"/>
+              </a:rPr>
+              <a:t>函数单实例并发度</a:t>
+            </a:r>
+            <a:r>
+              <a:rPr lang="en-US" altLang="zh-CN" sz="2800" b="1" dirty="0">
+                <a:sym typeface="Wingdings" panose="05000000000000000000" pitchFamily="2" charset="2"/>
+              </a:rPr>
+              <a:t>50)</a:t>
+            </a:r>
+            <a:endParaRPr lang="zh-CN" altLang="en-US" sz="2800" b="1" dirty="0"/>
+          </a:p>
+        </p:txBody>
+      </p:sp>
+      <p:pic>
+        <p:nvPicPr>
+          <p:cNvPr id="5" name="图片 4">
+            <a:extLst>
+              <a:ext uri="{FF2B5EF4-FFF2-40B4-BE49-F238E27FC236}">
+                <a16:creationId xmlns:a16="http://schemas.microsoft.com/office/drawing/2014/main" id="{97F8E1B5-62A9-4A8D-8156-0C82D7756EAD}"/>
+              </a:ext>
+            </a:extLst>
+          </p:cNvPr>
+          <p:cNvPicPr>
+            <a:picLocks noChangeAspect="1"/>
+          </p:cNvPicPr>
+          <p:nvPr/>
+        </p:nvPicPr>
+        <p:blipFill>
+          <a:blip r:embed="rId2"/>
+          <a:stretch>
+            <a:fillRect/>
+          </a:stretch>
+        </p:blipFill>
+        <p:spPr>
+          <a:xfrm>
+            <a:off x="1119322" y="3176174"/>
+            <a:ext cx="10103881" cy="1171739"/>
+          </a:xfrm>
+          <a:prstGeom prst="rect">
+            <a:avLst/>
+          </a:prstGeom>
+        </p:spPr>
+      </p:pic>
+      <p:pic>
+        <p:nvPicPr>
+          <p:cNvPr id="3" name="图片 2">
+            <a:extLst>
+              <a:ext uri="{FF2B5EF4-FFF2-40B4-BE49-F238E27FC236}">
+                <a16:creationId xmlns:a16="http://schemas.microsoft.com/office/drawing/2014/main" id="{2DFE0F76-8C42-4B97-8C20-686AAE64D5BC}"/>
+              </a:ext>
+            </a:extLst>
+          </p:cNvPr>
+          <p:cNvPicPr>
+            <a:picLocks noChangeAspect="1"/>
+          </p:cNvPicPr>
+          <p:nvPr/>
+        </p:nvPicPr>
+        <p:blipFill>
+          <a:blip r:embed="rId3"/>
+          <a:stretch>
+            <a:fillRect/>
+          </a:stretch>
+        </p:blipFill>
+        <p:spPr>
+          <a:xfrm>
+            <a:off x="1119322" y="5869860"/>
+            <a:ext cx="10103881" cy="704850"/>
+          </a:xfrm>
+          <a:prstGeom prst="rect">
+            <a:avLst/>
+          </a:prstGeom>
+        </p:spPr>
+      </p:pic>
+      <p:pic>
+        <p:nvPicPr>
+          <p:cNvPr id="4" name="图片 3">
+            <a:extLst>
+              <a:ext uri="{FF2B5EF4-FFF2-40B4-BE49-F238E27FC236}">
+                <a16:creationId xmlns:a16="http://schemas.microsoft.com/office/drawing/2014/main" id="{6A5566DD-B0F7-4F54-84E7-60C362501D0B}"/>
+              </a:ext>
+            </a:extLst>
+          </p:cNvPr>
+          <p:cNvPicPr>
+            <a:picLocks noChangeAspect="1"/>
+          </p:cNvPicPr>
+          <p:nvPr/>
+        </p:nvPicPr>
+        <p:blipFill>
+          <a:blip r:embed="rId4"/>
+          <a:stretch>
+            <a:fillRect/>
+          </a:stretch>
+        </p:blipFill>
+        <p:spPr>
+          <a:xfrm>
+            <a:off x="1901638" y="4557397"/>
+            <a:ext cx="8392696" cy="1171739"/>
+          </a:xfrm>
+          <a:prstGeom prst="rect">
+            <a:avLst/>
+          </a:prstGeom>
+        </p:spPr>
+      </p:pic>
+    </p:spTree>
+    <p:extLst>
+      <p:ext uri="{BB962C8B-B14F-4D97-AF65-F5344CB8AC3E}">
+        <p14:creationId xmlns:p14="http://schemas.microsoft.com/office/powerpoint/2010/main" val="942331767"/>
       </p:ext>
     </p:extLst>
   </p:cSld>
@@ -17859,7 +25247,7 @@
           <a:graphicData uri="http://schemas.openxmlformats.org/presentationml/2006/ole">
             <mc:AlternateContent xmlns:mc="http://schemas.openxmlformats.org/markup-compatibility/2006">
               <mc:Choice xmlns:v="urn:schemas-microsoft-com:vml" Requires="v">
-                <p:oleObj spid="_x0000_s1274" name="Worksheet" showAsIcon="1" r:id="rId3" imgW="914400" imgH="828646" progId="Excel.Sheet.12">
+                <p:oleObj spid="_x0000_s1394" name="Worksheet" showAsIcon="1" r:id="rId3" imgW="914400" imgH="828646" progId="Excel.Sheet.12">
                   <p:embed/>
                 </p:oleObj>
               </mc:Choice>
@@ -18659,7 +26047,7 @@
         </p:blipFill>
         <p:spPr>
           <a:xfrm>
-            <a:off x="2080532" y="2354089"/>
+            <a:off x="2080532" y="2209457"/>
             <a:ext cx="8027887" cy="4170560"/>
           </a:xfrm>
           <a:prstGeom prst="rect">

--- a/doc/阿里云函数计算.pptx
+++ b/doc/阿里云函数计算.pptx
@@ -25,23 +25,25 @@
     <p:sldId id="262" r:id="rId19"/>
     <p:sldId id="296" r:id="rId20"/>
     <p:sldId id="277" r:id="rId21"/>
-    <p:sldId id="263" r:id="rId22"/>
-    <p:sldId id="281" r:id="rId23"/>
-    <p:sldId id="280" r:id="rId24"/>
-    <p:sldId id="283" r:id="rId25"/>
-    <p:sldId id="285" r:id="rId26"/>
-    <p:sldId id="290" r:id="rId27"/>
-    <p:sldId id="287" r:id="rId28"/>
-    <p:sldId id="282" r:id="rId29"/>
-    <p:sldId id="278" r:id="rId30"/>
-    <p:sldId id="286" r:id="rId31"/>
-    <p:sldId id="279" r:id="rId32"/>
-    <p:sldId id="288" r:id="rId33"/>
-    <p:sldId id="289" r:id="rId34"/>
-    <p:sldId id="291" r:id="rId35"/>
-    <p:sldId id="292" r:id="rId36"/>
-    <p:sldId id="293" r:id="rId37"/>
-    <p:sldId id="294" r:id="rId38"/>
+    <p:sldId id="297" r:id="rId22"/>
+    <p:sldId id="298" r:id="rId23"/>
+    <p:sldId id="263" r:id="rId24"/>
+    <p:sldId id="281" r:id="rId25"/>
+    <p:sldId id="280" r:id="rId26"/>
+    <p:sldId id="283" r:id="rId27"/>
+    <p:sldId id="285" r:id="rId28"/>
+    <p:sldId id="290" r:id="rId29"/>
+    <p:sldId id="287" r:id="rId30"/>
+    <p:sldId id="282" r:id="rId31"/>
+    <p:sldId id="278" r:id="rId32"/>
+    <p:sldId id="286" r:id="rId33"/>
+    <p:sldId id="279" r:id="rId34"/>
+    <p:sldId id="288" r:id="rId35"/>
+    <p:sldId id="289" r:id="rId36"/>
+    <p:sldId id="291" r:id="rId37"/>
+    <p:sldId id="292" r:id="rId38"/>
+    <p:sldId id="293" r:id="rId39"/>
+    <p:sldId id="294" r:id="rId40"/>
   </p:sldIdLst>
   <p:sldSz cx="12192000" cy="6858000"/>
   <p:notesSz cx="6858000" cy="9144000"/>
@@ -12831,10 +12833,51 @@
       </p:sp>
       <p:sp>
         <p:nvSpPr>
-          <p:cNvPr id="2" name="标题 1">
-            <a:extLst>
-              <a:ext uri="{FF2B5EF4-FFF2-40B4-BE49-F238E27FC236}">
-                <a16:creationId xmlns:a16="http://schemas.microsoft.com/office/drawing/2014/main" id="{8E0C4025-2C08-4DFF-A551-860A0C947505}"/>
+          <p:cNvPr id="3" name="内容占位符 2">
+            <a:extLst>
+              <a:ext uri="{FF2B5EF4-FFF2-40B4-BE49-F238E27FC236}">
+                <a16:creationId xmlns:a16="http://schemas.microsoft.com/office/drawing/2014/main" id="{433CF23D-0379-4893-8E7E-93958F51AEAC}"/>
+              </a:ext>
+            </a:extLst>
+          </p:cNvPr>
+          <p:cNvSpPr>
+            <a:spLocks noGrp="1"/>
+          </p:cNvSpPr>
+          <p:nvPr>
+            <p:ph idx="1"/>
+          </p:nvPr>
+        </p:nvSpPr>
+        <p:spPr>
+          <a:xfrm>
+            <a:off x="1189296" y="2341848"/>
+            <a:ext cx="9803116" cy="617530"/>
+          </a:xfrm>
+        </p:spPr>
+        <p:txBody>
+          <a:bodyPr anchor="ctr">
+            <a:normAutofit/>
+          </a:bodyPr>
+          <a:lstStyle/>
+          <a:p>
+            <a:pPr marL="0" indent="0">
+              <a:buNone/>
+            </a:pPr>
+            <a:endParaRPr lang="en-US" altLang="zh-CN" sz="2400" dirty="0"/>
+          </a:p>
+          <a:p>
+            <a:pPr marL="0" indent="0">
+              <a:buNone/>
+            </a:pPr>
+            <a:endParaRPr lang="en-US" altLang="zh-CN" sz="2400" dirty="0"/>
+          </a:p>
+        </p:txBody>
+      </p:sp>
+      <p:sp>
+        <p:nvSpPr>
+          <p:cNvPr id="13" name="标题 1">
+            <a:extLst>
+              <a:ext uri="{FF2B5EF4-FFF2-40B4-BE49-F238E27FC236}">
+                <a16:creationId xmlns:a16="http://schemas.microsoft.com/office/drawing/2014/main" id="{E2EFEC74-D07A-44CF-86AA-3A3D2D20E682}"/>
               </a:ext>
             </a:extLst>
           </p:cNvPr>
@@ -12848,7 +12891,7 @@
         <p:spPr>
           <a:xfrm>
             <a:off x="958506" y="800392"/>
-            <a:ext cx="10264697" cy="1212102"/>
+            <a:ext cx="7919163" cy="1212102"/>
           </a:xfrm>
         </p:spPr>
         <p:txBody>
@@ -12857,94 +12900,23 @@
           </a:bodyPr>
           <a:lstStyle/>
           <a:p>
-            <a:r>
-              <a:rPr lang="en-US" altLang="zh-CN" sz="4000" dirty="0">
-                <a:solidFill>
-                  <a:srgbClr val="FFFFFF"/>
-                </a:solidFill>
-              </a:rPr>
-              <a:t>RAM</a:t>
-            </a:r>
             <a:r>
               <a:rPr lang="zh-CN" altLang="en-US" sz="4000" dirty="0">
                 <a:solidFill>
                   <a:srgbClr val="FFFFFF"/>
                 </a:solidFill>
               </a:rPr>
-              <a:t>访问控制</a:t>
-            </a:r>
-          </a:p>
-        </p:txBody>
-      </p:sp>
-      <p:sp>
-        <p:nvSpPr>
-          <p:cNvPr id="3" name="内容占位符 2">
-            <a:extLst>
-              <a:ext uri="{FF2B5EF4-FFF2-40B4-BE49-F238E27FC236}">
-                <a16:creationId xmlns:a16="http://schemas.microsoft.com/office/drawing/2014/main" id="{433CF23D-0379-4893-8E7E-93958F51AEAC}"/>
-              </a:ext>
-            </a:extLst>
-          </p:cNvPr>
-          <p:cNvSpPr>
-            <a:spLocks noGrp="1"/>
-          </p:cNvSpPr>
-          <p:nvPr>
-            <p:ph idx="1"/>
-          </p:nvPr>
-        </p:nvSpPr>
-        <p:spPr>
-          <a:xfrm>
-            <a:off x="1222645" y="2378076"/>
-            <a:ext cx="9863403" cy="3392409"/>
-          </a:xfrm>
-        </p:spPr>
-        <p:txBody>
-          <a:bodyPr anchor="ctr">
-            <a:normAutofit/>
-          </a:bodyPr>
-          <a:lstStyle/>
-          <a:p>
-            <a:pPr marL="0" indent="0">
-              <a:buNone/>
-            </a:pPr>
-            <a:r>
-              <a:rPr lang="zh-CN" altLang="en-US" dirty="0"/>
-              <a:t>官网文档地址：</a:t>
-            </a:r>
-            <a:endParaRPr lang="en-US" altLang="zh-CN" dirty="0">
-              <a:hlinkClick r:id="rId2"/>
-            </a:endParaRPr>
-          </a:p>
-          <a:p>
-            <a:pPr marL="0" indent="0">
-              <a:buNone/>
-            </a:pPr>
-            <a:r>
-              <a:rPr lang="en-US" altLang="zh-CN" dirty="0">
-                <a:hlinkClick r:id="rId3"/>
-              </a:rPr>
-              <a:t>https://help.aliyun.com/document_detail/93689.html?spm=a2c4g.11186623.6.581.15d01e2aEuHaTB</a:t>
-            </a:r>
-            <a:endParaRPr lang="en-US" altLang="zh-CN" dirty="0"/>
-          </a:p>
-          <a:p>
-            <a:r>
-              <a:rPr lang="zh-CN" altLang="en-US" dirty="0"/>
-              <a:t>给函数计算服务分配访问其他服务的权限（函数计算概览页面查看云监控相关数据）</a:t>
-            </a:r>
-            <a:endParaRPr lang="en-US" altLang="zh-CN" dirty="0"/>
-          </a:p>
-          <a:p>
-            <a:endParaRPr lang="en-US" altLang="zh-CN" sz="2400" dirty="0"/>
-          </a:p>
-        </p:txBody>
-      </p:sp>
-      <p:sp>
-        <p:nvSpPr>
-          <p:cNvPr id="11" name="椭圆 10">
-            <a:extLst>
-              <a:ext uri="{FF2B5EF4-FFF2-40B4-BE49-F238E27FC236}">
-                <a16:creationId xmlns:a16="http://schemas.microsoft.com/office/drawing/2014/main" id="{AAD5ED67-5E59-4269-B305-F62ADEE10A53}"/>
+              <a:t>限制项</a:t>
+            </a:r>
+          </a:p>
+        </p:txBody>
+      </p:sp>
+      <p:sp>
+        <p:nvSpPr>
+          <p:cNvPr id="15" name="椭圆 14">
+            <a:extLst>
+              <a:ext uri="{FF2B5EF4-FFF2-40B4-BE49-F238E27FC236}">
+                <a16:creationId xmlns:a16="http://schemas.microsoft.com/office/drawing/2014/main" id="{63B6BBE7-C941-45F5-9626-2785AE04519E}"/>
               </a:ext>
             </a:extLst>
           </p:cNvPr>
@@ -12965,10 +12937,10 @@
             <a:schemeClr val="lt1"/>
           </a:lnRef>
           <a:fillRef idx="1">
-            <a:schemeClr val="accent4"/>
+            <a:schemeClr val="accent2"/>
           </a:fillRef>
           <a:effectRef idx="1">
-            <a:schemeClr val="accent4"/>
+            <a:schemeClr val="accent2"/>
           </a:effectRef>
           <a:fontRef idx="minor">
             <a:schemeClr val="lt1"/>
@@ -12981,15 +12953,45 @@
             <a:pPr algn="ctr"/>
             <a:r>
               <a:rPr lang="zh-CN" altLang="en-US" dirty="0"/>
-              <a:t>其他相关服务</a:t>
-            </a:r>
-          </a:p>
-        </p:txBody>
-      </p:sp>
+              <a:t>怎么使用函数计算</a:t>
+            </a:r>
+          </a:p>
+        </p:txBody>
+      </p:sp>
+      <p:pic>
+        <p:nvPicPr>
+          <p:cNvPr id="2" name="图片 1">
+            <a:extLst>
+              <a:ext uri="{FF2B5EF4-FFF2-40B4-BE49-F238E27FC236}">
+                <a16:creationId xmlns:a16="http://schemas.microsoft.com/office/drawing/2014/main" id="{907F7FC1-31A0-4947-AF84-E1D1438E83AD}"/>
+              </a:ext>
+            </a:extLst>
+          </p:cNvPr>
+          <p:cNvPicPr>
+            <a:picLocks noChangeAspect="1"/>
+          </p:cNvPicPr>
+          <p:nvPr/>
+        </p:nvPicPr>
+        <p:blipFill>
+          <a:blip r:embed="rId2"/>
+          <a:stretch>
+            <a:fillRect/>
+          </a:stretch>
+        </p:blipFill>
+        <p:spPr>
+          <a:xfrm>
+            <a:off x="2193324" y="2177171"/>
+            <a:ext cx="7450243" cy="4680829"/>
+          </a:xfrm>
+          <a:prstGeom prst="rect">
+            <a:avLst/>
+          </a:prstGeom>
+        </p:spPr>
+      </p:pic>
     </p:spTree>
     <p:extLst>
       <p:ext uri="{BB962C8B-B14F-4D97-AF65-F5344CB8AC3E}">
-        <p14:creationId xmlns:p14="http://schemas.microsoft.com/office/powerpoint/2010/main" val="1513053404"/>
+        <p14:creationId xmlns:p14="http://schemas.microsoft.com/office/powerpoint/2010/main" val="2907132057"/>
       </p:ext>
     </p:extLst>
   </p:cSld>
@@ -13548,10 +13550,51 @@
       </p:sp>
       <p:sp>
         <p:nvSpPr>
-          <p:cNvPr id="2" name="标题 1">
-            <a:extLst>
-              <a:ext uri="{FF2B5EF4-FFF2-40B4-BE49-F238E27FC236}">
-                <a16:creationId xmlns:a16="http://schemas.microsoft.com/office/drawing/2014/main" id="{8E0C4025-2C08-4DFF-A551-860A0C947505}"/>
+          <p:cNvPr id="3" name="内容占位符 2">
+            <a:extLst>
+              <a:ext uri="{FF2B5EF4-FFF2-40B4-BE49-F238E27FC236}">
+                <a16:creationId xmlns:a16="http://schemas.microsoft.com/office/drawing/2014/main" id="{433CF23D-0379-4893-8E7E-93958F51AEAC}"/>
+              </a:ext>
+            </a:extLst>
+          </p:cNvPr>
+          <p:cNvSpPr>
+            <a:spLocks noGrp="1"/>
+          </p:cNvSpPr>
+          <p:nvPr>
+            <p:ph idx="1"/>
+          </p:nvPr>
+        </p:nvSpPr>
+        <p:spPr>
+          <a:xfrm>
+            <a:off x="1189296" y="2341848"/>
+            <a:ext cx="9803116" cy="617530"/>
+          </a:xfrm>
+        </p:spPr>
+        <p:txBody>
+          <a:bodyPr anchor="ctr">
+            <a:normAutofit/>
+          </a:bodyPr>
+          <a:lstStyle/>
+          <a:p>
+            <a:pPr marL="0" indent="0">
+              <a:buNone/>
+            </a:pPr>
+            <a:endParaRPr lang="en-US" altLang="zh-CN" sz="2400" dirty="0"/>
+          </a:p>
+          <a:p>
+            <a:pPr marL="0" indent="0">
+              <a:buNone/>
+            </a:pPr>
+            <a:endParaRPr lang="en-US" altLang="zh-CN" sz="2400" dirty="0"/>
+          </a:p>
+        </p:txBody>
+      </p:sp>
+      <p:sp>
+        <p:nvSpPr>
+          <p:cNvPr id="13" name="标题 1">
+            <a:extLst>
+              <a:ext uri="{FF2B5EF4-FFF2-40B4-BE49-F238E27FC236}">
+                <a16:creationId xmlns:a16="http://schemas.microsoft.com/office/drawing/2014/main" id="{E2EFEC74-D07A-44CF-86AA-3A3D2D20E682}"/>
               </a:ext>
             </a:extLst>
           </p:cNvPr>
@@ -13565,7 +13608,7 @@
         <p:spPr>
           <a:xfrm>
             <a:off x="958506" y="800392"/>
-            <a:ext cx="10264697" cy="1212102"/>
+            <a:ext cx="7919163" cy="1212102"/>
           </a:xfrm>
         </p:spPr>
         <p:txBody>
@@ -13574,31 +13617,23 @@
           </a:bodyPr>
           <a:lstStyle/>
           <a:p>
-            <a:r>
-              <a:rPr lang="en-US" altLang="zh-CN" sz="4000" dirty="0">
-                <a:solidFill>
-                  <a:srgbClr val="FFFFFF"/>
-                </a:solidFill>
-              </a:rPr>
-              <a:t>RAM</a:t>
-            </a:r>
             <a:r>
               <a:rPr lang="zh-CN" altLang="en-US" sz="4000" dirty="0">
                 <a:solidFill>
                   <a:srgbClr val="FFFFFF"/>
                 </a:solidFill>
               </a:rPr>
-              <a:t>访问控制</a:t>
-            </a:r>
-          </a:p>
-        </p:txBody>
-      </p:sp>
-      <p:sp>
-        <p:nvSpPr>
-          <p:cNvPr id="11" name="椭圆 10">
-            <a:extLst>
-              <a:ext uri="{FF2B5EF4-FFF2-40B4-BE49-F238E27FC236}">
-                <a16:creationId xmlns:a16="http://schemas.microsoft.com/office/drawing/2014/main" id="{AAD5ED67-5E59-4269-B305-F62ADEE10A53}"/>
+              <a:t>限制项</a:t>
+            </a:r>
+          </a:p>
+        </p:txBody>
+      </p:sp>
+      <p:sp>
+        <p:nvSpPr>
+          <p:cNvPr id="15" name="椭圆 14">
+            <a:extLst>
+              <a:ext uri="{FF2B5EF4-FFF2-40B4-BE49-F238E27FC236}">
+                <a16:creationId xmlns:a16="http://schemas.microsoft.com/office/drawing/2014/main" id="{63B6BBE7-C941-45F5-9626-2785AE04519E}"/>
               </a:ext>
             </a:extLst>
           </p:cNvPr>
@@ -13619,10 +13654,10 @@
             <a:schemeClr val="lt1"/>
           </a:lnRef>
           <a:fillRef idx="1">
-            <a:schemeClr val="accent4"/>
+            <a:schemeClr val="accent2"/>
           </a:fillRef>
           <a:effectRef idx="1">
-            <a:schemeClr val="accent4"/>
+            <a:schemeClr val="accent2"/>
           </a:effectRef>
           <a:fontRef idx="minor">
             <a:schemeClr val="lt1"/>
@@ -13635,7 +13670,7 @@
             <a:pPr algn="ctr"/>
             <a:r>
               <a:rPr lang="zh-CN" altLang="en-US" dirty="0"/>
-              <a:t>其他相关服务</a:t>
+              <a:t>怎么使用函数计算</a:t>
             </a:r>
           </a:p>
         </p:txBody>
@@ -13645,7 +13680,7 @@
           <p:cNvPr id="4" name="图片 3">
             <a:extLst>
               <a:ext uri="{FF2B5EF4-FFF2-40B4-BE49-F238E27FC236}">
-                <a16:creationId xmlns:a16="http://schemas.microsoft.com/office/drawing/2014/main" id="{6890DE34-230E-4D8E-8193-8DBB9E872C42}"/>
+                <a16:creationId xmlns:a16="http://schemas.microsoft.com/office/drawing/2014/main" id="{35D40FAA-1941-4029-B1E8-6C2F03CCF60F}"/>
               </a:ext>
             </a:extLst>
           </p:cNvPr>
@@ -13662,38 +13697,8 @@
         </p:blipFill>
         <p:spPr>
           <a:xfrm>
-            <a:off x="1142247" y="4778531"/>
-            <a:ext cx="10080955" cy="2079470"/>
-          </a:xfrm>
-          <a:prstGeom prst="rect">
-            <a:avLst/>
-          </a:prstGeom>
-        </p:spPr>
-      </p:pic>
-      <p:pic>
-        <p:nvPicPr>
-          <p:cNvPr id="5" name="图片 4">
-            <a:extLst>
-              <a:ext uri="{FF2B5EF4-FFF2-40B4-BE49-F238E27FC236}">
-                <a16:creationId xmlns:a16="http://schemas.microsoft.com/office/drawing/2014/main" id="{1F92F312-3F95-4F60-B7CB-43AE4E9573B1}"/>
-              </a:ext>
-            </a:extLst>
-          </p:cNvPr>
-          <p:cNvPicPr>
-            <a:picLocks noChangeAspect="1"/>
-          </p:cNvPicPr>
-          <p:nvPr/>
-        </p:nvPicPr>
-        <p:blipFill>
-          <a:blip r:embed="rId3"/>
-          <a:stretch>
-            <a:fillRect/>
-          </a:stretch>
-        </p:blipFill>
-        <p:spPr>
-          <a:xfrm>
-            <a:off x="1142248" y="2177170"/>
-            <a:ext cx="10070758" cy="2601360"/>
+            <a:off x="1933191" y="2177171"/>
+            <a:ext cx="8315325" cy="4680829"/>
           </a:xfrm>
           <a:prstGeom prst="rect">
             <a:avLst/>
@@ -13703,7 +13708,7 @@
     </p:spTree>
     <p:extLst>
       <p:ext uri="{BB962C8B-B14F-4D97-AF65-F5344CB8AC3E}">
-        <p14:creationId xmlns:p14="http://schemas.microsoft.com/office/powerpoint/2010/main" val="608929882"/>
+        <p14:creationId xmlns:p14="http://schemas.microsoft.com/office/powerpoint/2010/main" val="3524220974"/>
       </p:ext>
     </p:extLst>
   </p:cSld>
@@ -14294,7 +14299,7 @@
                   <a:srgbClr val="FFFFFF"/>
                 </a:solidFill>
               </a:rPr>
-              <a:t>VPC</a:t>
+              <a:t>RAM</a:t>
             </a:r>
             <a:r>
               <a:rPr lang="zh-CN" altLang="en-US" sz="4000" dirty="0">
@@ -14302,8 +14307,71 @@
                   <a:srgbClr val="FFFFFF"/>
                 </a:solidFill>
               </a:rPr>
-              <a:t>介绍</a:t>
-            </a:r>
+              <a:t>访问控制</a:t>
+            </a:r>
+          </a:p>
+        </p:txBody>
+      </p:sp>
+      <p:sp>
+        <p:nvSpPr>
+          <p:cNvPr id="3" name="内容占位符 2">
+            <a:extLst>
+              <a:ext uri="{FF2B5EF4-FFF2-40B4-BE49-F238E27FC236}">
+                <a16:creationId xmlns:a16="http://schemas.microsoft.com/office/drawing/2014/main" id="{433CF23D-0379-4893-8E7E-93958F51AEAC}"/>
+              </a:ext>
+            </a:extLst>
+          </p:cNvPr>
+          <p:cNvSpPr>
+            <a:spLocks noGrp="1"/>
+          </p:cNvSpPr>
+          <p:nvPr>
+            <p:ph idx="1"/>
+          </p:nvPr>
+        </p:nvSpPr>
+        <p:spPr>
+          <a:xfrm>
+            <a:off x="1222645" y="2378076"/>
+            <a:ext cx="9863403" cy="3392409"/>
+          </a:xfrm>
+        </p:spPr>
+        <p:txBody>
+          <a:bodyPr anchor="ctr">
+            <a:normAutofit/>
+          </a:bodyPr>
+          <a:lstStyle/>
+          <a:p>
+            <a:pPr marL="0" indent="0">
+              <a:buNone/>
+            </a:pPr>
+            <a:r>
+              <a:rPr lang="zh-CN" altLang="en-US" dirty="0"/>
+              <a:t>官网文档地址：</a:t>
+            </a:r>
+            <a:endParaRPr lang="en-US" altLang="zh-CN" dirty="0">
+              <a:hlinkClick r:id="rId2"/>
+            </a:endParaRPr>
+          </a:p>
+          <a:p>
+            <a:pPr marL="0" indent="0">
+              <a:buNone/>
+            </a:pPr>
+            <a:r>
+              <a:rPr lang="en-US" altLang="zh-CN" dirty="0">
+                <a:hlinkClick r:id="rId3"/>
+              </a:rPr>
+              <a:t>https://help.aliyun.com/document_detail/93689.html?spm=a2c4g.11186623.6.581.15d01e2aEuHaTB</a:t>
+            </a:r>
+            <a:endParaRPr lang="en-US" altLang="zh-CN" dirty="0"/>
+          </a:p>
+          <a:p>
+            <a:r>
+              <a:rPr lang="zh-CN" altLang="en-US" dirty="0"/>
+              <a:t>给函数计算服务分配访问其他服务的权限（函数计算概览页面查看云监控相关数据）</a:t>
+            </a:r>
+            <a:endParaRPr lang="en-US" altLang="zh-CN" dirty="0"/>
+          </a:p>
+          <a:p>
+            <a:endParaRPr lang="en-US" altLang="zh-CN" sz="2400" dirty="0"/>
           </a:p>
         </p:txBody>
       </p:sp>
@@ -14354,91 +14422,10 @@
           </a:p>
         </p:txBody>
       </p:sp>
-      <p:sp>
-        <p:nvSpPr>
-          <p:cNvPr id="15" name="内容占位符 2">
-            <a:extLst>
-              <a:ext uri="{FF2B5EF4-FFF2-40B4-BE49-F238E27FC236}">
-                <a16:creationId xmlns:a16="http://schemas.microsoft.com/office/drawing/2014/main" id="{E7D2ADB3-10A8-41B0-9685-3F8DA54A6AD2}"/>
-              </a:ext>
-            </a:extLst>
-          </p:cNvPr>
-          <p:cNvSpPr>
-            <a:spLocks noGrp="1"/>
-          </p:cNvSpPr>
-          <p:nvPr>
-            <p:ph idx="1"/>
-          </p:nvPr>
-        </p:nvSpPr>
-        <p:spPr>
-          <a:xfrm>
-            <a:off x="1222645" y="2378077"/>
-            <a:ext cx="9863403" cy="3844208"/>
-          </a:xfrm>
-        </p:spPr>
-        <p:txBody>
-          <a:bodyPr anchor="ctr">
-            <a:normAutofit/>
-          </a:bodyPr>
-          <a:lstStyle/>
-          <a:p>
-            <a:pPr marL="0" indent="0">
-              <a:buNone/>
-            </a:pPr>
-            <a:r>
-              <a:rPr lang="zh-CN" altLang="en-US" dirty="0"/>
-              <a:t>官网文档地址：</a:t>
-            </a:r>
-            <a:endParaRPr lang="en-US" altLang="zh-CN" dirty="0">
-              <a:hlinkClick r:id="rId2"/>
-            </a:endParaRPr>
-          </a:p>
-          <a:p>
-            <a:pPr marL="0" indent="0">
-              <a:buNone/>
-            </a:pPr>
-            <a:r>
-              <a:rPr lang="en-US" altLang="zh-CN" dirty="0">
-                <a:hlinkClick r:id="rId2"/>
-              </a:rPr>
-              <a:t>https://help.aliyun.com/document_detail/34217.html?spm=a2c4g.11186623.6.542.5853609dzoDAOe</a:t>
-            </a:r>
-            <a:endParaRPr lang="en-US" altLang="zh-CN" dirty="0"/>
-          </a:p>
-          <a:p>
-            <a:pPr marL="0" indent="0">
-              <a:buNone/>
-            </a:pPr>
-            <a:endParaRPr lang="en-US" altLang="zh-CN" dirty="0"/>
-          </a:p>
-          <a:p>
-            <a:r>
-              <a:rPr lang="zh-CN" altLang="en-US" dirty="0"/>
-              <a:t>是基于阿里云创建的自定义私有网络，不同的专有网络之间彻底逻辑隔离</a:t>
-            </a:r>
-          </a:p>
-          <a:p>
-            <a:pPr marL="0" indent="0">
-              <a:buNone/>
-            </a:pPr>
-            <a:endParaRPr lang="en-US" altLang="zh-CN" dirty="0"/>
-          </a:p>
-          <a:p>
-            <a:r>
-              <a:rPr lang="zh-CN" altLang="en-US" dirty="0"/>
-              <a:t>使函数计算服务可以访问其他服务（如：日志服务，数据库）</a:t>
-            </a:r>
-            <a:endParaRPr lang="en-US" altLang="zh-CN" dirty="0"/>
-          </a:p>
-          <a:p>
-            <a:endParaRPr lang="en-US" altLang="zh-CN" sz="2400" dirty="0"/>
-          </a:p>
-        </p:txBody>
-      </p:sp>
     </p:spTree>
     <p:extLst>
       <p:ext uri="{BB962C8B-B14F-4D97-AF65-F5344CB8AC3E}">
-        <p14:creationId xmlns:p14="http://schemas.microsoft.com/office/powerpoint/2010/main" val="3446421075"/>
+        <p14:creationId xmlns:p14="http://schemas.microsoft.com/office/powerpoint/2010/main" val="1513053404"/>
       </p:ext>
     </p:extLst>
   </p:cSld>
@@ -15029,7 +15016,7 @@
                   <a:srgbClr val="FFFFFF"/>
                 </a:solidFill>
               </a:rPr>
-              <a:t>VPC</a:t>
+              <a:t>RAM</a:t>
             </a:r>
             <a:r>
               <a:rPr lang="zh-CN" altLang="en-US" sz="4000" dirty="0">
@@ -15037,7 +15024,7 @@
                   <a:srgbClr val="FFFFFF"/>
                 </a:solidFill>
               </a:rPr>
-              <a:t>介绍</a:t>
+              <a:t>访问控制</a:t>
             </a:r>
           </a:p>
         </p:txBody>
@@ -15091,10 +15078,10 @@
       </p:sp>
       <p:pic>
         <p:nvPicPr>
-          <p:cNvPr id="6" name="图片 5">
-            <a:extLst>
-              <a:ext uri="{FF2B5EF4-FFF2-40B4-BE49-F238E27FC236}">
-                <a16:creationId xmlns:a16="http://schemas.microsoft.com/office/drawing/2014/main" id="{4BF89038-F184-40C5-A13C-AD915BDA4C5E}"/>
+          <p:cNvPr id="4" name="图片 3">
+            <a:extLst>
+              <a:ext uri="{FF2B5EF4-FFF2-40B4-BE49-F238E27FC236}">
+                <a16:creationId xmlns:a16="http://schemas.microsoft.com/office/drawing/2014/main" id="{6890DE34-230E-4D8E-8193-8DBB9E872C42}"/>
               </a:ext>
             </a:extLst>
           </p:cNvPr>
@@ -15111,8 +15098,38 @@
         </p:blipFill>
         <p:spPr>
           <a:xfrm>
-            <a:off x="1119322" y="2177170"/>
-            <a:ext cx="10103778" cy="4680830"/>
+            <a:off x="1142247" y="4778531"/>
+            <a:ext cx="10080955" cy="2079470"/>
+          </a:xfrm>
+          <a:prstGeom prst="rect">
+            <a:avLst/>
+          </a:prstGeom>
+        </p:spPr>
+      </p:pic>
+      <p:pic>
+        <p:nvPicPr>
+          <p:cNvPr id="5" name="图片 4">
+            <a:extLst>
+              <a:ext uri="{FF2B5EF4-FFF2-40B4-BE49-F238E27FC236}">
+                <a16:creationId xmlns:a16="http://schemas.microsoft.com/office/drawing/2014/main" id="{1F92F312-3F95-4F60-B7CB-43AE4E9573B1}"/>
+              </a:ext>
+            </a:extLst>
+          </p:cNvPr>
+          <p:cNvPicPr>
+            <a:picLocks noChangeAspect="1"/>
+          </p:cNvPicPr>
+          <p:nvPr/>
+        </p:nvPicPr>
+        <p:blipFill>
+          <a:blip r:embed="rId3"/>
+          <a:stretch>
+            <a:fillRect/>
+          </a:stretch>
+        </p:blipFill>
+        <p:spPr>
+          <a:xfrm>
+            <a:off x="1142248" y="2177170"/>
+            <a:ext cx="10070758" cy="2601360"/>
           </a:xfrm>
           <a:prstGeom prst="rect">
             <a:avLst/>
@@ -15122,7 +15139,7 @@
     </p:spTree>
     <p:extLst>
       <p:ext uri="{BB962C8B-B14F-4D97-AF65-F5344CB8AC3E}">
-        <p14:creationId xmlns:p14="http://schemas.microsoft.com/office/powerpoint/2010/main" val="4110183460"/>
+        <p14:creationId xmlns:p14="http://schemas.microsoft.com/office/powerpoint/2010/main" val="608929882"/>
       </p:ext>
     </p:extLst>
   </p:cSld>
@@ -15773,40 +15790,91 @@
           </a:p>
         </p:txBody>
       </p:sp>
-      <p:pic>
-        <p:nvPicPr>
-          <p:cNvPr id="9" name="图片 8">
-            <a:extLst>
-              <a:ext uri="{FF2B5EF4-FFF2-40B4-BE49-F238E27FC236}">
-                <a16:creationId xmlns:a16="http://schemas.microsoft.com/office/drawing/2014/main" id="{9A8907D9-12AA-431B-84DE-9016BD36F24A}"/>
-              </a:ext>
-            </a:extLst>
-          </p:cNvPr>
-          <p:cNvPicPr>
-            <a:picLocks noChangeAspect="1"/>
-          </p:cNvPicPr>
-          <p:nvPr/>
-        </p:nvPicPr>
-        <p:blipFill>
-          <a:blip r:embed="rId2"/>
-          <a:stretch>
-            <a:fillRect/>
-          </a:stretch>
-        </p:blipFill>
+      <p:sp>
+        <p:nvSpPr>
+          <p:cNvPr id="15" name="内容占位符 2">
+            <a:extLst>
+              <a:ext uri="{FF2B5EF4-FFF2-40B4-BE49-F238E27FC236}">
+                <a16:creationId xmlns:a16="http://schemas.microsoft.com/office/drawing/2014/main" id="{E7D2ADB3-10A8-41B0-9685-3F8DA54A6AD2}"/>
+              </a:ext>
+            </a:extLst>
+          </p:cNvPr>
+          <p:cNvSpPr>
+            <a:spLocks noGrp="1"/>
+          </p:cNvSpPr>
+          <p:nvPr>
+            <p:ph idx="1"/>
+          </p:nvPr>
+        </p:nvSpPr>
         <p:spPr>
           <a:xfrm>
-            <a:off x="1119322" y="2177170"/>
-            <a:ext cx="10093684" cy="4547688"/>
-          </a:xfrm>
-          <a:prstGeom prst="rect">
-            <a:avLst/>
-          </a:prstGeom>
-        </p:spPr>
-      </p:pic>
+            <a:off x="1222645" y="2378077"/>
+            <a:ext cx="9863403" cy="3844208"/>
+          </a:xfrm>
+        </p:spPr>
+        <p:txBody>
+          <a:bodyPr anchor="ctr">
+            <a:normAutofit/>
+          </a:bodyPr>
+          <a:lstStyle/>
+          <a:p>
+            <a:pPr marL="0" indent="0">
+              <a:buNone/>
+            </a:pPr>
+            <a:r>
+              <a:rPr lang="zh-CN" altLang="en-US" dirty="0"/>
+              <a:t>官网文档地址：</a:t>
+            </a:r>
+            <a:endParaRPr lang="en-US" altLang="zh-CN" dirty="0">
+              <a:hlinkClick r:id="rId2"/>
+            </a:endParaRPr>
+          </a:p>
+          <a:p>
+            <a:pPr marL="0" indent="0">
+              <a:buNone/>
+            </a:pPr>
+            <a:r>
+              <a:rPr lang="en-US" altLang="zh-CN" dirty="0">
+                <a:hlinkClick r:id="rId2"/>
+              </a:rPr>
+              <a:t>https://help.aliyun.com/document_detail/34217.html?spm=a2c4g.11186623.6.542.5853609dzoDAOe</a:t>
+            </a:r>
+            <a:endParaRPr lang="en-US" altLang="zh-CN" dirty="0"/>
+          </a:p>
+          <a:p>
+            <a:pPr marL="0" indent="0">
+              <a:buNone/>
+            </a:pPr>
+            <a:endParaRPr lang="en-US" altLang="zh-CN" dirty="0"/>
+          </a:p>
+          <a:p>
+            <a:r>
+              <a:rPr lang="zh-CN" altLang="en-US" dirty="0"/>
+              <a:t>是基于阿里云创建的自定义私有网络，不同的专有网络之间彻底逻辑隔离</a:t>
+            </a:r>
+          </a:p>
+          <a:p>
+            <a:pPr marL="0" indent="0">
+              <a:buNone/>
+            </a:pPr>
+            <a:endParaRPr lang="en-US" altLang="zh-CN" dirty="0"/>
+          </a:p>
+          <a:p>
+            <a:r>
+              <a:rPr lang="zh-CN" altLang="en-US" dirty="0"/>
+              <a:t>使函数计算服务可以访问其他服务（如：日志服务，数据库）</a:t>
+            </a:r>
+            <a:endParaRPr lang="en-US" altLang="zh-CN" dirty="0"/>
+          </a:p>
+          <a:p>
+            <a:endParaRPr lang="en-US" altLang="zh-CN" sz="2400" dirty="0"/>
+          </a:p>
+        </p:txBody>
+      </p:sp>
     </p:spTree>
     <p:extLst>
       <p:ext uri="{BB962C8B-B14F-4D97-AF65-F5344CB8AC3E}">
-        <p14:creationId xmlns:p14="http://schemas.microsoft.com/office/powerpoint/2010/main" val="2885321843"/>
+        <p14:creationId xmlns:p14="http://schemas.microsoft.com/office/powerpoint/2010/main" val="3446421075"/>
       </p:ext>
     </p:extLst>
   </p:cSld>
@@ -16459,10 +16527,10 @@
       </p:sp>
       <p:pic>
         <p:nvPicPr>
-          <p:cNvPr id="3" name="图片 2">
-            <a:extLst>
-              <a:ext uri="{FF2B5EF4-FFF2-40B4-BE49-F238E27FC236}">
-                <a16:creationId xmlns:a16="http://schemas.microsoft.com/office/drawing/2014/main" id="{62E94BC1-7AB9-4774-9054-10041D73CE3B}"/>
+          <p:cNvPr id="6" name="图片 5">
+            <a:extLst>
+              <a:ext uri="{FF2B5EF4-FFF2-40B4-BE49-F238E27FC236}">
+                <a16:creationId xmlns:a16="http://schemas.microsoft.com/office/drawing/2014/main" id="{4BF89038-F184-40C5-A13C-AD915BDA4C5E}"/>
               </a:ext>
             </a:extLst>
           </p:cNvPr>
@@ -16479,8 +16547,8 @@
         </p:blipFill>
         <p:spPr>
           <a:xfrm>
-            <a:off x="1116363" y="2177170"/>
-            <a:ext cx="10106737" cy="4567527"/>
+            <a:off x="1119322" y="2177170"/>
+            <a:ext cx="10103778" cy="4680830"/>
           </a:xfrm>
           <a:prstGeom prst="rect">
             <a:avLst/>
@@ -16490,7 +16558,7 @@
     </p:spTree>
     <p:extLst>
       <p:ext uri="{BB962C8B-B14F-4D97-AF65-F5344CB8AC3E}">
-        <p14:creationId xmlns:p14="http://schemas.microsoft.com/office/powerpoint/2010/main" val="1929728237"/>
+        <p14:creationId xmlns:p14="http://schemas.microsoft.com/office/powerpoint/2010/main" val="4110183460"/>
       </p:ext>
     </p:extLst>
   </p:cSld>
@@ -17143,10 +17211,10 @@
       </p:sp>
       <p:pic>
         <p:nvPicPr>
-          <p:cNvPr id="7" name="图片 6">
-            <a:extLst>
-              <a:ext uri="{FF2B5EF4-FFF2-40B4-BE49-F238E27FC236}">
-                <a16:creationId xmlns:a16="http://schemas.microsoft.com/office/drawing/2014/main" id="{041EDA7D-8F87-43AB-A2CC-7AB36E6DFE7C}"/>
+          <p:cNvPr id="9" name="图片 8">
+            <a:extLst>
+              <a:ext uri="{FF2B5EF4-FFF2-40B4-BE49-F238E27FC236}">
+                <a16:creationId xmlns:a16="http://schemas.microsoft.com/office/drawing/2014/main" id="{9A8907D9-12AA-431B-84DE-9016BD36F24A}"/>
               </a:ext>
             </a:extLst>
           </p:cNvPr>
@@ -17163,81 +17231,18 @@
         </p:blipFill>
         <p:spPr>
           <a:xfrm>
-            <a:off x="1119322" y="3159878"/>
-            <a:ext cx="10093684" cy="3551639"/>
+            <a:off x="1119322" y="2177170"/>
+            <a:ext cx="10093684" cy="4547688"/>
           </a:xfrm>
           <a:prstGeom prst="rect">
             <a:avLst/>
           </a:prstGeom>
         </p:spPr>
       </p:pic>
-      <p:sp>
-        <p:nvSpPr>
-          <p:cNvPr id="3" name="文本框 2">
-            <a:extLst>
-              <a:ext uri="{FF2B5EF4-FFF2-40B4-BE49-F238E27FC236}">
-                <a16:creationId xmlns:a16="http://schemas.microsoft.com/office/drawing/2014/main" id="{9286D222-B6E3-4B04-8C70-1C2B13315157}"/>
-              </a:ext>
-            </a:extLst>
-          </p:cNvPr>
-          <p:cNvSpPr txBox="1"/>
-          <p:nvPr/>
-        </p:nvSpPr>
-        <p:spPr>
-          <a:xfrm>
-            <a:off x="1382199" y="2365690"/>
-            <a:ext cx="9534617" cy="923330"/>
-          </a:xfrm>
-          <a:prstGeom prst="rect">
-            <a:avLst/>
-          </a:prstGeom>
-          <a:noFill/>
-        </p:spPr>
-        <p:txBody>
-          <a:bodyPr wrap="square" rtlCol="0">
-            <a:spAutoFit/>
-          </a:bodyPr>
-          <a:lstStyle/>
-          <a:p>
-            <a:r>
-              <a:rPr lang="zh-CN" altLang="en-US" dirty="0"/>
-              <a:t>默认情况下，函数计算无法访问 </a:t>
-            </a:r>
-            <a:r>
-              <a:rPr lang="en-US" altLang="zh-CN" dirty="0"/>
-              <a:t>VPC </a:t>
-            </a:r>
-            <a:r>
-              <a:rPr lang="zh-CN" altLang="en-US" dirty="0"/>
-              <a:t>中的资源，要让函数计算能够访问私有 </a:t>
-            </a:r>
-            <a:r>
-              <a:rPr lang="en-US" altLang="zh-CN" dirty="0"/>
-              <a:t>VPC </a:t>
-            </a:r>
-            <a:r>
-              <a:rPr lang="zh-CN" altLang="en-US" dirty="0"/>
-              <a:t>中的资源，需要您手动为服务配置 </a:t>
-            </a:r>
-            <a:r>
-              <a:rPr lang="en-US" altLang="zh-CN" dirty="0"/>
-              <a:t>VPC </a:t>
-            </a:r>
-            <a:r>
-              <a:rPr lang="zh-CN" altLang="en-US" dirty="0"/>
-              <a:t>功能。</a:t>
-            </a:r>
-            <a:endParaRPr lang="en-US" altLang="zh-CN" dirty="0"/>
-          </a:p>
-          <a:p>
-            <a:endParaRPr lang="zh-CN" altLang="en-US" dirty="0"/>
-          </a:p>
-        </p:txBody>
-      </p:sp>
     </p:spTree>
     <p:extLst>
       <p:ext uri="{BB962C8B-B14F-4D97-AF65-F5344CB8AC3E}">
-        <p14:creationId xmlns:p14="http://schemas.microsoft.com/office/powerpoint/2010/main" val="3628337828"/>
+        <p14:creationId xmlns:p14="http://schemas.microsoft.com/office/powerpoint/2010/main" val="2885321843"/>
       </p:ext>
     </p:extLst>
   </p:cSld>
@@ -17843,64 +17848,6 @@
       </p:sp>
       <p:sp>
         <p:nvSpPr>
-          <p:cNvPr id="3" name="内容占位符 2">
-            <a:extLst>
-              <a:ext uri="{FF2B5EF4-FFF2-40B4-BE49-F238E27FC236}">
-                <a16:creationId xmlns:a16="http://schemas.microsoft.com/office/drawing/2014/main" id="{433CF23D-0379-4893-8E7E-93958F51AEAC}"/>
-              </a:ext>
-            </a:extLst>
-          </p:cNvPr>
-          <p:cNvSpPr>
-            <a:spLocks noGrp="1"/>
-          </p:cNvSpPr>
-          <p:nvPr>
-            <p:ph idx="1"/>
-          </p:nvPr>
-        </p:nvSpPr>
-        <p:spPr>
-          <a:xfrm>
-            <a:off x="1222645" y="2378076"/>
-            <a:ext cx="9863403" cy="2007493"/>
-          </a:xfrm>
-        </p:spPr>
-        <p:txBody>
-          <a:bodyPr anchor="ctr">
-            <a:normAutofit/>
-          </a:bodyPr>
-          <a:lstStyle/>
-          <a:p>
-            <a:pPr marL="0" indent="0">
-              <a:buNone/>
-            </a:pPr>
-            <a:endParaRPr lang="en-US" altLang="zh-CN" dirty="0"/>
-          </a:p>
-          <a:p>
-            <a:r>
-              <a:rPr lang="zh-CN" altLang="en-US" dirty="0"/>
-              <a:t>如果需要专有网络连接其他专有网络或本地</a:t>
-            </a:r>
-            <a:r>
-              <a:rPr lang="en-US" altLang="zh-CN" dirty="0"/>
-              <a:t>IDC</a:t>
-            </a:r>
-            <a:r>
-              <a:rPr lang="zh-CN" altLang="en-US" dirty="0"/>
-              <a:t>，可以配置智能接入网关、高速通道或</a:t>
-            </a:r>
-            <a:r>
-              <a:rPr lang="en-US" altLang="zh-CN" dirty="0"/>
-              <a:t>VPN</a:t>
-            </a:r>
-            <a:r>
-              <a:rPr lang="zh-CN" altLang="en-US" dirty="0"/>
-              <a:t>网关等方式实现互通</a:t>
-            </a:r>
-            <a:endParaRPr lang="en-US" altLang="zh-CN" dirty="0"/>
-          </a:p>
-        </p:txBody>
-      </p:sp>
-      <p:sp>
-        <p:nvSpPr>
           <p:cNvPr id="11" name="椭圆 10">
             <a:extLst>
               <a:ext uri="{FF2B5EF4-FFF2-40B4-BE49-F238E27FC236}">
@@ -17946,10 +17893,40 @@
           </a:p>
         </p:txBody>
       </p:sp>
+      <p:pic>
+        <p:nvPicPr>
+          <p:cNvPr id="3" name="图片 2">
+            <a:extLst>
+              <a:ext uri="{FF2B5EF4-FFF2-40B4-BE49-F238E27FC236}">
+                <a16:creationId xmlns:a16="http://schemas.microsoft.com/office/drawing/2014/main" id="{62E94BC1-7AB9-4774-9054-10041D73CE3B}"/>
+              </a:ext>
+            </a:extLst>
+          </p:cNvPr>
+          <p:cNvPicPr>
+            <a:picLocks noChangeAspect="1"/>
+          </p:cNvPicPr>
+          <p:nvPr/>
+        </p:nvPicPr>
+        <p:blipFill>
+          <a:blip r:embed="rId2"/>
+          <a:stretch>
+            <a:fillRect/>
+          </a:stretch>
+        </p:blipFill>
+        <p:spPr>
+          <a:xfrm>
+            <a:off x="1116363" y="2177170"/>
+            <a:ext cx="10106737" cy="4567527"/>
+          </a:xfrm>
+          <a:prstGeom prst="rect">
+            <a:avLst/>
+          </a:prstGeom>
+        </p:spPr>
+      </p:pic>
     </p:spTree>
     <p:extLst>
       <p:ext uri="{BB962C8B-B14F-4D97-AF65-F5344CB8AC3E}">
-        <p14:creationId xmlns:p14="http://schemas.microsoft.com/office/powerpoint/2010/main" val="883189987"/>
+        <p14:creationId xmlns:p14="http://schemas.microsoft.com/office/powerpoint/2010/main" val="1929728237"/>
       </p:ext>
     </p:extLst>
   </p:cSld>
@@ -18535,20 +18512,12 @@
           <a:lstStyle/>
           <a:p>
             <a:r>
-              <a:rPr lang="zh-CN" altLang="en-US" sz="4000" dirty="0">
-                <a:solidFill>
-                  <a:srgbClr val="FFFFFF"/>
-                </a:solidFill>
-              </a:rPr>
-              <a:t>云</a:t>
-            </a:r>
-            <a:r>
               <a:rPr lang="en-US" altLang="zh-CN" sz="4000" dirty="0">
                 <a:solidFill>
                   <a:srgbClr val="FFFFFF"/>
                 </a:solidFill>
               </a:rPr>
-              <a:t>RDS MYSQL</a:t>
+              <a:t>VPC</a:t>
             </a:r>
             <a:r>
               <a:rPr lang="zh-CN" altLang="en-US" sz="4000" dirty="0">
@@ -18558,61 +18527,6 @@
               </a:rPr>
               <a:t>介绍</a:t>
             </a:r>
-          </a:p>
-        </p:txBody>
-      </p:sp>
-      <p:sp>
-        <p:nvSpPr>
-          <p:cNvPr id="3" name="内容占位符 2">
-            <a:extLst>
-              <a:ext uri="{FF2B5EF4-FFF2-40B4-BE49-F238E27FC236}">
-                <a16:creationId xmlns:a16="http://schemas.microsoft.com/office/drawing/2014/main" id="{433CF23D-0379-4893-8E7E-93958F51AEAC}"/>
-              </a:ext>
-            </a:extLst>
-          </p:cNvPr>
-          <p:cNvSpPr>
-            <a:spLocks noGrp="1"/>
-          </p:cNvSpPr>
-          <p:nvPr>
-            <p:ph idx="1"/>
-          </p:nvPr>
-        </p:nvSpPr>
-        <p:spPr>
-          <a:xfrm>
-            <a:off x="1189296" y="2341848"/>
-            <a:ext cx="9803116" cy="3111623"/>
-          </a:xfrm>
-        </p:spPr>
-        <p:txBody>
-          <a:bodyPr anchor="ctr">
-            <a:normAutofit/>
-          </a:bodyPr>
-          <a:lstStyle/>
-          <a:p>
-            <a:r>
-              <a:rPr lang="zh-CN" altLang="en-US" sz="2400" b="1" dirty="0"/>
-              <a:t>官网文档地址</a:t>
-            </a:r>
-            <a:endParaRPr lang="en-US" altLang="zh-CN" sz="2400" b="1" dirty="0"/>
-          </a:p>
-          <a:p>
-            <a:pPr marL="0" indent="0">
-              <a:buNone/>
-            </a:pPr>
-            <a:r>
-              <a:rPr lang="en-US" altLang="zh-CN" sz="2400" dirty="0">
-                <a:hlinkClick r:id="rId2"/>
-              </a:rPr>
-              <a:t>https://help.aliyun.com/document_detail/96047.html?spm=a2c4g.11186623.6.616.6e8a75ecVwCDBq</a:t>
-            </a:r>
-            <a:endParaRPr lang="en-US" altLang="zh-CN" sz="2400" dirty="0"/>
-          </a:p>
-          <a:p>
-            <a:r>
-              <a:rPr lang="zh-CN" altLang="en-US" sz="2400" b="1" dirty="0"/>
-              <a:t>需收费</a:t>
-            </a:r>
-            <a:endParaRPr lang="en-US" altLang="zh-CN" sz="2400" b="1" dirty="0"/>
           </a:p>
         </p:txBody>
       </p:sp>
@@ -18663,10 +18577,103 @@
           </a:p>
         </p:txBody>
       </p:sp>
+      <p:pic>
+        <p:nvPicPr>
+          <p:cNvPr id="7" name="图片 6">
+            <a:extLst>
+              <a:ext uri="{FF2B5EF4-FFF2-40B4-BE49-F238E27FC236}">
+                <a16:creationId xmlns:a16="http://schemas.microsoft.com/office/drawing/2014/main" id="{041EDA7D-8F87-43AB-A2CC-7AB36E6DFE7C}"/>
+              </a:ext>
+            </a:extLst>
+          </p:cNvPr>
+          <p:cNvPicPr>
+            <a:picLocks noChangeAspect="1"/>
+          </p:cNvPicPr>
+          <p:nvPr/>
+        </p:nvPicPr>
+        <p:blipFill>
+          <a:blip r:embed="rId2"/>
+          <a:stretch>
+            <a:fillRect/>
+          </a:stretch>
+        </p:blipFill>
+        <p:spPr>
+          <a:xfrm>
+            <a:off x="1119322" y="3159878"/>
+            <a:ext cx="10093684" cy="3551639"/>
+          </a:xfrm>
+          <a:prstGeom prst="rect">
+            <a:avLst/>
+          </a:prstGeom>
+        </p:spPr>
+      </p:pic>
+      <p:sp>
+        <p:nvSpPr>
+          <p:cNvPr id="3" name="文本框 2">
+            <a:extLst>
+              <a:ext uri="{FF2B5EF4-FFF2-40B4-BE49-F238E27FC236}">
+                <a16:creationId xmlns:a16="http://schemas.microsoft.com/office/drawing/2014/main" id="{9286D222-B6E3-4B04-8C70-1C2B13315157}"/>
+              </a:ext>
+            </a:extLst>
+          </p:cNvPr>
+          <p:cNvSpPr txBox="1"/>
+          <p:nvPr/>
+        </p:nvSpPr>
+        <p:spPr>
+          <a:xfrm>
+            <a:off x="1382199" y="2365690"/>
+            <a:ext cx="9534617" cy="923330"/>
+          </a:xfrm>
+          <a:prstGeom prst="rect">
+            <a:avLst/>
+          </a:prstGeom>
+          <a:noFill/>
+        </p:spPr>
+        <p:txBody>
+          <a:bodyPr wrap="square" rtlCol="0">
+            <a:spAutoFit/>
+          </a:bodyPr>
+          <a:lstStyle/>
+          <a:p>
+            <a:r>
+              <a:rPr lang="zh-CN" altLang="en-US" dirty="0"/>
+              <a:t>默认情况下，函数计算无法访问 </a:t>
+            </a:r>
+            <a:r>
+              <a:rPr lang="en-US" altLang="zh-CN" dirty="0"/>
+              <a:t>VPC </a:t>
+            </a:r>
+            <a:r>
+              <a:rPr lang="zh-CN" altLang="en-US" dirty="0"/>
+              <a:t>中的资源，要让函数计算能够访问私有 </a:t>
+            </a:r>
+            <a:r>
+              <a:rPr lang="en-US" altLang="zh-CN" dirty="0"/>
+              <a:t>VPC </a:t>
+            </a:r>
+            <a:r>
+              <a:rPr lang="zh-CN" altLang="en-US" dirty="0"/>
+              <a:t>中的资源，需要您手动为服务配置 </a:t>
+            </a:r>
+            <a:r>
+              <a:rPr lang="en-US" altLang="zh-CN" dirty="0"/>
+              <a:t>VPC </a:t>
+            </a:r>
+            <a:r>
+              <a:rPr lang="zh-CN" altLang="en-US" dirty="0"/>
+              <a:t>功能。</a:t>
+            </a:r>
+            <a:endParaRPr lang="en-US" altLang="zh-CN" dirty="0"/>
+          </a:p>
+          <a:p>
+            <a:endParaRPr lang="zh-CN" altLang="en-US" dirty="0"/>
+          </a:p>
+        </p:txBody>
+      </p:sp>
     </p:spTree>
     <p:extLst>
       <p:ext uri="{BB962C8B-B14F-4D97-AF65-F5344CB8AC3E}">
-        <p14:creationId xmlns:p14="http://schemas.microsoft.com/office/powerpoint/2010/main" val="2800797396"/>
+        <p14:creationId xmlns:p14="http://schemas.microsoft.com/office/powerpoint/2010/main" val="3628337828"/>
       </p:ext>
     </p:extLst>
   </p:cSld>
@@ -19967,20 +19974,12 @@
           <a:lstStyle/>
           <a:p>
             <a:r>
-              <a:rPr lang="zh-CN" altLang="en-US" sz="4000" dirty="0">
-                <a:solidFill>
-                  <a:srgbClr val="FFFFFF"/>
-                </a:solidFill>
-              </a:rPr>
-              <a:t>云</a:t>
-            </a:r>
-            <a:r>
               <a:rPr lang="en-US" altLang="zh-CN" sz="4000" dirty="0">
                 <a:solidFill>
                   <a:srgbClr val="FFFFFF"/>
                 </a:solidFill>
               </a:rPr>
-              <a:t>RDS MYSQL</a:t>
+              <a:t>VPC</a:t>
             </a:r>
             <a:r>
               <a:rPr lang="zh-CN" altLang="en-US" sz="4000" dirty="0">
@@ -19990,6 +19989,64 @@
               </a:rPr>
               <a:t>介绍</a:t>
             </a:r>
+          </a:p>
+        </p:txBody>
+      </p:sp>
+      <p:sp>
+        <p:nvSpPr>
+          <p:cNvPr id="3" name="内容占位符 2">
+            <a:extLst>
+              <a:ext uri="{FF2B5EF4-FFF2-40B4-BE49-F238E27FC236}">
+                <a16:creationId xmlns:a16="http://schemas.microsoft.com/office/drawing/2014/main" id="{433CF23D-0379-4893-8E7E-93958F51AEAC}"/>
+              </a:ext>
+            </a:extLst>
+          </p:cNvPr>
+          <p:cNvSpPr>
+            <a:spLocks noGrp="1"/>
+          </p:cNvSpPr>
+          <p:nvPr>
+            <p:ph idx="1"/>
+          </p:nvPr>
+        </p:nvSpPr>
+        <p:spPr>
+          <a:xfrm>
+            <a:off x="1222645" y="2378076"/>
+            <a:ext cx="9863403" cy="2007493"/>
+          </a:xfrm>
+        </p:spPr>
+        <p:txBody>
+          <a:bodyPr anchor="ctr">
+            <a:normAutofit/>
+          </a:bodyPr>
+          <a:lstStyle/>
+          <a:p>
+            <a:pPr marL="0" indent="0">
+              <a:buNone/>
+            </a:pPr>
+            <a:endParaRPr lang="en-US" altLang="zh-CN" dirty="0"/>
+          </a:p>
+          <a:p>
+            <a:r>
+              <a:rPr lang="zh-CN" altLang="en-US" dirty="0"/>
+              <a:t>如果需要专有网络连接其他专有网络或本地</a:t>
+            </a:r>
+            <a:r>
+              <a:rPr lang="en-US" altLang="zh-CN" dirty="0"/>
+              <a:t>IDC</a:t>
+            </a:r>
+            <a:r>
+              <a:rPr lang="zh-CN" altLang="en-US" dirty="0"/>
+              <a:t>，可以配置智能接入网关、高速通道或</a:t>
+            </a:r>
+            <a:r>
+              <a:rPr lang="en-US" altLang="zh-CN" dirty="0"/>
+              <a:t>VPN</a:t>
+            </a:r>
+            <a:r>
+              <a:rPr lang="zh-CN" altLang="en-US" dirty="0"/>
+              <a:t>网关等方式实现互通</a:t>
+            </a:r>
+            <a:endParaRPr lang="en-US" altLang="zh-CN" dirty="0"/>
           </a:p>
         </p:txBody>
       </p:sp>
@@ -20040,40 +20097,10 @@
           </a:p>
         </p:txBody>
       </p:sp>
-      <p:pic>
-        <p:nvPicPr>
-          <p:cNvPr id="6" name="图片 5">
-            <a:extLst>
-              <a:ext uri="{FF2B5EF4-FFF2-40B4-BE49-F238E27FC236}">
-                <a16:creationId xmlns:a16="http://schemas.microsoft.com/office/drawing/2014/main" id="{16BB1330-06C3-4AC7-9212-353CAF7F5C5B}"/>
-              </a:ext>
-            </a:extLst>
-          </p:cNvPr>
-          <p:cNvPicPr>
-            <a:picLocks noChangeAspect="1"/>
-          </p:cNvPicPr>
-          <p:nvPr/>
-        </p:nvPicPr>
-        <p:blipFill>
-          <a:blip r:embed="rId2"/>
-          <a:stretch>
-            <a:fillRect/>
-          </a:stretch>
-        </p:blipFill>
-        <p:spPr>
-          <a:xfrm>
-            <a:off x="1119322" y="2197100"/>
-            <a:ext cx="10093684" cy="4517761"/>
-          </a:xfrm>
-          <a:prstGeom prst="rect">
-            <a:avLst/>
-          </a:prstGeom>
-        </p:spPr>
-      </p:pic>
     </p:spTree>
     <p:extLst>
       <p:ext uri="{BB962C8B-B14F-4D97-AF65-F5344CB8AC3E}">
-        <p14:creationId xmlns:p14="http://schemas.microsoft.com/office/powerpoint/2010/main" val="2564997785"/>
+        <p14:creationId xmlns:p14="http://schemas.microsoft.com/office/powerpoint/2010/main" val="883189987"/>
       </p:ext>
     </p:extLst>
   </p:cSld>
@@ -20685,38 +20712,61 @@
           </a:p>
         </p:txBody>
       </p:sp>
-      <p:pic>
-        <p:nvPicPr>
-          <p:cNvPr id="4" name="内容占位符 3">
-            <a:extLst>
-              <a:ext uri="{FF2B5EF4-FFF2-40B4-BE49-F238E27FC236}">
-                <a16:creationId xmlns:a16="http://schemas.microsoft.com/office/drawing/2014/main" id="{12D6C6E7-A094-45D7-B487-3B048AAF892D}"/>
-              </a:ext>
-            </a:extLst>
-          </p:cNvPr>
-          <p:cNvPicPr>
-            <a:picLocks noGrp="1" noChangeAspect="1"/>
-          </p:cNvPicPr>
+      <p:sp>
+        <p:nvSpPr>
+          <p:cNvPr id="3" name="内容占位符 2">
+            <a:extLst>
+              <a:ext uri="{FF2B5EF4-FFF2-40B4-BE49-F238E27FC236}">
+                <a16:creationId xmlns:a16="http://schemas.microsoft.com/office/drawing/2014/main" id="{433CF23D-0379-4893-8E7E-93958F51AEAC}"/>
+              </a:ext>
+            </a:extLst>
+          </p:cNvPr>
+          <p:cNvSpPr>
+            <a:spLocks noGrp="1"/>
+          </p:cNvSpPr>
           <p:nvPr>
             <p:ph idx="1"/>
           </p:nvPr>
-        </p:nvPicPr>
-        <p:blipFill>
-          <a:blip r:embed="rId2"/>
-          <a:stretch>
-            <a:fillRect/>
-          </a:stretch>
-        </p:blipFill>
+        </p:nvSpPr>
         <p:spPr>
           <a:xfrm>
-            <a:off x="2112421" y="2323663"/>
-            <a:ext cx="7956866" cy="4320947"/>
-          </a:xfrm>
-          <a:prstGeom prst="rect">
-            <a:avLst/>
-          </a:prstGeom>
-        </p:spPr>
-      </p:pic>
+            <a:off x="1189296" y="2341848"/>
+            <a:ext cx="9803116" cy="3111623"/>
+          </a:xfrm>
+        </p:spPr>
+        <p:txBody>
+          <a:bodyPr anchor="ctr">
+            <a:normAutofit/>
+          </a:bodyPr>
+          <a:lstStyle/>
+          <a:p>
+            <a:r>
+              <a:rPr lang="zh-CN" altLang="en-US" sz="2400" b="1" dirty="0"/>
+              <a:t>官网文档地址</a:t>
+            </a:r>
+            <a:endParaRPr lang="en-US" altLang="zh-CN" sz="2400" b="1" dirty="0"/>
+          </a:p>
+          <a:p>
+            <a:pPr marL="0" indent="0">
+              <a:buNone/>
+            </a:pPr>
+            <a:r>
+              <a:rPr lang="en-US" altLang="zh-CN" sz="2400" dirty="0">
+                <a:hlinkClick r:id="rId2"/>
+              </a:rPr>
+              <a:t>https://help.aliyun.com/document_detail/96047.html?spm=a2c4g.11186623.6.616.6e8a75ecVwCDBq</a:t>
+            </a:r>
+            <a:endParaRPr lang="en-US" altLang="zh-CN" sz="2400" dirty="0"/>
+          </a:p>
+          <a:p>
+            <a:r>
+              <a:rPr lang="zh-CN" altLang="en-US" sz="2400" b="1" dirty="0"/>
+              <a:t>需收费</a:t>
+            </a:r>
+            <a:endParaRPr lang="en-US" altLang="zh-CN" sz="2400" b="1" dirty="0"/>
+          </a:p>
+        </p:txBody>
+      </p:sp>
       <p:sp>
         <p:nvSpPr>
           <p:cNvPr id="11" name="椭圆 10">
@@ -20767,7 +20817,7 @@
     </p:spTree>
     <p:extLst>
       <p:ext uri="{BB962C8B-B14F-4D97-AF65-F5344CB8AC3E}">
-        <p14:creationId xmlns:p14="http://schemas.microsoft.com/office/powerpoint/2010/main" val="38244114"/>
+        <p14:creationId xmlns:p14="http://schemas.microsoft.com/office/powerpoint/2010/main" val="2800797396"/>
       </p:ext>
     </p:extLst>
   </p:cSld>
@@ -21428,10 +21478,10 @@
       </p:sp>
       <p:pic>
         <p:nvPicPr>
-          <p:cNvPr id="3" name="图片 2">
-            <a:extLst>
-              <a:ext uri="{FF2B5EF4-FFF2-40B4-BE49-F238E27FC236}">
-                <a16:creationId xmlns:a16="http://schemas.microsoft.com/office/drawing/2014/main" id="{713B0A51-B009-4DA3-AFA4-DB7285C8327B}"/>
+          <p:cNvPr id="6" name="图片 5">
+            <a:extLst>
+              <a:ext uri="{FF2B5EF4-FFF2-40B4-BE49-F238E27FC236}">
+                <a16:creationId xmlns:a16="http://schemas.microsoft.com/office/drawing/2014/main" id="{16BB1330-06C3-4AC7-9212-353CAF7F5C5B}"/>
               </a:ext>
             </a:extLst>
           </p:cNvPr>
@@ -21448,8 +21498,8 @@
         </p:blipFill>
         <p:spPr>
           <a:xfrm>
-            <a:off x="1122470" y="2177169"/>
-            <a:ext cx="10090536" cy="4365673"/>
+            <a:off x="1119322" y="2197100"/>
+            <a:ext cx="10093684" cy="4517761"/>
           </a:xfrm>
           <a:prstGeom prst="rect">
             <a:avLst/>
@@ -21459,7 +21509,7 @@
     </p:spTree>
     <p:extLst>
       <p:ext uri="{BB962C8B-B14F-4D97-AF65-F5344CB8AC3E}">
-        <p14:creationId xmlns:p14="http://schemas.microsoft.com/office/powerpoint/2010/main" val="3446614721"/>
+        <p14:creationId xmlns:p14="http://schemas.microsoft.com/office/powerpoint/2010/main" val="2564997785"/>
       </p:ext>
     </p:extLst>
   </p:cSld>
@@ -22071,6 +22121,38 @@
           </a:p>
         </p:txBody>
       </p:sp>
+      <p:pic>
+        <p:nvPicPr>
+          <p:cNvPr id="4" name="内容占位符 3">
+            <a:extLst>
+              <a:ext uri="{FF2B5EF4-FFF2-40B4-BE49-F238E27FC236}">
+                <a16:creationId xmlns:a16="http://schemas.microsoft.com/office/drawing/2014/main" id="{12D6C6E7-A094-45D7-B487-3B048AAF892D}"/>
+              </a:ext>
+            </a:extLst>
+          </p:cNvPr>
+          <p:cNvPicPr>
+            <a:picLocks noGrp="1" noChangeAspect="1"/>
+          </p:cNvPicPr>
+          <p:nvPr>
+            <p:ph idx="1"/>
+          </p:nvPr>
+        </p:nvPicPr>
+        <p:blipFill>
+          <a:blip r:embed="rId2"/>
+          <a:stretch>
+            <a:fillRect/>
+          </a:stretch>
+        </p:blipFill>
+        <p:spPr>
+          <a:xfrm>
+            <a:off x="2112421" y="2323663"/>
+            <a:ext cx="7956866" cy="4320947"/>
+          </a:xfrm>
+          <a:prstGeom prst="rect">
+            <a:avLst/>
+          </a:prstGeom>
+        </p:spPr>
+      </p:pic>
       <p:sp>
         <p:nvSpPr>
           <p:cNvPr id="11" name="椭圆 10">
@@ -22118,40 +22200,10 @@
           </a:p>
         </p:txBody>
       </p:sp>
-      <p:pic>
-        <p:nvPicPr>
-          <p:cNvPr id="4" name="图片 3">
-            <a:extLst>
-              <a:ext uri="{FF2B5EF4-FFF2-40B4-BE49-F238E27FC236}">
-                <a16:creationId xmlns:a16="http://schemas.microsoft.com/office/drawing/2014/main" id="{A166512D-682B-4C40-B507-31FDE661306E}"/>
-              </a:ext>
-            </a:extLst>
-          </p:cNvPr>
-          <p:cNvPicPr>
-            <a:picLocks noChangeAspect="1"/>
-          </p:cNvPicPr>
-          <p:nvPr/>
-        </p:nvPicPr>
-        <p:blipFill>
-          <a:blip r:embed="rId2"/>
-          <a:stretch>
-            <a:fillRect/>
-          </a:stretch>
-        </p:blipFill>
-        <p:spPr>
-          <a:xfrm>
-            <a:off x="1119321" y="2197100"/>
-            <a:ext cx="10088537" cy="4363498"/>
-          </a:xfrm>
-          <a:prstGeom prst="rect">
-            <a:avLst/>
-          </a:prstGeom>
-        </p:spPr>
-      </p:pic>
     </p:spTree>
     <p:extLst>
       <p:ext uri="{BB962C8B-B14F-4D97-AF65-F5344CB8AC3E}">
-        <p14:creationId xmlns:p14="http://schemas.microsoft.com/office/powerpoint/2010/main" val="3790164140"/>
+        <p14:creationId xmlns:p14="http://schemas.microsoft.com/office/powerpoint/2010/main" val="38244114"/>
       </p:ext>
     </p:extLst>
   </p:cSld>
@@ -22737,20 +22789,28 @@
           <a:lstStyle/>
           <a:p>
             <a:r>
-              <a:rPr lang="en-US" altLang="zh-CN" sz="4000" dirty="0" err="1">
-                <a:solidFill>
-                  <a:srgbClr val="FFFFFF"/>
-                </a:solidFill>
-              </a:rPr>
-              <a:t>Jmeter</a:t>
-            </a:r>
-            <a:r>
               <a:rPr lang="zh-CN" altLang="en-US" sz="4000" dirty="0">
                 <a:solidFill>
                   <a:srgbClr val="FFFFFF"/>
                 </a:solidFill>
               </a:rPr>
-              <a:t>测试</a:t>
+              <a:t>云</a:t>
+            </a:r>
+            <a:r>
+              <a:rPr lang="en-US" altLang="zh-CN" sz="4000" dirty="0">
+                <a:solidFill>
+                  <a:srgbClr val="FFFFFF"/>
+                </a:solidFill>
+              </a:rPr>
+              <a:t>RDS MYSQL</a:t>
+            </a:r>
+            <a:r>
+              <a:rPr lang="zh-CN" altLang="en-US" sz="4000" dirty="0">
+                <a:solidFill>
+                  <a:srgbClr val="FFFFFF"/>
+                </a:solidFill>
+              </a:rPr>
+              <a:t>介绍</a:t>
             </a:r>
           </a:p>
         </p:txBody>
@@ -22781,10 +22841,10 @@
             <a:schemeClr val="lt1"/>
           </a:lnRef>
           <a:fillRef idx="1">
-            <a:schemeClr val="accent3"/>
+            <a:schemeClr val="accent4"/>
           </a:fillRef>
           <a:effectRef idx="1">
-            <a:schemeClr val="accent3"/>
+            <a:schemeClr val="accent4"/>
           </a:effectRef>
           <a:fontRef idx="minor">
             <a:schemeClr val="lt1"/>
@@ -22797,17 +22857,17 @@
             <a:pPr algn="ctr"/>
             <a:r>
               <a:rPr lang="zh-CN" altLang="en-US" dirty="0"/>
-              <a:t>测试</a:t>
+              <a:t>其他相关服务</a:t>
             </a:r>
           </a:p>
         </p:txBody>
       </p:sp>
       <p:pic>
         <p:nvPicPr>
-          <p:cNvPr id="6" name="图片 5">
-            <a:extLst>
-              <a:ext uri="{FF2B5EF4-FFF2-40B4-BE49-F238E27FC236}">
-                <a16:creationId xmlns:a16="http://schemas.microsoft.com/office/drawing/2014/main" id="{7B1310A6-1A36-4DA7-ACC5-D07E5970D8E0}"/>
+          <p:cNvPr id="3" name="图片 2">
+            <a:extLst>
+              <a:ext uri="{FF2B5EF4-FFF2-40B4-BE49-F238E27FC236}">
+                <a16:creationId xmlns:a16="http://schemas.microsoft.com/office/drawing/2014/main" id="{713B0A51-B009-4DA3-AFA4-DB7285C8327B}"/>
               </a:ext>
             </a:extLst>
           </p:cNvPr>
@@ -22824,122 +22884,8 @@
         </p:blipFill>
         <p:spPr>
           <a:xfrm>
-            <a:off x="1119322" y="3133725"/>
-            <a:ext cx="10103881" cy="1114425"/>
-          </a:xfrm>
-          <a:prstGeom prst="rect">
-            <a:avLst/>
-          </a:prstGeom>
-        </p:spPr>
-      </p:pic>
-      <p:pic>
-        <p:nvPicPr>
-          <p:cNvPr id="7" name="图片 6">
-            <a:extLst>
-              <a:ext uri="{FF2B5EF4-FFF2-40B4-BE49-F238E27FC236}">
-                <a16:creationId xmlns:a16="http://schemas.microsoft.com/office/drawing/2014/main" id="{D03F01A4-733F-4061-829C-C389884736C1}"/>
-              </a:ext>
-            </a:extLst>
-          </p:cNvPr>
-          <p:cNvPicPr>
-            <a:picLocks noChangeAspect="1"/>
-          </p:cNvPicPr>
-          <p:nvPr/>
-        </p:nvPicPr>
-        <p:blipFill>
-          <a:blip r:embed="rId3"/>
-          <a:stretch>
-            <a:fillRect/>
-          </a:stretch>
-        </p:blipFill>
-        <p:spPr>
-          <a:xfrm>
-            <a:off x="1119322" y="6057608"/>
-            <a:ext cx="10103881" cy="685800"/>
-          </a:xfrm>
-          <a:prstGeom prst="rect">
-            <a:avLst/>
-          </a:prstGeom>
-        </p:spPr>
-      </p:pic>
-      <p:sp>
-        <p:nvSpPr>
-          <p:cNvPr id="9" name="文本框 8">
-            <a:extLst>
-              <a:ext uri="{FF2B5EF4-FFF2-40B4-BE49-F238E27FC236}">
-                <a16:creationId xmlns:a16="http://schemas.microsoft.com/office/drawing/2014/main" id="{970B3CDB-EA7C-4F98-B9AB-57C958F3B591}"/>
-              </a:ext>
-            </a:extLst>
-          </p:cNvPr>
-          <p:cNvSpPr txBox="1"/>
-          <p:nvPr/>
-        </p:nvSpPr>
-        <p:spPr>
-          <a:xfrm>
-            <a:off x="1529032" y="2449670"/>
-            <a:ext cx="9694171" cy="523220"/>
-          </a:xfrm>
-          <a:prstGeom prst="rect">
-            <a:avLst/>
-          </a:prstGeom>
-          <a:noFill/>
-        </p:spPr>
-        <p:txBody>
-          <a:bodyPr wrap="square" rtlCol="0">
-            <a:spAutoFit/>
-          </a:bodyPr>
-          <a:lstStyle/>
-          <a:p>
-            <a:r>
-              <a:rPr lang="zh-CN" altLang="en-US" sz="2800" b="1" dirty="0"/>
-              <a:t>查询并返回一条数据</a:t>
-            </a:r>
-            <a:r>
-              <a:rPr lang="en-US" altLang="zh-CN" sz="2800" b="1" dirty="0">
-                <a:sym typeface="Wingdings" panose="05000000000000000000" pitchFamily="2" charset="2"/>
-              </a:rPr>
-              <a:t>(</a:t>
-            </a:r>
-            <a:r>
-              <a:rPr lang="zh-CN" altLang="en-US" sz="2800" b="1" dirty="0">
-                <a:sym typeface="Wingdings" panose="05000000000000000000" pitchFamily="2" charset="2"/>
-              </a:rPr>
-              <a:t>函数单实例并发度</a:t>
-            </a:r>
-            <a:r>
-              <a:rPr lang="en-US" altLang="zh-CN" sz="2800" b="1" dirty="0">
-                <a:sym typeface="Wingdings" panose="05000000000000000000" pitchFamily="2" charset="2"/>
-              </a:rPr>
-              <a:t>5)</a:t>
-            </a:r>
-            <a:endParaRPr lang="zh-CN" altLang="en-US" sz="2800" b="1" dirty="0"/>
-          </a:p>
-        </p:txBody>
-      </p:sp>
-      <p:pic>
-        <p:nvPicPr>
-          <p:cNvPr id="13" name="图片 12">
-            <a:extLst>
-              <a:ext uri="{FF2B5EF4-FFF2-40B4-BE49-F238E27FC236}">
-                <a16:creationId xmlns:a16="http://schemas.microsoft.com/office/drawing/2014/main" id="{115B50C6-0CCE-4701-A671-689A2BB77842}"/>
-              </a:ext>
-            </a:extLst>
-          </p:cNvPr>
-          <p:cNvPicPr>
-            <a:picLocks noChangeAspect="1"/>
-          </p:cNvPicPr>
-          <p:nvPr/>
-        </p:nvPicPr>
-        <p:blipFill>
-          <a:blip r:embed="rId4"/>
-          <a:stretch>
-            <a:fillRect/>
-          </a:stretch>
-        </p:blipFill>
-        <p:spPr>
-          <a:xfrm>
-            <a:off x="1119322" y="4595018"/>
-            <a:ext cx="10103881" cy="1219370"/>
+            <a:off x="1122470" y="2177169"/>
+            <a:ext cx="10090536" cy="4365673"/>
           </a:xfrm>
           <a:prstGeom prst="rect">
             <a:avLst/>
@@ -22949,7 +22895,7 @@
     </p:spTree>
     <p:extLst>
       <p:ext uri="{BB962C8B-B14F-4D97-AF65-F5344CB8AC3E}">
-        <p14:creationId xmlns:p14="http://schemas.microsoft.com/office/powerpoint/2010/main" val="1437412498"/>
+        <p14:creationId xmlns:p14="http://schemas.microsoft.com/office/powerpoint/2010/main" val="3446614721"/>
       </p:ext>
     </p:extLst>
   </p:cSld>
@@ -23535,20 +23481,28 @@
           <a:lstStyle/>
           <a:p>
             <a:r>
-              <a:rPr lang="en-US" altLang="zh-CN" sz="4000" dirty="0" err="1">
-                <a:solidFill>
-                  <a:srgbClr val="FFFFFF"/>
-                </a:solidFill>
-              </a:rPr>
-              <a:t>Jmeter</a:t>
-            </a:r>
-            <a:r>
               <a:rPr lang="zh-CN" altLang="en-US" sz="4000" dirty="0">
                 <a:solidFill>
                   <a:srgbClr val="FFFFFF"/>
                 </a:solidFill>
               </a:rPr>
-              <a:t>测试</a:t>
+              <a:t>云</a:t>
+            </a:r>
+            <a:r>
+              <a:rPr lang="en-US" altLang="zh-CN" sz="4000" dirty="0">
+                <a:solidFill>
+                  <a:srgbClr val="FFFFFF"/>
+                </a:solidFill>
+              </a:rPr>
+              <a:t>RDS MYSQL</a:t>
+            </a:r>
+            <a:r>
+              <a:rPr lang="zh-CN" altLang="en-US" sz="4000" dirty="0">
+                <a:solidFill>
+                  <a:srgbClr val="FFFFFF"/>
+                </a:solidFill>
+              </a:rPr>
+              <a:t>介绍</a:t>
             </a:r>
           </a:p>
         </p:txBody>
@@ -23579,10 +23533,10 @@
             <a:schemeClr val="lt1"/>
           </a:lnRef>
           <a:fillRef idx="1">
-            <a:schemeClr val="accent3"/>
+            <a:schemeClr val="accent4"/>
           </a:fillRef>
           <a:effectRef idx="1">
-            <a:schemeClr val="accent3"/>
+            <a:schemeClr val="accent4"/>
           </a:effectRef>
           <a:fontRef idx="minor">
             <a:schemeClr val="lt1"/>
@@ -23595,71 +23549,17 @@
             <a:pPr algn="ctr"/>
             <a:r>
               <a:rPr lang="zh-CN" altLang="en-US" dirty="0"/>
-              <a:t>测试</a:t>
-            </a:r>
-          </a:p>
-        </p:txBody>
-      </p:sp>
-      <p:sp>
-        <p:nvSpPr>
-          <p:cNvPr id="9" name="文本框 8">
-            <a:extLst>
-              <a:ext uri="{FF2B5EF4-FFF2-40B4-BE49-F238E27FC236}">
-                <a16:creationId xmlns:a16="http://schemas.microsoft.com/office/drawing/2014/main" id="{970B3CDB-EA7C-4F98-B9AB-57C958F3B591}"/>
-              </a:ext>
-            </a:extLst>
-          </p:cNvPr>
-          <p:cNvSpPr txBox="1"/>
-          <p:nvPr/>
-        </p:nvSpPr>
-        <p:spPr>
-          <a:xfrm>
-            <a:off x="1529032" y="2449670"/>
-            <a:ext cx="9694171" cy="523220"/>
-          </a:xfrm>
-          <a:prstGeom prst="rect">
-            <a:avLst/>
-          </a:prstGeom>
-          <a:noFill/>
-        </p:spPr>
-        <p:txBody>
-          <a:bodyPr wrap="square" rtlCol="0">
-            <a:spAutoFit/>
-          </a:bodyPr>
-          <a:lstStyle/>
-          <a:p>
-            <a:r>
-              <a:rPr lang="zh-CN" altLang="en-US" sz="2800" b="1" dirty="0"/>
-              <a:t>查询并返回一条数据</a:t>
-            </a:r>
-            <a:r>
-              <a:rPr lang="en-US" altLang="zh-CN" sz="2800" b="1" dirty="0">
-                <a:sym typeface="Wingdings" panose="05000000000000000000" pitchFamily="2" charset="2"/>
-              </a:rPr>
-              <a:t>(</a:t>
-            </a:r>
-            <a:r>
-              <a:rPr lang="zh-CN" altLang="en-US" sz="2800" b="1" dirty="0">
-                <a:sym typeface="Wingdings" panose="05000000000000000000" pitchFamily="2" charset="2"/>
-              </a:rPr>
-              <a:t>函数单实例并发度</a:t>
-            </a:r>
-            <a:r>
-              <a:rPr lang="en-US" altLang="zh-CN" sz="2800" b="1" dirty="0">
-                <a:sym typeface="Wingdings" panose="05000000000000000000" pitchFamily="2" charset="2"/>
-              </a:rPr>
-              <a:t>5)</a:t>
-            </a:r>
-            <a:endParaRPr lang="zh-CN" altLang="en-US" sz="2800" b="1" dirty="0"/>
+              <a:t>其他相关服务</a:t>
+            </a:r>
           </a:p>
         </p:txBody>
       </p:sp>
       <p:pic>
         <p:nvPicPr>
-          <p:cNvPr id="3" name="图片 2">
-            <a:extLst>
-              <a:ext uri="{FF2B5EF4-FFF2-40B4-BE49-F238E27FC236}">
-                <a16:creationId xmlns:a16="http://schemas.microsoft.com/office/drawing/2014/main" id="{AA5C481F-B9E9-47BE-9E9B-1D20AD47C84D}"/>
+          <p:cNvPr id="4" name="图片 3">
+            <a:extLst>
+              <a:ext uri="{FF2B5EF4-FFF2-40B4-BE49-F238E27FC236}">
+                <a16:creationId xmlns:a16="http://schemas.microsoft.com/office/drawing/2014/main" id="{A166512D-682B-4C40-B507-31FDE661306E}"/>
               </a:ext>
             </a:extLst>
           </p:cNvPr>
@@ -23676,38 +23576,8 @@
         </p:blipFill>
         <p:spPr>
           <a:xfrm>
-            <a:off x="1119322" y="3390349"/>
-            <a:ext cx="10103881" cy="1219370"/>
-          </a:xfrm>
-          <a:prstGeom prst="rect">
-            <a:avLst/>
-          </a:prstGeom>
-        </p:spPr>
-      </p:pic>
-      <p:pic>
-        <p:nvPicPr>
-          <p:cNvPr id="4" name="图片 3">
-            <a:extLst>
-              <a:ext uri="{FF2B5EF4-FFF2-40B4-BE49-F238E27FC236}">
-                <a16:creationId xmlns:a16="http://schemas.microsoft.com/office/drawing/2014/main" id="{734719C1-83C9-458E-A0A9-69DE53D7815A}"/>
-              </a:ext>
-            </a:extLst>
-          </p:cNvPr>
-          <p:cNvPicPr>
-            <a:picLocks noChangeAspect="1"/>
-          </p:cNvPicPr>
-          <p:nvPr/>
-        </p:nvPicPr>
-        <p:blipFill>
-          <a:blip r:embed="rId3"/>
-          <a:stretch>
-            <a:fillRect/>
-          </a:stretch>
-        </p:blipFill>
-        <p:spPr>
-          <a:xfrm>
-            <a:off x="1119322" y="5148305"/>
-            <a:ext cx="10103881" cy="909303"/>
+            <a:off x="1119321" y="2197100"/>
+            <a:ext cx="10088537" cy="4363498"/>
           </a:xfrm>
           <a:prstGeom prst="rect">
             <a:avLst/>
@@ -23717,7 +23587,7 @@
     </p:spTree>
     <p:extLst>
       <p:ext uri="{BB962C8B-B14F-4D97-AF65-F5344CB8AC3E}">
-        <p14:creationId xmlns:p14="http://schemas.microsoft.com/office/powerpoint/2010/main" val="1592506839"/>
+        <p14:creationId xmlns:p14="http://schemas.microsoft.com/office/powerpoint/2010/main" val="3790164140"/>
       </p:ext>
     </p:extLst>
   </p:cSld>
@@ -24368,6 +24238,1572 @@
           </a:p>
         </p:txBody>
       </p:sp>
+      <p:pic>
+        <p:nvPicPr>
+          <p:cNvPr id="6" name="图片 5">
+            <a:extLst>
+              <a:ext uri="{FF2B5EF4-FFF2-40B4-BE49-F238E27FC236}">
+                <a16:creationId xmlns:a16="http://schemas.microsoft.com/office/drawing/2014/main" id="{7B1310A6-1A36-4DA7-ACC5-D07E5970D8E0}"/>
+              </a:ext>
+            </a:extLst>
+          </p:cNvPr>
+          <p:cNvPicPr>
+            <a:picLocks noChangeAspect="1"/>
+          </p:cNvPicPr>
+          <p:nvPr/>
+        </p:nvPicPr>
+        <p:blipFill>
+          <a:blip r:embed="rId2"/>
+          <a:stretch>
+            <a:fillRect/>
+          </a:stretch>
+        </p:blipFill>
+        <p:spPr>
+          <a:xfrm>
+            <a:off x="1119322" y="3133725"/>
+            <a:ext cx="10103881" cy="1114425"/>
+          </a:xfrm>
+          <a:prstGeom prst="rect">
+            <a:avLst/>
+          </a:prstGeom>
+        </p:spPr>
+      </p:pic>
+      <p:pic>
+        <p:nvPicPr>
+          <p:cNvPr id="7" name="图片 6">
+            <a:extLst>
+              <a:ext uri="{FF2B5EF4-FFF2-40B4-BE49-F238E27FC236}">
+                <a16:creationId xmlns:a16="http://schemas.microsoft.com/office/drawing/2014/main" id="{D03F01A4-733F-4061-829C-C389884736C1}"/>
+              </a:ext>
+            </a:extLst>
+          </p:cNvPr>
+          <p:cNvPicPr>
+            <a:picLocks noChangeAspect="1"/>
+          </p:cNvPicPr>
+          <p:nvPr/>
+        </p:nvPicPr>
+        <p:blipFill>
+          <a:blip r:embed="rId3"/>
+          <a:stretch>
+            <a:fillRect/>
+          </a:stretch>
+        </p:blipFill>
+        <p:spPr>
+          <a:xfrm>
+            <a:off x="1119322" y="6057608"/>
+            <a:ext cx="10103881" cy="685800"/>
+          </a:xfrm>
+          <a:prstGeom prst="rect">
+            <a:avLst/>
+          </a:prstGeom>
+        </p:spPr>
+      </p:pic>
+      <p:sp>
+        <p:nvSpPr>
+          <p:cNvPr id="9" name="文本框 8">
+            <a:extLst>
+              <a:ext uri="{FF2B5EF4-FFF2-40B4-BE49-F238E27FC236}">
+                <a16:creationId xmlns:a16="http://schemas.microsoft.com/office/drawing/2014/main" id="{970B3CDB-EA7C-4F98-B9AB-57C958F3B591}"/>
+              </a:ext>
+            </a:extLst>
+          </p:cNvPr>
+          <p:cNvSpPr txBox="1"/>
+          <p:nvPr/>
+        </p:nvSpPr>
+        <p:spPr>
+          <a:xfrm>
+            <a:off x="1529032" y="2449670"/>
+            <a:ext cx="9694171" cy="523220"/>
+          </a:xfrm>
+          <a:prstGeom prst="rect">
+            <a:avLst/>
+          </a:prstGeom>
+          <a:noFill/>
+        </p:spPr>
+        <p:txBody>
+          <a:bodyPr wrap="square" rtlCol="0">
+            <a:spAutoFit/>
+          </a:bodyPr>
+          <a:lstStyle/>
+          <a:p>
+            <a:r>
+              <a:rPr lang="zh-CN" altLang="en-US" sz="2800" b="1" dirty="0"/>
+              <a:t>查询并返回一条数据</a:t>
+            </a:r>
+            <a:r>
+              <a:rPr lang="en-US" altLang="zh-CN" sz="2800" b="1" dirty="0">
+                <a:sym typeface="Wingdings" panose="05000000000000000000" pitchFamily="2" charset="2"/>
+              </a:rPr>
+              <a:t>(</a:t>
+            </a:r>
+            <a:r>
+              <a:rPr lang="zh-CN" altLang="en-US" sz="2800" b="1" dirty="0">
+                <a:sym typeface="Wingdings" panose="05000000000000000000" pitchFamily="2" charset="2"/>
+              </a:rPr>
+              <a:t>函数单实例并发度</a:t>
+            </a:r>
+            <a:r>
+              <a:rPr lang="en-US" altLang="zh-CN" sz="2800" b="1" dirty="0">
+                <a:sym typeface="Wingdings" panose="05000000000000000000" pitchFamily="2" charset="2"/>
+              </a:rPr>
+              <a:t>5)</a:t>
+            </a:r>
+            <a:endParaRPr lang="zh-CN" altLang="en-US" sz="2800" b="1" dirty="0"/>
+          </a:p>
+        </p:txBody>
+      </p:sp>
+      <p:pic>
+        <p:nvPicPr>
+          <p:cNvPr id="13" name="图片 12">
+            <a:extLst>
+              <a:ext uri="{FF2B5EF4-FFF2-40B4-BE49-F238E27FC236}">
+                <a16:creationId xmlns:a16="http://schemas.microsoft.com/office/drawing/2014/main" id="{115B50C6-0CCE-4701-A671-689A2BB77842}"/>
+              </a:ext>
+            </a:extLst>
+          </p:cNvPr>
+          <p:cNvPicPr>
+            <a:picLocks noChangeAspect="1"/>
+          </p:cNvPicPr>
+          <p:nvPr/>
+        </p:nvPicPr>
+        <p:blipFill>
+          <a:blip r:embed="rId4"/>
+          <a:stretch>
+            <a:fillRect/>
+          </a:stretch>
+        </p:blipFill>
+        <p:spPr>
+          <a:xfrm>
+            <a:off x="1119322" y="4595018"/>
+            <a:ext cx="10103881" cy="1219370"/>
+          </a:xfrm>
+          <a:prstGeom prst="rect">
+            <a:avLst/>
+          </a:prstGeom>
+        </p:spPr>
+      </p:pic>
+    </p:spTree>
+    <p:extLst>
+      <p:ext uri="{BB962C8B-B14F-4D97-AF65-F5344CB8AC3E}">
+        <p14:creationId xmlns:p14="http://schemas.microsoft.com/office/powerpoint/2010/main" val="1437412498"/>
+      </p:ext>
+    </p:extLst>
+  </p:cSld>
+  <p:clrMapOvr>
+    <a:masterClrMapping/>
+  </p:clrMapOvr>
+</p:sld>
+</file>
+
+<file path=ppt/slides/slide37.xml><?xml version="1.0" encoding="utf-8"?>
+<p:sld xmlns:a="http://schemas.openxmlformats.org/drawingml/2006/main" xmlns:r="http://schemas.openxmlformats.org/officeDocument/2006/relationships" xmlns:p="http://schemas.openxmlformats.org/presentationml/2006/main">
+  <p:cSld>
+    <p:bg>
+      <p:bgPr>
+        <a:solidFill>
+          <a:schemeClr val="bg1"/>
+        </a:solidFill>
+        <a:effectLst/>
+      </p:bgPr>
+    </p:bg>
+    <p:spTree>
+      <p:nvGrpSpPr>
+        <p:cNvPr id="1" name=""/>
+        <p:cNvGrpSpPr/>
+        <p:nvPr/>
+      </p:nvGrpSpPr>
+      <p:grpSpPr>
+        <a:xfrm>
+          <a:off x="0" y="0"/>
+          <a:ext cx="0" cy="0"/>
+          <a:chOff x="0" y="0"/>
+          <a:chExt cx="0" cy="0"/>
+        </a:xfrm>
+      </p:grpSpPr>
+      <p:sp useBgFill="1">
+        <p:nvSpPr>
+          <p:cNvPr id="8" name="Rectangle 7">
+            <a:extLst>
+              <a:ext uri="{FF2B5EF4-FFF2-40B4-BE49-F238E27FC236}">
+                <a16:creationId xmlns:a16="http://schemas.microsoft.com/office/drawing/2014/main" id="{827B839B-9ADE-406B-8590-F1CAEDED45A1}"/>
+              </a:ext>
+              <a:ext uri="{C183D7F6-B498-43B3-948B-1728B52AA6E4}">
+                <adec:decorative xmlns:adec="http://schemas.microsoft.com/office/drawing/2017/decorative" val="1"/>
+              </a:ext>
+            </a:extLst>
+          </p:cNvPr>
+          <p:cNvSpPr>
+            <a:spLocks noGrp="1" noRot="1" noChangeAspect="1" noMove="1" noResize="1" noEditPoints="1" noAdjustHandles="1" noChangeArrowheads="1" noChangeShapeType="1" noTextEdit="1"/>
+          </p:cNvSpPr>
+          <p:nvPr>
+            <p:extLst>
+              <p:ext uri="{386F3935-93C4-4BCD-93E2-E3B085C9AB24}">
+                <p16:designElem xmlns:p16="http://schemas.microsoft.com/office/powerpoint/2015/main" val="1"/>
+              </p:ext>
+            </p:extLst>
+          </p:nvPr>
+        </p:nvSpPr>
+        <p:spPr>
+          <a:xfrm>
+            <a:off x="0" y="0"/>
+            <a:ext cx="12188952" cy="6858000"/>
+          </a:xfrm>
+          <a:prstGeom prst="rect">
+            <a:avLst/>
+          </a:prstGeom>
+          <a:ln>
+            <a:noFill/>
+          </a:ln>
+        </p:spPr>
+        <p:style>
+          <a:lnRef idx="2">
+            <a:schemeClr val="accent1">
+              <a:shade val="50000"/>
+            </a:schemeClr>
+          </a:lnRef>
+          <a:fillRef idx="1">
+            <a:schemeClr val="accent1"/>
+          </a:fillRef>
+          <a:effectRef idx="0">
+            <a:schemeClr val="accent1"/>
+          </a:effectRef>
+          <a:fontRef idx="minor">
+            <a:schemeClr val="lt1"/>
+          </a:fontRef>
+        </p:style>
+        <p:txBody>
+          <a:bodyPr rtlCol="0" anchor="ctr"/>
+          <a:lstStyle/>
+          <a:p>
+            <a:pPr algn="ctr"/>
+            <a:endParaRPr lang="en-US"/>
+          </a:p>
+        </p:txBody>
+      </p:sp>
+      <p:sp>
+        <p:nvSpPr>
+          <p:cNvPr id="10" name="Freeform 45">
+            <a:extLst>
+              <a:ext uri="{FF2B5EF4-FFF2-40B4-BE49-F238E27FC236}">
+                <a16:creationId xmlns:a16="http://schemas.microsoft.com/office/drawing/2014/main" id="{CFE45BF0-46DB-408C-B5F7-7B11716805D4}"/>
+              </a:ext>
+              <a:ext uri="{C183D7F6-B498-43B3-948B-1728B52AA6E4}">
+                <adec:decorative xmlns:adec="http://schemas.microsoft.com/office/drawing/2017/decorative" val="1"/>
+              </a:ext>
+            </a:extLst>
+          </p:cNvPr>
+          <p:cNvSpPr>
+            <a:spLocks noGrp="1" noRot="1" noChangeAspect="1" noMove="1" noResize="1" noEditPoints="1" noAdjustHandles="1" noChangeArrowheads="1" noChangeShapeType="1" noTextEdit="1"/>
+          </p:cNvSpPr>
+          <p:nvPr>
+            <p:extLst>
+              <p:ext uri="{386F3935-93C4-4BCD-93E2-E3B085C9AB24}">
+                <p16:designElem xmlns:p16="http://schemas.microsoft.com/office/powerpoint/2015/main" val="1"/>
+              </p:ext>
+            </p:extLst>
+          </p:nvPr>
+        </p:nvSpPr>
+        <p:spPr bwMode="auto">
+          <a:xfrm>
+            <a:off x="409710" y="1022350"/>
+            <a:ext cx="709612" cy="2095501"/>
+          </a:xfrm>
+          <a:custGeom>
+            <a:avLst/>
+            <a:gdLst>
+              <a:gd name="T0" fmla="*/ 447 w 447"/>
+              <a:gd name="T1" fmla="*/ 1363 h 1363"/>
+              <a:gd name="T2" fmla="*/ 0 w 447"/>
+              <a:gd name="T3" fmla="*/ 987 h 1363"/>
+              <a:gd name="T4" fmla="*/ 0 w 447"/>
+              <a:gd name="T5" fmla="*/ 0 h 1363"/>
+              <a:gd name="T6" fmla="*/ 447 w 447"/>
+              <a:gd name="T7" fmla="*/ 376 h 1363"/>
+              <a:gd name="T8" fmla="*/ 447 w 447"/>
+              <a:gd name="T9" fmla="*/ 1363 h 1363"/>
+            </a:gdLst>
+            <a:ahLst/>
+            <a:cxnLst>
+              <a:cxn ang="0">
+                <a:pos x="T0" y="T1"/>
+              </a:cxn>
+              <a:cxn ang="0">
+                <a:pos x="T2" y="T3"/>
+              </a:cxn>
+              <a:cxn ang="0">
+                <a:pos x="T4" y="T5"/>
+              </a:cxn>
+              <a:cxn ang="0">
+                <a:pos x="T6" y="T7"/>
+              </a:cxn>
+              <a:cxn ang="0">
+                <a:pos x="T8" y="T9"/>
+              </a:cxn>
+            </a:cxnLst>
+            <a:rect l="0" t="0" r="r" b="b"/>
+            <a:pathLst>
+              <a:path w="447" h="1363">
+                <a:moveTo>
+                  <a:pt x="447" y="1363"/>
+                </a:moveTo>
+                <a:lnTo>
+                  <a:pt x="0" y="987"/>
+                </a:lnTo>
+                <a:lnTo>
+                  <a:pt x="0" y="0"/>
+                </a:lnTo>
+                <a:lnTo>
+                  <a:pt x="447" y="376"/>
+                </a:lnTo>
+                <a:lnTo>
+                  <a:pt x="447" y="1363"/>
+                </a:lnTo>
+                <a:close/>
+              </a:path>
+            </a:pathLst>
+          </a:custGeom>
+          <a:solidFill>
+            <a:schemeClr val="accent1">
+              <a:lumMod val="50000"/>
+            </a:schemeClr>
+          </a:solidFill>
+          <a:ln>
+            <a:noFill/>
+          </a:ln>
+        </p:spPr>
+        <p:txBody>
+          <a:bodyPr vert="horz" wrap="square" lIns="91440" tIns="45720" rIns="91440" bIns="45720" numCol="1" anchor="t" anchorCtr="0" compatLnSpc="1">
+            <a:prstTxWarp prst="textNoShape">
+              <a:avLst/>
+            </a:prstTxWarp>
+          </a:bodyPr>
+          <a:lstStyle/>
+          <a:p>
+            <a:endParaRPr lang="en-US"/>
+          </a:p>
+        </p:txBody>
+      </p:sp>
+      <p:sp>
+        <p:nvSpPr>
+          <p:cNvPr id="12" name="Freeform 46">
+            <a:extLst>
+              <a:ext uri="{FF2B5EF4-FFF2-40B4-BE49-F238E27FC236}">
+                <a16:creationId xmlns:a16="http://schemas.microsoft.com/office/drawing/2014/main" id="{2AEBC8F2-97B1-41B4-93F1-2D289E197FBA}"/>
+              </a:ext>
+              <a:ext uri="{C183D7F6-B498-43B3-948B-1728B52AA6E4}">
+                <adec:decorative xmlns:adec="http://schemas.microsoft.com/office/drawing/2017/decorative" val="1"/>
+              </a:ext>
+            </a:extLst>
+          </p:cNvPr>
+          <p:cNvSpPr>
+            <a:spLocks noGrp="1" noRot="1" noChangeAspect="1" noMove="1" noResize="1" noEditPoints="1" noAdjustHandles="1" noChangeArrowheads="1" noChangeShapeType="1" noTextEdit="1"/>
+          </p:cNvSpPr>
+          <p:nvPr>
+            <p:extLst>
+              <p:ext uri="{386F3935-93C4-4BCD-93E2-E3B085C9AB24}">
+                <p16:designElem xmlns:p16="http://schemas.microsoft.com/office/powerpoint/2015/main" val="1"/>
+              </p:ext>
+            </p:extLst>
+          </p:nvPr>
+        </p:nvSpPr>
+        <p:spPr bwMode="auto">
+          <a:xfrm>
+            <a:off x="409710" y="837744"/>
+            <a:ext cx="403225" cy="1705431"/>
+          </a:xfrm>
+          <a:custGeom>
+            <a:avLst/>
+            <a:gdLst>
+              <a:gd name="T0" fmla="*/ 254 w 254"/>
+              <a:gd name="T1" fmla="*/ 987 h 1109"/>
+              <a:gd name="T2" fmla="*/ 0 w 254"/>
+              <a:gd name="T3" fmla="*/ 1109 h 1109"/>
+              <a:gd name="T4" fmla="*/ 0 w 254"/>
+              <a:gd name="T5" fmla="*/ 119 h 1109"/>
+              <a:gd name="T6" fmla="*/ 254 w 254"/>
+              <a:gd name="T7" fmla="*/ 0 h 1109"/>
+              <a:gd name="T8" fmla="*/ 254 w 254"/>
+              <a:gd name="T9" fmla="*/ 987 h 1109"/>
+            </a:gdLst>
+            <a:ahLst/>
+            <a:cxnLst>
+              <a:cxn ang="0">
+                <a:pos x="T0" y="T1"/>
+              </a:cxn>
+              <a:cxn ang="0">
+                <a:pos x="T2" y="T3"/>
+              </a:cxn>
+              <a:cxn ang="0">
+                <a:pos x="T4" y="T5"/>
+              </a:cxn>
+              <a:cxn ang="0">
+                <a:pos x="T6" y="T7"/>
+              </a:cxn>
+              <a:cxn ang="0">
+                <a:pos x="T8" y="T9"/>
+              </a:cxn>
+            </a:cxnLst>
+            <a:rect l="0" t="0" r="r" b="b"/>
+            <a:pathLst>
+              <a:path w="254" h="1109">
+                <a:moveTo>
+                  <a:pt x="254" y="987"/>
+                </a:moveTo>
+                <a:lnTo>
+                  <a:pt x="0" y="1109"/>
+                </a:lnTo>
+                <a:lnTo>
+                  <a:pt x="0" y="119"/>
+                </a:lnTo>
+                <a:lnTo>
+                  <a:pt x="254" y="0"/>
+                </a:lnTo>
+                <a:lnTo>
+                  <a:pt x="254" y="987"/>
+                </a:lnTo>
+                <a:close/>
+              </a:path>
+            </a:pathLst>
+          </a:custGeom>
+          <a:solidFill>
+            <a:schemeClr val="accent1">
+              <a:lumMod val="75000"/>
+            </a:schemeClr>
+          </a:solidFill>
+          <a:ln>
+            <a:noFill/>
+          </a:ln>
+        </p:spPr>
+        <p:txBody>
+          <a:bodyPr vert="horz" wrap="square" lIns="91440" tIns="45720" rIns="91440" bIns="45720" numCol="1" anchor="t" anchorCtr="0" compatLnSpc="1">
+            <a:prstTxWarp prst="textNoShape">
+              <a:avLst/>
+            </a:prstTxWarp>
+          </a:bodyPr>
+          <a:lstStyle/>
+          <a:p>
+            <a:endParaRPr lang="en-US"/>
+          </a:p>
+        </p:txBody>
+      </p:sp>
+      <p:sp>
+        <p:nvSpPr>
+          <p:cNvPr id="14" name="Freeform 47">
+            <a:extLst>
+              <a:ext uri="{FF2B5EF4-FFF2-40B4-BE49-F238E27FC236}">
+                <a16:creationId xmlns:a16="http://schemas.microsoft.com/office/drawing/2014/main" id="{472E3A19-F5D5-48FC-BB9C-48C2F68F598B}"/>
+              </a:ext>
+              <a:ext uri="{C183D7F6-B498-43B3-948B-1728B52AA6E4}">
+                <adec:decorative xmlns:adec="http://schemas.microsoft.com/office/drawing/2017/decorative" val="1"/>
+              </a:ext>
+            </a:extLst>
+          </p:cNvPr>
+          <p:cNvSpPr>
+            <a:spLocks noGrp="1" noRot="1" noChangeAspect="1" noMove="1" noResize="1" noEditPoints="1" noAdjustHandles="1" noChangeArrowheads="1" noChangeShapeType="1" noTextEdit="1"/>
+          </p:cNvSpPr>
+          <p:nvPr>
+            <p:extLst>
+              <p:ext uri="{386F3935-93C4-4BCD-93E2-E3B085C9AB24}">
+                <p16:designElem xmlns:p16="http://schemas.microsoft.com/office/powerpoint/2015/main" val="1"/>
+              </p:ext>
+            </p:extLst>
+          </p:nvPr>
+        </p:nvSpPr>
+        <p:spPr bwMode="auto">
+          <a:xfrm>
+            <a:off x="644660" y="640894"/>
+            <a:ext cx="168275" cy="1713195"/>
+          </a:xfrm>
+          <a:custGeom>
+            <a:avLst/>
+            <a:gdLst>
+              <a:gd name="T0" fmla="*/ 106 w 106"/>
+              <a:gd name="T1" fmla="*/ 1114 h 1114"/>
+              <a:gd name="T2" fmla="*/ 0 w 106"/>
+              <a:gd name="T3" fmla="*/ 1005 h 1114"/>
+              <a:gd name="T4" fmla="*/ 0 w 106"/>
+              <a:gd name="T5" fmla="*/ 0 h 1114"/>
+              <a:gd name="T6" fmla="*/ 106 w 106"/>
+              <a:gd name="T7" fmla="*/ 110 h 1114"/>
+              <a:gd name="T8" fmla="*/ 106 w 106"/>
+              <a:gd name="T9" fmla="*/ 1114 h 1114"/>
+            </a:gdLst>
+            <a:ahLst/>
+            <a:cxnLst>
+              <a:cxn ang="0">
+                <a:pos x="T0" y="T1"/>
+              </a:cxn>
+              <a:cxn ang="0">
+                <a:pos x="T2" y="T3"/>
+              </a:cxn>
+              <a:cxn ang="0">
+                <a:pos x="T4" y="T5"/>
+              </a:cxn>
+              <a:cxn ang="0">
+                <a:pos x="T6" y="T7"/>
+              </a:cxn>
+              <a:cxn ang="0">
+                <a:pos x="T8" y="T9"/>
+              </a:cxn>
+            </a:cxnLst>
+            <a:rect l="0" t="0" r="r" b="b"/>
+            <a:pathLst>
+              <a:path w="106" h="1114">
+                <a:moveTo>
+                  <a:pt x="106" y="1114"/>
+                </a:moveTo>
+                <a:lnTo>
+                  <a:pt x="0" y="1005"/>
+                </a:lnTo>
+                <a:lnTo>
+                  <a:pt x="0" y="0"/>
+                </a:lnTo>
+                <a:lnTo>
+                  <a:pt x="106" y="110"/>
+                </a:lnTo>
+                <a:lnTo>
+                  <a:pt x="106" y="1114"/>
+                </a:lnTo>
+                <a:close/>
+              </a:path>
+            </a:pathLst>
+          </a:custGeom>
+          <a:solidFill>
+            <a:schemeClr val="accent1">
+              <a:lumMod val="50000"/>
+            </a:schemeClr>
+          </a:solidFill>
+          <a:ln>
+            <a:noFill/>
+          </a:ln>
+        </p:spPr>
+        <p:txBody>
+          <a:bodyPr vert="horz" wrap="square" lIns="91440" tIns="45720" rIns="91440" bIns="45720" numCol="1" anchor="t" anchorCtr="0" compatLnSpc="1">
+            <a:prstTxWarp prst="textNoShape">
+              <a:avLst/>
+            </a:prstTxWarp>
+          </a:bodyPr>
+          <a:lstStyle/>
+          <a:p>
+            <a:endParaRPr lang="en-US"/>
+          </a:p>
+        </p:txBody>
+      </p:sp>
+      <p:sp>
+        <p:nvSpPr>
+          <p:cNvPr id="16" name="Freeform 44">
+            <a:extLst>
+              <a:ext uri="{FF2B5EF4-FFF2-40B4-BE49-F238E27FC236}">
+                <a16:creationId xmlns:a16="http://schemas.microsoft.com/office/drawing/2014/main" id="{7A62E32F-BB65-43A8-8EB5-92346890E549}"/>
+              </a:ext>
+              <a:ext uri="{C183D7F6-B498-43B3-948B-1728B52AA6E4}">
+                <adec:decorative xmlns:adec="http://schemas.microsoft.com/office/drawing/2017/decorative" val="1"/>
+              </a:ext>
+            </a:extLst>
+          </p:cNvPr>
+          <p:cNvSpPr>
+            <a:spLocks noGrp="1" noRot="1" noChangeAspect="1" noMove="1" noResize="1" noEditPoints="1" noAdjustHandles="1" noChangeArrowheads="1" noChangeShapeType="1" noTextEdit="1"/>
+          </p:cNvSpPr>
+          <p:nvPr>
+            <p:extLst>
+              <p:ext uri="{386F3935-93C4-4BCD-93E2-E3B085C9AB24}">
+                <p16:designElem xmlns:p16="http://schemas.microsoft.com/office/powerpoint/2015/main" val="1"/>
+              </p:ext>
+            </p:extLst>
+          </p:nvPr>
+        </p:nvSpPr>
+        <p:spPr bwMode="auto">
+          <a:xfrm>
+            <a:off x="11223203" y="635716"/>
+            <a:ext cx="328612" cy="1742360"/>
+          </a:xfrm>
+          <a:custGeom>
+            <a:avLst/>
+            <a:gdLst>
+              <a:gd name="T0" fmla="*/ 207 w 207"/>
+              <a:gd name="T1" fmla="*/ 987 h 1114"/>
+              <a:gd name="T2" fmla="*/ 0 w 207"/>
+              <a:gd name="T3" fmla="*/ 1114 h 1114"/>
+              <a:gd name="T4" fmla="*/ 0 w 207"/>
+              <a:gd name="T5" fmla="*/ 127 h 1114"/>
+              <a:gd name="T6" fmla="*/ 207 w 207"/>
+              <a:gd name="T7" fmla="*/ 0 h 1114"/>
+              <a:gd name="T8" fmla="*/ 207 w 207"/>
+              <a:gd name="T9" fmla="*/ 987 h 1114"/>
+            </a:gdLst>
+            <a:ahLst/>
+            <a:cxnLst>
+              <a:cxn ang="0">
+                <a:pos x="T0" y="T1"/>
+              </a:cxn>
+              <a:cxn ang="0">
+                <a:pos x="T2" y="T3"/>
+              </a:cxn>
+              <a:cxn ang="0">
+                <a:pos x="T4" y="T5"/>
+              </a:cxn>
+              <a:cxn ang="0">
+                <a:pos x="T6" y="T7"/>
+              </a:cxn>
+              <a:cxn ang="0">
+                <a:pos x="T8" y="T9"/>
+              </a:cxn>
+            </a:cxnLst>
+            <a:rect l="0" t="0" r="r" b="b"/>
+            <a:pathLst>
+              <a:path w="207" h="1114">
+                <a:moveTo>
+                  <a:pt x="207" y="987"/>
+                </a:moveTo>
+                <a:lnTo>
+                  <a:pt x="0" y="1114"/>
+                </a:lnTo>
+                <a:lnTo>
+                  <a:pt x="0" y="127"/>
+                </a:lnTo>
+                <a:lnTo>
+                  <a:pt x="207" y="0"/>
+                </a:lnTo>
+                <a:lnTo>
+                  <a:pt x="207" y="987"/>
+                </a:lnTo>
+                <a:close/>
+              </a:path>
+            </a:pathLst>
+          </a:custGeom>
+          <a:solidFill>
+            <a:schemeClr val="accent1">
+              <a:lumMod val="50000"/>
+            </a:schemeClr>
+          </a:solidFill>
+          <a:ln>
+            <a:noFill/>
+          </a:ln>
+        </p:spPr>
+        <p:txBody>
+          <a:bodyPr vert="horz" wrap="square" lIns="91440" tIns="45720" rIns="91440" bIns="45720" numCol="1" anchor="t" anchorCtr="0" compatLnSpc="1">
+            <a:prstTxWarp prst="textNoShape">
+              <a:avLst/>
+            </a:prstTxWarp>
+          </a:bodyPr>
+          <a:lstStyle/>
+          <a:p>
+            <a:endParaRPr lang="en-US"/>
+          </a:p>
+        </p:txBody>
+      </p:sp>
+      <p:sp>
+        <p:nvSpPr>
+          <p:cNvPr id="18" name="Rectangle 17">
+            <a:extLst>
+              <a:ext uri="{FF2B5EF4-FFF2-40B4-BE49-F238E27FC236}">
+                <a16:creationId xmlns:a16="http://schemas.microsoft.com/office/drawing/2014/main" id="{14E91B64-9FCC-451E-AFB4-A827D6329367}"/>
+              </a:ext>
+              <a:ext uri="{C183D7F6-B498-43B3-948B-1728B52AA6E4}">
+                <adec:decorative xmlns:adec="http://schemas.microsoft.com/office/drawing/2017/decorative" val="1"/>
+              </a:ext>
+            </a:extLst>
+          </p:cNvPr>
+          <p:cNvSpPr>
+            <a:spLocks noGrp="1" noRot="1" noChangeAspect="1" noMove="1" noResize="1" noEditPoints="1" noAdjustHandles="1" noChangeArrowheads="1" noChangeShapeType="1" noTextEdit="1"/>
+          </p:cNvSpPr>
+          <p:nvPr>
+            <p:extLst>
+              <p:ext uri="{386F3935-93C4-4BCD-93E2-E3B085C9AB24}">
+                <p16:designElem xmlns:p16="http://schemas.microsoft.com/office/powerpoint/2015/main" val="1"/>
+              </p:ext>
+            </p:extLst>
+          </p:nvPr>
+        </p:nvSpPr>
+        <p:spPr bwMode="auto">
+          <a:xfrm>
+            <a:off x="644055" y="635715"/>
+            <a:ext cx="10907863" cy="1541457"/>
+          </a:xfrm>
+          <a:prstGeom prst="rect">
+            <a:avLst/>
+          </a:prstGeom>
+          <a:solidFill>
+            <a:schemeClr val="accent1"/>
+          </a:solidFill>
+          <a:ln>
+            <a:noFill/>
+          </a:ln>
+        </p:spPr>
+        <p:txBody>
+          <a:bodyPr vert="horz" wrap="square" lIns="91440" tIns="45720" rIns="91440" bIns="45720" numCol="1" anchor="t" anchorCtr="0" compatLnSpc="1">
+            <a:prstTxWarp prst="textNoShape">
+              <a:avLst/>
+            </a:prstTxWarp>
+          </a:bodyPr>
+          <a:lstStyle/>
+          <a:p>
+            <a:endParaRPr lang="en-US"/>
+          </a:p>
+        </p:txBody>
+      </p:sp>
+      <p:sp>
+        <p:nvSpPr>
+          <p:cNvPr id="2" name="标题 1">
+            <a:extLst>
+              <a:ext uri="{FF2B5EF4-FFF2-40B4-BE49-F238E27FC236}">
+                <a16:creationId xmlns:a16="http://schemas.microsoft.com/office/drawing/2014/main" id="{8E0C4025-2C08-4DFF-A551-860A0C947505}"/>
+              </a:ext>
+            </a:extLst>
+          </p:cNvPr>
+          <p:cNvSpPr>
+            <a:spLocks noGrp="1"/>
+          </p:cNvSpPr>
+          <p:nvPr>
+            <p:ph type="title"/>
+          </p:nvPr>
+        </p:nvSpPr>
+        <p:spPr>
+          <a:xfrm>
+            <a:off x="958506" y="800392"/>
+            <a:ext cx="10264697" cy="1212102"/>
+          </a:xfrm>
+        </p:spPr>
+        <p:txBody>
+          <a:bodyPr>
+            <a:normAutofit/>
+          </a:bodyPr>
+          <a:lstStyle/>
+          <a:p>
+            <a:r>
+              <a:rPr lang="en-US" altLang="zh-CN" sz="4000" dirty="0" err="1">
+                <a:solidFill>
+                  <a:srgbClr val="FFFFFF"/>
+                </a:solidFill>
+              </a:rPr>
+              <a:t>Jmeter</a:t>
+            </a:r>
+            <a:r>
+              <a:rPr lang="zh-CN" altLang="en-US" sz="4000" dirty="0">
+                <a:solidFill>
+                  <a:srgbClr val="FFFFFF"/>
+                </a:solidFill>
+              </a:rPr>
+              <a:t>测试</a:t>
+            </a:r>
+          </a:p>
+        </p:txBody>
+      </p:sp>
+      <p:sp>
+        <p:nvSpPr>
+          <p:cNvPr id="11" name="椭圆 10">
+            <a:extLst>
+              <a:ext uri="{FF2B5EF4-FFF2-40B4-BE49-F238E27FC236}">
+                <a16:creationId xmlns:a16="http://schemas.microsoft.com/office/drawing/2014/main" id="{AAD5ED67-5E59-4269-B305-F62ADEE10A53}"/>
+              </a:ext>
+            </a:extLst>
+          </p:cNvPr>
+          <p:cNvSpPr/>
+          <p:nvPr/>
+        </p:nvSpPr>
+        <p:spPr>
+          <a:xfrm rot="1488327">
+            <a:off x="9033364" y="958121"/>
+            <a:ext cx="2432481" cy="896645"/>
+          </a:xfrm>
+          <a:prstGeom prst="ellipse">
+            <a:avLst/>
+          </a:prstGeom>
+        </p:spPr>
+        <p:style>
+          <a:lnRef idx="3">
+            <a:schemeClr val="lt1"/>
+          </a:lnRef>
+          <a:fillRef idx="1">
+            <a:schemeClr val="accent3"/>
+          </a:fillRef>
+          <a:effectRef idx="1">
+            <a:schemeClr val="accent3"/>
+          </a:effectRef>
+          <a:fontRef idx="minor">
+            <a:schemeClr val="lt1"/>
+          </a:fontRef>
+        </p:style>
+        <p:txBody>
+          <a:bodyPr rtlCol="0" anchor="ctr"/>
+          <a:lstStyle/>
+          <a:p>
+            <a:pPr algn="ctr"/>
+            <a:r>
+              <a:rPr lang="zh-CN" altLang="en-US" dirty="0"/>
+              <a:t>测试</a:t>
+            </a:r>
+          </a:p>
+        </p:txBody>
+      </p:sp>
+      <p:sp>
+        <p:nvSpPr>
+          <p:cNvPr id="9" name="文本框 8">
+            <a:extLst>
+              <a:ext uri="{FF2B5EF4-FFF2-40B4-BE49-F238E27FC236}">
+                <a16:creationId xmlns:a16="http://schemas.microsoft.com/office/drawing/2014/main" id="{970B3CDB-EA7C-4F98-B9AB-57C958F3B591}"/>
+              </a:ext>
+            </a:extLst>
+          </p:cNvPr>
+          <p:cNvSpPr txBox="1"/>
+          <p:nvPr/>
+        </p:nvSpPr>
+        <p:spPr>
+          <a:xfrm>
+            <a:off x="1529032" y="2449670"/>
+            <a:ext cx="9694171" cy="523220"/>
+          </a:xfrm>
+          <a:prstGeom prst="rect">
+            <a:avLst/>
+          </a:prstGeom>
+          <a:noFill/>
+        </p:spPr>
+        <p:txBody>
+          <a:bodyPr wrap="square" rtlCol="0">
+            <a:spAutoFit/>
+          </a:bodyPr>
+          <a:lstStyle/>
+          <a:p>
+            <a:r>
+              <a:rPr lang="zh-CN" altLang="en-US" sz="2800" b="1" dirty="0"/>
+              <a:t>查询并返回一条数据</a:t>
+            </a:r>
+            <a:r>
+              <a:rPr lang="en-US" altLang="zh-CN" sz="2800" b="1" dirty="0">
+                <a:sym typeface="Wingdings" panose="05000000000000000000" pitchFamily="2" charset="2"/>
+              </a:rPr>
+              <a:t>(</a:t>
+            </a:r>
+            <a:r>
+              <a:rPr lang="zh-CN" altLang="en-US" sz="2800" b="1" dirty="0">
+                <a:sym typeface="Wingdings" panose="05000000000000000000" pitchFamily="2" charset="2"/>
+              </a:rPr>
+              <a:t>函数单实例并发度</a:t>
+            </a:r>
+            <a:r>
+              <a:rPr lang="en-US" altLang="zh-CN" sz="2800" b="1" dirty="0">
+                <a:sym typeface="Wingdings" panose="05000000000000000000" pitchFamily="2" charset="2"/>
+              </a:rPr>
+              <a:t>5)</a:t>
+            </a:r>
+            <a:endParaRPr lang="zh-CN" altLang="en-US" sz="2800" b="1" dirty="0"/>
+          </a:p>
+        </p:txBody>
+      </p:sp>
+      <p:pic>
+        <p:nvPicPr>
+          <p:cNvPr id="3" name="图片 2">
+            <a:extLst>
+              <a:ext uri="{FF2B5EF4-FFF2-40B4-BE49-F238E27FC236}">
+                <a16:creationId xmlns:a16="http://schemas.microsoft.com/office/drawing/2014/main" id="{AA5C481F-B9E9-47BE-9E9B-1D20AD47C84D}"/>
+              </a:ext>
+            </a:extLst>
+          </p:cNvPr>
+          <p:cNvPicPr>
+            <a:picLocks noChangeAspect="1"/>
+          </p:cNvPicPr>
+          <p:nvPr/>
+        </p:nvPicPr>
+        <p:blipFill>
+          <a:blip r:embed="rId2"/>
+          <a:stretch>
+            <a:fillRect/>
+          </a:stretch>
+        </p:blipFill>
+        <p:spPr>
+          <a:xfrm>
+            <a:off x="1119322" y="3390349"/>
+            <a:ext cx="10103881" cy="1219370"/>
+          </a:xfrm>
+          <a:prstGeom prst="rect">
+            <a:avLst/>
+          </a:prstGeom>
+        </p:spPr>
+      </p:pic>
+      <p:pic>
+        <p:nvPicPr>
+          <p:cNvPr id="4" name="图片 3">
+            <a:extLst>
+              <a:ext uri="{FF2B5EF4-FFF2-40B4-BE49-F238E27FC236}">
+                <a16:creationId xmlns:a16="http://schemas.microsoft.com/office/drawing/2014/main" id="{734719C1-83C9-458E-A0A9-69DE53D7815A}"/>
+              </a:ext>
+            </a:extLst>
+          </p:cNvPr>
+          <p:cNvPicPr>
+            <a:picLocks noChangeAspect="1"/>
+          </p:cNvPicPr>
+          <p:nvPr/>
+        </p:nvPicPr>
+        <p:blipFill>
+          <a:blip r:embed="rId3"/>
+          <a:stretch>
+            <a:fillRect/>
+          </a:stretch>
+        </p:blipFill>
+        <p:spPr>
+          <a:xfrm>
+            <a:off x="1119322" y="5148305"/>
+            <a:ext cx="10103881" cy="909303"/>
+          </a:xfrm>
+          <a:prstGeom prst="rect">
+            <a:avLst/>
+          </a:prstGeom>
+        </p:spPr>
+      </p:pic>
+    </p:spTree>
+    <p:extLst>
+      <p:ext uri="{BB962C8B-B14F-4D97-AF65-F5344CB8AC3E}">
+        <p14:creationId xmlns:p14="http://schemas.microsoft.com/office/powerpoint/2010/main" val="1592506839"/>
+      </p:ext>
+    </p:extLst>
+  </p:cSld>
+  <p:clrMapOvr>
+    <a:masterClrMapping/>
+  </p:clrMapOvr>
+</p:sld>
+</file>
+
+<file path=ppt/slides/slide38.xml><?xml version="1.0" encoding="utf-8"?>
+<p:sld xmlns:a="http://schemas.openxmlformats.org/drawingml/2006/main" xmlns:r="http://schemas.openxmlformats.org/officeDocument/2006/relationships" xmlns:p="http://schemas.openxmlformats.org/presentationml/2006/main">
+  <p:cSld>
+    <p:bg>
+      <p:bgPr>
+        <a:solidFill>
+          <a:schemeClr val="bg1"/>
+        </a:solidFill>
+        <a:effectLst/>
+      </p:bgPr>
+    </p:bg>
+    <p:spTree>
+      <p:nvGrpSpPr>
+        <p:cNvPr id="1" name=""/>
+        <p:cNvGrpSpPr/>
+        <p:nvPr/>
+      </p:nvGrpSpPr>
+      <p:grpSpPr>
+        <a:xfrm>
+          <a:off x="0" y="0"/>
+          <a:ext cx="0" cy="0"/>
+          <a:chOff x="0" y="0"/>
+          <a:chExt cx="0" cy="0"/>
+        </a:xfrm>
+      </p:grpSpPr>
+      <p:sp useBgFill="1">
+        <p:nvSpPr>
+          <p:cNvPr id="8" name="Rectangle 7">
+            <a:extLst>
+              <a:ext uri="{FF2B5EF4-FFF2-40B4-BE49-F238E27FC236}">
+                <a16:creationId xmlns:a16="http://schemas.microsoft.com/office/drawing/2014/main" id="{827B839B-9ADE-406B-8590-F1CAEDED45A1}"/>
+              </a:ext>
+              <a:ext uri="{C183D7F6-B498-43B3-948B-1728B52AA6E4}">
+                <adec:decorative xmlns:adec="http://schemas.microsoft.com/office/drawing/2017/decorative" val="1"/>
+              </a:ext>
+            </a:extLst>
+          </p:cNvPr>
+          <p:cNvSpPr>
+            <a:spLocks noGrp="1" noRot="1" noChangeAspect="1" noMove="1" noResize="1" noEditPoints="1" noAdjustHandles="1" noChangeArrowheads="1" noChangeShapeType="1" noTextEdit="1"/>
+          </p:cNvSpPr>
+          <p:nvPr>
+            <p:extLst>
+              <p:ext uri="{386F3935-93C4-4BCD-93E2-E3B085C9AB24}">
+                <p16:designElem xmlns:p16="http://schemas.microsoft.com/office/powerpoint/2015/main" val="1"/>
+              </p:ext>
+            </p:extLst>
+          </p:nvPr>
+        </p:nvSpPr>
+        <p:spPr>
+          <a:xfrm>
+            <a:off x="0" y="0"/>
+            <a:ext cx="12188952" cy="6858000"/>
+          </a:xfrm>
+          <a:prstGeom prst="rect">
+            <a:avLst/>
+          </a:prstGeom>
+          <a:ln>
+            <a:noFill/>
+          </a:ln>
+        </p:spPr>
+        <p:style>
+          <a:lnRef idx="2">
+            <a:schemeClr val="accent1">
+              <a:shade val="50000"/>
+            </a:schemeClr>
+          </a:lnRef>
+          <a:fillRef idx="1">
+            <a:schemeClr val="accent1"/>
+          </a:fillRef>
+          <a:effectRef idx="0">
+            <a:schemeClr val="accent1"/>
+          </a:effectRef>
+          <a:fontRef idx="minor">
+            <a:schemeClr val="lt1"/>
+          </a:fontRef>
+        </p:style>
+        <p:txBody>
+          <a:bodyPr rtlCol="0" anchor="ctr"/>
+          <a:lstStyle/>
+          <a:p>
+            <a:pPr algn="ctr"/>
+            <a:endParaRPr lang="en-US"/>
+          </a:p>
+        </p:txBody>
+      </p:sp>
+      <p:sp>
+        <p:nvSpPr>
+          <p:cNvPr id="10" name="Freeform 45">
+            <a:extLst>
+              <a:ext uri="{FF2B5EF4-FFF2-40B4-BE49-F238E27FC236}">
+                <a16:creationId xmlns:a16="http://schemas.microsoft.com/office/drawing/2014/main" id="{CFE45BF0-46DB-408C-B5F7-7B11716805D4}"/>
+              </a:ext>
+              <a:ext uri="{C183D7F6-B498-43B3-948B-1728B52AA6E4}">
+                <adec:decorative xmlns:adec="http://schemas.microsoft.com/office/drawing/2017/decorative" val="1"/>
+              </a:ext>
+            </a:extLst>
+          </p:cNvPr>
+          <p:cNvSpPr>
+            <a:spLocks noGrp="1" noRot="1" noChangeAspect="1" noMove="1" noResize="1" noEditPoints="1" noAdjustHandles="1" noChangeArrowheads="1" noChangeShapeType="1" noTextEdit="1"/>
+          </p:cNvSpPr>
+          <p:nvPr>
+            <p:extLst>
+              <p:ext uri="{386F3935-93C4-4BCD-93E2-E3B085C9AB24}">
+                <p16:designElem xmlns:p16="http://schemas.microsoft.com/office/powerpoint/2015/main" val="1"/>
+              </p:ext>
+            </p:extLst>
+          </p:nvPr>
+        </p:nvSpPr>
+        <p:spPr bwMode="auto">
+          <a:xfrm>
+            <a:off x="409710" y="1022350"/>
+            <a:ext cx="709612" cy="2095501"/>
+          </a:xfrm>
+          <a:custGeom>
+            <a:avLst/>
+            <a:gdLst>
+              <a:gd name="T0" fmla="*/ 447 w 447"/>
+              <a:gd name="T1" fmla="*/ 1363 h 1363"/>
+              <a:gd name="T2" fmla="*/ 0 w 447"/>
+              <a:gd name="T3" fmla="*/ 987 h 1363"/>
+              <a:gd name="T4" fmla="*/ 0 w 447"/>
+              <a:gd name="T5" fmla="*/ 0 h 1363"/>
+              <a:gd name="T6" fmla="*/ 447 w 447"/>
+              <a:gd name="T7" fmla="*/ 376 h 1363"/>
+              <a:gd name="T8" fmla="*/ 447 w 447"/>
+              <a:gd name="T9" fmla="*/ 1363 h 1363"/>
+            </a:gdLst>
+            <a:ahLst/>
+            <a:cxnLst>
+              <a:cxn ang="0">
+                <a:pos x="T0" y="T1"/>
+              </a:cxn>
+              <a:cxn ang="0">
+                <a:pos x="T2" y="T3"/>
+              </a:cxn>
+              <a:cxn ang="0">
+                <a:pos x="T4" y="T5"/>
+              </a:cxn>
+              <a:cxn ang="0">
+                <a:pos x="T6" y="T7"/>
+              </a:cxn>
+              <a:cxn ang="0">
+                <a:pos x="T8" y="T9"/>
+              </a:cxn>
+            </a:cxnLst>
+            <a:rect l="0" t="0" r="r" b="b"/>
+            <a:pathLst>
+              <a:path w="447" h="1363">
+                <a:moveTo>
+                  <a:pt x="447" y="1363"/>
+                </a:moveTo>
+                <a:lnTo>
+                  <a:pt x="0" y="987"/>
+                </a:lnTo>
+                <a:lnTo>
+                  <a:pt x="0" y="0"/>
+                </a:lnTo>
+                <a:lnTo>
+                  <a:pt x="447" y="376"/>
+                </a:lnTo>
+                <a:lnTo>
+                  <a:pt x="447" y="1363"/>
+                </a:lnTo>
+                <a:close/>
+              </a:path>
+            </a:pathLst>
+          </a:custGeom>
+          <a:solidFill>
+            <a:schemeClr val="accent1">
+              <a:lumMod val="50000"/>
+            </a:schemeClr>
+          </a:solidFill>
+          <a:ln>
+            <a:noFill/>
+          </a:ln>
+        </p:spPr>
+        <p:txBody>
+          <a:bodyPr vert="horz" wrap="square" lIns="91440" tIns="45720" rIns="91440" bIns="45720" numCol="1" anchor="t" anchorCtr="0" compatLnSpc="1">
+            <a:prstTxWarp prst="textNoShape">
+              <a:avLst/>
+            </a:prstTxWarp>
+          </a:bodyPr>
+          <a:lstStyle/>
+          <a:p>
+            <a:endParaRPr lang="en-US"/>
+          </a:p>
+        </p:txBody>
+      </p:sp>
+      <p:sp>
+        <p:nvSpPr>
+          <p:cNvPr id="12" name="Freeform 46">
+            <a:extLst>
+              <a:ext uri="{FF2B5EF4-FFF2-40B4-BE49-F238E27FC236}">
+                <a16:creationId xmlns:a16="http://schemas.microsoft.com/office/drawing/2014/main" id="{2AEBC8F2-97B1-41B4-93F1-2D289E197FBA}"/>
+              </a:ext>
+              <a:ext uri="{C183D7F6-B498-43B3-948B-1728B52AA6E4}">
+                <adec:decorative xmlns:adec="http://schemas.microsoft.com/office/drawing/2017/decorative" val="1"/>
+              </a:ext>
+            </a:extLst>
+          </p:cNvPr>
+          <p:cNvSpPr>
+            <a:spLocks noGrp="1" noRot="1" noChangeAspect="1" noMove="1" noResize="1" noEditPoints="1" noAdjustHandles="1" noChangeArrowheads="1" noChangeShapeType="1" noTextEdit="1"/>
+          </p:cNvSpPr>
+          <p:nvPr>
+            <p:extLst>
+              <p:ext uri="{386F3935-93C4-4BCD-93E2-E3B085C9AB24}">
+                <p16:designElem xmlns:p16="http://schemas.microsoft.com/office/powerpoint/2015/main" val="1"/>
+              </p:ext>
+            </p:extLst>
+          </p:nvPr>
+        </p:nvSpPr>
+        <p:spPr bwMode="auto">
+          <a:xfrm>
+            <a:off x="409710" y="837744"/>
+            <a:ext cx="403225" cy="1705431"/>
+          </a:xfrm>
+          <a:custGeom>
+            <a:avLst/>
+            <a:gdLst>
+              <a:gd name="T0" fmla="*/ 254 w 254"/>
+              <a:gd name="T1" fmla="*/ 987 h 1109"/>
+              <a:gd name="T2" fmla="*/ 0 w 254"/>
+              <a:gd name="T3" fmla="*/ 1109 h 1109"/>
+              <a:gd name="T4" fmla="*/ 0 w 254"/>
+              <a:gd name="T5" fmla="*/ 119 h 1109"/>
+              <a:gd name="T6" fmla="*/ 254 w 254"/>
+              <a:gd name="T7" fmla="*/ 0 h 1109"/>
+              <a:gd name="T8" fmla="*/ 254 w 254"/>
+              <a:gd name="T9" fmla="*/ 987 h 1109"/>
+            </a:gdLst>
+            <a:ahLst/>
+            <a:cxnLst>
+              <a:cxn ang="0">
+                <a:pos x="T0" y="T1"/>
+              </a:cxn>
+              <a:cxn ang="0">
+                <a:pos x="T2" y="T3"/>
+              </a:cxn>
+              <a:cxn ang="0">
+                <a:pos x="T4" y="T5"/>
+              </a:cxn>
+              <a:cxn ang="0">
+                <a:pos x="T6" y="T7"/>
+              </a:cxn>
+              <a:cxn ang="0">
+                <a:pos x="T8" y="T9"/>
+              </a:cxn>
+            </a:cxnLst>
+            <a:rect l="0" t="0" r="r" b="b"/>
+            <a:pathLst>
+              <a:path w="254" h="1109">
+                <a:moveTo>
+                  <a:pt x="254" y="987"/>
+                </a:moveTo>
+                <a:lnTo>
+                  <a:pt x="0" y="1109"/>
+                </a:lnTo>
+                <a:lnTo>
+                  <a:pt x="0" y="119"/>
+                </a:lnTo>
+                <a:lnTo>
+                  <a:pt x="254" y="0"/>
+                </a:lnTo>
+                <a:lnTo>
+                  <a:pt x="254" y="987"/>
+                </a:lnTo>
+                <a:close/>
+              </a:path>
+            </a:pathLst>
+          </a:custGeom>
+          <a:solidFill>
+            <a:schemeClr val="accent1">
+              <a:lumMod val="75000"/>
+            </a:schemeClr>
+          </a:solidFill>
+          <a:ln>
+            <a:noFill/>
+          </a:ln>
+        </p:spPr>
+        <p:txBody>
+          <a:bodyPr vert="horz" wrap="square" lIns="91440" tIns="45720" rIns="91440" bIns="45720" numCol="1" anchor="t" anchorCtr="0" compatLnSpc="1">
+            <a:prstTxWarp prst="textNoShape">
+              <a:avLst/>
+            </a:prstTxWarp>
+          </a:bodyPr>
+          <a:lstStyle/>
+          <a:p>
+            <a:endParaRPr lang="en-US"/>
+          </a:p>
+        </p:txBody>
+      </p:sp>
+      <p:sp>
+        <p:nvSpPr>
+          <p:cNvPr id="14" name="Freeform 47">
+            <a:extLst>
+              <a:ext uri="{FF2B5EF4-FFF2-40B4-BE49-F238E27FC236}">
+                <a16:creationId xmlns:a16="http://schemas.microsoft.com/office/drawing/2014/main" id="{472E3A19-F5D5-48FC-BB9C-48C2F68F598B}"/>
+              </a:ext>
+              <a:ext uri="{C183D7F6-B498-43B3-948B-1728B52AA6E4}">
+                <adec:decorative xmlns:adec="http://schemas.microsoft.com/office/drawing/2017/decorative" val="1"/>
+              </a:ext>
+            </a:extLst>
+          </p:cNvPr>
+          <p:cNvSpPr>
+            <a:spLocks noGrp="1" noRot="1" noChangeAspect="1" noMove="1" noResize="1" noEditPoints="1" noAdjustHandles="1" noChangeArrowheads="1" noChangeShapeType="1" noTextEdit="1"/>
+          </p:cNvSpPr>
+          <p:nvPr>
+            <p:extLst>
+              <p:ext uri="{386F3935-93C4-4BCD-93E2-E3B085C9AB24}">
+                <p16:designElem xmlns:p16="http://schemas.microsoft.com/office/powerpoint/2015/main" val="1"/>
+              </p:ext>
+            </p:extLst>
+          </p:nvPr>
+        </p:nvSpPr>
+        <p:spPr bwMode="auto">
+          <a:xfrm>
+            <a:off x="644660" y="640894"/>
+            <a:ext cx="168275" cy="1713195"/>
+          </a:xfrm>
+          <a:custGeom>
+            <a:avLst/>
+            <a:gdLst>
+              <a:gd name="T0" fmla="*/ 106 w 106"/>
+              <a:gd name="T1" fmla="*/ 1114 h 1114"/>
+              <a:gd name="T2" fmla="*/ 0 w 106"/>
+              <a:gd name="T3" fmla="*/ 1005 h 1114"/>
+              <a:gd name="T4" fmla="*/ 0 w 106"/>
+              <a:gd name="T5" fmla="*/ 0 h 1114"/>
+              <a:gd name="T6" fmla="*/ 106 w 106"/>
+              <a:gd name="T7" fmla="*/ 110 h 1114"/>
+              <a:gd name="T8" fmla="*/ 106 w 106"/>
+              <a:gd name="T9" fmla="*/ 1114 h 1114"/>
+            </a:gdLst>
+            <a:ahLst/>
+            <a:cxnLst>
+              <a:cxn ang="0">
+                <a:pos x="T0" y="T1"/>
+              </a:cxn>
+              <a:cxn ang="0">
+                <a:pos x="T2" y="T3"/>
+              </a:cxn>
+              <a:cxn ang="0">
+                <a:pos x="T4" y="T5"/>
+              </a:cxn>
+              <a:cxn ang="0">
+                <a:pos x="T6" y="T7"/>
+              </a:cxn>
+              <a:cxn ang="0">
+                <a:pos x="T8" y="T9"/>
+              </a:cxn>
+            </a:cxnLst>
+            <a:rect l="0" t="0" r="r" b="b"/>
+            <a:pathLst>
+              <a:path w="106" h="1114">
+                <a:moveTo>
+                  <a:pt x="106" y="1114"/>
+                </a:moveTo>
+                <a:lnTo>
+                  <a:pt x="0" y="1005"/>
+                </a:lnTo>
+                <a:lnTo>
+                  <a:pt x="0" y="0"/>
+                </a:lnTo>
+                <a:lnTo>
+                  <a:pt x="106" y="110"/>
+                </a:lnTo>
+                <a:lnTo>
+                  <a:pt x="106" y="1114"/>
+                </a:lnTo>
+                <a:close/>
+              </a:path>
+            </a:pathLst>
+          </a:custGeom>
+          <a:solidFill>
+            <a:schemeClr val="accent1">
+              <a:lumMod val="50000"/>
+            </a:schemeClr>
+          </a:solidFill>
+          <a:ln>
+            <a:noFill/>
+          </a:ln>
+        </p:spPr>
+        <p:txBody>
+          <a:bodyPr vert="horz" wrap="square" lIns="91440" tIns="45720" rIns="91440" bIns="45720" numCol="1" anchor="t" anchorCtr="0" compatLnSpc="1">
+            <a:prstTxWarp prst="textNoShape">
+              <a:avLst/>
+            </a:prstTxWarp>
+          </a:bodyPr>
+          <a:lstStyle/>
+          <a:p>
+            <a:endParaRPr lang="en-US"/>
+          </a:p>
+        </p:txBody>
+      </p:sp>
+      <p:sp>
+        <p:nvSpPr>
+          <p:cNvPr id="16" name="Freeform 44">
+            <a:extLst>
+              <a:ext uri="{FF2B5EF4-FFF2-40B4-BE49-F238E27FC236}">
+                <a16:creationId xmlns:a16="http://schemas.microsoft.com/office/drawing/2014/main" id="{7A62E32F-BB65-43A8-8EB5-92346890E549}"/>
+              </a:ext>
+              <a:ext uri="{C183D7F6-B498-43B3-948B-1728B52AA6E4}">
+                <adec:decorative xmlns:adec="http://schemas.microsoft.com/office/drawing/2017/decorative" val="1"/>
+              </a:ext>
+            </a:extLst>
+          </p:cNvPr>
+          <p:cNvSpPr>
+            <a:spLocks noGrp="1" noRot="1" noChangeAspect="1" noMove="1" noResize="1" noEditPoints="1" noAdjustHandles="1" noChangeArrowheads="1" noChangeShapeType="1" noTextEdit="1"/>
+          </p:cNvSpPr>
+          <p:nvPr>
+            <p:extLst>
+              <p:ext uri="{386F3935-93C4-4BCD-93E2-E3B085C9AB24}">
+                <p16:designElem xmlns:p16="http://schemas.microsoft.com/office/powerpoint/2015/main" val="1"/>
+              </p:ext>
+            </p:extLst>
+          </p:nvPr>
+        </p:nvSpPr>
+        <p:spPr bwMode="auto">
+          <a:xfrm>
+            <a:off x="11223203" y="635716"/>
+            <a:ext cx="328612" cy="1742360"/>
+          </a:xfrm>
+          <a:custGeom>
+            <a:avLst/>
+            <a:gdLst>
+              <a:gd name="T0" fmla="*/ 207 w 207"/>
+              <a:gd name="T1" fmla="*/ 987 h 1114"/>
+              <a:gd name="T2" fmla="*/ 0 w 207"/>
+              <a:gd name="T3" fmla="*/ 1114 h 1114"/>
+              <a:gd name="T4" fmla="*/ 0 w 207"/>
+              <a:gd name="T5" fmla="*/ 127 h 1114"/>
+              <a:gd name="T6" fmla="*/ 207 w 207"/>
+              <a:gd name="T7" fmla="*/ 0 h 1114"/>
+              <a:gd name="T8" fmla="*/ 207 w 207"/>
+              <a:gd name="T9" fmla="*/ 987 h 1114"/>
+            </a:gdLst>
+            <a:ahLst/>
+            <a:cxnLst>
+              <a:cxn ang="0">
+                <a:pos x="T0" y="T1"/>
+              </a:cxn>
+              <a:cxn ang="0">
+                <a:pos x="T2" y="T3"/>
+              </a:cxn>
+              <a:cxn ang="0">
+                <a:pos x="T4" y="T5"/>
+              </a:cxn>
+              <a:cxn ang="0">
+                <a:pos x="T6" y="T7"/>
+              </a:cxn>
+              <a:cxn ang="0">
+                <a:pos x="T8" y="T9"/>
+              </a:cxn>
+            </a:cxnLst>
+            <a:rect l="0" t="0" r="r" b="b"/>
+            <a:pathLst>
+              <a:path w="207" h="1114">
+                <a:moveTo>
+                  <a:pt x="207" y="987"/>
+                </a:moveTo>
+                <a:lnTo>
+                  <a:pt x="0" y="1114"/>
+                </a:lnTo>
+                <a:lnTo>
+                  <a:pt x="0" y="127"/>
+                </a:lnTo>
+                <a:lnTo>
+                  <a:pt x="207" y="0"/>
+                </a:lnTo>
+                <a:lnTo>
+                  <a:pt x="207" y="987"/>
+                </a:lnTo>
+                <a:close/>
+              </a:path>
+            </a:pathLst>
+          </a:custGeom>
+          <a:solidFill>
+            <a:schemeClr val="accent1">
+              <a:lumMod val="50000"/>
+            </a:schemeClr>
+          </a:solidFill>
+          <a:ln>
+            <a:noFill/>
+          </a:ln>
+        </p:spPr>
+        <p:txBody>
+          <a:bodyPr vert="horz" wrap="square" lIns="91440" tIns="45720" rIns="91440" bIns="45720" numCol="1" anchor="t" anchorCtr="0" compatLnSpc="1">
+            <a:prstTxWarp prst="textNoShape">
+              <a:avLst/>
+            </a:prstTxWarp>
+          </a:bodyPr>
+          <a:lstStyle/>
+          <a:p>
+            <a:endParaRPr lang="en-US"/>
+          </a:p>
+        </p:txBody>
+      </p:sp>
+      <p:sp>
+        <p:nvSpPr>
+          <p:cNvPr id="18" name="Rectangle 17">
+            <a:extLst>
+              <a:ext uri="{FF2B5EF4-FFF2-40B4-BE49-F238E27FC236}">
+                <a16:creationId xmlns:a16="http://schemas.microsoft.com/office/drawing/2014/main" id="{14E91B64-9FCC-451E-AFB4-A827D6329367}"/>
+              </a:ext>
+              <a:ext uri="{C183D7F6-B498-43B3-948B-1728B52AA6E4}">
+                <adec:decorative xmlns:adec="http://schemas.microsoft.com/office/drawing/2017/decorative" val="1"/>
+              </a:ext>
+            </a:extLst>
+          </p:cNvPr>
+          <p:cNvSpPr>
+            <a:spLocks noGrp="1" noRot="1" noChangeAspect="1" noMove="1" noResize="1" noEditPoints="1" noAdjustHandles="1" noChangeArrowheads="1" noChangeShapeType="1" noTextEdit="1"/>
+          </p:cNvSpPr>
+          <p:nvPr>
+            <p:extLst>
+              <p:ext uri="{386F3935-93C4-4BCD-93E2-E3B085C9AB24}">
+                <p16:designElem xmlns:p16="http://schemas.microsoft.com/office/powerpoint/2015/main" val="1"/>
+              </p:ext>
+            </p:extLst>
+          </p:nvPr>
+        </p:nvSpPr>
+        <p:spPr bwMode="auto">
+          <a:xfrm>
+            <a:off x="644055" y="635715"/>
+            <a:ext cx="10907863" cy="1541457"/>
+          </a:xfrm>
+          <a:prstGeom prst="rect">
+            <a:avLst/>
+          </a:prstGeom>
+          <a:solidFill>
+            <a:schemeClr val="accent1"/>
+          </a:solidFill>
+          <a:ln>
+            <a:noFill/>
+          </a:ln>
+        </p:spPr>
+        <p:txBody>
+          <a:bodyPr vert="horz" wrap="square" lIns="91440" tIns="45720" rIns="91440" bIns="45720" numCol="1" anchor="t" anchorCtr="0" compatLnSpc="1">
+            <a:prstTxWarp prst="textNoShape">
+              <a:avLst/>
+            </a:prstTxWarp>
+          </a:bodyPr>
+          <a:lstStyle/>
+          <a:p>
+            <a:endParaRPr lang="en-US"/>
+          </a:p>
+        </p:txBody>
+      </p:sp>
+      <p:sp>
+        <p:nvSpPr>
+          <p:cNvPr id="2" name="标题 1">
+            <a:extLst>
+              <a:ext uri="{FF2B5EF4-FFF2-40B4-BE49-F238E27FC236}">
+                <a16:creationId xmlns:a16="http://schemas.microsoft.com/office/drawing/2014/main" id="{8E0C4025-2C08-4DFF-A551-860A0C947505}"/>
+              </a:ext>
+            </a:extLst>
+          </p:cNvPr>
+          <p:cNvSpPr>
+            <a:spLocks noGrp="1"/>
+          </p:cNvSpPr>
+          <p:nvPr>
+            <p:ph type="title"/>
+          </p:nvPr>
+        </p:nvSpPr>
+        <p:spPr>
+          <a:xfrm>
+            <a:off x="958506" y="800392"/>
+            <a:ext cx="10264697" cy="1212102"/>
+          </a:xfrm>
+        </p:spPr>
+        <p:txBody>
+          <a:bodyPr>
+            <a:normAutofit/>
+          </a:bodyPr>
+          <a:lstStyle/>
+          <a:p>
+            <a:r>
+              <a:rPr lang="en-US" altLang="zh-CN" sz="4000" dirty="0" err="1">
+                <a:solidFill>
+                  <a:srgbClr val="FFFFFF"/>
+                </a:solidFill>
+              </a:rPr>
+              <a:t>Jmeter</a:t>
+            </a:r>
+            <a:r>
+              <a:rPr lang="zh-CN" altLang="en-US" sz="4000" dirty="0">
+                <a:solidFill>
+                  <a:srgbClr val="FFFFFF"/>
+                </a:solidFill>
+              </a:rPr>
+              <a:t>测试</a:t>
+            </a:r>
+          </a:p>
+        </p:txBody>
+      </p:sp>
+      <p:sp>
+        <p:nvSpPr>
+          <p:cNvPr id="11" name="椭圆 10">
+            <a:extLst>
+              <a:ext uri="{FF2B5EF4-FFF2-40B4-BE49-F238E27FC236}">
+                <a16:creationId xmlns:a16="http://schemas.microsoft.com/office/drawing/2014/main" id="{AAD5ED67-5E59-4269-B305-F62ADEE10A53}"/>
+              </a:ext>
+            </a:extLst>
+          </p:cNvPr>
+          <p:cNvSpPr/>
+          <p:nvPr/>
+        </p:nvSpPr>
+        <p:spPr>
+          <a:xfrm rot="1488327">
+            <a:off x="9033364" y="958121"/>
+            <a:ext cx="2432481" cy="896645"/>
+          </a:xfrm>
+          <a:prstGeom prst="ellipse">
+            <a:avLst/>
+          </a:prstGeom>
+        </p:spPr>
+        <p:style>
+          <a:lnRef idx="3">
+            <a:schemeClr val="lt1"/>
+          </a:lnRef>
+          <a:fillRef idx="1">
+            <a:schemeClr val="accent3"/>
+          </a:fillRef>
+          <a:effectRef idx="1">
+            <a:schemeClr val="accent3"/>
+          </a:effectRef>
+          <a:fontRef idx="minor">
+            <a:schemeClr val="lt1"/>
+          </a:fontRef>
+        </p:style>
+        <p:txBody>
+          <a:bodyPr rtlCol="0" anchor="ctr"/>
+          <a:lstStyle/>
+          <a:p>
+            <a:pPr algn="ctr"/>
+            <a:r>
+              <a:rPr lang="zh-CN" altLang="en-US" dirty="0"/>
+              <a:t>测试</a:t>
+            </a:r>
+          </a:p>
+        </p:txBody>
+      </p:sp>
       <p:sp>
         <p:nvSpPr>
           <p:cNvPr id="9" name="文本框 8">
@@ -24682,7 +26118,7 @@
 </p:sld>
 </file>
 
-<file path=ppt/slides/slide37.xml><?xml version="1.0" encoding="utf-8"?>
+<file path=ppt/slides/slide39.xml><?xml version="1.0" encoding="utf-8"?>
 <p:sld xmlns:a="http://schemas.openxmlformats.org/drawingml/2006/main" xmlns:r="http://schemas.openxmlformats.org/officeDocument/2006/relationships" xmlns:p="http://schemas.openxmlformats.org/presentationml/2006/main">
   <p:cSld>
     <p:bg>
@@ -26888,7 +28324,7 @@
           <a:graphicData uri="http://schemas.openxmlformats.org/presentationml/2006/ole">
             <mc:AlternateContent xmlns:mc="http://schemas.openxmlformats.org/markup-compatibility/2006">
               <mc:Choice xmlns:v="urn:schemas-microsoft-com:vml" Requires="v">
-                <p:oleObj spid="_x0000_s1461" name="Worksheet" showAsIcon="1" r:id="rId3" imgW="914400" imgH="828646" progId="Excel.Sheet.12">
+                <p:oleObj spid="_x0000_s1475" name="Worksheet" showAsIcon="1" r:id="rId3" imgW="914400" imgH="828646" progId="Excel.Sheet.12">
                   <p:embed/>
                 </p:oleObj>
               </mc:Choice>
